--- a/documentation/Location Based Mobile Marketing System.pptx
+++ b/documentation/Location Based Mobile Marketing System.pptx
@@ -28,6 +28,9 @@
     <p:sldId id="279" r:id="rId22"/>
     <p:sldId id="267" r:id="rId23"/>
     <p:sldId id="280" r:id="rId24"/>
+    <p:sldId id="281" r:id="rId25"/>
+    <p:sldId id="282" r:id="rId26"/>
+    <p:sldId id="283" r:id="rId27"/>
   </p:sldIdLst>
   <p:sldSz cx="9144000" cy="6858000" type="screen4x3"/>
   <p:notesSz cx="6858000" cy="9144000"/>
@@ -9074,6 +9077,776 @@
 </p:sld>
 </file>
 
+<file path=ppt/slides/slide24.xml><?xml version="1.0" encoding="utf-8"?>
+<p:sld xmlns:a="http://schemas.openxmlformats.org/drawingml/2006/main" xmlns:r="http://schemas.openxmlformats.org/officeDocument/2006/relationships" xmlns:p="http://schemas.openxmlformats.org/presentationml/2006/main">
+  <p:cSld>
+    <p:spTree>
+      <p:nvGrpSpPr>
+        <p:cNvPr id="1" name=""/>
+        <p:cNvGrpSpPr/>
+        <p:nvPr/>
+      </p:nvGrpSpPr>
+      <p:grpSpPr>
+        <a:xfrm>
+          <a:off x="0" y="0"/>
+          <a:ext cx="0" cy="0"/>
+          <a:chOff x="0" y="0"/>
+          <a:chExt cx="0" cy="0"/>
+        </a:xfrm>
+      </p:grpSpPr>
+      <p:sp>
+        <p:nvSpPr>
+          <p:cNvPr id="2" name="Title 1"/>
+          <p:cNvSpPr>
+            <a:spLocks noGrp="1"/>
+          </p:cNvSpPr>
+          <p:nvPr>
+            <p:ph type="title"/>
+          </p:nvPr>
+        </p:nvSpPr>
+        <p:spPr>
+          <a:xfrm>
+            <a:off x="990600" y="457200"/>
+            <a:ext cx="6512511" cy="838200"/>
+          </a:xfrm>
+        </p:spPr>
+        <p:txBody>
+          <a:bodyPr/>
+          <a:lstStyle/>
+          <a:p>
+            <a:pPr marL="0" indent="0" algn="l">
+              <a:buNone/>
+            </a:pPr>
+            <a:r>
+              <a:rPr lang="en-US" sz="3600" dirty="0" smtClean="0">
+                <a:solidFill>
+                  <a:schemeClr val="accent1">
+                    <a:lumMod val="50000"/>
+                  </a:schemeClr>
+                </a:solidFill>
+              </a:rPr>
+              <a:t>Demonstration</a:t>
+            </a:r>
+            <a:endParaRPr lang="en-US" sz="3600" dirty="0">
+              <a:solidFill>
+                <a:schemeClr val="accent1">
+                  <a:lumMod val="50000"/>
+                </a:schemeClr>
+              </a:solidFill>
+            </a:endParaRPr>
+          </a:p>
+        </p:txBody>
+      </p:sp>
+      <p:sp>
+        <p:nvSpPr>
+          <p:cNvPr id="5" name="Oval 4"/>
+          <p:cNvSpPr/>
+          <p:nvPr/>
+        </p:nvSpPr>
+        <p:spPr>
+          <a:xfrm>
+            <a:off x="752901" y="1219200"/>
+            <a:ext cx="2895600" cy="1447800"/>
+          </a:xfrm>
+          <a:prstGeom prst="ellipse">
+            <a:avLst/>
+          </a:prstGeom>
+        </p:spPr>
+        <p:style>
+          <a:lnRef idx="2">
+            <a:schemeClr val="accent1">
+              <a:shade val="50000"/>
+            </a:schemeClr>
+          </a:lnRef>
+          <a:fillRef idx="1">
+            <a:schemeClr val="accent1"/>
+          </a:fillRef>
+          <a:effectRef idx="0">
+            <a:schemeClr val="accent1"/>
+          </a:effectRef>
+          <a:fontRef idx="minor">
+            <a:schemeClr val="lt1"/>
+          </a:fontRef>
+        </p:style>
+        <p:txBody>
+          <a:bodyPr rtlCol="0" anchor="ctr"/>
+          <a:lstStyle/>
+          <a:p>
+            <a:pPr algn="ctr"/>
+            <a:r>
+              <a:rPr lang="en-US" dirty="0" smtClean="0"/>
+              <a:t>isuru@gmail.com</a:t>
+            </a:r>
+          </a:p>
+        </p:txBody>
+      </p:sp>
+      <p:sp>
+        <p:nvSpPr>
+          <p:cNvPr id="7" name="Oval 6"/>
+          <p:cNvSpPr/>
+          <p:nvPr/>
+        </p:nvSpPr>
+        <p:spPr>
+          <a:xfrm>
+            <a:off x="739254" y="4800600"/>
+            <a:ext cx="3223146" cy="1447800"/>
+          </a:xfrm>
+          <a:prstGeom prst="ellipse">
+            <a:avLst/>
+          </a:prstGeom>
+        </p:spPr>
+        <p:style>
+          <a:lnRef idx="2">
+            <a:schemeClr val="accent1">
+              <a:shade val="50000"/>
+            </a:schemeClr>
+          </a:lnRef>
+          <a:fillRef idx="1">
+            <a:schemeClr val="accent1"/>
+          </a:fillRef>
+          <a:effectRef idx="0">
+            <a:schemeClr val="accent1"/>
+          </a:effectRef>
+          <a:fontRef idx="minor">
+            <a:schemeClr val="lt1"/>
+          </a:fontRef>
+        </p:style>
+        <p:txBody>
+          <a:bodyPr rtlCol="0" anchor="ctr"/>
+          <a:lstStyle/>
+          <a:p>
+            <a:pPr algn="ctr"/>
+            <a:r>
+              <a:rPr lang="en-US" dirty="0" smtClean="0"/>
+              <a:t>ranjith@gmail.com</a:t>
+            </a:r>
+          </a:p>
+        </p:txBody>
+      </p:sp>
+      <p:sp>
+        <p:nvSpPr>
+          <p:cNvPr id="8" name="Oval 7"/>
+          <p:cNvSpPr/>
+          <p:nvPr/>
+        </p:nvSpPr>
+        <p:spPr>
+          <a:xfrm>
+            <a:off x="752900" y="2971800"/>
+            <a:ext cx="3209499" cy="1447800"/>
+          </a:xfrm>
+          <a:prstGeom prst="ellipse">
+            <a:avLst/>
+          </a:prstGeom>
+        </p:spPr>
+        <p:style>
+          <a:lnRef idx="2">
+            <a:schemeClr val="accent1">
+              <a:shade val="50000"/>
+            </a:schemeClr>
+          </a:lnRef>
+          <a:fillRef idx="1">
+            <a:schemeClr val="accent1"/>
+          </a:fillRef>
+          <a:effectRef idx="0">
+            <a:schemeClr val="accent1"/>
+          </a:effectRef>
+          <a:fontRef idx="minor">
+            <a:schemeClr val="lt1"/>
+          </a:fontRef>
+        </p:style>
+        <p:txBody>
+          <a:bodyPr rtlCol="0" anchor="ctr"/>
+          <a:lstStyle/>
+          <a:p>
+            <a:pPr algn="ctr"/>
+            <a:r>
+              <a:rPr lang="en-US" dirty="0" smtClean="0"/>
+              <a:t>kamal@gmail.com</a:t>
+            </a:r>
+          </a:p>
+        </p:txBody>
+      </p:sp>
+      <p:sp>
+        <p:nvSpPr>
+          <p:cNvPr id="9" name="Cube 8"/>
+          <p:cNvSpPr/>
+          <p:nvPr/>
+        </p:nvSpPr>
+        <p:spPr>
+          <a:xfrm>
+            <a:off x="4648200" y="2806890"/>
+            <a:ext cx="2667000" cy="1447800"/>
+          </a:xfrm>
+          <a:prstGeom prst="cube">
+            <a:avLst/>
+          </a:prstGeom>
+        </p:spPr>
+        <p:style>
+          <a:lnRef idx="2">
+            <a:schemeClr val="accent1">
+              <a:shade val="50000"/>
+            </a:schemeClr>
+          </a:lnRef>
+          <a:fillRef idx="1">
+            <a:schemeClr val="accent1"/>
+          </a:fillRef>
+          <a:effectRef idx="0">
+            <a:schemeClr val="accent1"/>
+          </a:effectRef>
+          <a:fontRef idx="minor">
+            <a:schemeClr val="lt1"/>
+          </a:fontRef>
+        </p:style>
+        <p:txBody>
+          <a:bodyPr rtlCol="0" anchor="ctr"/>
+          <a:lstStyle/>
+          <a:p>
+            <a:pPr algn="ctr"/>
+            <a:r>
+              <a:rPr lang="en-US" dirty="0" smtClean="0"/>
+              <a:t>Phone – Samsung Note3</a:t>
+            </a:r>
+            <a:endParaRPr lang="en-US" dirty="0"/>
+          </a:p>
+        </p:txBody>
+      </p:sp>
+      <p:sp>
+        <p:nvSpPr>
+          <p:cNvPr id="10" name="Cube 9"/>
+          <p:cNvSpPr/>
+          <p:nvPr/>
+        </p:nvSpPr>
+        <p:spPr>
+          <a:xfrm>
+            <a:off x="4806855" y="4648200"/>
+            <a:ext cx="2667000" cy="1447800"/>
+          </a:xfrm>
+          <a:prstGeom prst="cube">
+            <a:avLst/>
+          </a:prstGeom>
+        </p:spPr>
+        <p:style>
+          <a:lnRef idx="2">
+            <a:schemeClr val="accent1">
+              <a:shade val="50000"/>
+            </a:schemeClr>
+          </a:lnRef>
+          <a:fillRef idx="1">
+            <a:schemeClr val="accent1"/>
+          </a:fillRef>
+          <a:effectRef idx="0">
+            <a:schemeClr val="accent1"/>
+          </a:effectRef>
+          <a:fontRef idx="minor">
+            <a:schemeClr val="lt1"/>
+          </a:fontRef>
+        </p:style>
+        <p:txBody>
+          <a:bodyPr rtlCol="0" anchor="ctr"/>
+          <a:lstStyle/>
+          <a:p>
+            <a:pPr algn="ctr"/>
+            <a:r>
+              <a:rPr lang="en-US" dirty="0" smtClean="0"/>
+              <a:t>Car - </a:t>
+            </a:r>
+            <a:r>
+              <a:rPr lang="en-US" dirty="0"/>
+              <a:t>BMW X1 </a:t>
+            </a:r>
+            <a:r>
+              <a:rPr lang="en-US" dirty="0" smtClean="0"/>
+              <a:t>2011  </a:t>
+            </a:r>
+            <a:endParaRPr lang="en-US" dirty="0"/>
+          </a:p>
+        </p:txBody>
+      </p:sp>
+      <p:graphicFrame>
+        <p:nvGraphicFramePr>
+          <p:cNvPr id="12" name="Table 11"/>
+          <p:cNvGraphicFramePr>
+            <a:graphicFrameLocks noGrp="1"/>
+          </p:cNvGraphicFramePr>
+          <p:nvPr/>
+        </p:nvGraphicFramePr>
+        <p:xfrm>
+          <a:off x="508000" y="3918426"/>
+          <a:ext cx="6446838" cy="365760"/>
+        </p:xfrm>
+        <a:graphic>
+          <a:graphicData uri="http://schemas.openxmlformats.org/drawingml/2006/table">
+            <a:tbl>
+              <a:tblPr/>
+              <a:tblGrid>
+                <a:gridCol w="6446838"/>
+              </a:tblGrid>
+              <a:tr h="0">
+                <a:tc>
+                  <a:txBody>
+                    <a:bodyPr/>
+                    <a:lstStyle/>
+                    <a:p>
+                      <a:endParaRPr lang="en-US" dirty="0"/>
+                    </a:p>
+                  </a:txBody>
+                  <a:tcPr anchor="ctr">
+                    <a:lnL>
+                      <a:noFill/>
+                    </a:lnL>
+                    <a:lnR>
+                      <a:noFill/>
+                    </a:lnR>
+                    <a:lnT>
+                      <a:noFill/>
+                    </a:lnT>
+                    <a:lnB>
+                      <a:noFill/>
+                    </a:lnB>
+                  </a:tcPr>
+                </a:tc>
+              </a:tr>
+            </a:tbl>
+          </a:graphicData>
+        </a:graphic>
+      </p:graphicFrame>
+      <p:cxnSp>
+        <p:nvCxnSpPr>
+          <p:cNvPr id="14" name="Straight Arrow Connector 13"/>
+          <p:cNvCxnSpPr>
+            <a:stCxn id="8" idx="6"/>
+            <a:endCxn id="9" idx="2"/>
+          </p:cNvCxnSpPr>
+          <p:nvPr/>
+        </p:nvCxnSpPr>
+        <p:spPr>
+          <a:xfrm>
+            <a:off x="3962399" y="3695700"/>
+            <a:ext cx="685801" cy="16065"/>
+          </a:xfrm>
+          <a:prstGeom prst="straightConnector1">
+            <a:avLst/>
+          </a:prstGeom>
+          <a:ln>
+            <a:tailEnd type="arrow"/>
+          </a:ln>
+        </p:spPr>
+        <p:style>
+          <a:lnRef idx="1">
+            <a:schemeClr val="accent1"/>
+          </a:lnRef>
+          <a:fillRef idx="0">
+            <a:schemeClr val="accent1"/>
+          </a:fillRef>
+          <a:effectRef idx="0">
+            <a:schemeClr val="accent1"/>
+          </a:effectRef>
+          <a:fontRef idx="minor">
+            <a:schemeClr val="tx1"/>
+          </a:fontRef>
+        </p:style>
+      </p:cxnSp>
+      <p:cxnSp>
+        <p:nvCxnSpPr>
+          <p:cNvPr id="16" name="Straight Arrow Connector 15"/>
+          <p:cNvCxnSpPr>
+            <a:stCxn id="7" idx="6"/>
+            <a:endCxn id="10" idx="2"/>
+          </p:cNvCxnSpPr>
+          <p:nvPr/>
+        </p:nvCxnSpPr>
+        <p:spPr>
+          <a:xfrm>
+            <a:off x="3962400" y="5524500"/>
+            <a:ext cx="844455" cy="28575"/>
+          </a:xfrm>
+          <a:prstGeom prst="straightConnector1">
+            <a:avLst/>
+          </a:prstGeom>
+          <a:ln>
+            <a:tailEnd type="arrow"/>
+          </a:ln>
+        </p:spPr>
+        <p:style>
+          <a:lnRef idx="1">
+            <a:schemeClr val="accent1"/>
+          </a:lnRef>
+          <a:fillRef idx="0">
+            <a:schemeClr val="accent1"/>
+          </a:fillRef>
+          <a:effectRef idx="0">
+            <a:schemeClr val="accent1"/>
+          </a:effectRef>
+          <a:fontRef idx="minor">
+            <a:schemeClr val="tx1"/>
+          </a:fontRef>
+        </p:style>
+      </p:cxnSp>
+    </p:spTree>
+    <p:extLst>
+      <p:ext uri="{BB962C8B-B14F-4D97-AF65-F5344CB8AC3E}">
+        <p14:creationId xmlns:p14="http://schemas.microsoft.com/office/powerpoint/2010/main" val="767022828"/>
+      </p:ext>
+    </p:extLst>
+  </p:cSld>
+  <p:clrMapOvr>
+    <a:masterClrMapping/>
+  </p:clrMapOvr>
+  <mc:AlternateContent xmlns:mc="http://schemas.openxmlformats.org/markup-compatibility/2006">
+    <mc:Choice xmlns:p14="http://schemas.microsoft.com/office/powerpoint/2010/main" Requires="p14">
+      <p:transition spd="med" p14:dur="700">
+        <p:fade/>
+      </p:transition>
+    </mc:Choice>
+    <mc:Fallback>
+      <p:transition spd="med">
+        <p:fade/>
+      </p:transition>
+    </mc:Fallback>
+  </mc:AlternateContent>
+  <p:timing>
+    <p:tnLst>
+      <p:par>
+        <p:cTn id="1" dur="indefinite" restart="never" nodeType="tmRoot"/>
+      </p:par>
+    </p:tnLst>
+  </p:timing>
+</p:sld>
+</file>
+
+<file path=ppt/slides/slide25.xml><?xml version="1.0" encoding="utf-8"?>
+<p:sld xmlns:a="http://schemas.openxmlformats.org/drawingml/2006/main" xmlns:r="http://schemas.openxmlformats.org/officeDocument/2006/relationships" xmlns:p="http://schemas.openxmlformats.org/presentationml/2006/main">
+  <p:cSld>
+    <p:spTree>
+      <p:nvGrpSpPr>
+        <p:cNvPr id="1" name=""/>
+        <p:cNvGrpSpPr/>
+        <p:nvPr/>
+      </p:nvGrpSpPr>
+      <p:grpSpPr>
+        <a:xfrm>
+          <a:off x="0" y="0"/>
+          <a:ext cx="0" cy="0"/>
+          <a:chOff x="0" y="0"/>
+          <a:chExt cx="0" cy="0"/>
+        </a:xfrm>
+      </p:grpSpPr>
+      <p:sp>
+        <p:nvSpPr>
+          <p:cNvPr id="4" name="Title 1"/>
+          <p:cNvSpPr>
+            <a:spLocks noGrp="1"/>
+          </p:cNvSpPr>
+          <p:nvPr>
+            <p:ph type="title"/>
+          </p:nvPr>
+        </p:nvSpPr>
+        <p:spPr>
+          <a:xfrm>
+            <a:off x="508001" y="609600"/>
+            <a:ext cx="6447501" cy="762000"/>
+          </a:xfrm>
+        </p:spPr>
+        <p:txBody>
+          <a:bodyPr/>
+          <a:lstStyle/>
+          <a:p>
+            <a:pPr marL="0" indent="0" algn="l">
+              <a:buNone/>
+            </a:pPr>
+            <a:r>
+              <a:rPr lang="en-US" sz="3600" dirty="0" smtClean="0">
+                <a:solidFill>
+                  <a:schemeClr val="accent1">
+                    <a:lumMod val="50000"/>
+                  </a:schemeClr>
+                </a:solidFill>
+              </a:rPr>
+              <a:t>Demonstration</a:t>
+            </a:r>
+            <a:endParaRPr lang="en-US" sz="3600" dirty="0">
+              <a:solidFill>
+                <a:schemeClr val="accent1">
+                  <a:lumMod val="50000"/>
+                </a:schemeClr>
+              </a:solidFill>
+            </a:endParaRPr>
+          </a:p>
+        </p:txBody>
+      </p:sp>
+      <p:sp>
+        <p:nvSpPr>
+          <p:cNvPr id="5" name="Content Placeholder 4"/>
+          <p:cNvSpPr>
+            <a:spLocks noGrp="1"/>
+          </p:cNvSpPr>
+          <p:nvPr>
+            <p:ph idx="1"/>
+          </p:nvPr>
+        </p:nvSpPr>
+        <p:spPr>
+          <a:xfrm>
+            <a:off x="508001" y="1371600"/>
+            <a:ext cx="6447501" cy="4669763"/>
+          </a:xfrm>
+        </p:spPr>
+        <p:txBody>
+          <a:bodyPr>
+            <a:normAutofit fontScale="92500" lnSpcReduction="20000"/>
+          </a:bodyPr>
+          <a:lstStyle/>
+          <a:p>
+            <a:r>
+              <a:rPr lang="en-US" sz="2400" dirty="0" smtClean="0"/>
+              <a:t>User creation/Profile</a:t>
+            </a:r>
+          </a:p>
+          <a:p>
+            <a:r>
+              <a:rPr lang="en-US" sz="2400" dirty="0" smtClean="0"/>
+              <a:t>Sell Products/Services</a:t>
+            </a:r>
+            <a:endParaRPr lang="en-US" sz="2400" dirty="0"/>
+          </a:p>
+          <a:p>
+            <a:r>
+              <a:rPr lang="en-US" sz="2400" dirty="0" smtClean="0"/>
+              <a:t>Product Searching</a:t>
+            </a:r>
+          </a:p>
+          <a:p>
+            <a:r>
+              <a:rPr lang="en-US" sz="2400" dirty="0" smtClean="0"/>
+              <a:t>Contact Seller</a:t>
+            </a:r>
+          </a:p>
+          <a:p>
+            <a:r>
+              <a:rPr lang="en-US" sz="2400" dirty="0" smtClean="0"/>
+              <a:t>Search Requests</a:t>
+            </a:r>
+          </a:p>
+          <a:p>
+            <a:r>
+              <a:rPr lang="en-US" sz="2400" dirty="0" smtClean="0"/>
+              <a:t>Auto Search Notifications</a:t>
+            </a:r>
+          </a:p>
+          <a:p>
+            <a:r>
+              <a:rPr lang="en-US" sz="2400" dirty="0" smtClean="0"/>
+              <a:t>Seller Contact Buyer</a:t>
+            </a:r>
+          </a:p>
+          <a:p>
+            <a:r>
+              <a:rPr lang="en-US" sz="2400" dirty="0" smtClean="0"/>
+              <a:t>Follow Product and Seller</a:t>
+            </a:r>
+          </a:p>
+          <a:p>
+            <a:r>
+              <a:rPr lang="en-US" sz="2400" dirty="0" smtClean="0"/>
+              <a:t>Follow Seller in Google Map</a:t>
+            </a:r>
+          </a:p>
+          <a:p>
+            <a:r>
+              <a:rPr lang="en-US" sz="2400" dirty="0" smtClean="0"/>
+              <a:t>Rate the Product</a:t>
+            </a:r>
+          </a:p>
+          <a:p>
+            <a:r>
+              <a:rPr lang="en-US" sz="2400" dirty="0" smtClean="0"/>
+              <a:t>Comment/Review Product</a:t>
+            </a:r>
+            <a:endParaRPr lang="en-US" sz="2400" dirty="0"/>
+          </a:p>
+        </p:txBody>
+      </p:sp>
+    </p:spTree>
+    <p:extLst>
+      <p:ext uri="{BB962C8B-B14F-4D97-AF65-F5344CB8AC3E}">
+        <p14:creationId xmlns:p14="http://schemas.microsoft.com/office/powerpoint/2010/main" val="1361169342"/>
+      </p:ext>
+    </p:extLst>
+  </p:cSld>
+  <p:clrMapOvr>
+    <a:masterClrMapping/>
+  </p:clrMapOvr>
+  <p:timing>
+    <p:tnLst>
+      <p:par>
+        <p:cTn id="1" dur="indefinite" restart="never" nodeType="tmRoot"/>
+      </p:par>
+    </p:tnLst>
+  </p:timing>
+</p:sld>
+</file>
+
+<file path=ppt/slides/slide26.xml><?xml version="1.0" encoding="utf-8"?>
+<p:sld xmlns:a="http://schemas.openxmlformats.org/drawingml/2006/main" xmlns:r="http://schemas.openxmlformats.org/officeDocument/2006/relationships" xmlns:p="http://schemas.openxmlformats.org/presentationml/2006/main">
+  <p:cSld>
+    <p:spTree>
+      <p:nvGrpSpPr>
+        <p:cNvPr id="1" name=""/>
+        <p:cNvGrpSpPr/>
+        <p:nvPr/>
+      </p:nvGrpSpPr>
+      <p:grpSpPr>
+        <a:xfrm>
+          <a:off x="0" y="0"/>
+          <a:ext cx="0" cy="0"/>
+          <a:chOff x="0" y="0"/>
+          <a:chExt cx="0" cy="0"/>
+        </a:xfrm>
+      </p:grpSpPr>
+      <p:sp>
+        <p:nvSpPr>
+          <p:cNvPr id="4" name="Title 1"/>
+          <p:cNvSpPr>
+            <a:spLocks noGrp="1"/>
+          </p:cNvSpPr>
+          <p:nvPr>
+            <p:ph type="title"/>
+          </p:nvPr>
+        </p:nvSpPr>
+        <p:spPr>
+          <a:xfrm>
+            <a:off x="508001" y="609600"/>
+            <a:ext cx="6447501" cy="762000"/>
+          </a:xfrm>
+        </p:spPr>
+        <p:txBody>
+          <a:bodyPr/>
+          <a:lstStyle/>
+          <a:p>
+            <a:pPr marL="0" indent="0" algn="l">
+              <a:buNone/>
+            </a:pPr>
+            <a:r>
+              <a:rPr lang="en-US" sz="3600" dirty="0" smtClean="0">
+                <a:solidFill>
+                  <a:schemeClr val="accent1">
+                    <a:lumMod val="50000"/>
+                  </a:schemeClr>
+                </a:solidFill>
+              </a:rPr>
+              <a:t>Future Work</a:t>
+            </a:r>
+            <a:endParaRPr lang="en-US" sz="3600" dirty="0">
+              <a:solidFill>
+                <a:schemeClr val="accent1">
+                  <a:lumMod val="50000"/>
+                </a:schemeClr>
+              </a:solidFill>
+            </a:endParaRPr>
+          </a:p>
+        </p:txBody>
+      </p:sp>
+      <p:sp>
+        <p:nvSpPr>
+          <p:cNvPr id="5" name="Content Placeholder 4"/>
+          <p:cNvSpPr>
+            <a:spLocks noGrp="1"/>
+          </p:cNvSpPr>
+          <p:nvPr>
+            <p:ph idx="1"/>
+          </p:nvPr>
+        </p:nvSpPr>
+        <p:spPr>
+          <a:xfrm>
+            <a:off x="508001" y="1371600"/>
+            <a:ext cx="6447501" cy="4669763"/>
+          </a:xfrm>
+        </p:spPr>
+        <p:txBody>
+          <a:bodyPr>
+            <a:normAutofit/>
+          </a:bodyPr>
+          <a:lstStyle/>
+          <a:p>
+            <a:r>
+              <a:rPr lang="en-US" sz="2400" dirty="0" smtClean="0"/>
+              <a:t>Functional</a:t>
+            </a:r>
+          </a:p>
+          <a:p>
+            <a:pPr lvl="1"/>
+            <a:r>
+              <a:rPr lang="en-US" sz="2000" dirty="0" smtClean="0"/>
+              <a:t>Add near by notifications</a:t>
+            </a:r>
+          </a:p>
+          <a:p>
+            <a:pPr lvl="1"/>
+            <a:r>
+              <a:rPr lang="en-US" sz="2000" dirty="0" smtClean="0"/>
+              <a:t>Add route information</a:t>
+            </a:r>
+          </a:p>
+          <a:p>
+            <a:pPr lvl="1"/>
+            <a:r>
+              <a:rPr lang="en-US" sz="2000" dirty="0" smtClean="0"/>
+              <a:t>Bug fixing</a:t>
+            </a:r>
+          </a:p>
+          <a:p>
+            <a:pPr lvl="1"/>
+            <a:endParaRPr lang="en-US" sz="2000" dirty="0" smtClean="0"/>
+          </a:p>
+          <a:p>
+            <a:r>
+              <a:rPr lang="en-US" sz="2400" dirty="0" smtClean="0"/>
+              <a:t>Non</a:t>
+            </a:r>
+            <a:r>
+              <a:rPr lang="en-US" sz="2200" dirty="0" smtClean="0"/>
+              <a:t> </a:t>
+            </a:r>
+            <a:r>
+              <a:rPr lang="en-US" sz="2400" dirty="0" smtClean="0"/>
+              <a:t>Functional</a:t>
+            </a:r>
+          </a:p>
+          <a:p>
+            <a:pPr lvl="1"/>
+            <a:r>
+              <a:rPr lang="en-US" sz="2200" dirty="0" smtClean="0"/>
+              <a:t>Make more user friendly</a:t>
+            </a:r>
+          </a:p>
+          <a:p>
+            <a:pPr lvl="1"/>
+            <a:r>
+              <a:rPr lang="en-US" sz="2200" dirty="0" smtClean="0"/>
+              <a:t>Increase performance</a:t>
+            </a:r>
+          </a:p>
+        </p:txBody>
+      </p:sp>
+    </p:spTree>
+    <p:extLst>
+      <p:ext uri="{BB962C8B-B14F-4D97-AF65-F5344CB8AC3E}">
+        <p14:creationId xmlns:p14="http://schemas.microsoft.com/office/powerpoint/2010/main" val="4175688220"/>
+      </p:ext>
+    </p:extLst>
+  </p:cSld>
+  <p:clrMapOvr>
+    <a:masterClrMapping/>
+  </p:clrMapOvr>
+  <p:timing>
+    <p:tnLst>
+      <p:par>
+        <p:cTn id="1" dur="indefinite" restart="never" nodeType="tmRoot"/>
+      </p:par>
+    </p:tnLst>
+  </p:timing>
+</p:sld>
+</file>
+
 <file path=ppt/slides/slide3.xml><?xml version="1.0" encoding="utf-8"?>
 <p:sld xmlns:a="http://schemas.openxmlformats.org/drawingml/2006/main" xmlns:r="http://schemas.openxmlformats.org/officeDocument/2006/relationships" xmlns:p="http://schemas.openxmlformats.org/presentationml/2006/main">
   <p:cSld>

--- a/documentation/Location Based Mobile Marketing System.pptx
+++ b/documentation/Location Based Mobile Marketing System.pptx
@@ -14,23 +14,22 @@
     <p:sldId id="270" r:id="rId8"/>
     <p:sldId id="275" r:id="rId9"/>
     <p:sldId id="260" r:id="rId10"/>
-    <p:sldId id="271" r:id="rId11"/>
-    <p:sldId id="273" r:id="rId12"/>
-    <p:sldId id="274" r:id="rId13"/>
-    <p:sldId id="272" r:id="rId14"/>
-    <p:sldId id="263" r:id="rId15"/>
-    <p:sldId id="264" r:id="rId16"/>
-    <p:sldId id="266" r:id="rId17"/>
-    <p:sldId id="276" r:id="rId18"/>
-    <p:sldId id="277" r:id="rId19"/>
-    <p:sldId id="278" r:id="rId20"/>
-    <p:sldId id="265" r:id="rId21"/>
-    <p:sldId id="279" r:id="rId22"/>
-    <p:sldId id="267" r:id="rId23"/>
-    <p:sldId id="280" r:id="rId24"/>
-    <p:sldId id="281" r:id="rId25"/>
-    <p:sldId id="282" r:id="rId26"/>
-    <p:sldId id="283" r:id="rId27"/>
+    <p:sldId id="273" r:id="rId11"/>
+    <p:sldId id="274" r:id="rId12"/>
+    <p:sldId id="272" r:id="rId13"/>
+    <p:sldId id="263" r:id="rId14"/>
+    <p:sldId id="264" r:id="rId15"/>
+    <p:sldId id="266" r:id="rId16"/>
+    <p:sldId id="276" r:id="rId17"/>
+    <p:sldId id="277" r:id="rId18"/>
+    <p:sldId id="278" r:id="rId19"/>
+    <p:sldId id="265" r:id="rId20"/>
+    <p:sldId id="279" r:id="rId21"/>
+    <p:sldId id="267" r:id="rId22"/>
+    <p:sldId id="280" r:id="rId23"/>
+    <p:sldId id="281" r:id="rId24"/>
+    <p:sldId id="282" r:id="rId25"/>
+    <p:sldId id="283" r:id="rId26"/>
   </p:sldIdLst>
   <p:sldSz cx="9144000" cy="6858000" type="screen4x3"/>
   <p:notesSz cx="6858000" cy="9144000"/>
@@ -877,7 +876,7 @@
           <a:p>
             <a:fld id="{8EB01A10-C374-4A13-9C62-A9BB9D98E6C4}" type="datetimeFigureOut">
               <a:rPr lang="en-US" smtClean="0"/>
-              <a:t>2/16/2016</a:t>
+              <a:t>2/17/2016</a:t>
             </a:fld>
             <a:endParaRPr lang="en-US"/>
           </a:p>
@@ -1128,7 +1127,7 @@
           <a:p>
             <a:fld id="{8EB01A10-C374-4A13-9C62-A9BB9D98E6C4}" type="datetimeFigureOut">
               <a:rPr lang="en-US" smtClean="0"/>
-              <a:t>2/16/2016</a:t>
+              <a:t>2/17/2016</a:t>
             </a:fld>
             <a:endParaRPr lang="en-US"/>
           </a:p>
@@ -1442,7 +1441,7 @@
           <a:p>
             <a:fld id="{8EB01A10-C374-4A13-9C62-A9BB9D98E6C4}" type="datetimeFigureOut">
               <a:rPr lang="en-US" smtClean="0"/>
-              <a:t>2/16/2016</a:t>
+              <a:t>2/17/2016</a:t>
             </a:fld>
             <a:endParaRPr lang="en-US"/>
           </a:p>
@@ -1775,7 +1774,7 @@
           <a:p>
             <a:fld id="{8EB01A10-C374-4A13-9C62-A9BB9D98E6C4}" type="datetimeFigureOut">
               <a:rPr lang="en-US" smtClean="0"/>
-              <a:t>2/16/2016</a:t>
+              <a:t>2/17/2016</a:t>
             </a:fld>
             <a:endParaRPr lang="en-US"/>
           </a:p>
@@ -2089,7 +2088,7 @@
           <a:p>
             <a:fld id="{8EB01A10-C374-4A13-9C62-A9BB9D98E6C4}" type="datetimeFigureOut">
               <a:rPr lang="en-US" smtClean="0"/>
-              <a:t>2/16/2016</a:t>
+              <a:t>2/17/2016</a:t>
             </a:fld>
             <a:endParaRPr lang="en-US"/>
           </a:p>
@@ -2482,7 +2481,7 @@
           <a:p>
             <a:fld id="{8EB01A10-C374-4A13-9C62-A9BB9D98E6C4}" type="datetimeFigureOut">
               <a:rPr lang="en-US" smtClean="0"/>
-              <a:t>2/16/2016</a:t>
+              <a:t>2/17/2016</a:t>
             </a:fld>
             <a:endParaRPr lang="en-US"/>
           </a:p>
@@ -2652,7 +2651,7 @@
           <a:p>
             <a:fld id="{8EB01A10-C374-4A13-9C62-A9BB9D98E6C4}" type="datetimeFigureOut">
               <a:rPr lang="en-US" smtClean="0"/>
-              <a:t>2/16/2016</a:t>
+              <a:t>2/17/2016</a:t>
             </a:fld>
             <a:endParaRPr lang="en-US"/>
           </a:p>
@@ -2832,7 +2831,7 @@
           <a:p>
             <a:fld id="{8EB01A10-C374-4A13-9C62-A9BB9D98E6C4}" type="datetimeFigureOut">
               <a:rPr lang="en-US" smtClean="0"/>
-              <a:t>2/16/2016</a:t>
+              <a:t>2/17/2016</a:t>
             </a:fld>
             <a:endParaRPr lang="en-US"/>
           </a:p>
@@ -3002,7 +3001,7 @@
           <a:p>
             <a:fld id="{8EB01A10-C374-4A13-9C62-A9BB9D98E6C4}" type="datetimeFigureOut">
               <a:rPr lang="en-US" smtClean="0"/>
-              <a:t>2/16/2016</a:t>
+              <a:t>2/17/2016</a:t>
             </a:fld>
             <a:endParaRPr lang="en-US"/>
           </a:p>
@@ -3249,7 +3248,7 @@
           <a:p>
             <a:fld id="{8EB01A10-C374-4A13-9C62-A9BB9D98E6C4}" type="datetimeFigureOut">
               <a:rPr lang="en-US" smtClean="0"/>
-              <a:t>2/16/2016</a:t>
+              <a:t>2/17/2016</a:t>
             </a:fld>
             <a:endParaRPr lang="en-US"/>
           </a:p>
@@ -3481,7 +3480,7 @@
           <a:p>
             <a:fld id="{8EB01A10-C374-4A13-9C62-A9BB9D98E6C4}" type="datetimeFigureOut">
               <a:rPr lang="en-US" smtClean="0"/>
-              <a:t>2/16/2016</a:t>
+              <a:t>2/17/2016</a:t>
             </a:fld>
             <a:endParaRPr lang="en-US"/>
           </a:p>
@@ -3855,7 +3854,7 @@
           <a:p>
             <a:fld id="{8EB01A10-C374-4A13-9C62-A9BB9D98E6C4}" type="datetimeFigureOut">
               <a:rPr lang="en-US" smtClean="0"/>
-              <a:t>2/16/2016</a:t>
+              <a:t>2/17/2016</a:t>
             </a:fld>
             <a:endParaRPr lang="en-US"/>
           </a:p>
@@ -3978,7 +3977,7 @@
           <a:p>
             <a:fld id="{8EB01A10-C374-4A13-9C62-A9BB9D98E6C4}" type="datetimeFigureOut">
               <a:rPr lang="en-US" smtClean="0"/>
-              <a:t>2/16/2016</a:t>
+              <a:t>2/17/2016</a:t>
             </a:fld>
             <a:endParaRPr lang="en-US"/>
           </a:p>
@@ -4073,7 +4072,7 @@
           <a:p>
             <a:fld id="{8EB01A10-C374-4A13-9C62-A9BB9D98E6C4}" type="datetimeFigureOut">
               <a:rPr lang="en-US" smtClean="0"/>
-              <a:t>2/16/2016</a:t>
+              <a:t>2/17/2016</a:t>
             </a:fld>
             <a:endParaRPr lang="en-US"/>
           </a:p>
@@ -4328,7 +4327,7 @@
           <a:p>
             <a:fld id="{8EB01A10-C374-4A13-9C62-A9BB9D98E6C4}" type="datetimeFigureOut">
               <a:rPr lang="en-US" smtClean="0"/>
-              <a:t>2/16/2016</a:t>
+              <a:t>2/17/2016</a:t>
             </a:fld>
             <a:endParaRPr lang="en-US"/>
           </a:p>
@@ -4633,7 +4632,7 @@
           <a:p>
             <a:fld id="{8EB01A10-C374-4A13-9C62-A9BB9D98E6C4}" type="datetimeFigureOut">
               <a:rPr lang="en-US" smtClean="0"/>
-              <a:t>2/16/2016</a:t>
+              <a:t>2/17/2016</a:t>
             </a:fld>
             <a:endParaRPr lang="en-US"/>
           </a:p>
@@ -5335,7 +5334,7 @@
           <a:p>
             <a:fld id="{8EB01A10-C374-4A13-9C62-A9BB9D98E6C4}" type="datetimeFigureOut">
               <a:rPr lang="en-US" smtClean="0"/>
-              <a:t>2/16/2016</a:t>
+              <a:t>2/17/2016</a:t>
             </a:fld>
             <a:endParaRPr lang="en-US"/>
           </a:p>
@@ -6345,24 +6344,14 @@
               <a:buNone/>
             </a:pPr>
             <a:r>
-              <a:rPr lang="en-US" sz="3600" dirty="0">
+              <a:rPr lang="en-US" sz="3600" dirty="0" smtClean="0">
                 <a:solidFill>
                   <a:schemeClr val="accent1">
                     <a:lumMod val="50000"/>
                   </a:schemeClr>
                 </a:solidFill>
               </a:rPr>
-              <a:t>Aims and </a:t>
-            </a:r>
-            <a:r>
-              <a:rPr lang="en-US" sz="3600" dirty="0" smtClean="0">
-                <a:solidFill>
-                  <a:schemeClr val="accent1">
-                    <a:lumMod val="50000"/>
-                  </a:schemeClr>
-                </a:solidFill>
-              </a:rPr>
-              <a:t>Objectives – Cont.</a:t>
+              <a:t>Proposed System</a:t>
             </a:r>
             <a:endParaRPr lang="en-US" sz="3600" dirty="0">
               <a:solidFill>
@@ -6392,78 +6381,50 @@
         </p:spPr>
         <p:txBody>
           <a:bodyPr>
-            <a:normAutofit/>
+            <a:normAutofit fontScale="92500"/>
           </a:bodyPr>
           <a:lstStyle/>
           <a:p>
-            <a:pPr>
+            <a:pPr lvl="0">
               <a:buFont typeface="Wingdings" panose="05000000000000000000" pitchFamily="2" charset="2"/>
               <a:buChar char="Ø"/>
             </a:pPr>
             <a:r>
-              <a:rPr lang="en-US" sz="2800" dirty="0" smtClean="0"/>
-              <a:t>New features over existing services,</a:t>
-            </a:r>
-          </a:p>
-          <a:p>
-            <a:pPr lvl="1">
+              <a:rPr lang="en-US" sz="2800" dirty="0"/>
+              <a:t>The system mainly using web protocols which means system functions as a web oriented system via internet.</a:t>
+            </a:r>
+          </a:p>
+          <a:p>
+            <a:pPr lvl="0">
               <a:buFont typeface="Wingdings" panose="05000000000000000000" pitchFamily="2" charset="2"/>
               <a:buChar char="Ø"/>
             </a:pPr>
             <a:r>
-              <a:rPr lang="en-US" sz="2000" dirty="0" smtClean="0"/>
-              <a:t>Automated search service to search newly added items automatically using buyer’s interest.</a:t>
-            </a:r>
-          </a:p>
-          <a:p>
-            <a:pPr lvl="1">
+              <a:rPr lang="en-US" sz="2800" dirty="0"/>
+              <a:t>Every user need to create an authentication to save and retrieve relevant information.</a:t>
+            </a:r>
+          </a:p>
+          <a:p>
+            <a:pPr lvl="0">
               <a:buFont typeface="Wingdings" panose="05000000000000000000" pitchFamily="2" charset="2"/>
               <a:buChar char="Ø"/>
             </a:pPr>
             <a:r>
-              <a:rPr lang="en-US" sz="2000" dirty="0" smtClean="0"/>
-              <a:t>Integrated Geolocation services to notify buyers when there are interested seller is near by.</a:t>
-            </a:r>
-          </a:p>
-          <a:p>
-            <a:pPr lvl="1">
-              <a:buFont typeface="Wingdings" panose="05000000000000000000" pitchFamily="2" charset="2"/>
-              <a:buChar char="Ø"/>
+              <a:rPr lang="en-US" sz="2800" dirty="0"/>
+              <a:t>Uses geo location services on browsers to locate the users, so system can get the location even on IP based information(less accurate on IP based information and high accuracy when GPS is </a:t>
+            </a:r>
+            <a:r>
+              <a:rPr lang="en-US" sz="2800" dirty="0" smtClean="0"/>
+              <a:t>available)</a:t>
+            </a:r>
+            <a:endParaRPr lang="en-US" sz="2800" dirty="0"/>
+          </a:p>
+          <a:p>
+            <a:pPr>
+              <a:buFont typeface="Arial" panose="020B0604020202020204" pitchFamily="34" charset="0"/>
+              <a:buChar char="•"/>
             </a:pPr>
-            <a:r>
-              <a:rPr lang="en-US" sz="2000" dirty="0" smtClean="0"/>
-              <a:t>Provide route details to find the selected seller.</a:t>
-            </a:r>
-          </a:p>
-          <a:p>
-            <a:pPr lvl="1">
-              <a:buFont typeface="Wingdings" panose="05000000000000000000" pitchFamily="2" charset="2"/>
-              <a:buChar char="Ø"/>
-            </a:pPr>
-            <a:r>
-              <a:rPr lang="en-US" sz="2000" dirty="0" smtClean="0"/>
-              <a:t>Opportunity to provide rating and reviews to minimize the frauds.</a:t>
-            </a:r>
-          </a:p>
-          <a:p>
-            <a:pPr lvl="1">
-              <a:buFont typeface="Wingdings" panose="05000000000000000000" pitchFamily="2" charset="2"/>
-              <a:buChar char="Ø"/>
-            </a:pPr>
-            <a:r>
-              <a:rPr lang="en-US" sz="2000" dirty="0" smtClean="0"/>
-              <a:t>Better messaging services to communicate buyers/sellers.</a:t>
-            </a:r>
-          </a:p>
-          <a:p>
-            <a:pPr lvl="1">
-              <a:buFont typeface="Wingdings" panose="05000000000000000000" pitchFamily="2" charset="2"/>
-              <a:buChar char="Ø"/>
-            </a:pPr>
-            <a:r>
-              <a:rPr lang="en-US" sz="2000" dirty="0" smtClean="0"/>
-              <a:t>Supports fully functional services in smart mobile devices and computers.</a:t>
-            </a:r>
+            <a:endParaRPr lang="en-US" sz="2800" dirty="0" smtClean="0"/>
           </a:p>
           <a:p>
             <a:pPr lvl="1">
@@ -6519,13 +6480,6 @@
               <a:buFont typeface="Arial" panose="020B0604020202020204" pitchFamily="34" charset="0"/>
               <a:buChar char="•"/>
             </a:pPr>
-            <a:endParaRPr lang="en-US" dirty="0" smtClean="0"/>
-          </a:p>
-          <a:p>
-            <a:pPr lvl="1">
-              <a:buFont typeface="Arial" panose="020B0604020202020204" pitchFamily="34" charset="0"/>
-              <a:buChar char="•"/>
-            </a:pPr>
             <a:endParaRPr lang="en-US" sz="2600" dirty="0"/>
           </a:p>
         </p:txBody>
@@ -6533,7 +6487,7 @@
     </p:spTree>
     <p:extLst>
       <p:ext uri="{BB962C8B-B14F-4D97-AF65-F5344CB8AC3E}">
-        <p14:creationId xmlns:p14="http://schemas.microsoft.com/office/powerpoint/2010/main" val="3022480283"/>
+        <p14:creationId xmlns:p14="http://schemas.microsoft.com/office/powerpoint/2010/main" val="1016889490"/>
       </p:ext>
     </p:extLst>
   </p:cSld>
@@ -6598,7 +6552,7 @@
                   </a:schemeClr>
                 </a:solidFill>
               </a:rPr>
-              <a:t>Proposed System</a:t>
+              <a:t>Proposed System – Cont.</a:t>
             </a:r>
             <a:endParaRPr lang="en-US" sz="3600" dirty="0">
               <a:solidFill>
@@ -6628,43 +6582,48 @@
         </p:spPr>
         <p:txBody>
           <a:bodyPr>
-            <a:normAutofit fontScale="92500"/>
+            <a:normAutofit/>
           </a:bodyPr>
           <a:lstStyle/>
           <a:p>
-            <a:pPr lvl="0">
+            <a:pPr>
               <a:buFont typeface="Wingdings" panose="05000000000000000000" pitchFamily="2" charset="2"/>
               <a:buChar char="Ø"/>
             </a:pPr>
             <a:r>
-              <a:rPr lang="en-US" sz="2800" dirty="0"/>
-              <a:t>The system mainly using web protocols which means system functions as a web oriented system via internet.</a:t>
-            </a:r>
-          </a:p>
-          <a:p>
-            <a:pPr lvl="0">
+              <a:rPr lang="en-US" sz="2800" dirty="0" smtClean="0"/>
+              <a:t>Sellers can post their product items or services which they planning to sell.</a:t>
+            </a:r>
+          </a:p>
+          <a:p>
+            <a:pPr>
               <a:buFont typeface="Wingdings" panose="05000000000000000000" pitchFamily="2" charset="2"/>
               <a:buChar char="Ø"/>
             </a:pPr>
             <a:r>
-              <a:rPr lang="en-US" sz="2800" dirty="0"/>
-              <a:t>Every user need to create an authentication to save and retrieve relevant information.</a:t>
-            </a:r>
-          </a:p>
-          <a:p>
-            <a:pPr lvl="0">
+              <a:rPr lang="en-US" sz="2800" dirty="0" smtClean="0"/>
+              <a:t>Buyers can search available items and services.</a:t>
+            </a:r>
+          </a:p>
+          <a:p>
+            <a:pPr>
               <a:buFont typeface="Wingdings" panose="05000000000000000000" pitchFamily="2" charset="2"/>
               <a:buChar char="Ø"/>
             </a:pPr>
             <a:r>
-              <a:rPr lang="en-US" sz="2800" dirty="0"/>
-              <a:t>Uses geo location services on browsers to locate the users, so system can get the location even on IP based information(less accurate on IP based information and high accuracy when GPS is </a:t>
-            </a:r>
-            <a:r>
               <a:rPr lang="en-US" sz="2800" dirty="0" smtClean="0"/>
-              <a:t>available)</a:t>
-            </a:r>
-            <a:endParaRPr lang="en-US" sz="2800" dirty="0"/>
+              <a:t>According to the searches system notify when there are new items are available.</a:t>
+            </a:r>
+          </a:p>
+          <a:p>
+            <a:pPr>
+              <a:buFont typeface="Wingdings" panose="05000000000000000000" pitchFamily="2" charset="2"/>
+              <a:buChar char="Ø"/>
+            </a:pPr>
+            <a:r>
+              <a:rPr lang="en-US" sz="2800" dirty="0" smtClean="0"/>
+              <a:t>Notify when interested sellers are near by.</a:t>
+            </a:r>
           </a:p>
           <a:p>
             <a:pPr>
@@ -6734,7 +6693,7 @@
     </p:spTree>
     <p:extLst>
       <p:ext uri="{BB962C8B-B14F-4D97-AF65-F5344CB8AC3E}">
-        <p14:creationId xmlns:p14="http://schemas.microsoft.com/office/powerpoint/2010/main" val="1016889490"/>
+        <p14:creationId xmlns:p14="http://schemas.microsoft.com/office/powerpoint/2010/main" val="362052059"/>
       </p:ext>
     </p:extLst>
   </p:cSld>
@@ -6788,212 +6747,6 @@
           <a:bodyPr/>
           <a:lstStyle/>
           <a:p>
-            <a:pPr marL="0" indent="0" algn="l">
-              <a:buNone/>
-            </a:pPr>
-            <a:r>
-              <a:rPr lang="en-US" sz="3600" dirty="0" smtClean="0">
-                <a:solidFill>
-                  <a:schemeClr val="accent1">
-                    <a:lumMod val="50000"/>
-                  </a:schemeClr>
-                </a:solidFill>
-              </a:rPr>
-              <a:t>Proposed System – Cont.</a:t>
-            </a:r>
-            <a:endParaRPr lang="en-US" sz="3600" dirty="0">
-              <a:solidFill>
-                <a:schemeClr val="accent1">
-                  <a:lumMod val="50000"/>
-                </a:schemeClr>
-              </a:solidFill>
-            </a:endParaRPr>
-          </a:p>
-        </p:txBody>
-      </p:sp>
-      <p:sp>
-        <p:nvSpPr>
-          <p:cNvPr id="3" name="Content Placeholder 2"/>
-          <p:cNvSpPr>
-            <a:spLocks noGrp="1"/>
-          </p:cNvSpPr>
-          <p:nvPr>
-            <p:ph idx="1"/>
-          </p:nvPr>
-        </p:nvSpPr>
-        <p:spPr>
-          <a:xfrm>
-            <a:off x="990600" y="1295400"/>
-            <a:ext cx="7086600" cy="4876800"/>
-          </a:xfrm>
-        </p:spPr>
-        <p:txBody>
-          <a:bodyPr>
-            <a:normAutofit/>
-          </a:bodyPr>
-          <a:lstStyle/>
-          <a:p>
-            <a:pPr>
-              <a:buFont typeface="Wingdings" panose="05000000000000000000" pitchFamily="2" charset="2"/>
-              <a:buChar char="Ø"/>
-            </a:pPr>
-            <a:r>
-              <a:rPr lang="en-US" sz="2800" dirty="0" smtClean="0"/>
-              <a:t>Sellers can post their product items or services which they planning to sell.</a:t>
-            </a:r>
-          </a:p>
-          <a:p>
-            <a:pPr>
-              <a:buFont typeface="Wingdings" panose="05000000000000000000" pitchFamily="2" charset="2"/>
-              <a:buChar char="Ø"/>
-            </a:pPr>
-            <a:r>
-              <a:rPr lang="en-US" sz="2800" dirty="0" smtClean="0"/>
-              <a:t>Buyers can search available items and services.</a:t>
-            </a:r>
-          </a:p>
-          <a:p>
-            <a:pPr>
-              <a:buFont typeface="Wingdings" panose="05000000000000000000" pitchFamily="2" charset="2"/>
-              <a:buChar char="Ø"/>
-            </a:pPr>
-            <a:r>
-              <a:rPr lang="en-US" sz="2800" dirty="0" smtClean="0"/>
-              <a:t>According to the searches system notify when there are new items are available.</a:t>
-            </a:r>
-          </a:p>
-          <a:p>
-            <a:pPr>
-              <a:buFont typeface="Wingdings" panose="05000000000000000000" pitchFamily="2" charset="2"/>
-              <a:buChar char="Ø"/>
-            </a:pPr>
-            <a:r>
-              <a:rPr lang="en-US" sz="2800" dirty="0" smtClean="0"/>
-              <a:t>Notify when interested sellers are near by.</a:t>
-            </a:r>
-          </a:p>
-          <a:p>
-            <a:pPr>
-              <a:buFont typeface="Arial" panose="020B0604020202020204" pitchFamily="34" charset="0"/>
-              <a:buChar char="•"/>
-            </a:pPr>
-            <a:endParaRPr lang="en-US" sz="2800" dirty="0" smtClean="0"/>
-          </a:p>
-          <a:p>
-            <a:pPr lvl="1">
-              <a:buFont typeface="Arial" panose="020B0604020202020204" pitchFamily="34" charset="0"/>
-              <a:buChar char="•"/>
-            </a:pPr>
-            <a:endParaRPr lang="en-US" dirty="0" smtClean="0"/>
-          </a:p>
-          <a:p>
-            <a:pPr lvl="1">
-              <a:buFont typeface="Arial" panose="020B0604020202020204" pitchFamily="34" charset="0"/>
-              <a:buChar char="•"/>
-            </a:pPr>
-            <a:endParaRPr lang="en-US" dirty="0" smtClean="0"/>
-          </a:p>
-          <a:p>
-            <a:pPr lvl="1">
-              <a:buFont typeface="Arial" panose="020B0604020202020204" pitchFamily="34" charset="0"/>
-              <a:buChar char="•"/>
-            </a:pPr>
-            <a:endParaRPr lang="en-US" dirty="0" smtClean="0"/>
-          </a:p>
-          <a:p>
-            <a:pPr lvl="1">
-              <a:buFont typeface="Arial" panose="020B0604020202020204" pitchFamily="34" charset="0"/>
-              <a:buChar char="•"/>
-            </a:pPr>
-            <a:endParaRPr lang="en-US" dirty="0" smtClean="0"/>
-          </a:p>
-          <a:p>
-            <a:pPr lvl="1">
-              <a:buFont typeface="Arial" panose="020B0604020202020204" pitchFamily="34" charset="0"/>
-              <a:buChar char="•"/>
-            </a:pPr>
-            <a:endParaRPr lang="en-US" dirty="0" smtClean="0"/>
-          </a:p>
-          <a:p>
-            <a:pPr lvl="1">
-              <a:buFont typeface="Arial" panose="020B0604020202020204" pitchFamily="34" charset="0"/>
-              <a:buChar char="•"/>
-            </a:pPr>
-            <a:endParaRPr lang="en-US" dirty="0" smtClean="0"/>
-          </a:p>
-          <a:p>
-            <a:pPr lvl="1">
-              <a:buFont typeface="Arial" panose="020B0604020202020204" pitchFamily="34" charset="0"/>
-              <a:buChar char="•"/>
-            </a:pPr>
-            <a:endParaRPr lang="en-US" dirty="0" smtClean="0"/>
-          </a:p>
-          <a:p>
-            <a:pPr lvl="1">
-              <a:buFont typeface="Arial" panose="020B0604020202020204" pitchFamily="34" charset="0"/>
-              <a:buChar char="•"/>
-            </a:pPr>
-            <a:endParaRPr lang="en-US" sz="2600" dirty="0"/>
-          </a:p>
-        </p:txBody>
-      </p:sp>
-    </p:spTree>
-    <p:extLst>
-      <p:ext uri="{BB962C8B-B14F-4D97-AF65-F5344CB8AC3E}">
-        <p14:creationId xmlns:p14="http://schemas.microsoft.com/office/powerpoint/2010/main" val="362052059"/>
-      </p:ext>
-    </p:extLst>
-  </p:cSld>
-  <p:clrMapOvr>
-    <a:masterClrMapping/>
-  </p:clrMapOvr>
-  <p:timing>
-    <p:tnLst>
-      <p:par>
-        <p:cTn id="1" dur="indefinite" restart="never" nodeType="tmRoot"/>
-      </p:par>
-    </p:tnLst>
-  </p:timing>
-</p:sld>
-</file>
-
-<file path=ppt/slides/slide13.xml><?xml version="1.0" encoding="utf-8"?>
-<p:sld xmlns:a="http://schemas.openxmlformats.org/drawingml/2006/main" xmlns:r="http://schemas.openxmlformats.org/officeDocument/2006/relationships" xmlns:p="http://schemas.openxmlformats.org/presentationml/2006/main">
-  <p:cSld>
-    <p:spTree>
-      <p:nvGrpSpPr>
-        <p:cNvPr id="1" name=""/>
-        <p:cNvGrpSpPr/>
-        <p:nvPr/>
-      </p:nvGrpSpPr>
-      <p:grpSpPr>
-        <a:xfrm>
-          <a:off x="0" y="0"/>
-          <a:ext cx="0" cy="0"/>
-          <a:chOff x="0" y="0"/>
-          <a:chExt cx="0" cy="0"/>
-        </a:xfrm>
-      </p:grpSpPr>
-      <p:sp>
-        <p:nvSpPr>
-          <p:cNvPr id="2" name="Title 1"/>
-          <p:cNvSpPr>
-            <a:spLocks noGrp="1"/>
-          </p:cNvSpPr>
-          <p:nvPr>
-            <p:ph type="title"/>
-          </p:nvPr>
-        </p:nvSpPr>
-        <p:spPr>
-          <a:xfrm>
-            <a:off x="990600" y="457200"/>
-            <a:ext cx="6512511" cy="838200"/>
-          </a:xfrm>
-        </p:spPr>
-        <p:txBody>
-          <a:bodyPr/>
-          <a:lstStyle/>
-          <a:p>
             <a:r>
               <a:rPr lang="en-US" dirty="0">
                 <a:solidFill>
@@ -7148,7 +6901,7 @@
 </p:sld>
 </file>
 
-<file path=ppt/slides/slide14.xml><?xml version="1.0" encoding="utf-8"?>
+<file path=ppt/slides/slide13.xml><?xml version="1.0" encoding="utf-8"?>
 <p:sld xmlns:a="http://schemas.openxmlformats.org/drawingml/2006/main" xmlns:r="http://schemas.openxmlformats.org/officeDocument/2006/relationships" xmlns:p="http://schemas.openxmlformats.org/presentationml/2006/main">
   <p:cSld>
     <p:spTree>
@@ -7257,7 +7010,7 @@
 </p:sld>
 </file>
 
-<file path=ppt/slides/slide15.xml><?xml version="1.0" encoding="utf-8"?>
+<file path=ppt/slides/slide14.xml><?xml version="1.0" encoding="utf-8"?>
 <p:sld xmlns:a="http://schemas.openxmlformats.org/drawingml/2006/main" xmlns:r="http://schemas.openxmlformats.org/officeDocument/2006/relationships" xmlns:p="http://schemas.openxmlformats.org/presentationml/2006/main">
   <p:cSld>
     <p:spTree>
@@ -7375,6 +7128,198 @@
 </p:sld>
 </file>
 
+<file path=ppt/slides/slide15.xml><?xml version="1.0" encoding="utf-8"?>
+<p:sld xmlns:a="http://schemas.openxmlformats.org/drawingml/2006/main" xmlns:r="http://schemas.openxmlformats.org/officeDocument/2006/relationships" xmlns:p="http://schemas.openxmlformats.org/presentationml/2006/main">
+  <p:cSld>
+    <p:spTree>
+      <p:nvGrpSpPr>
+        <p:cNvPr id="1" name=""/>
+        <p:cNvGrpSpPr/>
+        <p:nvPr/>
+      </p:nvGrpSpPr>
+      <p:grpSpPr>
+        <a:xfrm>
+          <a:off x="0" y="0"/>
+          <a:ext cx="0" cy="0"/>
+          <a:chOff x="0" y="0"/>
+          <a:chExt cx="0" cy="0"/>
+        </a:xfrm>
+      </p:grpSpPr>
+      <p:sp>
+        <p:nvSpPr>
+          <p:cNvPr id="2" name="Title 1"/>
+          <p:cNvSpPr>
+            <a:spLocks noGrp="1"/>
+          </p:cNvSpPr>
+          <p:nvPr>
+            <p:ph type="title"/>
+          </p:nvPr>
+        </p:nvSpPr>
+        <p:spPr>
+          <a:xfrm>
+            <a:off x="990600" y="457200"/>
+            <a:ext cx="6512511" cy="838200"/>
+          </a:xfrm>
+        </p:spPr>
+        <p:txBody>
+          <a:bodyPr>
+            <a:normAutofit/>
+          </a:bodyPr>
+          <a:lstStyle/>
+          <a:p>
+            <a:pPr marL="0" indent="0" algn="l">
+              <a:buNone/>
+            </a:pPr>
+            <a:r>
+              <a:rPr lang="en-US" sz="2400" dirty="0">
+                <a:solidFill>
+                  <a:schemeClr val="accent1">
+                    <a:lumMod val="50000"/>
+                  </a:schemeClr>
+                </a:solidFill>
+              </a:rPr>
+              <a:t>Analysis and </a:t>
+            </a:r>
+            <a:r>
+              <a:rPr lang="en-US" sz="2400" dirty="0" smtClean="0">
+                <a:solidFill>
+                  <a:schemeClr val="accent1">
+                    <a:lumMod val="50000"/>
+                  </a:schemeClr>
+                </a:solidFill>
+              </a:rPr>
+              <a:t>Design Consideration – Cont.</a:t>
+            </a:r>
+            <a:endParaRPr lang="en-US" sz="2400" dirty="0">
+              <a:solidFill>
+                <a:schemeClr val="accent1">
+                  <a:lumMod val="50000"/>
+                </a:schemeClr>
+              </a:solidFill>
+            </a:endParaRPr>
+          </a:p>
+        </p:txBody>
+      </p:sp>
+      <p:sp>
+        <p:nvSpPr>
+          <p:cNvPr id="3" name="Content Placeholder 2"/>
+          <p:cNvSpPr>
+            <a:spLocks noGrp="1"/>
+          </p:cNvSpPr>
+          <p:nvPr>
+            <p:ph idx="1"/>
+          </p:nvPr>
+        </p:nvSpPr>
+        <p:spPr>
+          <a:xfrm>
+            <a:off x="990600" y="1295400"/>
+            <a:ext cx="7086600" cy="4419600"/>
+          </a:xfrm>
+        </p:spPr>
+        <p:txBody>
+          <a:bodyPr>
+            <a:normAutofit/>
+          </a:bodyPr>
+          <a:lstStyle/>
+          <a:p>
+            <a:r>
+              <a:rPr lang="en-US" b="1" dirty="0" smtClean="0"/>
+              <a:t>UI </a:t>
+            </a:r>
+            <a:r>
+              <a:rPr lang="en-US" b="1" dirty="0"/>
+              <a:t>Considerations</a:t>
+            </a:r>
+            <a:endParaRPr lang="en-US" b="1" i="1" dirty="0"/>
+          </a:p>
+          <a:p>
+            <a:pPr lvl="1" fontAlgn="base"/>
+            <a:r>
+              <a:rPr lang="en-US" dirty="0"/>
+              <a:t>Model View Controller (MVC) Pattern – Spring framework front end </a:t>
+            </a:r>
+            <a:r>
+              <a:rPr lang="en-US" dirty="0" smtClean="0"/>
+              <a:t>controller.</a:t>
+            </a:r>
+            <a:endParaRPr lang="en-US" dirty="0"/>
+          </a:p>
+          <a:p>
+            <a:pPr lvl="1" fontAlgn="base"/>
+            <a:r>
+              <a:rPr lang="en-US" dirty="0"/>
+              <a:t>Reusable Sorting for tables – Tables and list sorting will be controlled via </a:t>
+            </a:r>
+            <a:r>
+              <a:rPr lang="en-US" dirty="0" smtClean="0"/>
+              <a:t>JavaScript.</a:t>
+            </a:r>
+            <a:endParaRPr lang="en-US" dirty="0"/>
+          </a:p>
+          <a:p>
+            <a:pPr lvl="1" fontAlgn="base"/>
+            <a:r>
+              <a:rPr lang="en-US" dirty="0"/>
+              <a:t>Internet Browser Support – The application will support Internet Explorer 9 and above/ Firefox 20 and above/ Google Chrome 28 and above. All UI features may not be supported in IE 6.0.</a:t>
+            </a:r>
+          </a:p>
+          <a:p>
+            <a:pPr lvl="1" fontAlgn="base"/>
+            <a:r>
+              <a:rPr lang="en-US" dirty="0" err="1"/>
+              <a:t>JQuery</a:t>
+            </a:r>
+            <a:r>
+              <a:rPr lang="en-US" dirty="0"/>
+              <a:t> based AJAX framework </a:t>
+            </a:r>
+            <a:endParaRPr lang="en-US" dirty="0" smtClean="0"/>
+          </a:p>
+          <a:p>
+            <a:pPr lvl="1" fontAlgn="base"/>
+            <a:r>
+              <a:rPr lang="en-US" dirty="0" smtClean="0"/>
+              <a:t>Bootstrap </a:t>
+            </a:r>
+            <a:r>
+              <a:rPr lang="en-US" dirty="0"/>
+              <a:t>framework for support different size of screen sizes.</a:t>
+            </a:r>
+          </a:p>
+          <a:p>
+            <a:pPr lvl="1" fontAlgn="base"/>
+            <a:r>
+              <a:rPr lang="en-US" dirty="0"/>
+              <a:t>Segregate Look and Theme – The application will have CSS (cascaded style sheet) for storing font, color, table styles etc. This would certainly make the core application logic decoupled from application look and style</a:t>
+            </a:r>
+            <a:r>
+              <a:rPr lang="en-US" dirty="0" smtClean="0"/>
+              <a:t>.</a:t>
+            </a:r>
+            <a:endParaRPr lang="en-US" dirty="0"/>
+          </a:p>
+        </p:txBody>
+      </p:sp>
+    </p:spTree>
+    <p:extLst>
+      <p:ext uri="{BB962C8B-B14F-4D97-AF65-F5344CB8AC3E}">
+        <p14:creationId xmlns:p14="http://schemas.microsoft.com/office/powerpoint/2010/main" val="3574737620"/>
+      </p:ext>
+    </p:extLst>
+  </p:cSld>
+  <p:clrMapOvr>
+    <a:masterClrMapping/>
+  </p:clrMapOvr>
+  <p:timing>
+    <p:tnLst>
+      <p:par>
+        <p:cTn id="1" dur="indefinite" restart="never" nodeType="tmRoot"/>
+      </p:par>
+    </p:tnLst>
+  </p:timing>
+</p:sld>
+</file>
+
 <file path=ppt/slides/slide16.xml><?xml version="1.0" encoding="utf-8"?>
 <p:sld xmlns:a="http://schemas.openxmlformats.org/drawingml/2006/main" xmlns:r="http://schemas.openxmlformats.org/officeDocument/2006/relationships" xmlns:p="http://schemas.openxmlformats.org/presentationml/2006/main">
   <p:cSld>
@@ -7414,9 +7359,6 @@
           </a:bodyPr>
           <a:lstStyle/>
           <a:p>
-            <a:pPr marL="0" indent="0" algn="l">
-              <a:buNone/>
-            </a:pPr>
             <a:r>
               <a:rPr lang="en-US" sz="2400" dirty="0">
                 <a:solidFill>
@@ -7425,7 +7367,7 @@
                   </a:schemeClr>
                 </a:solidFill>
               </a:rPr>
-              <a:t>Analysis and </a:t>
+              <a:t>Analysis and Design </a:t>
             </a:r>
             <a:r>
               <a:rPr lang="en-US" sz="2400" dirty="0" smtClean="0">
@@ -7435,15 +7377,9 @@
                   </a:schemeClr>
                 </a:solidFill>
               </a:rPr>
-              <a:t>Design Consideration – Cont.</a:t>
-            </a:r>
-            <a:endParaRPr lang="en-US" sz="2400" dirty="0">
-              <a:solidFill>
-                <a:schemeClr val="accent1">
-                  <a:lumMod val="50000"/>
-                </a:schemeClr>
-              </a:solidFill>
-            </a:endParaRPr>
+              <a:t>Consideration – Cont.</a:t>
+            </a:r>
+            <a:endParaRPr lang="en-US" sz="2400" dirty="0"/>
           </a:p>
         </p:txBody>
       </p:sp>
@@ -7471,11 +7407,11 @@
           <a:p>
             <a:r>
               <a:rPr lang="en-US" b="1" dirty="0" smtClean="0"/>
-              <a:t>UI </a:t>
+              <a:t>Data </a:t>
             </a:r>
             <a:r>
               <a:rPr lang="en-US" b="1" dirty="0"/>
-              <a:t>Considerations</a:t>
+              <a:t>Model Design</a:t>
             </a:r>
             <a:endParaRPr lang="en-US" b="1" i="1" dirty="0"/>
           </a:p>
@@ -7483,65 +7419,64 @@
             <a:pPr lvl="1" fontAlgn="base"/>
             <a:r>
               <a:rPr lang="en-US" dirty="0"/>
-              <a:t>Model View Controller (MVC) Pattern – Spring framework front end </a:t>
-            </a:r>
+              <a:t>The physical data model is done considering MySQL database.</a:t>
+            </a:r>
+          </a:p>
+          <a:p>
+            <a:pPr lvl="1" fontAlgn="base"/>
+            <a:r>
+              <a:rPr lang="en-US" dirty="0"/>
+              <a:t>The model has assumed soft deletion of entities compared to hard delete.</a:t>
+            </a:r>
+          </a:p>
+          <a:p>
+            <a:endParaRPr lang="en-US" dirty="0"/>
+          </a:p>
+          <a:p>
+            <a:r>
+              <a:rPr lang="en-US" b="1" dirty="0" smtClean="0"/>
+              <a:t>Uses </a:t>
+            </a:r>
+            <a:r>
+              <a:rPr lang="en-US" b="1" dirty="0"/>
+              <a:t>of Design Pattern</a:t>
+            </a:r>
+            <a:endParaRPr lang="en-US" b="1" i="1" dirty="0"/>
+          </a:p>
+          <a:p>
+            <a:pPr lvl="1"/>
             <a:r>
               <a:rPr lang="en-US" dirty="0" smtClean="0"/>
-              <a:t>controller.</a:t>
-            </a:r>
-            <a:endParaRPr lang="en-US" dirty="0"/>
-          </a:p>
-          <a:p>
-            <a:pPr lvl="1" fontAlgn="base"/>
+              <a:t>Data </a:t>
+            </a:r>
             <a:r>
               <a:rPr lang="en-US" dirty="0"/>
-              <a:t>Reusable Sorting for tables – Tables and list sorting will be controlled via </a:t>
+              <a:t>access Object (DAO) </a:t>
             </a:r>
             <a:r>
               <a:rPr lang="en-US" dirty="0" smtClean="0"/>
-              <a:t>JavaScript.</a:t>
-            </a:r>
-            <a:endParaRPr lang="en-US" dirty="0"/>
-          </a:p>
-          <a:p>
-            <a:pPr lvl="1" fontAlgn="base"/>
-            <a:r>
-              <a:rPr lang="en-US" dirty="0"/>
-              <a:t>Internet Browser Support – The application will support Internet Explorer 9 and above/ Firefox 20 and above/ Google Chrome 28 and above. All UI features may not be supported in IE 6.0.</a:t>
-            </a:r>
-          </a:p>
-          <a:p>
-            <a:pPr lvl="1" fontAlgn="base"/>
-            <a:r>
-              <a:rPr lang="en-US" dirty="0" err="1"/>
-              <a:t>JQuery</a:t>
-            </a:r>
-            <a:r>
-              <a:rPr lang="en-US" dirty="0"/>
-              <a:t> based AJAX framework </a:t>
-            </a:r>
-            <a:endParaRPr lang="en-US" dirty="0" smtClean="0"/>
-          </a:p>
-          <a:p>
-            <a:pPr lvl="1" fontAlgn="base"/>
+              <a:t>pattern – Spring data - data layer</a:t>
+            </a:r>
+          </a:p>
+          <a:p>
+            <a:pPr lvl="1"/>
             <a:r>
               <a:rPr lang="en-US" dirty="0" smtClean="0"/>
-              <a:t>Bootstrap </a:t>
-            </a:r>
-            <a:r>
-              <a:rPr lang="en-US" dirty="0"/>
-              <a:t>framework for support different size of screen sizes.</a:t>
-            </a:r>
-          </a:p>
-          <a:p>
-            <a:pPr lvl="1" fontAlgn="base"/>
-            <a:r>
-              <a:rPr lang="en-US" dirty="0"/>
-              <a:t>Segregate Look and Theme – The application will have CSS (cascaded style sheet) for storing font, color, table styles etc. This would certainly make the core application logic decoupled from application look and style</a:t>
-            </a:r>
+              <a:t>Factory Pattern – spring framework.</a:t>
+            </a:r>
+          </a:p>
+          <a:p>
+            <a:pPr lvl="1"/>
             <a:r>
               <a:rPr lang="en-US" dirty="0" smtClean="0"/>
-              <a:t>.</a:t>
+              <a:t>Singleton Pattern – database layer</a:t>
+            </a:r>
+          </a:p>
+          <a:p>
+            <a:pPr lvl="1"/>
+            <a:r>
+              <a:rPr lang="en-US" dirty="0" smtClean="0"/>
+              <a:t>MVC pattern – Presentation layer.</a:t>
             </a:r>
             <a:endParaRPr lang="en-US" dirty="0"/>
           </a:p>
@@ -7550,7 +7485,7 @@
     </p:spTree>
     <p:extLst>
       <p:ext uri="{BB962C8B-B14F-4D97-AF65-F5344CB8AC3E}">
-        <p14:creationId xmlns:p14="http://schemas.microsoft.com/office/powerpoint/2010/main" val="3574737620"/>
+        <p14:creationId xmlns:p14="http://schemas.microsoft.com/office/powerpoint/2010/main" val="85904073"/>
       </p:ext>
     </p:extLst>
   </p:cSld>
@@ -7614,17 +7549,7 @@
                   </a:schemeClr>
                 </a:solidFill>
               </a:rPr>
-              <a:t>Analysis and Design </a:t>
-            </a:r>
-            <a:r>
-              <a:rPr lang="en-US" sz="2400" dirty="0" smtClean="0">
-                <a:solidFill>
-                  <a:schemeClr val="accent1">
-                    <a:lumMod val="50000"/>
-                  </a:schemeClr>
-                </a:solidFill>
-              </a:rPr>
-              <a:t>Consideration – Cont.</a:t>
+              <a:t>Analysis and Design Consideration – Cont.</a:t>
             </a:r>
             <a:endParaRPr lang="en-US" sz="2400" dirty="0"/>
           </a:p>
@@ -7643,7 +7568,7 @@
         <p:spPr>
           <a:xfrm>
             <a:off x="990600" y="1295400"/>
-            <a:ext cx="7086600" cy="4419600"/>
+            <a:ext cx="7239000" cy="5029200"/>
           </a:xfrm>
         </p:spPr>
         <p:txBody>
@@ -7654,26 +7579,39 @@
           <a:p>
             <a:r>
               <a:rPr lang="en-US" b="1" dirty="0" smtClean="0"/>
-              <a:t>Data </a:t>
+              <a:t>Connection </a:t>
             </a:r>
             <a:r>
               <a:rPr lang="en-US" b="1" dirty="0"/>
-              <a:t>Model Design</a:t>
+              <a:t>Pooling</a:t>
             </a:r>
             <a:endParaRPr lang="en-US" b="1" i="1" dirty="0"/>
           </a:p>
           <a:p>
-            <a:pPr lvl="1" fontAlgn="base"/>
+            <a:pPr lvl="1"/>
+            <a:r>
+              <a:rPr lang="en-US" dirty="0" smtClean="0"/>
+              <a:t>Obtained </a:t>
+            </a:r>
             <a:r>
               <a:rPr lang="en-US" dirty="0"/>
-              <a:t>The physical data model is done considering MySQL database.</a:t>
-            </a:r>
-          </a:p>
-          <a:p>
-            <a:pPr lvl="1" fontAlgn="base"/>
+              <a:t>by spring data framework. </a:t>
+            </a:r>
+            <a:endParaRPr lang="en-US" dirty="0" smtClean="0"/>
+          </a:p>
+          <a:p>
+            <a:pPr lvl="1"/>
+            <a:r>
+              <a:rPr lang="en-US" dirty="0" smtClean="0"/>
+              <a:t>Connection </a:t>
+            </a:r>
             <a:r>
               <a:rPr lang="en-US" dirty="0"/>
-              <a:t>The model has assumed soft deletion of entities compared to hard delete.</a:t>
+              <a:t>pool is used for obtaining database connections &amp; those connections are released back to the pool after usage</a:t>
+            </a:r>
+            <a:r>
+              <a:rPr lang="en-US" dirty="0" smtClean="0"/>
+              <a:t>.</a:t>
             </a:r>
           </a:p>
           <a:p>
@@ -7682,11 +7620,11 @@
           <a:p>
             <a:r>
               <a:rPr lang="en-US" b="1" dirty="0" smtClean="0"/>
-              <a:t>Uses </a:t>
+              <a:t>Transaction </a:t>
             </a:r>
             <a:r>
               <a:rPr lang="en-US" b="1" dirty="0"/>
-              <a:t>of Design Pattern</a:t>
+              <a:t>and Rollback</a:t>
             </a:r>
             <a:endParaRPr lang="en-US" b="1" i="1" dirty="0"/>
           </a:p>
@@ -7694,36 +7632,61 @@
             <a:pPr lvl="1"/>
             <a:r>
               <a:rPr lang="en-US" dirty="0" smtClean="0"/>
-              <a:t>Data </a:t>
+              <a:t>In </a:t>
             </a:r>
             <a:r>
               <a:rPr lang="en-US" dirty="0"/>
-              <a:t>access Object (DAO) </a:t>
+              <a:t>case database exception occurs in DAO layer that will propagate up to Business layer and the transaction will be rolled back</a:t>
             </a:r>
             <a:r>
               <a:rPr lang="en-US" dirty="0" smtClean="0"/>
-              <a:t>pattern – Spring data - data layer</a:t>
+              <a:t>.</a:t>
             </a:r>
           </a:p>
           <a:p>
             <a:pPr lvl="1"/>
+            <a:endParaRPr lang="en-US" dirty="0"/>
+          </a:p>
+          <a:p>
+            <a:r>
+              <a:rPr lang="en-US" b="1" dirty="0" smtClean="0"/>
+              <a:t>Concurrent </a:t>
+            </a:r>
+            <a:r>
+              <a:rPr lang="en-US" b="1" dirty="0"/>
+              <a:t>Access</a:t>
+            </a:r>
+            <a:endParaRPr lang="en-US" b="1" i="1" dirty="0"/>
+          </a:p>
+          <a:p>
+            <a:pPr lvl="1"/>
+            <a:r>
+              <a:rPr lang="en-US" dirty="0"/>
+              <a:t>In “Sappu Savari” application, for use cases implementing </a:t>
+            </a:r>
+            <a:r>
+              <a:rPr lang="en-US" dirty="0" err="1"/>
+              <a:t>mutex</a:t>
+            </a:r>
+            <a:r>
+              <a:rPr lang="en-US" dirty="0"/>
+              <a:t> is not required. </a:t>
+            </a:r>
+            <a:endParaRPr lang="en-US" dirty="0" smtClean="0"/>
+          </a:p>
+          <a:p>
+            <a:pPr lvl="1"/>
             <a:r>
               <a:rPr lang="en-US" dirty="0" smtClean="0"/>
-              <a:t>Factory Pattern – spring framework.</a:t>
-            </a:r>
-          </a:p>
-          <a:p>
-            <a:pPr lvl="1"/>
+              <a:t>Version </a:t>
+            </a:r>
+            <a:r>
+              <a:rPr lang="en-US" dirty="0"/>
+              <a:t>column will be used on all tables to handle concurrent updates and to avoid data being overwritten from other sessions</a:t>
+            </a:r>
             <a:r>
               <a:rPr lang="en-US" dirty="0" smtClean="0"/>
-              <a:t>Singleton Pattern – database layer</a:t>
-            </a:r>
-          </a:p>
-          <a:p>
-            <a:pPr lvl="1"/>
-            <a:r>
-              <a:rPr lang="en-US" dirty="0" smtClean="0"/>
-              <a:t>MVC pattern – Presentation layer.</a:t>
+              <a:t>.</a:t>
             </a:r>
             <a:endParaRPr lang="en-US" dirty="0"/>
           </a:p>
@@ -7732,7 +7695,7 @@
     </p:spTree>
     <p:extLst>
       <p:ext uri="{BB962C8B-B14F-4D97-AF65-F5344CB8AC3E}">
-        <p14:creationId xmlns:p14="http://schemas.microsoft.com/office/powerpoint/2010/main" val="85904073"/>
+        <p14:creationId xmlns:p14="http://schemas.microsoft.com/office/powerpoint/2010/main" val="1916940172"/>
       </p:ext>
     </p:extLst>
   </p:cSld>
@@ -7814,23 +7777,31 @@
         </p:nvSpPr>
         <p:spPr>
           <a:xfrm>
-            <a:off x="990600" y="1295400"/>
-            <a:ext cx="7239000" cy="5029200"/>
+            <a:off x="990600" y="1066800"/>
+            <a:ext cx="7315200" cy="5181600"/>
           </a:xfrm>
         </p:spPr>
         <p:txBody>
           <a:bodyPr>
-            <a:normAutofit/>
+            <a:normAutofit fontScale="92500"/>
           </a:bodyPr>
           <a:lstStyle/>
           <a:p>
             <a:r>
+              <a:rPr lang="en-US" dirty="0"/>
+              <a:t> </a:t>
+            </a:r>
+            <a:r>
               <a:rPr lang="en-US" b="1" dirty="0" smtClean="0"/>
-              <a:t>Connection </a:t>
+              <a:t>Clustering </a:t>
             </a:r>
             <a:r>
               <a:rPr lang="en-US" b="1" dirty="0"/>
-              <a:t>Pooling</a:t>
+              <a:t>S</a:t>
+            </a:r>
+            <a:r>
+              <a:rPr lang="en-US" b="1" dirty="0" smtClean="0"/>
+              <a:t>upport</a:t>
             </a:r>
             <a:endParaRPr lang="en-US" b="1" i="1" dirty="0"/>
           </a:p>
@@ -7838,111 +7809,106 @@
             <a:pPr lvl="1"/>
             <a:r>
               <a:rPr lang="en-US" dirty="0" smtClean="0"/>
-              <a:t>Obtained </a:t>
+              <a:t>Business </a:t>
             </a:r>
             <a:r>
               <a:rPr lang="en-US" dirty="0"/>
-              <a:t>by spring data framework. </a:t>
-            </a:r>
-            <a:endParaRPr lang="en-US" dirty="0" smtClean="0"/>
+              <a:t>classes will generate single stateless instance in each JVM of </a:t>
+            </a:r>
+            <a:r>
+              <a:rPr lang="en-US" dirty="0" smtClean="0"/>
+              <a:t>clustering.</a:t>
+            </a:r>
+          </a:p>
+          <a:p>
+            <a:r>
+              <a:rPr lang="en-US" b="1" dirty="0" smtClean="0"/>
+              <a:t>Logging </a:t>
+            </a:r>
+            <a:r>
+              <a:rPr lang="en-US" b="1" dirty="0"/>
+              <a:t>Facilities</a:t>
+            </a:r>
+            <a:endParaRPr lang="en-US" b="1" i="1" dirty="0"/>
           </a:p>
           <a:p>
             <a:pPr lvl="1"/>
             <a:r>
-              <a:rPr lang="en-US" dirty="0" smtClean="0"/>
-              <a:t>Connection </a:t>
-            </a:r>
-            <a:r>
               <a:rPr lang="en-US" dirty="0"/>
-              <a:t>pool is used for obtaining database connections &amp; those connections are released back to the pool after usage</a:t>
+              <a:t>Log4j logging framework will be integrated to capture log into file system for any kind of operation in the system</a:t>
             </a:r>
             <a:r>
               <a:rPr lang="en-US" dirty="0" smtClean="0"/>
               <a:t>.</a:t>
             </a:r>
-          </a:p>
-          <a:p>
             <a:endParaRPr lang="en-US" dirty="0"/>
           </a:p>
           <a:p>
             <a:r>
               <a:rPr lang="en-US" b="1" dirty="0" smtClean="0"/>
-              <a:t>Transaction </a:t>
+              <a:t>Audit </a:t>
             </a:r>
             <a:r>
               <a:rPr lang="en-US" b="1" dirty="0"/>
-              <a:t>and Rollback</a:t>
+              <a:t>Facilities</a:t>
             </a:r>
             <a:endParaRPr lang="en-US" b="1" i="1" dirty="0"/>
           </a:p>
           <a:p>
             <a:pPr lvl="1"/>
             <a:r>
+              <a:rPr lang="en-US" dirty="0"/>
+              <a:t>Every transaction table will have two audit columns namely “Created By”, “Created Date”, “Updated Date” – to track who has created/updated a particular entry in table and when that is happened. </a:t>
+            </a:r>
+          </a:p>
+          <a:p>
+            <a:pPr lvl="1"/>
+            <a:r>
               <a:rPr lang="en-US" dirty="0" smtClean="0"/>
-              <a:t>In </a:t>
+              <a:t>Main transaction table consist with </a:t>
             </a:r>
             <a:r>
               <a:rPr lang="en-US" dirty="0"/>
-              <a:t>case database exception occurs in DAO layer that will propagate up to Business layer and the transaction will be rolled back</a:t>
+              <a:t>corresponding audit table to capture all the audit trail data for any modification of data in the main table</a:t>
             </a:r>
             <a:r>
               <a:rPr lang="en-US" dirty="0" smtClean="0"/>
               <a:t>.</a:t>
             </a:r>
+            <a:endParaRPr lang="en-US" dirty="0"/>
+          </a:p>
+          <a:p>
+            <a:r>
+              <a:rPr lang="en-US" b="1" dirty="0" smtClean="0"/>
+              <a:t>Security</a:t>
+            </a:r>
+            <a:endParaRPr lang="en-US" b="1" i="1" dirty="0"/>
           </a:p>
           <a:p>
             <a:pPr lvl="1"/>
-            <a:endParaRPr lang="en-US" dirty="0"/>
-          </a:p>
-          <a:p>
-            <a:r>
-              <a:rPr lang="en-US" b="1" dirty="0" smtClean="0"/>
-              <a:t>Concurrent </a:t>
-            </a:r>
-            <a:r>
-              <a:rPr lang="en-US" b="1" dirty="0"/>
-              <a:t>Access</a:t>
-            </a:r>
-            <a:endParaRPr lang="en-US" b="1" i="1" dirty="0"/>
+            <a:r>
+              <a:rPr lang="en-US" dirty="0"/>
+              <a:t>The application is accessible only through a valid login with necessary privileges. </a:t>
+            </a:r>
+            <a:endParaRPr lang="en-US" dirty="0" smtClean="0"/>
           </a:p>
           <a:p>
             <a:pPr lvl="1"/>
             <a:r>
+              <a:rPr lang="en-US" dirty="0" smtClean="0"/>
+              <a:t>https </a:t>
+            </a:r>
+            <a:r>
               <a:rPr lang="en-US" dirty="0"/>
-              <a:t>In “Sappu Savari” application, for use cases implementing </a:t>
-            </a:r>
-            <a:r>
-              <a:rPr lang="en-US" dirty="0" err="1"/>
-              <a:t>mutex</a:t>
-            </a:r>
-            <a:r>
-              <a:rPr lang="en-US" dirty="0"/>
-              <a:t> is not required. </a:t>
-            </a:r>
-            <a:endParaRPr lang="en-US" dirty="0" smtClean="0"/>
-          </a:p>
-          <a:p>
-            <a:pPr lvl="1"/>
-            <a:r>
-              <a:rPr lang="en-US" dirty="0" smtClean="0"/>
-              <a:t>Version </a:t>
-            </a:r>
-            <a:r>
-              <a:rPr lang="en-US" dirty="0"/>
-              <a:t>column will be used on all tables to handle concurrent updates and to avoid data being overwritten from other sessions</a:t>
-            </a:r>
-            <a:r>
-              <a:rPr lang="en-US" dirty="0" smtClean="0"/>
-              <a:t>.</a:t>
-            </a:r>
-            <a:endParaRPr lang="en-US" dirty="0"/>
+              <a:t>connectivity.</a:t>
+            </a:r>
           </a:p>
         </p:txBody>
       </p:sp>
     </p:spTree>
     <p:extLst>
       <p:ext uri="{BB962C8B-B14F-4D97-AF65-F5344CB8AC3E}">
-        <p14:creationId xmlns:p14="http://schemas.microsoft.com/office/powerpoint/2010/main" val="1916940172"/>
+        <p14:creationId xmlns:p14="http://schemas.microsoft.com/office/powerpoint/2010/main" val="2353562978"/>
       </p:ext>
     </p:extLst>
   </p:cSld>
@@ -7993,169 +7959,177 @@
           </a:xfrm>
         </p:spPr>
         <p:txBody>
+          <a:bodyPr/>
+          <a:lstStyle/>
+          <a:p>
+            <a:pPr marL="0" indent="0" algn="l">
+              <a:buNone/>
+            </a:pPr>
+            <a:r>
+              <a:rPr lang="en-US" sz="3600" dirty="0" smtClean="0">
+                <a:solidFill>
+                  <a:schemeClr val="accent1">
+                    <a:lumMod val="50000"/>
+                  </a:schemeClr>
+                </a:solidFill>
+              </a:rPr>
+              <a:t>Implementation</a:t>
+            </a:r>
+            <a:endParaRPr lang="en-US" sz="3600" dirty="0">
+              <a:solidFill>
+                <a:schemeClr val="accent1">
+                  <a:lumMod val="50000"/>
+                </a:schemeClr>
+              </a:solidFill>
+            </a:endParaRPr>
+          </a:p>
+        </p:txBody>
+      </p:sp>
+      <p:sp>
+        <p:nvSpPr>
+          <p:cNvPr id="3" name="Content Placeholder 2"/>
+          <p:cNvSpPr>
+            <a:spLocks noGrp="1"/>
+          </p:cNvSpPr>
+          <p:nvPr>
+            <p:ph idx="1"/>
+          </p:nvPr>
+        </p:nvSpPr>
+        <p:spPr>
+          <a:xfrm>
+            <a:off x="990600" y="1295400"/>
+            <a:ext cx="7086600" cy="4419600"/>
+          </a:xfrm>
+        </p:spPr>
+        <p:txBody>
           <a:bodyPr>
             <a:normAutofit/>
           </a:bodyPr>
           <a:lstStyle/>
           <a:p>
             <a:r>
-              <a:rPr lang="en-US" sz="2400" dirty="0">
-                <a:solidFill>
-                  <a:schemeClr val="accent1">
-                    <a:lumMod val="50000"/>
-                  </a:schemeClr>
-                </a:solidFill>
-              </a:rPr>
-              <a:t>Analysis and Design Consideration – Cont.</a:t>
-            </a:r>
-            <a:endParaRPr lang="en-US" sz="2400" dirty="0"/>
-          </a:p>
-        </p:txBody>
-      </p:sp>
-      <p:sp>
-        <p:nvSpPr>
-          <p:cNvPr id="3" name="Content Placeholder 2"/>
-          <p:cNvSpPr>
-            <a:spLocks noGrp="1"/>
-          </p:cNvSpPr>
-          <p:nvPr>
-            <p:ph idx="1"/>
-          </p:nvPr>
-        </p:nvSpPr>
-        <p:spPr>
-          <a:xfrm>
-            <a:off x="990600" y="1066800"/>
-            <a:ext cx="7315200" cy="5181600"/>
-          </a:xfrm>
-        </p:spPr>
-        <p:txBody>
-          <a:bodyPr>
-            <a:normAutofit fontScale="92500"/>
-          </a:bodyPr>
-          <a:lstStyle/>
-          <a:p>
+              <a:rPr lang="en-US" dirty="0" smtClean="0"/>
+              <a:t>Used open </a:t>
+            </a:r>
             <a:r>
               <a:rPr lang="en-US" dirty="0"/>
-              <a:t> </a:t>
-            </a:r>
-            <a:r>
-              <a:rPr lang="en-US" b="1" dirty="0" smtClean="0"/>
-              <a:t>Clustering </a:t>
-            </a:r>
-            <a:r>
-              <a:rPr lang="en-US" b="1" dirty="0"/>
-              <a:t>S</a:t>
-            </a:r>
-            <a:r>
-              <a:rPr lang="en-US" b="1" dirty="0" smtClean="0"/>
-              <a:t>upport</a:t>
-            </a:r>
-            <a:endParaRPr lang="en-US" b="1" i="1" dirty="0"/>
+              <a:t>source </a:t>
+            </a:r>
+            <a:r>
+              <a:rPr lang="en-US" dirty="0" smtClean="0"/>
+              <a:t>technologies and development tools. </a:t>
+            </a:r>
           </a:p>
           <a:p>
             <a:pPr lvl="1"/>
+            <a:r>
+              <a:rPr lang="en-US" dirty="0" smtClean="0"/>
+              <a:t>Eclipse</a:t>
+            </a:r>
+          </a:p>
+          <a:p>
+            <a:pPr lvl="1"/>
+            <a:r>
+              <a:rPr lang="en-US" dirty="0" err="1" smtClean="0"/>
+              <a:t>Mysql</a:t>
+            </a:r>
+            <a:r>
+              <a:rPr lang="en-US" dirty="0" smtClean="0"/>
+              <a:t> Workbench</a:t>
+            </a:r>
+          </a:p>
+          <a:p>
+            <a:pPr lvl="1"/>
+            <a:r>
+              <a:rPr lang="en-US" dirty="0" err="1" smtClean="0"/>
+              <a:t>Ireport</a:t>
+            </a:r>
+            <a:endParaRPr lang="en-US" dirty="0"/>
+          </a:p>
+          <a:p>
+            <a:pPr marL="457200" lvl="1" indent="0">
+              <a:buNone/>
+            </a:pPr>
+            <a:endParaRPr lang="en-US" dirty="0"/>
+          </a:p>
+          <a:p>
+            <a:r>
+              <a:rPr lang="en-US" dirty="0"/>
+              <a:t>For the </a:t>
+            </a:r>
+            <a:r>
+              <a:rPr lang="en-US" dirty="0" smtClean="0"/>
+              <a:t>Data layer -  </a:t>
+            </a:r>
+            <a:r>
+              <a:rPr lang="en-US" dirty="0"/>
+              <a:t>MySQL </a:t>
+            </a:r>
+            <a:r>
+              <a:rPr lang="en-US" dirty="0" smtClean="0"/>
+              <a:t>database</a:t>
+            </a:r>
+          </a:p>
+          <a:p>
+            <a:r>
+              <a:rPr lang="en-US" dirty="0" smtClean="0"/>
+              <a:t>Data layer implementation – Java</a:t>
+            </a:r>
+          </a:p>
+          <a:p>
+            <a:r>
+              <a:rPr lang="en-US" dirty="0" smtClean="0"/>
+              <a:t>For </a:t>
+            </a:r>
+            <a:r>
+              <a:rPr lang="en-US" dirty="0"/>
+              <a:t>further functionalities such as connection pooling, maintain </a:t>
+            </a:r>
+            <a:r>
+              <a:rPr lang="en-US" dirty="0" smtClean="0"/>
+              <a:t>scalability - </a:t>
+            </a:r>
+            <a:r>
+              <a:rPr lang="en-US" dirty="0"/>
+              <a:t>Spring data JPA </a:t>
+            </a:r>
+            <a:r>
+              <a:rPr lang="en-US" dirty="0" smtClean="0"/>
+              <a:t>framework.</a:t>
+            </a:r>
+          </a:p>
+          <a:p>
+            <a:endParaRPr lang="en-US" dirty="0"/>
+          </a:p>
+          <a:p>
             <a:r>
               <a:rPr lang="en-US" dirty="0" smtClean="0"/>
               <a:t>Business </a:t>
             </a:r>
             <a:r>
               <a:rPr lang="en-US" dirty="0"/>
-              <a:t>classes will generate single stateless instance in each JVM of </a:t>
+              <a:t>layer </a:t>
             </a:r>
             <a:r>
               <a:rPr lang="en-US" dirty="0" smtClean="0"/>
-              <a:t>clustering.</a:t>
-            </a:r>
-          </a:p>
-          <a:p>
-            <a:r>
-              <a:rPr lang="en-US" b="1" dirty="0" smtClean="0"/>
-              <a:t>Logging </a:t>
-            </a:r>
-            <a:r>
-              <a:rPr lang="en-US" b="1" dirty="0"/>
-              <a:t>Facilities</a:t>
-            </a:r>
-            <a:endParaRPr lang="en-US" b="1" i="1" dirty="0"/>
-          </a:p>
-          <a:p>
-            <a:pPr lvl="1"/>
+              <a:t>- </a:t>
+            </a:r>
             <a:r>
               <a:rPr lang="en-US" dirty="0"/>
-              <a:t>Log4j logging framework will be integrated to capture log into file system for any kind of operation in the system</a:t>
+              <a:t>Java and Spring framework</a:t>
             </a:r>
             <a:r>
               <a:rPr lang="en-US" dirty="0" smtClean="0"/>
               <a:t>.</a:t>
             </a:r>
             <a:endParaRPr lang="en-US" dirty="0"/>
-          </a:p>
-          <a:p>
-            <a:r>
-              <a:rPr lang="en-US" b="1" dirty="0" smtClean="0"/>
-              <a:t>Audit </a:t>
-            </a:r>
-            <a:r>
-              <a:rPr lang="en-US" b="1" dirty="0"/>
-              <a:t>Facilities</a:t>
-            </a:r>
-            <a:endParaRPr lang="en-US" b="1" i="1" dirty="0"/>
-          </a:p>
-          <a:p>
-            <a:pPr lvl="1"/>
-            <a:r>
-              <a:rPr lang="en-US" dirty="0"/>
-              <a:t>Every transaction table will have two audit columns namely “Created By”, “Created Date”, “Updated Date” – to track who has created/updated a particular entry in table and when that is happened. </a:t>
-            </a:r>
-          </a:p>
-          <a:p>
-            <a:pPr lvl="1"/>
-            <a:r>
-              <a:rPr lang="en-US" dirty="0" smtClean="0"/>
-              <a:t>Main transaction table consist with </a:t>
-            </a:r>
-            <a:r>
-              <a:rPr lang="en-US" dirty="0"/>
-              <a:t>corresponding audit table to capture all the audit trail data for any modification of data in the main table</a:t>
-            </a:r>
-            <a:r>
-              <a:rPr lang="en-US" dirty="0" smtClean="0"/>
-              <a:t>.</a:t>
-            </a:r>
-            <a:endParaRPr lang="en-US" dirty="0"/>
-          </a:p>
-          <a:p>
-            <a:r>
-              <a:rPr lang="en-US" b="1" dirty="0" smtClean="0"/>
-              <a:t>Security</a:t>
-            </a:r>
-            <a:endParaRPr lang="en-US" b="1" i="1" dirty="0"/>
-          </a:p>
-          <a:p>
-            <a:pPr lvl="1"/>
-            <a:r>
-              <a:rPr lang="en-US" dirty="0"/>
-              <a:t>The application is accessible only through a valid login with necessary privileges. </a:t>
-            </a:r>
-            <a:endParaRPr lang="en-US" dirty="0" smtClean="0"/>
-          </a:p>
-          <a:p>
-            <a:pPr lvl="1"/>
-            <a:r>
-              <a:rPr lang="en-US" dirty="0" smtClean="0"/>
-              <a:t>https </a:t>
-            </a:r>
-            <a:r>
-              <a:rPr lang="en-US" dirty="0"/>
-              <a:t>connectivity.</a:t>
-            </a:r>
           </a:p>
         </p:txBody>
       </p:sp>
     </p:spTree>
     <p:extLst>
       <p:ext uri="{BB962C8B-B14F-4D97-AF65-F5344CB8AC3E}">
-        <p14:creationId xmlns:p14="http://schemas.microsoft.com/office/powerpoint/2010/main" val="2353562978"/>
+        <p14:creationId xmlns:p14="http://schemas.microsoft.com/office/powerpoint/2010/main" val="166755139"/>
       </p:ext>
     </p:extLst>
   </p:cSld>
@@ -8380,7 +8354,7 @@
                   </a:schemeClr>
                 </a:solidFill>
               </a:rPr>
-              <a:t>Implementation</a:t>
+              <a:t>Implementation – Cont.</a:t>
             </a:r>
             <a:endParaRPr lang="en-US" sz="3600" dirty="0">
               <a:solidFill>
@@ -8416,119 +8390,91 @@
           <a:p>
             <a:r>
               <a:rPr lang="en-US" dirty="0" smtClean="0"/>
-              <a:t>Used open </a:t>
+              <a:t>The </a:t>
             </a:r>
             <a:r>
               <a:rPr lang="en-US" dirty="0"/>
-              <a:t>source </a:t>
+              <a:t>presentation layer will be developed using </a:t>
             </a:r>
             <a:r>
               <a:rPr lang="en-US" dirty="0" smtClean="0"/>
-              <a:t>technologies and development tools. </a:t>
+              <a:t>HTML5, JSP</a:t>
+            </a:r>
+            <a:r>
+              <a:rPr lang="en-US" dirty="0"/>
+              <a:t>, JSTL, </a:t>
+            </a:r>
+            <a:r>
+              <a:rPr lang="en-US" dirty="0" err="1"/>
+              <a:t>JQuery</a:t>
+            </a:r>
+            <a:r>
+              <a:rPr lang="en-US" dirty="0"/>
+              <a:t> and </a:t>
+            </a:r>
+            <a:r>
+              <a:rPr lang="en-US" dirty="0" err="1"/>
+              <a:t>BootStrap</a:t>
+            </a:r>
+            <a:r>
+              <a:rPr lang="en-US" dirty="0" smtClean="0"/>
+              <a:t>.</a:t>
             </a:r>
           </a:p>
           <a:p>
             <a:pPr lvl="1"/>
             <a:r>
               <a:rPr lang="en-US" dirty="0" smtClean="0"/>
-              <a:t>Eclipse</a:t>
-            </a:r>
-          </a:p>
-          <a:p>
-            <a:pPr lvl="1"/>
-            <a:r>
-              <a:rPr lang="en-US" dirty="0" err="1" smtClean="0"/>
-              <a:t>Mysql</a:t>
-            </a:r>
+              <a:t>The presentation layer is capable of render user interfaces under range of screen resolutions to support multiple smart mobile devices.</a:t>
+            </a:r>
+          </a:p>
+          <a:p>
+            <a:pPr marL="457200" lvl="1" indent="0">
+              <a:buNone/>
+            </a:pPr>
+            <a:endParaRPr lang="en-US" dirty="0"/>
+          </a:p>
+          <a:p>
             <a:r>
               <a:rPr lang="en-US" dirty="0" smtClean="0"/>
-              <a:t> Workbench</a:t>
-            </a:r>
-          </a:p>
-          <a:p>
-            <a:pPr lvl="1"/>
+              <a:t>Jasper </a:t>
+            </a:r>
+            <a:r>
+              <a:rPr lang="en-US" dirty="0"/>
+              <a:t>reporting </a:t>
+            </a:r>
+            <a:r>
+              <a:rPr lang="en-US" dirty="0" smtClean="0"/>
+              <a:t>with </a:t>
+            </a:r>
             <a:r>
               <a:rPr lang="en-US" dirty="0" err="1" smtClean="0"/>
               <a:t>Ireport</a:t>
             </a:r>
-            <a:endParaRPr lang="en-US" dirty="0"/>
-          </a:p>
-          <a:p>
-            <a:pPr marL="457200" lvl="1" indent="0">
+            <a:r>
+              <a:rPr lang="en-US" dirty="0" smtClean="0"/>
+              <a:t>- Report </a:t>
+            </a:r>
+            <a:r>
+              <a:rPr lang="en-US" dirty="0"/>
+              <a:t>generations</a:t>
+            </a:r>
+            <a:r>
+              <a:rPr lang="en-US" dirty="0" smtClean="0"/>
+              <a:t>.</a:t>
+            </a:r>
+          </a:p>
+          <a:p>
+            <a:pPr marL="0" indent="0">
               <a:buNone/>
             </a:pPr>
             <a:endParaRPr lang="en-US" dirty="0"/>
           </a:p>
           <a:p>
-            <a:r>
-              <a:rPr lang="en-US" dirty="0"/>
-              <a:t>For the </a:t>
-            </a:r>
-            <a:r>
-              <a:rPr lang="en-US" dirty="0" smtClean="0"/>
-              <a:t>Data layer -  </a:t>
-            </a:r>
-            <a:r>
-              <a:rPr lang="en-US" dirty="0"/>
-              <a:t>MySQL </a:t>
-            </a:r>
-            <a:r>
-              <a:rPr lang="en-US" dirty="0" smtClean="0"/>
-              <a:t>database</a:t>
-            </a:r>
-          </a:p>
-          <a:p>
-            <a:r>
-              <a:rPr lang="en-US" dirty="0" smtClean="0"/>
-              <a:t>Data layer implementation – Java</a:t>
-            </a:r>
-          </a:p>
-          <a:p>
-            <a:r>
-              <a:rPr lang="en-US" dirty="0" smtClean="0"/>
-              <a:t>For </a:t>
-            </a:r>
-            <a:r>
-              <a:rPr lang="en-US" dirty="0"/>
-              <a:t>further functionalities such as connection pooling, maintain </a:t>
-            </a:r>
-            <a:r>
-              <a:rPr lang="en-US" dirty="0" smtClean="0"/>
-              <a:t>scalability - </a:t>
-            </a:r>
-            <a:r>
-              <a:rPr lang="en-US" dirty="0"/>
-              <a:t>Spring data JPA </a:t>
-            </a:r>
-            <a:r>
-              <a:rPr lang="en-US" dirty="0" smtClean="0"/>
-              <a:t>framework.</a:t>
-            </a:r>
-          </a:p>
-          <a:p>
-            <a:endParaRPr lang="en-US" dirty="0"/>
-          </a:p>
-          <a:p>
-            <a:r>
-              <a:rPr lang="en-US" dirty="0" smtClean="0"/>
-              <a:t>Business </a:t>
-            </a:r>
-            <a:r>
-              <a:rPr lang="en-US" dirty="0"/>
-              <a:t>layer </a:t>
-            </a:r>
-            <a:r>
-              <a:rPr lang="en-US" dirty="0" smtClean="0"/>
-              <a:t>- </a:t>
-            </a:r>
-            <a:r>
-              <a:rPr lang="en-US" dirty="0"/>
-              <a:t>Java and Spring framework</a:t>
-            </a:r>
-            <a:r>
-              <a:rPr lang="en-US" dirty="0" smtClean="0"/>
-              <a:t>.</a:t>
-            </a:r>
+            <a:pPr>
+              <a:buFont typeface="Arial" panose="020B0604020202020204" pitchFamily="34" charset="0"/>
+              <a:buChar char="•"/>
+            </a:pPr>
             <a:endParaRPr lang="en-US" dirty="0"/>
           </a:p>
         </p:txBody>
@@ -8536,7 +8482,7 @@
     </p:spTree>
     <p:extLst>
       <p:ext uri="{BB962C8B-B14F-4D97-AF65-F5344CB8AC3E}">
-        <p14:creationId xmlns:p14="http://schemas.microsoft.com/office/powerpoint/2010/main" val="166755139"/>
+        <p14:creationId xmlns:p14="http://schemas.microsoft.com/office/powerpoint/2010/main" val="667556966"/>
       </p:ext>
     </p:extLst>
   </p:cSld>
@@ -8594,22 +8540,15 @@
               <a:buNone/>
             </a:pPr>
             <a:r>
-              <a:rPr lang="en-US" sz="3600" dirty="0" smtClean="0">
+              <a:rPr lang="en-US" sz="3600" dirty="0">
                 <a:solidFill>
                   <a:schemeClr val="accent1">
                     <a:lumMod val="50000"/>
                   </a:schemeClr>
                 </a:solidFill>
               </a:rPr>
-              <a:t>Implementation – Cont.</a:t>
-            </a:r>
-            <a:endParaRPr lang="en-US" sz="3600" dirty="0">
-              <a:solidFill>
-                <a:schemeClr val="accent1">
-                  <a:lumMod val="50000"/>
-                </a:schemeClr>
-              </a:solidFill>
-            </a:endParaRPr>
+              <a:t>Conclusion</a:t>
+            </a:r>
           </a:p>
         </p:txBody>
       </p:sp>
@@ -8626,14 +8565,32 @@
         <p:spPr>
           <a:xfrm>
             <a:off x="990600" y="1295400"/>
-            <a:ext cx="7086600" cy="4419600"/>
+            <a:ext cx="7391400" cy="4800600"/>
           </a:xfrm>
         </p:spPr>
         <p:txBody>
           <a:bodyPr>
-            <a:normAutofit/>
+            <a:normAutofit fontScale="92500" lnSpcReduction="10000"/>
           </a:bodyPr>
           <a:lstStyle/>
+          <a:p>
+            <a:r>
+              <a:rPr lang="en-US" dirty="0"/>
+              <a:t>The newly proposed </a:t>
+            </a:r>
+            <a:r>
+              <a:rPr lang="en-US" dirty="0" smtClean="0"/>
+              <a:t>system will </a:t>
+            </a:r>
+            <a:r>
+              <a:rPr lang="en-US" dirty="0"/>
+              <a:t>be well benefited to the people who spend a busy schedule in their life. </a:t>
+            </a:r>
+            <a:endParaRPr lang="en-US" dirty="0" smtClean="0"/>
+          </a:p>
+          <a:p>
+            <a:endParaRPr lang="en-US" dirty="0" smtClean="0"/>
+          </a:p>
           <a:p>
             <a:r>
               <a:rPr lang="en-US" dirty="0" smtClean="0"/>
@@ -8641,86 +8598,62 @@
             </a:r>
             <a:r>
               <a:rPr lang="en-US" dirty="0"/>
-              <a:t>presentation layer will be developed using </a:t>
+              <a:t>time spending on browsing through the posted advertisements and allocate time and venue for meet and </a:t>
             </a:r>
             <a:r>
               <a:rPr lang="en-US" dirty="0" smtClean="0"/>
-              <a:t>HTML5, JSP</a:t>
+              <a:t>investigate will be saved. </a:t>
+            </a:r>
+          </a:p>
+          <a:p>
+            <a:endParaRPr lang="en-US" dirty="0"/>
+          </a:p>
+          <a:p>
+            <a:r>
+              <a:rPr lang="en-US" dirty="0" smtClean="0"/>
+              <a:t>Users </a:t>
             </a:r>
             <a:r>
               <a:rPr lang="en-US" dirty="0"/>
-              <a:t>, JSTL, </a:t>
-            </a:r>
-            <a:r>
-              <a:rPr lang="en-US" dirty="0" err="1"/>
-              <a:t>JQuery</a:t>
+              <a:t>notify automatically when the best matching seller or buyer comes nearby, so the user will be free of tension and stress of searching the proper buyer or seller to contact. </a:t>
+            </a:r>
+            <a:endParaRPr lang="en-US" dirty="0" smtClean="0"/>
+          </a:p>
+          <a:p>
+            <a:endParaRPr lang="en-US" dirty="0" smtClean="0"/>
+          </a:p>
+          <a:p>
+            <a:r>
+              <a:rPr lang="en-US" dirty="0" smtClean="0"/>
+              <a:t>System </a:t>
             </a:r>
             <a:r>
               <a:rPr lang="en-US" dirty="0"/>
-              <a:t> and </a:t>
-            </a:r>
-            <a:r>
-              <a:rPr lang="en-US" dirty="0" err="1"/>
-              <a:t>BootStrap</a:t>
+              <a:t>notification will be included the contact details of the buyer or seller and shortest path details to find the other party. </a:t>
+            </a:r>
+            <a:endParaRPr lang="en-US" dirty="0" smtClean="0"/>
+          </a:p>
+          <a:p>
+            <a:endParaRPr lang="en-US" dirty="0" smtClean="0"/>
+          </a:p>
+          <a:p>
+            <a:r>
+              <a:rPr lang="en-US" dirty="0" smtClean="0"/>
+              <a:t>Until </a:t>
+            </a:r>
+            <a:r>
+              <a:rPr lang="en-US" dirty="0"/>
+              <a:t>you find the best matching seller or buyer the system will continue finding</a:t>
             </a:r>
             <a:r>
               <a:rPr lang="en-US" dirty="0" smtClean="0"/>
               <a:t>.</a:t>
             </a:r>
-          </a:p>
-          <a:p>
-            <a:pPr lvl="1"/>
-            <a:r>
-              <a:rPr lang="en-US" dirty="0" smtClean="0"/>
-              <a:t>The presentation layer is capable of render user interfaces under range of screen resolutions to support multiple smart mobile devices.</a:t>
-            </a:r>
-          </a:p>
-          <a:p>
-            <a:pPr marL="457200" lvl="1" indent="0">
-              <a:buNone/>
-            </a:pPr>
             <a:endParaRPr lang="en-US" dirty="0"/>
           </a:p>
           <a:p>
-            <a:r>
-              <a:rPr lang="en-US" dirty="0" smtClean="0"/>
-              <a:t>Jasper </a:t>
-            </a:r>
-            <a:r>
-              <a:rPr lang="en-US" dirty="0"/>
-              <a:t>reporting </a:t>
-            </a:r>
-            <a:r>
-              <a:rPr lang="en-US" dirty="0" smtClean="0"/>
-              <a:t>with </a:t>
-            </a:r>
-            <a:r>
-              <a:rPr lang="en-US" dirty="0" err="1" smtClean="0"/>
-              <a:t>Ireport</a:t>
-            </a:r>
-            <a:r>
-              <a:rPr lang="en-US" dirty="0" smtClean="0"/>
-              <a:t>- Report </a:t>
-            </a:r>
-            <a:r>
-              <a:rPr lang="en-US" dirty="0"/>
-              <a:t>generations</a:t>
-            </a:r>
-            <a:r>
-              <a:rPr lang="en-US" dirty="0" smtClean="0"/>
-              <a:t>.</a:t>
-            </a:r>
-          </a:p>
-          <a:p>
             <a:pPr marL="0" indent="0">
               <a:buNone/>
-            </a:pPr>
-            <a:endParaRPr lang="en-US" dirty="0"/>
-          </a:p>
-          <a:p>
-            <a:pPr>
-              <a:buFont typeface="Arial" panose="020B0604020202020204" pitchFamily="34" charset="0"/>
-              <a:buChar char="•"/>
             </a:pPr>
             <a:endParaRPr lang="en-US" dirty="0"/>
           </a:p>
@@ -8729,7 +8662,7 @@
     </p:spTree>
     <p:extLst>
       <p:ext uri="{BB962C8B-B14F-4D97-AF65-F5344CB8AC3E}">
-        <p14:creationId xmlns:p14="http://schemas.microsoft.com/office/powerpoint/2010/main" val="667556966"/>
+        <p14:creationId xmlns:p14="http://schemas.microsoft.com/office/powerpoint/2010/main" val="1041161480"/>
       </p:ext>
     </p:extLst>
   </p:cSld>
@@ -8787,186 +8720,6 @@
               <a:buNone/>
             </a:pPr>
             <a:r>
-              <a:rPr lang="en-US" sz="3600" dirty="0">
-                <a:solidFill>
-                  <a:schemeClr val="accent1">
-                    <a:lumMod val="50000"/>
-                  </a:schemeClr>
-                </a:solidFill>
-              </a:rPr>
-              <a:t>Conclusion</a:t>
-            </a:r>
-          </a:p>
-        </p:txBody>
-      </p:sp>
-      <p:sp>
-        <p:nvSpPr>
-          <p:cNvPr id="3" name="Content Placeholder 2"/>
-          <p:cNvSpPr>
-            <a:spLocks noGrp="1"/>
-          </p:cNvSpPr>
-          <p:nvPr>
-            <p:ph idx="1"/>
-          </p:nvPr>
-        </p:nvSpPr>
-        <p:spPr>
-          <a:xfrm>
-            <a:off x="990600" y="1295400"/>
-            <a:ext cx="7391400" cy="4800600"/>
-          </a:xfrm>
-        </p:spPr>
-        <p:txBody>
-          <a:bodyPr>
-            <a:normAutofit fontScale="92500" lnSpcReduction="10000"/>
-          </a:bodyPr>
-          <a:lstStyle/>
-          <a:p>
-            <a:r>
-              <a:rPr lang="en-US" dirty="0"/>
-              <a:t>The newly proposed </a:t>
-            </a:r>
-            <a:r>
-              <a:rPr lang="en-US" dirty="0" smtClean="0"/>
-              <a:t>system will </a:t>
-            </a:r>
-            <a:r>
-              <a:rPr lang="en-US" dirty="0"/>
-              <a:t>be well benefited to the people who spend a busy schedule in their life. </a:t>
-            </a:r>
-            <a:endParaRPr lang="en-US" dirty="0" smtClean="0"/>
-          </a:p>
-          <a:p>
-            <a:endParaRPr lang="en-US" dirty="0" smtClean="0"/>
-          </a:p>
-          <a:p>
-            <a:r>
-              <a:rPr lang="en-US" dirty="0" smtClean="0"/>
-              <a:t>The </a:t>
-            </a:r>
-            <a:r>
-              <a:rPr lang="en-US" dirty="0"/>
-              <a:t>time spending on browsing through the posted advertisements and allocate time and venue for meet and </a:t>
-            </a:r>
-            <a:r>
-              <a:rPr lang="en-US" dirty="0" smtClean="0"/>
-              <a:t>investigate will be saved. </a:t>
-            </a:r>
-          </a:p>
-          <a:p>
-            <a:endParaRPr lang="en-US" dirty="0"/>
-          </a:p>
-          <a:p>
-            <a:r>
-              <a:rPr lang="en-US" dirty="0" smtClean="0"/>
-              <a:t>Users </a:t>
-            </a:r>
-            <a:r>
-              <a:rPr lang="en-US" dirty="0"/>
-              <a:t>notify automatically when the best matching seller or buyer comes nearby, so the user will be free of tension and stress of searching the proper buyer or seller to contact. </a:t>
-            </a:r>
-            <a:endParaRPr lang="en-US" dirty="0" smtClean="0"/>
-          </a:p>
-          <a:p>
-            <a:endParaRPr lang="en-US" dirty="0" smtClean="0"/>
-          </a:p>
-          <a:p>
-            <a:r>
-              <a:rPr lang="en-US" dirty="0" smtClean="0"/>
-              <a:t>System </a:t>
-            </a:r>
-            <a:r>
-              <a:rPr lang="en-US" dirty="0"/>
-              <a:t>notification will be included the contact details of the buyer or seller and shortest path details to find the other party. </a:t>
-            </a:r>
-            <a:endParaRPr lang="en-US" dirty="0" smtClean="0"/>
-          </a:p>
-          <a:p>
-            <a:endParaRPr lang="en-US" dirty="0" smtClean="0"/>
-          </a:p>
-          <a:p>
-            <a:r>
-              <a:rPr lang="en-US" dirty="0" smtClean="0"/>
-              <a:t>Until </a:t>
-            </a:r>
-            <a:r>
-              <a:rPr lang="en-US" dirty="0"/>
-              <a:t>you find the best matching seller or buyer the system will continue finding</a:t>
-            </a:r>
-            <a:r>
-              <a:rPr lang="en-US" dirty="0" smtClean="0"/>
-              <a:t>.</a:t>
-            </a:r>
-            <a:endParaRPr lang="en-US" dirty="0"/>
-          </a:p>
-          <a:p>
-            <a:pPr marL="0" indent="0">
-              <a:buNone/>
-            </a:pPr>
-            <a:endParaRPr lang="en-US" dirty="0"/>
-          </a:p>
-        </p:txBody>
-      </p:sp>
-    </p:spTree>
-    <p:extLst>
-      <p:ext uri="{BB962C8B-B14F-4D97-AF65-F5344CB8AC3E}">
-        <p14:creationId xmlns:p14="http://schemas.microsoft.com/office/powerpoint/2010/main" val="1041161480"/>
-      </p:ext>
-    </p:extLst>
-  </p:cSld>
-  <p:clrMapOvr>
-    <a:masterClrMapping/>
-  </p:clrMapOvr>
-  <p:timing>
-    <p:tnLst>
-      <p:par>
-        <p:cTn id="1" dur="indefinite" restart="never" nodeType="tmRoot"/>
-      </p:par>
-    </p:tnLst>
-  </p:timing>
-</p:sld>
-</file>
-
-<file path=ppt/slides/slide23.xml><?xml version="1.0" encoding="utf-8"?>
-<p:sld xmlns:a="http://schemas.openxmlformats.org/drawingml/2006/main" xmlns:r="http://schemas.openxmlformats.org/officeDocument/2006/relationships" xmlns:p="http://schemas.openxmlformats.org/presentationml/2006/main">
-  <p:cSld>
-    <p:spTree>
-      <p:nvGrpSpPr>
-        <p:cNvPr id="1" name=""/>
-        <p:cNvGrpSpPr/>
-        <p:nvPr/>
-      </p:nvGrpSpPr>
-      <p:grpSpPr>
-        <a:xfrm>
-          <a:off x="0" y="0"/>
-          <a:ext cx="0" cy="0"/>
-          <a:chOff x="0" y="0"/>
-          <a:chExt cx="0" cy="0"/>
-        </a:xfrm>
-      </p:grpSpPr>
-      <p:sp>
-        <p:nvSpPr>
-          <p:cNvPr id="2" name="Title 1"/>
-          <p:cNvSpPr>
-            <a:spLocks noGrp="1"/>
-          </p:cNvSpPr>
-          <p:nvPr>
-            <p:ph type="title"/>
-          </p:nvPr>
-        </p:nvSpPr>
-        <p:spPr>
-          <a:xfrm>
-            <a:off x="990600" y="457200"/>
-            <a:ext cx="6512511" cy="838200"/>
-          </a:xfrm>
-        </p:spPr>
-        <p:txBody>
-          <a:bodyPr/>
-          <a:lstStyle/>
-          <a:p>
-            <a:pPr marL="0" indent="0" algn="l">
-              <a:buNone/>
-            </a:pPr>
-            <a:r>
               <a:rPr lang="en-US" sz="3600" dirty="0" smtClean="0">
                 <a:solidFill>
                   <a:schemeClr val="accent1">
@@ -9077,7 +8830,7 @@
 </p:sld>
 </file>
 
-<file path=ppt/slides/slide24.xml><?xml version="1.0" encoding="utf-8"?>
+<file path=ppt/slides/slide23.xml><?xml version="1.0" encoding="utf-8"?>
 <p:sld xmlns:a="http://schemas.openxmlformats.org/drawingml/2006/main" xmlns:r="http://schemas.openxmlformats.org/officeDocument/2006/relationships" xmlns:p="http://schemas.openxmlformats.org/presentationml/2006/main">
   <p:cSld>
     <p:spTree>
@@ -9492,18 +9245,189 @@
   <p:clrMapOvr>
     <a:masterClrMapping/>
   </p:clrMapOvr>
-  <mc:AlternateContent xmlns:mc="http://schemas.openxmlformats.org/markup-compatibility/2006">
-    <mc:Choice xmlns:p14="http://schemas.microsoft.com/office/powerpoint/2010/main" Requires="p14">
+  <mc:AlternateContent xmlns:mc="http://schemas.openxmlformats.org/markup-compatibility/2006" xmlns:p14="http://schemas.microsoft.com/office/powerpoint/2010/main">
+    <mc:Choice Requires="p14">
       <p:transition spd="med" p14:dur="700">
         <p:fade/>
       </p:transition>
     </mc:Choice>
-    <mc:Fallback>
+    <mc:Fallback xmlns="">
       <p:transition spd="med">
         <p:fade/>
       </p:transition>
     </mc:Fallback>
   </mc:AlternateContent>
+  <p:timing>
+    <p:tnLst>
+      <p:par>
+        <p:cTn id="1" dur="indefinite" restart="never" nodeType="tmRoot"/>
+      </p:par>
+    </p:tnLst>
+  </p:timing>
+</p:sld>
+</file>
+
+<file path=ppt/slides/slide24.xml><?xml version="1.0" encoding="utf-8"?>
+<p:sld xmlns:a="http://schemas.openxmlformats.org/drawingml/2006/main" xmlns:r="http://schemas.openxmlformats.org/officeDocument/2006/relationships" xmlns:p="http://schemas.openxmlformats.org/presentationml/2006/main">
+  <p:cSld>
+    <p:spTree>
+      <p:nvGrpSpPr>
+        <p:cNvPr id="1" name=""/>
+        <p:cNvGrpSpPr/>
+        <p:nvPr/>
+      </p:nvGrpSpPr>
+      <p:grpSpPr>
+        <a:xfrm>
+          <a:off x="0" y="0"/>
+          <a:ext cx="0" cy="0"/>
+          <a:chOff x="0" y="0"/>
+          <a:chExt cx="0" cy="0"/>
+        </a:xfrm>
+      </p:grpSpPr>
+      <p:sp>
+        <p:nvSpPr>
+          <p:cNvPr id="4" name="Title 1"/>
+          <p:cNvSpPr>
+            <a:spLocks noGrp="1"/>
+          </p:cNvSpPr>
+          <p:nvPr>
+            <p:ph type="title"/>
+          </p:nvPr>
+        </p:nvSpPr>
+        <p:spPr>
+          <a:xfrm>
+            <a:off x="508001" y="609600"/>
+            <a:ext cx="6447501" cy="762000"/>
+          </a:xfrm>
+        </p:spPr>
+        <p:txBody>
+          <a:bodyPr/>
+          <a:lstStyle/>
+          <a:p>
+            <a:pPr marL="0" indent="0" algn="l">
+              <a:buNone/>
+            </a:pPr>
+            <a:r>
+              <a:rPr lang="en-US" sz="3600" dirty="0" smtClean="0">
+                <a:solidFill>
+                  <a:schemeClr val="accent1">
+                    <a:lumMod val="50000"/>
+                  </a:schemeClr>
+                </a:solidFill>
+              </a:rPr>
+              <a:t>Demonstration</a:t>
+            </a:r>
+            <a:endParaRPr lang="en-US" sz="3600" dirty="0">
+              <a:solidFill>
+                <a:schemeClr val="accent1">
+                  <a:lumMod val="50000"/>
+                </a:schemeClr>
+              </a:solidFill>
+            </a:endParaRPr>
+          </a:p>
+        </p:txBody>
+      </p:sp>
+      <p:sp>
+        <p:nvSpPr>
+          <p:cNvPr id="5" name="Content Placeholder 4"/>
+          <p:cNvSpPr>
+            <a:spLocks noGrp="1"/>
+          </p:cNvSpPr>
+          <p:nvPr>
+            <p:ph idx="1"/>
+          </p:nvPr>
+        </p:nvSpPr>
+        <p:spPr>
+          <a:xfrm>
+            <a:off x="508001" y="1371600"/>
+            <a:ext cx="6447501" cy="4669763"/>
+          </a:xfrm>
+        </p:spPr>
+        <p:txBody>
+          <a:bodyPr>
+            <a:normAutofit fontScale="92500" lnSpcReduction="20000"/>
+          </a:bodyPr>
+          <a:lstStyle/>
+          <a:p>
+            <a:r>
+              <a:rPr lang="en-US" sz="2400" dirty="0" smtClean="0"/>
+              <a:t>User creation/Profile</a:t>
+            </a:r>
+          </a:p>
+          <a:p>
+            <a:r>
+              <a:rPr lang="en-US" sz="2400" dirty="0" smtClean="0"/>
+              <a:t>Sell Products/Services</a:t>
+            </a:r>
+            <a:endParaRPr lang="en-US" sz="2400" dirty="0"/>
+          </a:p>
+          <a:p>
+            <a:r>
+              <a:rPr lang="en-US" sz="2400" dirty="0" smtClean="0"/>
+              <a:t>Product Searching</a:t>
+            </a:r>
+          </a:p>
+          <a:p>
+            <a:r>
+              <a:rPr lang="en-US" sz="2400" dirty="0" smtClean="0"/>
+              <a:t>Contact Seller</a:t>
+            </a:r>
+          </a:p>
+          <a:p>
+            <a:r>
+              <a:rPr lang="en-US" sz="2400" dirty="0" smtClean="0"/>
+              <a:t>Search Requests</a:t>
+            </a:r>
+          </a:p>
+          <a:p>
+            <a:r>
+              <a:rPr lang="en-US" sz="2400" dirty="0" smtClean="0"/>
+              <a:t>Auto Search Notifications</a:t>
+            </a:r>
+          </a:p>
+          <a:p>
+            <a:r>
+              <a:rPr lang="en-US" sz="2400" dirty="0" smtClean="0"/>
+              <a:t>Seller Contact Buyer</a:t>
+            </a:r>
+          </a:p>
+          <a:p>
+            <a:r>
+              <a:rPr lang="en-US" sz="2400" dirty="0" smtClean="0"/>
+              <a:t>Follow Product and Seller</a:t>
+            </a:r>
+          </a:p>
+          <a:p>
+            <a:r>
+              <a:rPr lang="en-US" sz="2400" dirty="0" smtClean="0"/>
+              <a:t>Follow Seller in Google Map</a:t>
+            </a:r>
+          </a:p>
+          <a:p>
+            <a:r>
+              <a:rPr lang="en-US" sz="2400" dirty="0" smtClean="0"/>
+              <a:t>Rate the Product</a:t>
+            </a:r>
+          </a:p>
+          <a:p>
+            <a:r>
+              <a:rPr lang="en-US" sz="2400" dirty="0" smtClean="0"/>
+              <a:t>Comment/Review Product</a:t>
+            </a:r>
+            <a:endParaRPr lang="en-US" sz="2400" dirty="0"/>
+          </a:p>
+        </p:txBody>
+      </p:sp>
+    </p:spTree>
+    <p:extLst>
+      <p:ext uri="{BB962C8B-B14F-4D97-AF65-F5344CB8AC3E}">
+        <p14:creationId xmlns:p14="http://schemas.microsoft.com/office/powerpoint/2010/main" val="1361169342"/>
+      </p:ext>
+    </p:extLst>
+  </p:cSld>
+  <p:clrMapOvr>
+    <a:masterClrMapping/>
+  </p:clrMapOvr>
   <p:timing>
     <p:tnLst>
       <p:par>
@@ -9562,7 +9486,7 @@
                   </a:schemeClr>
                 </a:solidFill>
               </a:rPr>
-              <a:t>Demonstration</a:t>
+              <a:t>Future Work</a:t>
             </a:r>
             <a:endParaRPr lang="en-US" sz="3600" dirty="0">
               <a:solidFill>
@@ -9592,177 +9516,6 @@
         </p:spPr>
         <p:txBody>
           <a:bodyPr>
-            <a:normAutofit fontScale="92500" lnSpcReduction="20000"/>
-          </a:bodyPr>
-          <a:lstStyle/>
-          <a:p>
-            <a:r>
-              <a:rPr lang="en-US" sz="2400" dirty="0" smtClean="0"/>
-              <a:t>User creation/Profile</a:t>
-            </a:r>
-          </a:p>
-          <a:p>
-            <a:r>
-              <a:rPr lang="en-US" sz="2400" dirty="0" smtClean="0"/>
-              <a:t>Sell Products/Services</a:t>
-            </a:r>
-            <a:endParaRPr lang="en-US" sz="2400" dirty="0"/>
-          </a:p>
-          <a:p>
-            <a:r>
-              <a:rPr lang="en-US" sz="2400" dirty="0" smtClean="0"/>
-              <a:t>Product Searching</a:t>
-            </a:r>
-          </a:p>
-          <a:p>
-            <a:r>
-              <a:rPr lang="en-US" sz="2400" dirty="0" smtClean="0"/>
-              <a:t>Contact Seller</a:t>
-            </a:r>
-          </a:p>
-          <a:p>
-            <a:r>
-              <a:rPr lang="en-US" sz="2400" dirty="0" smtClean="0"/>
-              <a:t>Search Requests</a:t>
-            </a:r>
-          </a:p>
-          <a:p>
-            <a:r>
-              <a:rPr lang="en-US" sz="2400" dirty="0" smtClean="0"/>
-              <a:t>Auto Search Notifications</a:t>
-            </a:r>
-          </a:p>
-          <a:p>
-            <a:r>
-              <a:rPr lang="en-US" sz="2400" dirty="0" smtClean="0"/>
-              <a:t>Seller Contact Buyer</a:t>
-            </a:r>
-          </a:p>
-          <a:p>
-            <a:r>
-              <a:rPr lang="en-US" sz="2400" dirty="0" smtClean="0"/>
-              <a:t>Follow Product and Seller</a:t>
-            </a:r>
-          </a:p>
-          <a:p>
-            <a:r>
-              <a:rPr lang="en-US" sz="2400" dirty="0" smtClean="0"/>
-              <a:t>Follow Seller in Google Map</a:t>
-            </a:r>
-          </a:p>
-          <a:p>
-            <a:r>
-              <a:rPr lang="en-US" sz="2400" dirty="0" smtClean="0"/>
-              <a:t>Rate the Product</a:t>
-            </a:r>
-          </a:p>
-          <a:p>
-            <a:r>
-              <a:rPr lang="en-US" sz="2400" dirty="0" smtClean="0"/>
-              <a:t>Comment/Review Product</a:t>
-            </a:r>
-            <a:endParaRPr lang="en-US" sz="2400" dirty="0"/>
-          </a:p>
-        </p:txBody>
-      </p:sp>
-    </p:spTree>
-    <p:extLst>
-      <p:ext uri="{BB962C8B-B14F-4D97-AF65-F5344CB8AC3E}">
-        <p14:creationId xmlns:p14="http://schemas.microsoft.com/office/powerpoint/2010/main" val="1361169342"/>
-      </p:ext>
-    </p:extLst>
-  </p:cSld>
-  <p:clrMapOvr>
-    <a:masterClrMapping/>
-  </p:clrMapOvr>
-  <p:timing>
-    <p:tnLst>
-      <p:par>
-        <p:cTn id="1" dur="indefinite" restart="never" nodeType="tmRoot"/>
-      </p:par>
-    </p:tnLst>
-  </p:timing>
-</p:sld>
-</file>
-
-<file path=ppt/slides/slide26.xml><?xml version="1.0" encoding="utf-8"?>
-<p:sld xmlns:a="http://schemas.openxmlformats.org/drawingml/2006/main" xmlns:r="http://schemas.openxmlformats.org/officeDocument/2006/relationships" xmlns:p="http://schemas.openxmlformats.org/presentationml/2006/main">
-  <p:cSld>
-    <p:spTree>
-      <p:nvGrpSpPr>
-        <p:cNvPr id="1" name=""/>
-        <p:cNvGrpSpPr/>
-        <p:nvPr/>
-      </p:nvGrpSpPr>
-      <p:grpSpPr>
-        <a:xfrm>
-          <a:off x="0" y="0"/>
-          <a:ext cx="0" cy="0"/>
-          <a:chOff x="0" y="0"/>
-          <a:chExt cx="0" cy="0"/>
-        </a:xfrm>
-      </p:grpSpPr>
-      <p:sp>
-        <p:nvSpPr>
-          <p:cNvPr id="4" name="Title 1"/>
-          <p:cNvSpPr>
-            <a:spLocks noGrp="1"/>
-          </p:cNvSpPr>
-          <p:nvPr>
-            <p:ph type="title"/>
-          </p:nvPr>
-        </p:nvSpPr>
-        <p:spPr>
-          <a:xfrm>
-            <a:off x="508001" y="609600"/>
-            <a:ext cx="6447501" cy="762000"/>
-          </a:xfrm>
-        </p:spPr>
-        <p:txBody>
-          <a:bodyPr/>
-          <a:lstStyle/>
-          <a:p>
-            <a:pPr marL="0" indent="0" algn="l">
-              <a:buNone/>
-            </a:pPr>
-            <a:r>
-              <a:rPr lang="en-US" sz="3600" dirty="0" smtClean="0">
-                <a:solidFill>
-                  <a:schemeClr val="accent1">
-                    <a:lumMod val="50000"/>
-                  </a:schemeClr>
-                </a:solidFill>
-              </a:rPr>
-              <a:t>Future Work</a:t>
-            </a:r>
-            <a:endParaRPr lang="en-US" sz="3600" dirty="0">
-              <a:solidFill>
-                <a:schemeClr val="accent1">
-                  <a:lumMod val="50000"/>
-                </a:schemeClr>
-              </a:solidFill>
-            </a:endParaRPr>
-          </a:p>
-        </p:txBody>
-      </p:sp>
-      <p:sp>
-        <p:nvSpPr>
-          <p:cNvPr id="5" name="Content Placeholder 4"/>
-          <p:cNvSpPr>
-            <a:spLocks noGrp="1"/>
-          </p:cNvSpPr>
-          <p:nvPr>
-            <p:ph idx="1"/>
-          </p:nvPr>
-        </p:nvSpPr>
-        <p:spPr>
-          <a:xfrm>
-            <a:off x="508001" y="1371600"/>
-            <a:ext cx="6447501" cy="4669763"/>
-          </a:xfrm>
-        </p:spPr>
-        <p:txBody>
-          <a:bodyPr>
             <a:normAutofit/>
           </a:bodyPr>
           <a:lstStyle/>
@@ -9783,8 +9536,24 @@
             <a:pPr lvl="1"/>
             <a:r>
               <a:rPr lang="en-US" sz="2000" dirty="0" smtClean="0"/>
-              <a:t>Add route information</a:t>
-            </a:r>
+              <a:t>Add route </a:t>
+            </a:r>
+            <a:r>
+              <a:rPr lang="en-US" sz="2000" dirty="0" smtClean="0"/>
+              <a:t>information</a:t>
+            </a:r>
+          </a:p>
+          <a:p>
+            <a:pPr lvl="1"/>
+            <a:r>
+              <a:rPr lang="en-US" sz="2000" dirty="0" smtClean="0"/>
+              <a:t>Android service to fetch </a:t>
+            </a:r>
+            <a:r>
+              <a:rPr lang="en-US" sz="2000" smtClean="0"/>
+              <a:t>location information</a:t>
+            </a:r>
+            <a:endParaRPr lang="en-US" sz="2000" dirty="0" smtClean="0"/>
           </a:p>
           <a:p>
             <a:pPr lvl="1"/>
@@ -9822,8 +9591,20 @@
             <a:pPr lvl="1"/>
             <a:r>
               <a:rPr lang="en-US" sz="2200" dirty="0" smtClean="0"/>
-              <a:t>Increase performance</a:t>
-            </a:r>
+              <a:t>Increase </a:t>
+            </a:r>
+            <a:r>
+              <a:rPr lang="en-US" sz="2200" dirty="0" smtClean="0"/>
+              <a:t>performance</a:t>
+            </a:r>
+          </a:p>
+          <a:p>
+            <a:pPr lvl="1"/>
+            <a:r>
+              <a:rPr lang="en-US" sz="2200" dirty="0" smtClean="0"/>
+              <a:t>Increase security</a:t>
+            </a:r>
+            <a:endParaRPr lang="en-US" sz="2200" dirty="0" smtClean="0"/>
           </a:p>
         </p:txBody>
       </p:sp>
@@ -11374,7 +11155,7 @@
   <a:extraClrSchemeLst/>
   <a:extLst>
     <a:ext uri="{05A4C25C-085E-4340-85A3-A5531E510DB2}">
-      <thm15:themeFamily xmlns:thm15="http://schemas.microsoft.com/office/thememl/2012/main" xmlns="" name="Presentation5" id="{241787CD-377C-49ED-AE67-760C6FDD745F}" vid="{ABD59567-C307-4CF5-9956-417825F8C941}"/>
+      <thm15:themeFamily xmlns="" xmlns:thm15="http://schemas.microsoft.com/office/thememl/2012/main" name="Presentation5" id="{241787CD-377C-49ED-AE67-760C6FDD745F}" vid="{ABD59567-C307-4CF5-9956-417825F8C941}"/>
     </a:ext>
   </a:extLst>
 </a:theme>

--- a/documentation/Location Based Mobile Marketing System.pptx
+++ b/documentation/Location Based Mobile Marketing System.pptx
@@ -24,12 +24,13 @@
     <p:sldId id="277" r:id="rId18"/>
     <p:sldId id="278" r:id="rId19"/>
     <p:sldId id="265" r:id="rId20"/>
-    <p:sldId id="279" r:id="rId21"/>
-    <p:sldId id="267" r:id="rId22"/>
-    <p:sldId id="280" r:id="rId23"/>
-    <p:sldId id="281" r:id="rId24"/>
-    <p:sldId id="282" r:id="rId25"/>
-    <p:sldId id="283" r:id="rId26"/>
+    <p:sldId id="284" r:id="rId21"/>
+    <p:sldId id="279" r:id="rId22"/>
+    <p:sldId id="267" r:id="rId23"/>
+    <p:sldId id="280" r:id="rId24"/>
+    <p:sldId id="281" r:id="rId25"/>
+    <p:sldId id="282" r:id="rId26"/>
+    <p:sldId id="283" r:id="rId27"/>
   </p:sldIdLst>
   <p:sldSz cx="9144000" cy="6858000" type="screen4x3"/>
   <p:notesSz cx="6858000" cy="9144000"/>
@@ -876,7 +877,7 @@
           <a:p>
             <a:fld id="{8EB01A10-C374-4A13-9C62-A9BB9D98E6C4}" type="datetimeFigureOut">
               <a:rPr lang="en-US" smtClean="0"/>
-              <a:t>2/17/2016</a:t>
+              <a:t>4/1/2016</a:t>
             </a:fld>
             <a:endParaRPr lang="en-US"/>
           </a:p>
@@ -1127,7 +1128,7 @@
           <a:p>
             <a:fld id="{8EB01A10-C374-4A13-9C62-A9BB9D98E6C4}" type="datetimeFigureOut">
               <a:rPr lang="en-US" smtClean="0"/>
-              <a:t>2/17/2016</a:t>
+              <a:t>4/1/2016</a:t>
             </a:fld>
             <a:endParaRPr lang="en-US"/>
           </a:p>
@@ -1441,7 +1442,7 @@
           <a:p>
             <a:fld id="{8EB01A10-C374-4A13-9C62-A9BB9D98E6C4}" type="datetimeFigureOut">
               <a:rPr lang="en-US" smtClean="0"/>
-              <a:t>2/17/2016</a:t>
+              <a:t>4/1/2016</a:t>
             </a:fld>
             <a:endParaRPr lang="en-US"/>
           </a:p>
@@ -1774,7 +1775,7 @@
           <a:p>
             <a:fld id="{8EB01A10-C374-4A13-9C62-A9BB9D98E6C4}" type="datetimeFigureOut">
               <a:rPr lang="en-US" smtClean="0"/>
-              <a:t>2/17/2016</a:t>
+              <a:t>4/1/2016</a:t>
             </a:fld>
             <a:endParaRPr lang="en-US"/>
           </a:p>
@@ -2088,7 +2089,7 @@
           <a:p>
             <a:fld id="{8EB01A10-C374-4A13-9C62-A9BB9D98E6C4}" type="datetimeFigureOut">
               <a:rPr lang="en-US" smtClean="0"/>
-              <a:t>2/17/2016</a:t>
+              <a:t>4/1/2016</a:t>
             </a:fld>
             <a:endParaRPr lang="en-US"/>
           </a:p>
@@ -2481,7 +2482,7 @@
           <a:p>
             <a:fld id="{8EB01A10-C374-4A13-9C62-A9BB9D98E6C4}" type="datetimeFigureOut">
               <a:rPr lang="en-US" smtClean="0"/>
-              <a:t>2/17/2016</a:t>
+              <a:t>4/1/2016</a:t>
             </a:fld>
             <a:endParaRPr lang="en-US"/>
           </a:p>
@@ -2651,7 +2652,7 @@
           <a:p>
             <a:fld id="{8EB01A10-C374-4A13-9C62-A9BB9D98E6C4}" type="datetimeFigureOut">
               <a:rPr lang="en-US" smtClean="0"/>
-              <a:t>2/17/2016</a:t>
+              <a:t>4/1/2016</a:t>
             </a:fld>
             <a:endParaRPr lang="en-US"/>
           </a:p>
@@ -2831,7 +2832,7 @@
           <a:p>
             <a:fld id="{8EB01A10-C374-4A13-9C62-A9BB9D98E6C4}" type="datetimeFigureOut">
               <a:rPr lang="en-US" smtClean="0"/>
-              <a:t>2/17/2016</a:t>
+              <a:t>4/1/2016</a:t>
             </a:fld>
             <a:endParaRPr lang="en-US"/>
           </a:p>
@@ -3001,7 +3002,7 @@
           <a:p>
             <a:fld id="{8EB01A10-C374-4A13-9C62-A9BB9D98E6C4}" type="datetimeFigureOut">
               <a:rPr lang="en-US" smtClean="0"/>
-              <a:t>2/17/2016</a:t>
+              <a:t>4/1/2016</a:t>
             </a:fld>
             <a:endParaRPr lang="en-US"/>
           </a:p>
@@ -3248,7 +3249,7 @@
           <a:p>
             <a:fld id="{8EB01A10-C374-4A13-9C62-A9BB9D98E6C4}" type="datetimeFigureOut">
               <a:rPr lang="en-US" smtClean="0"/>
-              <a:t>2/17/2016</a:t>
+              <a:t>4/1/2016</a:t>
             </a:fld>
             <a:endParaRPr lang="en-US"/>
           </a:p>
@@ -3480,7 +3481,7 @@
           <a:p>
             <a:fld id="{8EB01A10-C374-4A13-9C62-A9BB9D98E6C4}" type="datetimeFigureOut">
               <a:rPr lang="en-US" smtClean="0"/>
-              <a:t>2/17/2016</a:t>
+              <a:t>4/1/2016</a:t>
             </a:fld>
             <a:endParaRPr lang="en-US"/>
           </a:p>
@@ -3854,7 +3855,7 @@
           <a:p>
             <a:fld id="{8EB01A10-C374-4A13-9C62-A9BB9D98E6C4}" type="datetimeFigureOut">
               <a:rPr lang="en-US" smtClean="0"/>
-              <a:t>2/17/2016</a:t>
+              <a:t>4/1/2016</a:t>
             </a:fld>
             <a:endParaRPr lang="en-US"/>
           </a:p>
@@ -3977,7 +3978,7 @@
           <a:p>
             <a:fld id="{8EB01A10-C374-4A13-9C62-A9BB9D98E6C4}" type="datetimeFigureOut">
               <a:rPr lang="en-US" smtClean="0"/>
-              <a:t>2/17/2016</a:t>
+              <a:t>4/1/2016</a:t>
             </a:fld>
             <a:endParaRPr lang="en-US"/>
           </a:p>
@@ -4072,7 +4073,7 @@
           <a:p>
             <a:fld id="{8EB01A10-C374-4A13-9C62-A9BB9D98E6C4}" type="datetimeFigureOut">
               <a:rPr lang="en-US" smtClean="0"/>
-              <a:t>2/17/2016</a:t>
+              <a:t>4/1/2016</a:t>
             </a:fld>
             <a:endParaRPr lang="en-US"/>
           </a:p>
@@ -4327,7 +4328,7 @@
           <a:p>
             <a:fld id="{8EB01A10-C374-4A13-9C62-A9BB9D98E6C4}" type="datetimeFigureOut">
               <a:rPr lang="en-US" smtClean="0"/>
-              <a:t>2/17/2016</a:t>
+              <a:t>4/1/2016</a:t>
             </a:fld>
             <a:endParaRPr lang="en-US"/>
           </a:p>
@@ -4632,7 +4633,7 @@
           <a:p>
             <a:fld id="{8EB01A10-C374-4A13-9C62-A9BB9D98E6C4}" type="datetimeFigureOut">
               <a:rPr lang="en-US" smtClean="0"/>
-              <a:t>2/17/2016</a:t>
+              <a:t>4/1/2016</a:t>
             </a:fld>
             <a:endParaRPr lang="en-US"/>
           </a:p>
@@ -5334,7 +5335,7 @@
           <a:p>
             <a:fld id="{8EB01A10-C374-4A13-9C62-A9BB9D98E6C4}" type="datetimeFigureOut">
               <a:rPr lang="en-US" smtClean="0"/>
-              <a:t>2/17/2016</a:t>
+              <a:t>4/1/2016</a:t>
             </a:fld>
             <a:endParaRPr lang="en-US"/>
           </a:p>
@@ -6411,7 +6412,23 @@
             </a:pPr>
             <a:r>
               <a:rPr lang="en-US" sz="2800" dirty="0"/>
-              <a:t>Uses geo location services on browsers to locate the users, so system can get the location even on IP based information(less accurate on IP based information and high accuracy when GPS is </a:t>
+              <a:t>Uses geo location </a:t>
+            </a:r>
+            <a:r>
+              <a:rPr lang="en-US" sz="2800" dirty="0" smtClean="0"/>
+              <a:t>services is works </a:t>
+            </a:r>
+            <a:r>
+              <a:rPr lang="en-US" sz="2800" dirty="0"/>
+              <a:t>on </a:t>
+            </a:r>
+            <a:r>
+              <a:rPr lang="en-US" sz="2800" dirty="0" smtClean="0"/>
+              <a:t>browser based, </a:t>
+            </a:r>
+            <a:r>
+              <a:rPr lang="en-US" sz="2800" dirty="0"/>
+              <a:t>so system can get the location even on IP based information(less accurate on IP based information and high accuracy when GPS is </a:t>
             </a:r>
             <a:r>
               <a:rPr lang="en-US" sz="2800" dirty="0" smtClean="0"/>
@@ -6818,7 +6835,7 @@
             </a:r>
             <a:r>
               <a:rPr lang="en-US" sz="2000" dirty="0" smtClean="0"/>
-              <a:t>. Integrated with Location Based Services to categorize the advertisements. Also provide online chat with other party.</a:t>
+              <a:t>. Integrated with Location Based Services to categorize the advertisements. Also provide online chat with      other party.</a:t>
             </a:r>
           </a:p>
           <a:p>
@@ -7227,76 +7244,89 @@
               <a:t>UI </a:t>
             </a:r>
             <a:r>
-              <a:rPr lang="en-US" b="1" dirty="0"/>
+              <a:rPr lang="en-US" b="1" dirty="0" smtClean="0"/>
               <a:t>Considerations</a:t>
             </a:r>
+          </a:p>
+          <a:p>
+            <a:pPr marL="0" indent="0">
+              <a:buNone/>
+            </a:pPr>
             <a:endParaRPr lang="en-US" b="1" i="1" dirty="0"/>
           </a:p>
           <a:p>
-            <a:pPr lvl="1" fontAlgn="base"/>
-            <a:r>
-              <a:rPr lang="en-US" dirty="0"/>
+            <a:pPr lvl="1" fontAlgn="base">
+              <a:buFont typeface="Wingdings" panose="05000000000000000000" pitchFamily="2" charset="2"/>
+              <a:buChar char="§"/>
+            </a:pPr>
+            <a:r>
+              <a:rPr lang="en-US" sz="1800" dirty="0"/>
               <a:t>Model View Controller (MVC) Pattern – Spring framework front end </a:t>
             </a:r>
             <a:r>
-              <a:rPr lang="en-US" dirty="0" smtClean="0"/>
+              <a:rPr lang="en-US" sz="1800" dirty="0" smtClean="0"/>
               <a:t>controller.</a:t>
             </a:r>
-            <a:endParaRPr lang="en-US" dirty="0"/>
-          </a:p>
-          <a:p>
-            <a:pPr lvl="1" fontAlgn="base"/>
-            <a:r>
-              <a:rPr lang="en-US" dirty="0"/>
+            <a:endParaRPr lang="en-US" sz="1800" dirty="0"/>
+          </a:p>
+          <a:p>
+            <a:pPr lvl="1" fontAlgn="base">
+              <a:buFont typeface="Wingdings" panose="05000000000000000000" pitchFamily="2" charset="2"/>
+              <a:buChar char="§"/>
+            </a:pPr>
+            <a:r>
+              <a:rPr lang="en-US" sz="1800" dirty="0"/>
               <a:t>Reusable Sorting for tables – Tables and list sorting will be controlled via </a:t>
             </a:r>
             <a:r>
-              <a:rPr lang="en-US" dirty="0" smtClean="0"/>
+              <a:rPr lang="en-US" sz="1800" dirty="0" smtClean="0"/>
               <a:t>JavaScript.</a:t>
             </a:r>
-            <a:endParaRPr lang="en-US" dirty="0"/>
-          </a:p>
-          <a:p>
-            <a:pPr lvl="1" fontAlgn="base"/>
-            <a:r>
-              <a:rPr lang="en-US" dirty="0"/>
+            <a:endParaRPr lang="en-US" sz="1800" dirty="0"/>
+          </a:p>
+          <a:p>
+            <a:pPr lvl="1" fontAlgn="base">
+              <a:buFont typeface="Wingdings" panose="05000000000000000000" pitchFamily="2" charset="2"/>
+              <a:buChar char="§"/>
+            </a:pPr>
+            <a:r>
+              <a:rPr lang="en-US" sz="1800" dirty="0"/>
               <a:t>Internet Browser Support – The application will support Internet Explorer 9 and above/ Firefox 20 and above/ Google Chrome 28 and above. All UI features may not be supported in IE 6.0.</a:t>
             </a:r>
           </a:p>
           <a:p>
-            <a:pPr lvl="1" fontAlgn="base"/>
-            <a:r>
-              <a:rPr lang="en-US" dirty="0" err="1"/>
+            <a:pPr lvl="1" fontAlgn="base">
+              <a:buFont typeface="Wingdings" panose="05000000000000000000" pitchFamily="2" charset="2"/>
+              <a:buChar char="§"/>
+            </a:pPr>
+            <a:r>
+              <a:rPr lang="en-US" sz="1800" dirty="0" err="1"/>
               <a:t>JQuery</a:t>
             </a:r>
             <a:r>
-              <a:rPr lang="en-US" dirty="0"/>
+              <a:rPr lang="en-US" sz="1800" dirty="0"/>
               <a:t> based AJAX framework </a:t>
             </a:r>
-            <a:endParaRPr lang="en-US" dirty="0" smtClean="0"/>
-          </a:p>
-          <a:p>
-            <a:pPr lvl="1" fontAlgn="base"/>
-            <a:r>
-              <a:rPr lang="en-US" dirty="0" smtClean="0"/>
+            <a:endParaRPr lang="en-US" sz="1800" dirty="0" smtClean="0"/>
+          </a:p>
+          <a:p>
+            <a:pPr lvl="1" fontAlgn="base">
+              <a:buFont typeface="Wingdings" panose="05000000000000000000" pitchFamily="2" charset="2"/>
+              <a:buChar char="§"/>
+            </a:pPr>
+            <a:r>
+              <a:rPr lang="en-US" sz="1800" dirty="0" smtClean="0"/>
               <a:t>Bootstrap </a:t>
             </a:r>
             <a:r>
-              <a:rPr lang="en-US" dirty="0"/>
-              <a:t>framework for support different size of screen sizes.</a:t>
-            </a:r>
-          </a:p>
-          <a:p>
-            <a:pPr lvl="1" fontAlgn="base"/>
-            <a:r>
-              <a:rPr lang="en-US" dirty="0"/>
-              <a:t>Segregate Look and Theme – The application will have CSS (cascaded style sheet) for storing font, color, table styles etc. This would certainly make the core application logic decoupled from application look and style</a:t>
-            </a:r>
-            <a:r>
-              <a:rPr lang="en-US" dirty="0" smtClean="0"/>
+              <a:rPr lang="en-US" sz="1800" dirty="0"/>
+              <a:t>framework for support different size of screen sizes</a:t>
+            </a:r>
+            <a:r>
+              <a:rPr lang="en-US" sz="1800" dirty="0" smtClean="0"/>
               <a:t>.</a:t>
             </a:r>
-            <a:endParaRPr lang="en-US" dirty="0"/>
+            <a:endParaRPr lang="en-US" sz="1800" dirty="0"/>
           </a:p>
         </p:txBody>
       </p:sp>
@@ -7416,16 +7446,22 @@
             <a:endParaRPr lang="en-US" b="1" i="1" dirty="0"/>
           </a:p>
           <a:p>
-            <a:pPr lvl="1" fontAlgn="base"/>
-            <a:r>
-              <a:rPr lang="en-US" dirty="0"/>
+            <a:pPr lvl="1" fontAlgn="base">
+              <a:buFont typeface="Wingdings" panose="05000000000000000000" pitchFamily="2" charset="2"/>
+              <a:buChar char="§"/>
+            </a:pPr>
+            <a:r>
+              <a:rPr lang="en-US" sz="1800" dirty="0"/>
               <a:t>The physical data model is done considering MySQL database.</a:t>
             </a:r>
           </a:p>
           <a:p>
-            <a:pPr lvl="1" fontAlgn="base"/>
-            <a:r>
-              <a:rPr lang="en-US" dirty="0"/>
+            <a:pPr lvl="1" fontAlgn="base">
+              <a:buFont typeface="Wingdings" panose="05000000000000000000" pitchFamily="2" charset="2"/>
+              <a:buChar char="§"/>
+            </a:pPr>
+            <a:r>
+              <a:rPr lang="en-US" sz="1800" dirty="0"/>
               <a:t>The model has assumed soft deletion of entities compared to hard delete.</a:t>
             </a:r>
           </a:p>
@@ -7444,41 +7480,53 @@
             <a:endParaRPr lang="en-US" b="1" i="1" dirty="0"/>
           </a:p>
           <a:p>
-            <a:pPr lvl="1"/>
-            <a:r>
-              <a:rPr lang="en-US" dirty="0" smtClean="0"/>
+            <a:pPr lvl="1">
+              <a:buFont typeface="Wingdings" panose="05000000000000000000" pitchFamily="2" charset="2"/>
+              <a:buChar char="§"/>
+            </a:pPr>
+            <a:r>
+              <a:rPr lang="en-US" sz="1800" dirty="0" smtClean="0"/>
               <a:t>Data </a:t>
             </a:r>
             <a:r>
-              <a:rPr lang="en-US" dirty="0"/>
+              <a:rPr lang="en-US" sz="1800" dirty="0"/>
               <a:t>access Object (DAO) </a:t>
             </a:r>
             <a:r>
-              <a:rPr lang="en-US" dirty="0" smtClean="0"/>
+              <a:rPr lang="en-US" sz="1800" dirty="0" smtClean="0"/>
               <a:t>pattern – Spring data - data layer</a:t>
             </a:r>
           </a:p>
           <a:p>
-            <a:pPr lvl="1"/>
-            <a:r>
-              <a:rPr lang="en-US" dirty="0" smtClean="0"/>
+            <a:pPr lvl="1">
+              <a:buFont typeface="Wingdings" panose="05000000000000000000" pitchFamily="2" charset="2"/>
+              <a:buChar char="§"/>
+            </a:pPr>
+            <a:r>
+              <a:rPr lang="en-US" sz="1800" dirty="0" smtClean="0"/>
               <a:t>Factory Pattern – spring framework.</a:t>
             </a:r>
           </a:p>
           <a:p>
-            <a:pPr lvl="1"/>
-            <a:r>
-              <a:rPr lang="en-US" dirty="0" smtClean="0"/>
+            <a:pPr lvl="1">
+              <a:buFont typeface="Wingdings" panose="05000000000000000000" pitchFamily="2" charset="2"/>
+              <a:buChar char="§"/>
+            </a:pPr>
+            <a:r>
+              <a:rPr lang="en-US" sz="1800" dirty="0" smtClean="0"/>
               <a:t>Singleton Pattern – database layer</a:t>
             </a:r>
           </a:p>
           <a:p>
-            <a:pPr lvl="1"/>
-            <a:r>
-              <a:rPr lang="en-US" dirty="0" smtClean="0"/>
+            <a:pPr lvl="1">
+              <a:buFont typeface="Wingdings" panose="05000000000000000000" pitchFamily="2" charset="2"/>
+              <a:buChar char="§"/>
+            </a:pPr>
+            <a:r>
+              <a:rPr lang="en-US" sz="1800" dirty="0" smtClean="0"/>
               <a:t>MVC pattern – Presentation layer.</a:t>
             </a:r>
-            <a:endParaRPr lang="en-US" dirty="0"/>
+            <a:endParaRPr lang="en-US" sz="1800" dirty="0"/>
           </a:p>
         </p:txBody>
       </p:sp>
@@ -7568,7 +7616,7 @@
         <p:spPr>
           <a:xfrm>
             <a:off x="990600" y="1295400"/>
-            <a:ext cx="7239000" cy="5029200"/>
+            <a:ext cx="7696200" cy="5105400"/>
           </a:xfrm>
         </p:spPr>
         <p:txBody>
@@ -7590,27 +7638,27 @@
           <a:p>
             <a:pPr lvl="1"/>
             <a:r>
-              <a:rPr lang="en-US" dirty="0" smtClean="0"/>
-              <a:t>Obtained </a:t>
-            </a:r>
-            <a:r>
-              <a:rPr lang="en-US" dirty="0"/>
+              <a:rPr lang="en-US" sz="1800" dirty="0" smtClean="0"/>
+              <a:t>Obtained and manage </a:t>
+            </a:r>
+            <a:r>
+              <a:rPr lang="en-US" sz="1800" dirty="0"/>
               <a:t>by spring data framework. </a:t>
             </a:r>
-            <a:endParaRPr lang="en-US" dirty="0" smtClean="0"/>
+            <a:endParaRPr lang="en-US" sz="1800" dirty="0" smtClean="0"/>
           </a:p>
           <a:p>
             <a:pPr lvl="1"/>
             <a:r>
-              <a:rPr lang="en-US" dirty="0" smtClean="0"/>
+              <a:rPr lang="en-US" sz="1800" dirty="0" smtClean="0"/>
               <a:t>Connection </a:t>
             </a:r>
             <a:r>
-              <a:rPr lang="en-US" dirty="0"/>
+              <a:rPr lang="en-US" sz="1800" dirty="0"/>
               <a:t>pool is used for obtaining database connections &amp; those connections are released back to the pool after usage</a:t>
             </a:r>
             <a:r>
-              <a:rPr lang="en-US" dirty="0" smtClean="0"/>
+              <a:rPr lang="en-US" sz="1800" dirty="0" smtClean="0"/>
               <a:t>.</a:t>
             </a:r>
           </a:p>
@@ -7631,15 +7679,15 @@
           <a:p>
             <a:pPr lvl="1"/>
             <a:r>
-              <a:rPr lang="en-US" dirty="0" smtClean="0"/>
+              <a:rPr lang="en-US" sz="1800" dirty="0" smtClean="0"/>
               <a:t>In </a:t>
             </a:r>
             <a:r>
-              <a:rPr lang="en-US" dirty="0"/>
+              <a:rPr lang="en-US" sz="1800" dirty="0"/>
               <a:t>case database exception occurs in DAO layer that will propagate up to Business layer and the transaction will be rolled back</a:t>
             </a:r>
             <a:r>
-              <a:rPr lang="en-US" dirty="0" smtClean="0"/>
+              <a:rPr lang="en-US" sz="1800" dirty="0" smtClean="0"/>
               <a:t>.</a:t>
             </a:r>
           </a:p>
@@ -7661,34 +7709,18 @@
           <a:p>
             <a:pPr lvl="1"/>
             <a:r>
-              <a:rPr lang="en-US" dirty="0"/>
-              <a:t>In “Sappu Savari” application, for use cases implementing </a:t>
-            </a:r>
-            <a:r>
-              <a:rPr lang="en-US" dirty="0" err="1"/>
-              <a:t>mutex</a:t>
-            </a:r>
-            <a:r>
-              <a:rPr lang="en-US" dirty="0"/>
-              <a:t> is not required. </a:t>
-            </a:r>
-            <a:endParaRPr lang="en-US" dirty="0" smtClean="0"/>
-          </a:p>
-          <a:p>
-            <a:pPr lvl="1"/>
-            <a:r>
-              <a:rPr lang="en-US" dirty="0" smtClean="0"/>
+              <a:rPr lang="en-US" sz="1800" dirty="0" smtClean="0"/>
               <a:t>Version </a:t>
             </a:r>
             <a:r>
-              <a:rPr lang="en-US" dirty="0"/>
+              <a:rPr lang="en-US" sz="1800" dirty="0"/>
               <a:t>column will be used on all tables to handle concurrent updates and to avoid data being overwritten from other sessions</a:t>
             </a:r>
             <a:r>
-              <a:rPr lang="en-US" dirty="0" smtClean="0"/>
+              <a:rPr lang="en-US" sz="1800" dirty="0" smtClean="0"/>
               <a:t>.</a:t>
             </a:r>
-            <a:endParaRPr lang="en-US" dirty="0"/>
+            <a:endParaRPr lang="en-US" sz="1800" dirty="0"/>
           </a:p>
         </p:txBody>
       </p:sp>
@@ -7783,7 +7815,7 @@
         </p:spPr>
         <p:txBody>
           <a:bodyPr>
-            <a:normAutofit fontScale="92500"/>
+            <a:normAutofit/>
           </a:bodyPr>
           <a:lstStyle/>
           <a:p>
@@ -7862,22 +7894,6 @@
             </a:r>
           </a:p>
           <a:p>
-            <a:pPr lvl="1"/>
-            <a:r>
-              <a:rPr lang="en-US" dirty="0" smtClean="0"/>
-              <a:t>Main transaction table consist with </a:t>
-            </a:r>
-            <a:r>
-              <a:rPr lang="en-US" dirty="0"/>
-              <a:t>corresponding audit table to capture all the audit trail data for any modification of data in the main table</a:t>
-            </a:r>
-            <a:r>
-              <a:rPr lang="en-US" dirty="0" smtClean="0"/>
-              <a:t>.</a:t>
-            </a:r>
-            <a:endParaRPr lang="en-US" dirty="0"/>
-          </a:p>
-          <a:p>
             <a:r>
               <a:rPr lang="en-US" b="1" dirty="0" smtClean="0"/>
               <a:t>Security</a:t>
@@ -7896,7 +7912,7 @@
             <a:pPr lvl="1"/>
             <a:r>
               <a:rPr lang="en-US" dirty="0" smtClean="0"/>
-              <a:t>https </a:t>
+              <a:t>Use of https </a:t>
             </a:r>
             <a:r>
               <a:rPr lang="en-US" dirty="0"/>
@@ -8009,120 +8025,36 @@
           <a:p>
             <a:r>
               <a:rPr lang="en-US" dirty="0" smtClean="0"/>
-              <a:t>Used open </a:t>
-            </a:r>
-            <a:r>
-              <a:rPr lang="en-US" dirty="0"/>
-              <a:t>source </a:t>
+              <a:t>Simple </a:t>
+            </a:r>
+            <a:r>
+              <a:rPr lang="en-US" dirty="0" err="1" smtClean="0"/>
+              <a:t>algo</a:t>
             </a:r>
             <a:r>
               <a:rPr lang="en-US" dirty="0" smtClean="0"/>
-              <a:t>technologies and development tools. </a:t>
-            </a:r>
-          </a:p>
-          <a:p>
-            <a:pPr lvl="1"/>
+              <a:t> for service schedulers.</a:t>
+            </a:r>
+          </a:p>
+          <a:p>
+            <a:r>
+              <a:rPr lang="en-US" smtClean="0"/>
+              <a:t>Algorithm </a:t>
+            </a:r>
             <a:r>
               <a:rPr lang="en-US" dirty="0" smtClean="0"/>
-              <a:t>Eclipse</a:t>
-            </a:r>
-          </a:p>
-          <a:p>
-            <a:pPr lvl="1"/>
-            <a:r>
-              <a:rPr lang="en-US" dirty="0" err="1" smtClean="0"/>
-              <a:t>Mysql</a:t>
-            </a:r>
-            <a:r>
-              <a:rPr lang="en-US" dirty="0" smtClean="0"/>
-              <a:t> Workbench</a:t>
-            </a:r>
-          </a:p>
-          <a:p>
-            <a:pPr lvl="1"/>
-            <a:r>
-              <a:rPr lang="en-US" dirty="0" err="1" smtClean="0"/>
-              <a:t>Ireport</a:t>
-            </a:r>
-            <a:endParaRPr lang="en-US" dirty="0"/>
-          </a:p>
-          <a:p>
-            <a:pPr marL="457200" lvl="1" indent="0">
-              <a:buNone/>
-            </a:pPr>
-            <a:endParaRPr lang="en-US" dirty="0"/>
-          </a:p>
-          <a:p>
-            <a:r>
-              <a:rPr lang="en-US" dirty="0"/>
-              <a:t>For the </a:t>
-            </a:r>
-            <a:r>
-              <a:rPr lang="en-US" dirty="0" smtClean="0"/>
-              <a:t>Data layer -  </a:t>
-            </a:r>
-            <a:r>
-              <a:rPr lang="en-US" dirty="0"/>
-              <a:t>MySQL </a:t>
-            </a:r>
-            <a:r>
-              <a:rPr lang="en-US" dirty="0" smtClean="0"/>
-              <a:t>database</a:t>
-            </a:r>
-          </a:p>
-          <a:p>
-            <a:r>
-              <a:rPr lang="en-US" dirty="0" smtClean="0"/>
-              <a:t>Data layer implementation – Java</a:t>
-            </a:r>
-          </a:p>
-          <a:p>
-            <a:r>
-              <a:rPr lang="en-US" dirty="0" smtClean="0"/>
-              <a:t>For </a:t>
-            </a:r>
-            <a:r>
-              <a:rPr lang="en-US" dirty="0"/>
-              <a:t>further functionalities such as connection pooling, maintain </a:t>
-            </a:r>
-            <a:r>
-              <a:rPr lang="en-US" dirty="0" smtClean="0"/>
-              <a:t>scalability - </a:t>
-            </a:r>
-            <a:r>
-              <a:rPr lang="en-US" dirty="0"/>
-              <a:t>Spring data JPA </a:t>
-            </a:r>
-            <a:r>
-              <a:rPr lang="en-US" dirty="0" smtClean="0"/>
-              <a:t>framework.</a:t>
-            </a:r>
-          </a:p>
-          <a:p>
-            <a:endParaRPr lang="en-US" dirty="0"/>
-          </a:p>
-          <a:p>
-            <a:r>
-              <a:rPr lang="en-US" dirty="0" smtClean="0"/>
-              <a:t>Business </a:t>
-            </a:r>
-            <a:r>
-              <a:rPr lang="en-US" dirty="0"/>
-              <a:t>layer </a:t>
-            </a:r>
-            <a:r>
-              <a:rPr lang="en-US" dirty="0" smtClean="0"/>
-              <a:t>- </a:t>
-            </a:r>
-            <a:r>
-              <a:rPr lang="en-US" dirty="0"/>
-              <a:t>Java and Spring framework</a:t>
-            </a:r>
-            <a:r>
-              <a:rPr lang="en-US" dirty="0" smtClean="0"/>
-              <a:t>.</a:t>
-            </a:r>
-            <a:endParaRPr lang="en-US" dirty="0"/>
+              <a:t>used for location </a:t>
+            </a:r>
+            <a:r>
+              <a:rPr lang="en-US" smtClean="0"/>
+              <a:t>notifications.</a:t>
+            </a:r>
+          </a:p>
+          <a:p>
+            <a:endParaRPr lang="en-US" dirty="0" smtClean="0"/>
+          </a:p>
+          <a:p>
+            <a:endParaRPr lang="en-US" dirty="0" smtClean="0"/>
           </a:p>
         </p:txBody>
       </p:sp>
@@ -8354,7 +8286,7 @@
                   </a:schemeClr>
                 </a:solidFill>
               </a:rPr>
-              <a:t>Implementation – Cont.</a:t>
+              <a:t>Implementation</a:t>
             </a:r>
             <a:endParaRPr lang="en-US" sz="3600" dirty="0">
               <a:solidFill>
@@ -8390,91 +8322,119 @@
           <a:p>
             <a:r>
               <a:rPr lang="en-US" dirty="0" smtClean="0"/>
-              <a:t>The </a:t>
+              <a:t>Used open </a:t>
             </a:r>
             <a:r>
               <a:rPr lang="en-US" dirty="0"/>
-              <a:t>presentation layer will be developed using </a:t>
+              <a:t>source </a:t>
             </a:r>
             <a:r>
               <a:rPr lang="en-US" dirty="0" smtClean="0"/>
-              <a:t>HTML5, JSP</a:t>
-            </a:r>
+              <a:t>technologies and development tools. </a:t>
+            </a:r>
+          </a:p>
+          <a:p>
+            <a:pPr lvl="1"/>
+            <a:r>
+              <a:rPr lang="en-US" dirty="0" smtClean="0"/>
+              <a:t>Eclipse</a:t>
+            </a:r>
+          </a:p>
+          <a:p>
+            <a:pPr lvl="1"/>
+            <a:r>
+              <a:rPr lang="en-US" dirty="0" err="1" smtClean="0"/>
+              <a:t>Mysql</a:t>
+            </a:r>
+            <a:r>
+              <a:rPr lang="en-US" dirty="0" smtClean="0"/>
+              <a:t> Workbench</a:t>
+            </a:r>
+          </a:p>
+          <a:p>
+            <a:pPr lvl="1"/>
+            <a:r>
+              <a:rPr lang="en-US" dirty="0" err="1" smtClean="0"/>
+              <a:t>Ireport</a:t>
+            </a:r>
+            <a:endParaRPr lang="en-US" dirty="0"/>
+          </a:p>
+          <a:p>
+            <a:pPr marL="457200" lvl="1" indent="0">
+              <a:buNone/>
+            </a:pPr>
+            <a:endParaRPr lang="en-US" dirty="0"/>
+          </a:p>
+          <a:p>
             <a:r>
               <a:rPr lang="en-US" dirty="0"/>
-              <a:t>, JSTL, </a:t>
-            </a:r>
-            <a:r>
-              <a:rPr lang="en-US" dirty="0" err="1"/>
-              <a:t>JQuery</a:t>
+              <a:t>For the </a:t>
+            </a:r>
+            <a:r>
+              <a:rPr lang="en-US" dirty="0" smtClean="0"/>
+              <a:t>Data layer -  </a:t>
             </a:r>
             <a:r>
               <a:rPr lang="en-US" dirty="0"/>
-              <a:t> and </a:t>
-            </a:r>
-            <a:r>
-              <a:rPr lang="en-US" dirty="0" err="1"/>
-              <a:t>BootStrap</a:t>
+              <a:t>MySQL </a:t>
+            </a:r>
+            <a:r>
+              <a:rPr lang="en-US" dirty="0" smtClean="0"/>
+              <a:t>database</a:t>
+            </a:r>
+          </a:p>
+          <a:p>
+            <a:r>
+              <a:rPr lang="en-US" dirty="0" smtClean="0"/>
+              <a:t>Data layer implementation – Java</a:t>
+            </a:r>
+          </a:p>
+          <a:p>
+            <a:r>
+              <a:rPr lang="en-US" dirty="0" smtClean="0"/>
+              <a:t>For </a:t>
+            </a:r>
+            <a:r>
+              <a:rPr lang="en-US" dirty="0"/>
+              <a:t>further functionalities such as connection pooling, maintain </a:t>
+            </a:r>
+            <a:r>
+              <a:rPr lang="en-US" dirty="0" smtClean="0"/>
+              <a:t>scalability - </a:t>
+            </a:r>
+            <a:r>
+              <a:rPr lang="en-US" dirty="0"/>
+              <a:t>Spring data JPA </a:t>
+            </a:r>
+            <a:r>
+              <a:rPr lang="en-US" dirty="0" smtClean="0"/>
+              <a:t>framework.</a:t>
+            </a:r>
+          </a:p>
+          <a:p>
+            <a:endParaRPr lang="en-US" dirty="0"/>
+          </a:p>
+          <a:p>
+            <a:r>
+              <a:rPr lang="en-US" dirty="0" smtClean="0"/>
+              <a:t>Business </a:t>
+            </a:r>
+            <a:r>
+              <a:rPr lang="en-US" dirty="0"/>
+              <a:t>layer </a:t>
+            </a:r>
+            <a:r>
+              <a:rPr lang="en-US" dirty="0" smtClean="0"/>
+              <a:t>- </a:t>
+            </a:r>
+            <a:r>
+              <a:rPr lang="en-US" dirty="0"/>
+              <a:t>Java and Spring framework</a:t>
             </a:r>
             <a:r>
               <a:rPr lang="en-US" dirty="0" smtClean="0"/>
               <a:t>.</a:t>
             </a:r>
-          </a:p>
-          <a:p>
-            <a:pPr lvl="1"/>
-            <a:r>
-              <a:rPr lang="en-US" dirty="0" smtClean="0"/>
-              <a:t>The presentation layer is capable of render user interfaces under range of screen resolutions to support multiple smart mobile devices.</a:t>
-            </a:r>
-          </a:p>
-          <a:p>
-            <a:pPr marL="457200" lvl="1" indent="0">
-              <a:buNone/>
-            </a:pPr>
-            <a:endParaRPr lang="en-US" dirty="0"/>
-          </a:p>
-          <a:p>
-            <a:r>
-              <a:rPr lang="en-US" dirty="0" smtClean="0"/>
-              <a:t>Jasper </a:t>
-            </a:r>
-            <a:r>
-              <a:rPr lang="en-US" dirty="0"/>
-              <a:t>reporting </a:t>
-            </a:r>
-            <a:r>
-              <a:rPr lang="en-US" dirty="0" smtClean="0"/>
-              <a:t>with </a:t>
-            </a:r>
-            <a:r>
-              <a:rPr lang="en-US" dirty="0" err="1" smtClean="0"/>
-              <a:t>Ireport</a:t>
-            </a:r>
-            <a:r>
-              <a:rPr lang="en-US" dirty="0" smtClean="0"/>
-              <a:t>- Report </a:t>
-            </a:r>
-            <a:r>
-              <a:rPr lang="en-US" dirty="0"/>
-              <a:t>generations</a:t>
-            </a:r>
-            <a:r>
-              <a:rPr lang="en-US" dirty="0" smtClean="0"/>
-              <a:t>.</a:t>
-            </a:r>
-          </a:p>
-          <a:p>
-            <a:pPr marL="0" indent="0">
-              <a:buNone/>
-            </a:pPr>
-            <a:endParaRPr lang="en-US" dirty="0"/>
-          </a:p>
-          <a:p>
-            <a:pPr>
-              <a:buFont typeface="Arial" panose="020B0604020202020204" pitchFamily="34" charset="0"/>
-              <a:buChar char="•"/>
-            </a:pPr>
             <a:endParaRPr lang="en-US" dirty="0"/>
           </a:p>
         </p:txBody>
@@ -8482,7 +8442,7 @@
     </p:spTree>
     <p:extLst>
       <p:ext uri="{BB962C8B-B14F-4D97-AF65-F5344CB8AC3E}">
-        <p14:creationId xmlns:p14="http://schemas.microsoft.com/office/powerpoint/2010/main" val="667556966"/>
+        <p14:creationId xmlns:p14="http://schemas.microsoft.com/office/powerpoint/2010/main" val="1614393921"/>
       </p:ext>
     </p:extLst>
   </p:cSld>
@@ -8540,15 +8500,22 @@
               <a:buNone/>
             </a:pPr>
             <a:r>
-              <a:rPr lang="en-US" sz="3600" dirty="0">
+              <a:rPr lang="en-US" sz="3600" dirty="0" smtClean="0">
                 <a:solidFill>
                   <a:schemeClr val="accent1">
                     <a:lumMod val="50000"/>
                   </a:schemeClr>
                 </a:solidFill>
               </a:rPr>
-              <a:t>Conclusion</a:t>
-            </a:r>
+              <a:t>Implementation – Cont.</a:t>
+            </a:r>
+            <a:endParaRPr lang="en-US" sz="3600" dirty="0">
+              <a:solidFill>
+                <a:schemeClr val="accent1">
+                  <a:lumMod val="50000"/>
+                </a:schemeClr>
+              </a:solidFill>
+            </a:endParaRPr>
           </a:p>
         </p:txBody>
       </p:sp>
@@ -8565,32 +8532,14 @@
         <p:spPr>
           <a:xfrm>
             <a:off x="990600" y="1295400"/>
-            <a:ext cx="7391400" cy="4800600"/>
+            <a:ext cx="7086600" cy="4419600"/>
           </a:xfrm>
         </p:spPr>
         <p:txBody>
           <a:bodyPr>
-            <a:normAutofit fontScale="92500" lnSpcReduction="10000"/>
+            <a:normAutofit/>
           </a:bodyPr>
           <a:lstStyle/>
-          <a:p>
-            <a:r>
-              <a:rPr lang="en-US" dirty="0"/>
-              <a:t>The newly proposed </a:t>
-            </a:r>
-            <a:r>
-              <a:rPr lang="en-US" dirty="0" smtClean="0"/>
-              <a:t>system will </a:t>
-            </a:r>
-            <a:r>
-              <a:rPr lang="en-US" dirty="0"/>
-              <a:t>be well benefited to the people who spend a busy schedule in their life. </a:t>
-            </a:r>
-            <a:endParaRPr lang="en-US" dirty="0" smtClean="0"/>
-          </a:p>
-          <a:p>
-            <a:endParaRPr lang="en-US" dirty="0" smtClean="0"/>
-          </a:p>
           <a:p>
             <a:r>
               <a:rPr lang="en-US" dirty="0" smtClean="0"/>
@@ -8598,62 +8547,86 @@
             </a:r>
             <a:r>
               <a:rPr lang="en-US" dirty="0"/>
-              <a:t>time spending on browsing through the posted advertisements and allocate time and venue for meet and </a:t>
+              <a:t>presentation layer will be developed using </a:t>
             </a:r>
             <a:r>
               <a:rPr lang="en-US" dirty="0" smtClean="0"/>
-              <a:t>investigate will be saved. </a:t>
-            </a:r>
-          </a:p>
-          <a:p>
-            <a:endParaRPr lang="en-US" dirty="0"/>
-          </a:p>
-          <a:p>
-            <a:r>
-              <a:rPr lang="en-US" dirty="0" smtClean="0"/>
-              <a:t>Users </a:t>
+              <a:t>HTML5, JSP</a:t>
             </a:r>
             <a:r>
               <a:rPr lang="en-US" dirty="0"/>
-              <a:t>notify automatically when the best matching seller or buyer comes nearby, so the user will be free of tension and stress of searching the proper buyer or seller to contact. </a:t>
-            </a:r>
-            <a:endParaRPr lang="en-US" dirty="0" smtClean="0"/>
-          </a:p>
-          <a:p>
-            <a:endParaRPr lang="en-US" dirty="0" smtClean="0"/>
-          </a:p>
-          <a:p>
-            <a:r>
-              <a:rPr lang="en-US" dirty="0" smtClean="0"/>
-              <a:t>System </a:t>
+              <a:t>, JSTL, </a:t>
+            </a:r>
+            <a:r>
+              <a:rPr lang="en-US" dirty="0" err="1"/>
+              <a:t>JQuery</a:t>
             </a:r>
             <a:r>
               <a:rPr lang="en-US" dirty="0"/>
-              <a:t>notification will be included the contact details of the buyer or seller and shortest path details to find the other party. </a:t>
-            </a:r>
-            <a:endParaRPr lang="en-US" dirty="0" smtClean="0"/>
-          </a:p>
-          <a:p>
-            <a:endParaRPr lang="en-US" dirty="0" smtClean="0"/>
-          </a:p>
-          <a:p>
-            <a:r>
-              <a:rPr lang="en-US" dirty="0" smtClean="0"/>
-              <a:t>Until </a:t>
-            </a:r>
-            <a:r>
-              <a:rPr lang="en-US" dirty="0"/>
-              <a:t>you find the best matching seller or buyer the system will continue finding</a:t>
+              <a:t> and </a:t>
+            </a:r>
+            <a:r>
+              <a:rPr lang="en-US" dirty="0" err="1"/>
+              <a:t>BootStrap</a:t>
             </a:r>
             <a:r>
               <a:rPr lang="en-US" dirty="0" smtClean="0"/>
               <a:t>.</a:t>
             </a:r>
+          </a:p>
+          <a:p>
+            <a:pPr lvl="1"/>
+            <a:r>
+              <a:rPr lang="en-US" dirty="0" smtClean="0"/>
+              <a:t>The presentation layer is capable of render user interfaces under range of screen resolutions to support multiple smart mobile devices.</a:t>
+            </a:r>
+          </a:p>
+          <a:p>
+            <a:pPr marL="457200" lvl="1" indent="0">
+              <a:buNone/>
+            </a:pPr>
             <a:endParaRPr lang="en-US" dirty="0"/>
           </a:p>
           <a:p>
+            <a:r>
+              <a:rPr lang="en-US" dirty="0" smtClean="0"/>
+              <a:t>Jasper </a:t>
+            </a:r>
+            <a:r>
+              <a:rPr lang="en-US" dirty="0"/>
+              <a:t>reporting </a:t>
+            </a:r>
+            <a:r>
+              <a:rPr lang="en-US" dirty="0" smtClean="0"/>
+              <a:t>with </a:t>
+            </a:r>
+            <a:r>
+              <a:rPr lang="en-US" dirty="0" err="1" smtClean="0"/>
+              <a:t>Ireport</a:t>
+            </a:r>
+            <a:r>
+              <a:rPr lang="en-US" dirty="0" smtClean="0"/>
+              <a:t>- Report </a:t>
+            </a:r>
+            <a:r>
+              <a:rPr lang="en-US" dirty="0"/>
+              <a:t>generations</a:t>
+            </a:r>
+            <a:r>
+              <a:rPr lang="en-US" dirty="0" smtClean="0"/>
+              <a:t>.</a:t>
+            </a:r>
+          </a:p>
+          <a:p>
             <a:pPr marL="0" indent="0">
               <a:buNone/>
+            </a:pPr>
+            <a:endParaRPr lang="en-US" dirty="0"/>
+          </a:p>
+          <a:p>
+            <a:pPr>
+              <a:buFont typeface="Arial" panose="020B0604020202020204" pitchFamily="34" charset="0"/>
+              <a:buChar char="•"/>
             </a:pPr>
             <a:endParaRPr lang="en-US" dirty="0"/>
           </a:p>
@@ -8662,7 +8635,7 @@
     </p:spTree>
     <p:extLst>
       <p:ext uri="{BB962C8B-B14F-4D97-AF65-F5344CB8AC3E}">
-        <p14:creationId xmlns:p14="http://schemas.microsoft.com/office/powerpoint/2010/main" val="1041161480"/>
+        <p14:creationId xmlns:p14="http://schemas.microsoft.com/office/powerpoint/2010/main" val="667556966"/>
       </p:ext>
     </p:extLst>
   </p:cSld>
@@ -8720,6 +8693,186 @@
               <a:buNone/>
             </a:pPr>
             <a:r>
+              <a:rPr lang="en-US" sz="3600" dirty="0">
+                <a:solidFill>
+                  <a:schemeClr val="accent1">
+                    <a:lumMod val="50000"/>
+                  </a:schemeClr>
+                </a:solidFill>
+              </a:rPr>
+              <a:t>Conclusion</a:t>
+            </a:r>
+          </a:p>
+        </p:txBody>
+      </p:sp>
+      <p:sp>
+        <p:nvSpPr>
+          <p:cNvPr id="3" name="Content Placeholder 2"/>
+          <p:cNvSpPr>
+            <a:spLocks noGrp="1"/>
+          </p:cNvSpPr>
+          <p:nvPr>
+            <p:ph idx="1"/>
+          </p:nvPr>
+        </p:nvSpPr>
+        <p:spPr>
+          <a:xfrm>
+            <a:off x="990600" y="1295400"/>
+            <a:ext cx="7391400" cy="4800600"/>
+          </a:xfrm>
+        </p:spPr>
+        <p:txBody>
+          <a:bodyPr>
+            <a:normAutofit fontScale="92500" lnSpcReduction="10000"/>
+          </a:bodyPr>
+          <a:lstStyle/>
+          <a:p>
+            <a:r>
+              <a:rPr lang="en-US" dirty="0"/>
+              <a:t>The newly proposed </a:t>
+            </a:r>
+            <a:r>
+              <a:rPr lang="en-US" dirty="0" smtClean="0"/>
+              <a:t>system will </a:t>
+            </a:r>
+            <a:r>
+              <a:rPr lang="en-US" dirty="0"/>
+              <a:t>be well benefited to the people who spend a busy schedule in their life. </a:t>
+            </a:r>
+            <a:endParaRPr lang="en-US" dirty="0" smtClean="0"/>
+          </a:p>
+          <a:p>
+            <a:endParaRPr lang="en-US" dirty="0" smtClean="0"/>
+          </a:p>
+          <a:p>
+            <a:r>
+              <a:rPr lang="en-US" dirty="0" smtClean="0"/>
+              <a:t>The </a:t>
+            </a:r>
+            <a:r>
+              <a:rPr lang="en-US" dirty="0"/>
+              <a:t>time spending on browsing through the posted advertisements and allocate time and venue for meet and </a:t>
+            </a:r>
+            <a:r>
+              <a:rPr lang="en-US" dirty="0" smtClean="0"/>
+              <a:t>investigate will be saved. </a:t>
+            </a:r>
+          </a:p>
+          <a:p>
+            <a:endParaRPr lang="en-US" dirty="0"/>
+          </a:p>
+          <a:p>
+            <a:r>
+              <a:rPr lang="en-US" dirty="0" smtClean="0"/>
+              <a:t>Users </a:t>
+            </a:r>
+            <a:r>
+              <a:rPr lang="en-US" dirty="0"/>
+              <a:t>notify automatically when the best matching seller or buyer comes nearby, so the user will be free of tension and stress of searching the proper buyer or seller to contact. </a:t>
+            </a:r>
+            <a:endParaRPr lang="en-US" dirty="0" smtClean="0"/>
+          </a:p>
+          <a:p>
+            <a:endParaRPr lang="en-US" dirty="0" smtClean="0"/>
+          </a:p>
+          <a:p>
+            <a:r>
+              <a:rPr lang="en-US" dirty="0" smtClean="0"/>
+              <a:t>System </a:t>
+            </a:r>
+            <a:r>
+              <a:rPr lang="en-US" dirty="0"/>
+              <a:t>notification will be included the contact details of the buyer or seller and shortest path details to find the other party. </a:t>
+            </a:r>
+            <a:endParaRPr lang="en-US" dirty="0" smtClean="0"/>
+          </a:p>
+          <a:p>
+            <a:endParaRPr lang="en-US" dirty="0" smtClean="0"/>
+          </a:p>
+          <a:p>
+            <a:r>
+              <a:rPr lang="en-US" dirty="0" smtClean="0"/>
+              <a:t>Until </a:t>
+            </a:r>
+            <a:r>
+              <a:rPr lang="en-US" dirty="0"/>
+              <a:t>you find the best matching seller or buyer the system will continue finding</a:t>
+            </a:r>
+            <a:r>
+              <a:rPr lang="en-US" dirty="0" smtClean="0"/>
+              <a:t>.</a:t>
+            </a:r>
+            <a:endParaRPr lang="en-US" dirty="0"/>
+          </a:p>
+          <a:p>
+            <a:pPr marL="0" indent="0">
+              <a:buNone/>
+            </a:pPr>
+            <a:endParaRPr lang="en-US" dirty="0"/>
+          </a:p>
+        </p:txBody>
+      </p:sp>
+    </p:spTree>
+    <p:extLst>
+      <p:ext uri="{BB962C8B-B14F-4D97-AF65-F5344CB8AC3E}">
+        <p14:creationId xmlns:p14="http://schemas.microsoft.com/office/powerpoint/2010/main" val="1041161480"/>
+      </p:ext>
+    </p:extLst>
+  </p:cSld>
+  <p:clrMapOvr>
+    <a:masterClrMapping/>
+  </p:clrMapOvr>
+  <p:timing>
+    <p:tnLst>
+      <p:par>
+        <p:cTn id="1" dur="indefinite" restart="never" nodeType="tmRoot"/>
+      </p:par>
+    </p:tnLst>
+  </p:timing>
+</p:sld>
+</file>
+
+<file path=ppt/slides/slide23.xml><?xml version="1.0" encoding="utf-8"?>
+<p:sld xmlns:a="http://schemas.openxmlformats.org/drawingml/2006/main" xmlns:r="http://schemas.openxmlformats.org/officeDocument/2006/relationships" xmlns:p="http://schemas.openxmlformats.org/presentationml/2006/main">
+  <p:cSld>
+    <p:spTree>
+      <p:nvGrpSpPr>
+        <p:cNvPr id="1" name=""/>
+        <p:cNvGrpSpPr/>
+        <p:nvPr/>
+      </p:nvGrpSpPr>
+      <p:grpSpPr>
+        <a:xfrm>
+          <a:off x="0" y="0"/>
+          <a:ext cx="0" cy="0"/>
+          <a:chOff x="0" y="0"/>
+          <a:chExt cx="0" cy="0"/>
+        </a:xfrm>
+      </p:grpSpPr>
+      <p:sp>
+        <p:nvSpPr>
+          <p:cNvPr id="2" name="Title 1"/>
+          <p:cNvSpPr>
+            <a:spLocks noGrp="1"/>
+          </p:cNvSpPr>
+          <p:nvPr>
+            <p:ph type="title"/>
+          </p:nvPr>
+        </p:nvSpPr>
+        <p:spPr>
+          <a:xfrm>
+            <a:off x="990600" y="457200"/>
+            <a:ext cx="6512511" cy="838200"/>
+          </a:xfrm>
+        </p:spPr>
+        <p:txBody>
+          <a:bodyPr/>
+          <a:lstStyle/>
+          <a:p>
+            <a:pPr marL="0" indent="0" algn="l">
+              <a:buNone/>
+            </a:pPr>
+            <a:r>
               <a:rPr lang="en-US" sz="3600" dirty="0" smtClean="0">
                 <a:solidFill>
                   <a:schemeClr val="accent1">
@@ -8830,7 +8983,7 @@
 </p:sld>
 </file>
 
-<file path=ppt/slides/slide23.xml><?xml version="1.0" encoding="utf-8"?>
+<file path=ppt/slides/slide24.xml><?xml version="1.0" encoding="utf-8"?>
 <p:sld xmlns:a="http://schemas.openxmlformats.org/drawingml/2006/main" xmlns:r="http://schemas.openxmlformats.org/officeDocument/2006/relationships" xmlns:p="http://schemas.openxmlformats.org/presentationml/2006/main">
   <p:cSld>
     <p:spTree>
@@ -9267,7 +9420,7 @@
 </p:sld>
 </file>
 
-<file path=ppt/slides/slide24.xml><?xml version="1.0" encoding="utf-8"?>
+<file path=ppt/slides/slide25.xml><?xml version="1.0" encoding="utf-8"?>
 <p:sld xmlns:a="http://schemas.openxmlformats.org/drawingml/2006/main" xmlns:r="http://schemas.openxmlformats.org/officeDocument/2006/relationships" xmlns:p="http://schemas.openxmlformats.org/presentationml/2006/main">
   <p:cSld>
     <p:spTree>
@@ -9438,7 +9591,7 @@
 </p:sld>
 </file>
 
-<file path=ppt/slides/slide25.xml><?xml version="1.0" encoding="utf-8"?>
+<file path=ppt/slides/slide26.xml><?xml version="1.0" encoding="utf-8"?>
 <p:sld xmlns:a="http://schemas.openxmlformats.org/drawingml/2006/main" xmlns:r="http://schemas.openxmlformats.org/officeDocument/2006/relationships" xmlns:p="http://schemas.openxmlformats.org/presentationml/2006/main">
   <p:cSld>
     <p:spTree>
@@ -9529,31 +9682,8 @@
             <a:pPr lvl="1"/>
             <a:r>
               <a:rPr lang="en-US" sz="2000" dirty="0" smtClean="0"/>
-              <a:t>Add near by notifications</a:t>
-            </a:r>
-          </a:p>
-          <a:p>
-            <a:pPr lvl="1"/>
-            <a:r>
-              <a:rPr lang="en-US" sz="2000" dirty="0" smtClean="0"/>
-              <a:t>Add route </a:t>
-            </a:r>
-            <a:r>
-              <a:rPr lang="en-US" sz="2000" dirty="0" smtClean="0"/>
-              <a:t>information</a:t>
-            </a:r>
-          </a:p>
-          <a:p>
-            <a:pPr lvl="1"/>
-            <a:r>
-              <a:rPr lang="en-US" sz="2000" dirty="0" smtClean="0"/>
-              <a:t>Android service to fetch </a:t>
-            </a:r>
-            <a:r>
-              <a:rPr lang="en-US" sz="2000" smtClean="0"/>
-              <a:t>location information</a:t>
-            </a:r>
-            <a:endParaRPr lang="en-US" sz="2000" dirty="0" smtClean="0"/>
+              <a:t>Android service to fetch location information</a:t>
+            </a:r>
           </a:p>
           <a:p>
             <a:pPr lvl="1"/>
@@ -9564,7 +9694,10 @@
           </a:p>
           <a:p>
             <a:pPr lvl="1"/>
-            <a:endParaRPr lang="en-US" sz="2000" dirty="0" smtClean="0"/>
+            <a:r>
+              <a:rPr lang="en-US" sz="2000" dirty="0" smtClean="0"/>
+              <a:t>Integrating Data mining</a:t>
+            </a:r>
           </a:p>
           <a:p>
             <a:r>
@@ -9591,11 +9724,7 @@
             <a:pPr lvl="1"/>
             <a:r>
               <a:rPr lang="en-US" sz="2200" dirty="0" smtClean="0"/>
-              <a:t>Increase </a:t>
-            </a:r>
-            <a:r>
-              <a:rPr lang="en-US" sz="2200" dirty="0" smtClean="0"/>
-              <a:t>performance</a:t>
+              <a:t>Increase performance</a:t>
             </a:r>
           </a:p>
           <a:p>
@@ -9604,7 +9733,6 @@
               <a:rPr lang="en-US" sz="2200" dirty="0" smtClean="0"/>
               <a:t>Increase security</a:t>
             </a:r>
-            <a:endParaRPr lang="en-US" sz="2200" dirty="0" smtClean="0"/>
           </a:p>
         </p:txBody>
       </p:sp>
@@ -9739,7 +9867,7 @@
             </a:pPr>
             <a:r>
               <a:rPr lang="en-US" sz="2800" dirty="0" smtClean="0"/>
-              <a:t>A native android mobile application and a web application.</a:t>
+              <a:t>An android mobile application and a web application.</a:t>
             </a:r>
           </a:p>
           <a:p>
@@ -10270,11 +10398,11 @@
             </a:pPr>
             <a:r>
               <a:rPr lang="en-US" sz="2800" dirty="0"/>
-              <a:t>Smart mobile device usage is higher than ever, and most of the time these devices is being used several times a day to access internet</a:t>
+              <a:t>Smart mobile device usage is higher than ever, and most of the time these devices is being used several </a:t>
             </a:r>
             <a:r>
               <a:rPr lang="en-US" sz="2800" dirty="0" smtClean="0"/>
-              <a:t>.</a:t>
+              <a:t>times in a day.</a:t>
             </a:r>
           </a:p>
           <a:p>
@@ -10282,6 +10410,13 @@
               <a:buFont typeface="Wingdings" panose="05000000000000000000" pitchFamily="2" charset="2"/>
               <a:buChar char="Ø"/>
             </a:pPr>
+            <a:endParaRPr lang="en-US" sz="2800" dirty="0" smtClean="0"/>
+          </a:p>
+          <a:p>
+            <a:pPr>
+              <a:buFont typeface="Wingdings" panose="05000000000000000000" pitchFamily="2" charset="2"/>
+              <a:buChar char="Ø"/>
+            </a:pPr>
             <a:r>
               <a:rPr lang="en-US" sz="2800" dirty="0" smtClean="0"/>
               <a:t>Lack of Location Based Services usage for marketing purposes.</a:t>
@@ -10294,7 +10429,7 @@
             </a:pPr>
             <a:r>
               <a:rPr lang="en-US" sz="2000" dirty="0" smtClean="0"/>
-              <a:t>Location Based Services are not available in Existing marketing systems.</a:t>
+              <a:t>Location Based Services are not available in most of the Existing marketing systems.</a:t>
             </a:r>
           </a:p>
         </p:txBody>

--- a/documentation/Location Based Mobile Marketing System.pptx
+++ b/documentation/Location Based Mobile Marketing System.pptx
@@ -24,13 +24,15 @@
     <p:sldId id="277" r:id="rId18"/>
     <p:sldId id="278" r:id="rId19"/>
     <p:sldId id="265" r:id="rId20"/>
-    <p:sldId id="284" r:id="rId21"/>
-    <p:sldId id="279" r:id="rId22"/>
-    <p:sldId id="267" r:id="rId23"/>
-    <p:sldId id="280" r:id="rId24"/>
-    <p:sldId id="281" r:id="rId25"/>
-    <p:sldId id="282" r:id="rId26"/>
-    <p:sldId id="283" r:id="rId27"/>
+    <p:sldId id="285" r:id="rId21"/>
+    <p:sldId id="287" r:id="rId22"/>
+    <p:sldId id="284" r:id="rId23"/>
+    <p:sldId id="279" r:id="rId24"/>
+    <p:sldId id="267" r:id="rId25"/>
+    <p:sldId id="280" r:id="rId26"/>
+    <p:sldId id="281" r:id="rId27"/>
+    <p:sldId id="282" r:id="rId28"/>
+    <p:sldId id="283" r:id="rId29"/>
   </p:sldIdLst>
   <p:sldSz cx="9144000" cy="6858000" type="screen4x3"/>
   <p:notesSz cx="6858000" cy="9144000"/>
@@ -877,7 +879,7 @@
           <a:p>
             <a:fld id="{8EB01A10-C374-4A13-9C62-A9BB9D98E6C4}" type="datetimeFigureOut">
               <a:rPr lang="en-US" smtClean="0"/>
-              <a:t>4/1/2016</a:t>
+              <a:t>4/2/2016</a:t>
             </a:fld>
             <a:endParaRPr lang="en-US"/>
           </a:p>
@@ -1128,7 +1130,7 @@
           <a:p>
             <a:fld id="{8EB01A10-C374-4A13-9C62-A9BB9D98E6C4}" type="datetimeFigureOut">
               <a:rPr lang="en-US" smtClean="0"/>
-              <a:t>4/1/2016</a:t>
+              <a:t>4/2/2016</a:t>
             </a:fld>
             <a:endParaRPr lang="en-US"/>
           </a:p>
@@ -1442,7 +1444,7 @@
           <a:p>
             <a:fld id="{8EB01A10-C374-4A13-9C62-A9BB9D98E6C4}" type="datetimeFigureOut">
               <a:rPr lang="en-US" smtClean="0"/>
-              <a:t>4/1/2016</a:t>
+              <a:t>4/2/2016</a:t>
             </a:fld>
             <a:endParaRPr lang="en-US"/>
           </a:p>
@@ -1775,7 +1777,7 @@
           <a:p>
             <a:fld id="{8EB01A10-C374-4A13-9C62-A9BB9D98E6C4}" type="datetimeFigureOut">
               <a:rPr lang="en-US" smtClean="0"/>
-              <a:t>4/1/2016</a:t>
+              <a:t>4/2/2016</a:t>
             </a:fld>
             <a:endParaRPr lang="en-US"/>
           </a:p>
@@ -2089,7 +2091,7 @@
           <a:p>
             <a:fld id="{8EB01A10-C374-4A13-9C62-A9BB9D98E6C4}" type="datetimeFigureOut">
               <a:rPr lang="en-US" smtClean="0"/>
-              <a:t>4/1/2016</a:t>
+              <a:t>4/2/2016</a:t>
             </a:fld>
             <a:endParaRPr lang="en-US"/>
           </a:p>
@@ -2482,7 +2484,7 @@
           <a:p>
             <a:fld id="{8EB01A10-C374-4A13-9C62-A9BB9D98E6C4}" type="datetimeFigureOut">
               <a:rPr lang="en-US" smtClean="0"/>
-              <a:t>4/1/2016</a:t>
+              <a:t>4/2/2016</a:t>
             </a:fld>
             <a:endParaRPr lang="en-US"/>
           </a:p>
@@ -2652,7 +2654,7 @@
           <a:p>
             <a:fld id="{8EB01A10-C374-4A13-9C62-A9BB9D98E6C4}" type="datetimeFigureOut">
               <a:rPr lang="en-US" smtClean="0"/>
-              <a:t>4/1/2016</a:t>
+              <a:t>4/2/2016</a:t>
             </a:fld>
             <a:endParaRPr lang="en-US"/>
           </a:p>
@@ -2832,7 +2834,7 @@
           <a:p>
             <a:fld id="{8EB01A10-C374-4A13-9C62-A9BB9D98E6C4}" type="datetimeFigureOut">
               <a:rPr lang="en-US" smtClean="0"/>
-              <a:t>4/1/2016</a:t>
+              <a:t>4/2/2016</a:t>
             </a:fld>
             <a:endParaRPr lang="en-US"/>
           </a:p>
@@ -3002,7 +3004,7 @@
           <a:p>
             <a:fld id="{8EB01A10-C374-4A13-9C62-A9BB9D98E6C4}" type="datetimeFigureOut">
               <a:rPr lang="en-US" smtClean="0"/>
-              <a:t>4/1/2016</a:t>
+              <a:t>4/2/2016</a:t>
             </a:fld>
             <a:endParaRPr lang="en-US"/>
           </a:p>
@@ -3249,7 +3251,7 @@
           <a:p>
             <a:fld id="{8EB01A10-C374-4A13-9C62-A9BB9D98E6C4}" type="datetimeFigureOut">
               <a:rPr lang="en-US" smtClean="0"/>
-              <a:t>4/1/2016</a:t>
+              <a:t>4/2/2016</a:t>
             </a:fld>
             <a:endParaRPr lang="en-US"/>
           </a:p>
@@ -3481,7 +3483,7 @@
           <a:p>
             <a:fld id="{8EB01A10-C374-4A13-9C62-A9BB9D98E6C4}" type="datetimeFigureOut">
               <a:rPr lang="en-US" smtClean="0"/>
-              <a:t>4/1/2016</a:t>
+              <a:t>4/2/2016</a:t>
             </a:fld>
             <a:endParaRPr lang="en-US"/>
           </a:p>
@@ -3855,7 +3857,7 @@
           <a:p>
             <a:fld id="{8EB01A10-C374-4A13-9C62-A9BB9D98E6C4}" type="datetimeFigureOut">
               <a:rPr lang="en-US" smtClean="0"/>
-              <a:t>4/1/2016</a:t>
+              <a:t>4/2/2016</a:t>
             </a:fld>
             <a:endParaRPr lang="en-US"/>
           </a:p>
@@ -3978,7 +3980,7 @@
           <a:p>
             <a:fld id="{8EB01A10-C374-4A13-9C62-A9BB9D98E6C4}" type="datetimeFigureOut">
               <a:rPr lang="en-US" smtClean="0"/>
-              <a:t>4/1/2016</a:t>
+              <a:t>4/2/2016</a:t>
             </a:fld>
             <a:endParaRPr lang="en-US"/>
           </a:p>
@@ -4073,7 +4075,7 @@
           <a:p>
             <a:fld id="{8EB01A10-C374-4A13-9C62-A9BB9D98E6C4}" type="datetimeFigureOut">
               <a:rPr lang="en-US" smtClean="0"/>
-              <a:t>4/1/2016</a:t>
+              <a:t>4/2/2016</a:t>
             </a:fld>
             <a:endParaRPr lang="en-US"/>
           </a:p>
@@ -4328,7 +4330,7 @@
           <a:p>
             <a:fld id="{8EB01A10-C374-4A13-9C62-A9BB9D98E6C4}" type="datetimeFigureOut">
               <a:rPr lang="en-US" smtClean="0"/>
-              <a:t>4/1/2016</a:t>
+              <a:t>4/2/2016</a:t>
             </a:fld>
             <a:endParaRPr lang="en-US"/>
           </a:p>
@@ -4633,7 +4635,7 @@
           <a:p>
             <a:fld id="{8EB01A10-C374-4A13-9C62-A9BB9D98E6C4}" type="datetimeFigureOut">
               <a:rPr lang="en-US" smtClean="0"/>
-              <a:t>4/1/2016</a:t>
+              <a:t>4/2/2016</a:t>
             </a:fld>
             <a:endParaRPr lang="en-US"/>
           </a:p>
@@ -5335,7 +5337,7 @@
           <a:p>
             <a:fld id="{8EB01A10-C374-4A13-9C62-A9BB9D98E6C4}" type="datetimeFigureOut">
               <a:rPr lang="en-US" smtClean="0"/>
-              <a:t>4/1/2016</a:t>
+              <a:t>4/2/2016</a:t>
             </a:fld>
             <a:endParaRPr lang="en-US"/>
           </a:p>
@@ -7241,11 +7243,7 @@
           <a:p>
             <a:r>
               <a:rPr lang="en-US" b="1" dirty="0" smtClean="0"/>
-              <a:t>UI </a:t>
-            </a:r>
-            <a:r>
-              <a:rPr lang="en-US" b="1" dirty="0" smtClean="0"/>
-              <a:t>Considerations</a:t>
+              <a:t>UI Considerations</a:t>
             </a:r>
           </a:p>
           <a:p>
@@ -7978,11 +7976,8 @@
           <a:bodyPr/>
           <a:lstStyle/>
           <a:p>
-            <a:pPr marL="0" indent="0" algn="l">
-              <a:buNone/>
-            </a:pPr>
-            <a:r>
-              <a:rPr lang="en-US" sz="3600" dirty="0" smtClean="0">
+            <a:r>
+              <a:rPr lang="en-US" dirty="0" smtClean="0">
                 <a:solidFill>
                   <a:schemeClr val="accent1">
                     <a:lumMod val="50000"/>
@@ -8014,44 +8009,215 @@
         <p:spPr>
           <a:xfrm>
             <a:off x="990600" y="1295400"/>
-            <a:ext cx="7086600" cy="4419600"/>
+            <a:ext cx="7467600" cy="5029200"/>
           </a:xfrm>
         </p:spPr>
         <p:txBody>
           <a:bodyPr>
-            <a:normAutofit/>
+            <a:normAutofit fontScale="85000" lnSpcReduction="20000"/>
           </a:bodyPr>
           <a:lstStyle/>
           <a:p>
-            <a:r>
-              <a:rPr lang="en-US" dirty="0" smtClean="0"/>
-              <a:t>Simple </a:t>
-            </a:r>
-            <a:r>
-              <a:rPr lang="en-US" dirty="0" err="1" smtClean="0"/>
-              <a:t>algo</a:t>
-            </a:r>
-            <a:r>
-              <a:rPr lang="en-US" dirty="0" smtClean="0"/>
-              <a:t> for service schedulers.</a:t>
-            </a:r>
-          </a:p>
-          <a:p>
-            <a:r>
-              <a:rPr lang="en-US" smtClean="0"/>
-              <a:t>Algorithm </a:t>
-            </a:r>
-            <a:r>
-              <a:rPr lang="en-US" dirty="0" smtClean="0"/>
-              <a:t>used for location </a:t>
-            </a:r>
-            <a:r>
-              <a:rPr lang="en-US" smtClean="0"/>
-              <a:t>notifications.</a:t>
-            </a:r>
-          </a:p>
-          <a:p>
-            <a:endParaRPr lang="en-US" dirty="0" smtClean="0"/>
+            <a:pPr marL="0" indent="0">
+              <a:buNone/>
+            </a:pPr>
+            <a:r>
+              <a:rPr lang="en-US" sz="2400" b="1" dirty="0" smtClean="0"/>
+              <a:t>Scheduler Service</a:t>
+            </a:r>
+          </a:p>
+          <a:p>
+            <a:r>
+              <a:rPr lang="en-US" b="1" dirty="0" smtClean="0"/>
+              <a:t>Step 1: execute search requests and fetch selected products</a:t>
+            </a:r>
+          </a:p>
+          <a:p>
+            <a:r>
+              <a:rPr lang="en-US" b="1" dirty="0" smtClean="0"/>
+              <a:t>Step 2: Start LOOP</a:t>
+            </a:r>
+          </a:p>
+          <a:p>
+            <a:pPr marL="0" indent="0">
+              <a:buNone/>
+            </a:pPr>
+            <a:r>
+              <a:rPr lang="en-US" b="1" dirty="0"/>
+              <a:t>	</a:t>
+            </a:r>
+            <a:r>
+              <a:rPr lang="en-US" b="1" dirty="0" smtClean="0"/>
+              <a:t>		fetch Follow Seller Selections</a:t>
+            </a:r>
+          </a:p>
+          <a:p>
+            <a:pPr marL="0" indent="0">
+              <a:buNone/>
+            </a:pPr>
+            <a:r>
+              <a:rPr lang="en-US" b="1" dirty="0"/>
+              <a:t>	</a:t>
+            </a:r>
+            <a:r>
+              <a:rPr lang="en-US" b="1" dirty="0" smtClean="0"/>
+              <a:t>		Start LOOP</a:t>
+            </a:r>
+          </a:p>
+          <a:p>
+            <a:pPr marL="0" indent="0">
+              <a:buNone/>
+            </a:pPr>
+            <a:r>
+              <a:rPr lang="en-US" b="1" dirty="0"/>
+              <a:t>	</a:t>
+            </a:r>
+            <a:r>
+              <a:rPr lang="en-US" b="1" dirty="0" smtClean="0"/>
+              <a:t>			IF</a:t>
+            </a:r>
+          </a:p>
+          <a:p>
+            <a:pPr marL="0" indent="0">
+              <a:buNone/>
+            </a:pPr>
+            <a:r>
+              <a:rPr lang="en-US" b="1" dirty="0"/>
+              <a:t>	</a:t>
+            </a:r>
+            <a:r>
+              <a:rPr lang="en-US" b="1" dirty="0" smtClean="0"/>
+              <a:t>				(follow seller ==  searched product owner)</a:t>
+            </a:r>
+          </a:p>
+          <a:p>
+            <a:pPr marL="0" indent="0">
+              <a:buNone/>
+            </a:pPr>
+            <a:r>
+              <a:rPr lang="en-US" b="1" dirty="0"/>
+              <a:t>	</a:t>
+            </a:r>
+            <a:r>
+              <a:rPr lang="en-US" b="1" dirty="0" smtClean="0"/>
+              <a:t>					calculate distance</a:t>
+            </a:r>
+          </a:p>
+          <a:p>
+            <a:pPr marL="0" indent="0">
+              <a:buNone/>
+            </a:pPr>
+            <a:r>
+              <a:rPr lang="en-US" b="1" dirty="0"/>
+              <a:t>	</a:t>
+            </a:r>
+            <a:r>
+              <a:rPr lang="en-US" b="1" dirty="0" smtClean="0"/>
+              <a:t>					IF</a:t>
+            </a:r>
+          </a:p>
+          <a:p>
+            <a:pPr marL="0" indent="0">
+              <a:buNone/>
+            </a:pPr>
+            <a:r>
+              <a:rPr lang="en-US" b="1" dirty="0"/>
+              <a:t>	</a:t>
+            </a:r>
+            <a:r>
+              <a:rPr lang="en-US" b="1" dirty="0" smtClean="0"/>
+              <a:t>						(distance &lt; 1)</a:t>
+            </a:r>
+          </a:p>
+          <a:p>
+            <a:pPr marL="0" indent="0">
+              <a:buNone/>
+            </a:pPr>
+            <a:r>
+              <a:rPr lang="en-US" b="1" dirty="0"/>
+              <a:t>	</a:t>
+            </a:r>
+            <a:r>
+              <a:rPr lang="en-US" b="1" dirty="0" smtClean="0"/>
+              <a:t>						fire high priority notifications;</a:t>
+            </a:r>
+          </a:p>
+          <a:p>
+            <a:pPr marL="0" indent="0">
+              <a:buNone/>
+            </a:pPr>
+            <a:r>
+              <a:rPr lang="en-US" b="1" dirty="0"/>
+              <a:t>	</a:t>
+            </a:r>
+            <a:r>
+              <a:rPr lang="en-US" b="1" dirty="0" smtClean="0"/>
+              <a:t>					END IF</a:t>
+            </a:r>
+          </a:p>
+          <a:p>
+            <a:pPr marL="0" indent="0">
+              <a:buNone/>
+            </a:pPr>
+            <a:r>
+              <a:rPr lang="en-US" b="1" dirty="0"/>
+              <a:t>	</a:t>
+            </a:r>
+            <a:r>
+              <a:rPr lang="en-US" b="1" dirty="0" smtClean="0"/>
+              <a:t>			END IF</a:t>
+            </a:r>
+          </a:p>
+          <a:p>
+            <a:pPr marL="0" indent="0">
+              <a:buNone/>
+            </a:pPr>
+            <a:r>
+              <a:rPr lang="en-US" b="1" dirty="0"/>
+              <a:t>	</a:t>
+            </a:r>
+            <a:r>
+              <a:rPr lang="en-US" b="1" dirty="0" smtClean="0"/>
+              <a:t>			fire next level high priority notifications;</a:t>
+            </a:r>
+          </a:p>
+          <a:p>
+            <a:pPr marL="0" indent="0">
+              <a:buNone/>
+            </a:pPr>
+            <a:r>
+              <a:rPr lang="en-US" b="1" dirty="0"/>
+              <a:t>	</a:t>
+            </a:r>
+            <a:r>
+              <a:rPr lang="en-US" b="1" dirty="0" smtClean="0"/>
+              <a:t>		End LOOP	</a:t>
+            </a:r>
+          </a:p>
+          <a:p>
+            <a:pPr marL="0" indent="0">
+              <a:buNone/>
+            </a:pPr>
+            <a:r>
+              <a:rPr lang="en-US" b="1" dirty="0"/>
+              <a:t>	</a:t>
+            </a:r>
+            <a:r>
+              <a:rPr lang="en-US" b="1" dirty="0" smtClean="0"/>
+              <a:t>	</a:t>
+            </a:r>
+            <a:r>
+              <a:rPr lang="en-US" b="1" dirty="0"/>
+              <a:t> </a:t>
+            </a:r>
+            <a:r>
+              <a:rPr lang="en-US" b="1" dirty="0" smtClean="0"/>
+              <a:t>   End LOOP</a:t>
+            </a:r>
+            <a:r>
+              <a:rPr lang="en-US" sz="2000" b="1" dirty="0" smtClean="0"/>
+              <a:t>	</a:t>
+            </a:r>
           </a:p>
           <a:p>
             <a:endParaRPr lang="en-US" dirty="0" smtClean="0"/>
@@ -8275,18 +8441,15 @@
           <a:bodyPr/>
           <a:lstStyle/>
           <a:p>
-            <a:pPr marL="0" indent="0" algn="l">
-              <a:buNone/>
-            </a:pPr>
-            <a:r>
-              <a:rPr lang="en-US" sz="3600" dirty="0" smtClean="0">
+            <a:r>
+              <a:rPr lang="en-US" dirty="0">
                 <a:solidFill>
                   <a:schemeClr val="accent1">
                     <a:lumMod val="50000"/>
                   </a:schemeClr>
                 </a:solidFill>
               </a:rPr>
-              <a:t>Implementation</a:t>
+              <a:t>Implementation – Cont.</a:t>
             </a:r>
             <a:endParaRPr lang="en-US" sz="3600" dirty="0">
               <a:solidFill>
@@ -8310,139 +8473,283 @@
         </p:nvSpPr>
         <p:spPr>
           <a:xfrm>
-            <a:off x="990600" y="1295400"/>
-            <a:ext cx="7086600" cy="4419600"/>
+            <a:off x="990600" y="1066800"/>
+            <a:ext cx="7696200" cy="5334000"/>
           </a:xfrm>
         </p:spPr>
         <p:txBody>
           <a:bodyPr>
-            <a:normAutofit/>
+            <a:normAutofit lnSpcReduction="10000"/>
           </a:bodyPr>
           <a:lstStyle/>
           <a:p>
+            <a:pPr marL="0" indent="0">
+              <a:buNone/>
+            </a:pPr>
+            <a:r>
+              <a:rPr lang="en-US" sz="2400" b="1" dirty="0" smtClean="0"/>
+              <a:t>Calculating overall rating</a:t>
+            </a:r>
+          </a:p>
+          <a:p>
             <a:r>
               <a:rPr lang="en-US" dirty="0" smtClean="0"/>
-              <a:t>Used open </a:t>
-            </a:r>
+              <a:t>Algorithm </a:t>
+            </a:r>
+          </a:p>
+          <a:p>
+            <a:pPr marL="0" indent="0" algn="ctr">
+              <a:buNone/>
+            </a:pPr>
             <a:r>
               <a:rPr lang="en-US" dirty="0"/>
-              <a:t>source </a:t>
+              <a:t>	</a:t>
             </a:r>
             <a:r>
               <a:rPr lang="en-US" dirty="0" smtClean="0"/>
-              <a:t>technologies and development tools. </a:t>
-            </a:r>
-          </a:p>
-          <a:p>
-            <a:pPr lvl="1"/>
+              <a:t>		</a:t>
+            </a:r>
+            <a:r>
+              <a:rPr lang="en-US" b="1" dirty="0" smtClean="0"/>
+              <a:t>Overall </a:t>
+            </a:r>
+            <a:r>
+              <a:rPr lang="en-US" b="1" dirty="0"/>
+              <a:t>R</a:t>
+            </a:r>
+            <a:r>
+              <a:rPr lang="en-US" b="1" dirty="0" smtClean="0"/>
+              <a:t>ating = Total Rating/No of Rating</a:t>
+            </a:r>
+          </a:p>
+          <a:p>
+            <a:pPr marL="0" indent="0" algn="ctr">
+              <a:buNone/>
+            </a:pPr>
+            <a:r>
+              <a:rPr lang="en-US" b="1" dirty="0"/>
+              <a:t>	</a:t>
+            </a:r>
+            <a:r>
+              <a:rPr lang="en-US" sz="1400" b="1" dirty="0" smtClean="0"/>
+              <a:t>* for a item wise</a:t>
+            </a:r>
+            <a:endParaRPr lang="en-US" b="1" dirty="0" smtClean="0"/>
+          </a:p>
+          <a:p>
             <a:r>
               <a:rPr lang="en-US" dirty="0" smtClean="0"/>
-              <a:t>Eclipse</a:t>
-            </a:r>
-          </a:p>
-          <a:p>
-            <a:pPr lvl="1"/>
-            <a:r>
-              <a:rPr lang="en-US" dirty="0" err="1" smtClean="0"/>
-              <a:t>Mysql</a:t>
-            </a:r>
-            <a:r>
-              <a:rPr lang="en-US" dirty="0" smtClean="0"/>
-              <a:t> Workbench</a:t>
-            </a:r>
-          </a:p>
-          <a:p>
-            <a:pPr lvl="1"/>
-            <a:r>
-              <a:rPr lang="en-US" dirty="0" err="1" smtClean="0"/>
-              <a:t>Ireport</a:t>
-            </a:r>
-            <a:endParaRPr lang="en-US" dirty="0"/>
-          </a:p>
-          <a:p>
-            <a:pPr marL="457200" lvl="1" indent="0">
-              <a:buNone/>
-            </a:pPr>
-            <a:endParaRPr lang="en-US" dirty="0"/>
-          </a:p>
-          <a:p>
-            <a:r>
-              <a:rPr lang="en-US" dirty="0"/>
-              <a:t>For the </a:t>
-            </a:r>
-            <a:r>
-              <a:rPr lang="en-US" dirty="0" smtClean="0"/>
-              <a:t>Data layer -  </a:t>
-            </a:r>
-            <a:r>
-              <a:rPr lang="en-US" dirty="0"/>
-              <a:t>MySQL </a:t>
-            </a:r>
-            <a:r>
-              <a:rPr lang="en-US" dirty="0" smtClean="0"/>
-              <a:t>database</a:t>
-            </a:r>
-          </a:p>
-          <a:p>
-            <a:r>
-              <a:rPr lang="en-US" dirty="0" smtClean="0"/>
-              <a:t>Data layer implementation – Java</a:t>
-            </a:r>
-          </a:p>
-          <a:p>
-            <a:r>
-              <a:rPr lang="en-US" dirty="0" smtClean="0"/>
-              <a:t>For </a:t>
-            </a:r>
-            <a:r>
-              <a:rPr lang="en-US" dirty="0"/>
-              <a:t>further functionalities such as connection pooling, maintain </a:t>
-            </a:r>
-            <a:r>
-              <a:rPr lang="en-US" dirty="0" smtClean="0"/>
-              <a:t>scalability - </a:t>
-            </a:r>
-            <a:r>
-              <a:rPr lang="en-US" dirty="0"/>
-              <a:t>Spring data JPA </a:t>
-            </a:r>
-            <a:r>
-              <a:rPr lang="en-US" dirty="0" smtClean="0"/>
-              <a:t>framework.</a:t>
-            </a:r>
-          </a:p>
-          <a:p>
-            <a:endParaRPr lang="en-US" dirty="0"/>
-          </a:p>
-          <a:p>
-            <a:r>
-              <a:rPr lang="en-US" dirty="0" smtClean="0"/>
-              <a:t>Business </a:t>
-            </a:r>
-            <a:r>
-              <a:rPr lang="en-US" dirty="0"/>
-              <a:t>layer </a:t>
-            </a:r>
-            <a:r>
-              <a:rPr lang="en-US" dirty="0" smtClean="0"/>
-              <a:t>- </a:t>
-            </a:r>
-            <a:r>
-              <a:rPr lang="en-US" dirty="0"/>
-              <a:t>Java and Spring framework</a:t>
-            </a:r>
-            <a:r>
-              <a:rPr lang="en-US" dirty="0" smtClean="0"/>
-              <a:t>.</a:t>
-            </a:r>
-            <a:endParaRPr lang="en-US" dirty="0"/>
+              <a:t>steps for calculating overall rating</a:t>
+            </a:r>
+          </a:p>
+          <a:p>
+            <a:endParaRPr lang="en-US" dirty="0" smtClean="0"/>
+          </a:p>
+          <a:p>
+            <a:pPr marL="0" indent="0">
+              <a:lnSpc>
+                <a:spcPct val="110000"/>
+              </a:lnSpc>
+              <a:spcBef>
+                <a:spcPts val="0"/>
+              </a:spcBef>
+              <a:buNone/>
+            </a:pPr>
+            <a:r>
+              <a:rPr lang="en-US" sz="1900" dirty="0" smtClean="0"/>
+              <a:t>	</a:t>
+            </a:r>
+            <a:r>
+              <a:rPr lang="en-US" sz="1500" dirty="0" smtClean="0"/>
+              <a:t>Step 1: Fetch list of rating product wise</a:t>
+            </a:r>
+          </a:p>
+          <a:p>
+            <a:pPr marL="0" indent="0">
+              <a:lnSpc>
+                <a:spcPct val="110000"/>
+              </a:lnSpc>
+              <a:spcBef>
+                <a:spcPts val="0"/>
+              </a:spcBef>
+              <a:buNone/>
+            </a:pPr>
+            <a:r>
+              <a:rPr lang="en-US" sz="1500" dirty="0" smtClean="0"/>
+              <a:t>	Step 2: Initialize variable for sum and count</a:t>
+            </a:r>
+          </a:p>
+          <a:p>
+            <a:pPr marL="0" indent="0">
+              <a:lnSpc>
+                <a:spcPct val="110000"/>
+              </a:lnSpc>
+              <a:spcBef>
+                <a:spcPts val="0"/>
+              </a:spcBef>
+              <a:buNone/>
+            </a:pPr>
+            <a:r>
+              <a:rPr lang="en-US" sz="1500" dirty="0"/>
+              <a:t>	</a:t>
+            </a:r>
+            <a:r>
+              <a:rPr lang="en-US" sz="1500" dirty="0" smtClean="0"/>
+              <a:t>Step 3: Begin Loop</a:t>
+            </a:r>
+          </a:p>
+          <a:p>
+            <a:pPr marL="0" indent="0">
+              <a:lnSpc>
+                <a:spcPct val="110000"/>
+              </a:lnSpc>
+              <a:spcBef>
+                <a:spcPts val="0"/>
+              </a:spcBef>
+              <a:buNone/>
+            </a:pPr>
+            <a:r>
+              <a:rPr lang="en-US" sz="1500" dirty="0"/>
+              <a:t>	</a:t>
+            </a:r>
+            <a:r>
+              <a:rPr lang="en-US" sz="1500" dirty="0" smtClean="0"/>
+              <a:t>		sum = sum + rating;</a:t>
+            </a:r>
+          </a:p>
+          <a:p>
+            <a:pPr marL="0" indent="0">
+              <a:lnSpc>
+                <a:spcPct val="110000"/>
+              </a:lnSpc>
+              <a:spcBef>
+                <a:spcPts val="0"/>
+              </a:spcBef>
+              <a:buNone/>
+            </a:pPr>
+            <a:r>
+              <a:rPr lang="en-US" sz="1500" dirty="0"/>
+              <a:t>	</a:t>
+            </a:r>
+            <a:r>
+              <a:rPr lang="en-US" sz="1500" dirty="0" smtClean="0"/>
+              <a:t>		count = count + 1;</a:t>
+            </a:r>
+          </a:p>
+          <a:p>
+            <a:pPr marL="0" indent="0">
+              <a:lnSpc>
+                <a:spcPct val="110000"/>
+              </a:lnSpc>
+              <a:spcBef>
+                <a:spcPts val="0"/>
+              </a:spcBef>
+              <a:buNone/>
+            </a:pPr>
+            <a:r>
+              <a:rPr lang="en-US" sz="1500" dirty="0"/>
+              <a:t>	</a:t>
+            </a:r>
+            <a:r>
+              <a:rPr lang="en-US" sz="1500" dirty="0" smtClean="0"/>
+              <a:t>	   End Loop</a:t>
+            </a:r>
+          </a:p>
+          <a:p>
+            <a:pPr marL="0" indent="0">
+              <a:lnSpc>
+                <a:spcPct val="110000"/>
+              </a:lnSpc>
+              <a:spcBef>
+                <a:spcPts val="0"/>
+              </a:spcBef>
+              <a:buNone/>
+            </a:pPr>
+            <a:r>
+              <a:rPr lang="en-US" sz="1500" dirty="0"/>
+              <a:t>	</a:t>
+            </a:r>
+            <a:r>
+              <a:rPr lang="en-US" sz="1500" dirty="0" smtClean="0"/>
+              <a:t>Step 3: IF</a:t>
+            </a:r>
+          </a:p>
+          <a:p>
+            <a:pPr marL="0" indent="0">
+              <a:lnSpc>
+                <a:spcPct val="110000"/>
+              </a:lnSpc>
+              <a:spcBef>
+                <a:spcPts val="0"/>
+              </a:spcBef>
+              <a:buNone/>
+            </a:pPr>
+            <a:r>
+              <a:rPr lang="en-US" sz="1500" dirty="0"/>
+              <a:t>	</a:t>
+            </a:r>
+            <a:r>
+              <a:rPr lang="en-US" sz="1500" dirty="0" smtClean="0"/>
+              <a:t>		sum&gt;0 and count&gt;0</a:t>
+            </a:r>
+          </a:p>
+          <a:p>
+            <a:pPr marL="0" indent="0">
+              <a:lnSpc>
+                <a:spcPct val="110000"/>
+              </a:lnSpc>
+              <a:spcBef>
+                <a:spcPts val="0"/>
+              </a:spcBef>
+              <a:buNone/>
+            </a:pPr>
+            <a:r>
+              <a:rPr lang="en-US" sz="1500" dirty="0"/>
+              <a:t>	</a:t>
+            </a:r>
+            <a:r>
+              <a:rPr lang="en-US" sz="1500" dirty="0" smtClean="0"/>
+              <a:t>		Return sum/count</a:t>
+            </a:r>
+          </a:p>
+          <a:p>
+            <a:pPr marL="0" indent="0">
+              <a:lnSpc>
+                <a:spcPct val="110000"/>
+              </a:lnSpc>
+              <a:spcBef>
+                <a:spcPts val="0"/>
+              </a:spcBef>
+              <a:buNone/>
+            </a:pPr>
+            <a:r>
+              <a:rPr lang="en-US" sz="1500" dirty="0"/>
+              <a:t>	</a:t>
+            </a:r>
+            <a:r>
+              <a:rPr lang="en-US" sz="1500" dirty="0" smtClean="0"/>
+              <a:t>	  End IF</a:t>
+            </a:r>
+          </a:p>
+          <a:p>
+            <a:pPr marL="0" indent="0">
+              <a:buNone/>
+            </a:pPr>
+            <a:r>
+              <a:rPr lang="en-US" sz="1400" dirty="0"/>
+              <a:t>	</a:t>
+            </a:r>
+            <a:endParaRPr lang="en-US" sz="1400" dirty="0" smtClean="0"/>
+          </a:p>
+          <a:p>
+            <a:endParaRPr lang="en-US" dirty="0" smtClean="0"/>
           </a:p>
         </p:txBody>
       </p:sp>
     </p:spTree>
     <p:extLst>
       <p:ext uri="{BB962C8B-B14F-4D97-AF65-F5344CB8AC3E}">
-        <p14:creationId xmlns:p14="http://schemas.microsoft.com/office/powerpoint/2010/main" val="1614393921"/>
+        <p14:creationId xmlns:p14="http://schemas.microsoft.com/office/powerpoint/2010/main" val="2371297784"/>
       </p:ext>
     </p:extLst>
   </p:cSld>
@@ -8496,11 +8803,8 @@
           <a:bodyPr/>
           <a:lstStyle/>
           <a:p>
-            <a:pPr marL="0" indent="0" algn="l">
-              <a:buNone/>
-            </a:pPr>
-            <a:r>
-              <a:rPr lang="en-US" sz="3600" dirty="0" smtClean="0">
+            <a:r>
+              <a:rPr lang="en-US" dirty="0">
                 <a:solidFill>
                   <a:schemeClr val="accent1">
                     <a:lumMod val="50000"/>
@@ -8531,8 +8835,8 @@
         </p:nvSpPr>
         <p:spPr>
           <a:xfrm>
-            <a:off x="990600" y="1295400"/>
-            <a:ext cx="7086600" cy="4419600"/>
+            <a:off x="990600" y="1066800"/>
+            <a:ext cx="7696200" cy="5334000"/>
           </a:xfrm>
         </p:spPr>
         <p:txBody>
@@ -8541,101 +8845,201 @@
           </a:bodyPr>
           <a:lstStyle/>
           <a:p>
+            <a:pPr marL="0" indent="0">
+              <a:buNone/>
+            </a:pPr>
+            <a:r>
+              <a:rPr lang="en-US" sz="2400" b="1" dirty="0" smtClean="0"/>
+              <a:t>Generate Distance Notification</a:t>
+            </a:r>
+          </a:p>
+          <a:p>
+            <a:r>
+              <a:rPr lang="en-US" dirty="0"/>
+              <a:t>h</a:t>
+            </a:r>
             <a:r>
               <a:rPr lang="en-US" dirty="0" smtClean="0"/>
-              <a:t>The </a:t>
+              <a:t>aversine Formula</a:t>
+            </a:r>
+          </a:p>
+          <a:p>
+            <a:pPr marL="0" indent="0" algn="ctr">
+              <a:buNone/>
+            </a:pPr>
+            <a:r>
+              <a:rPr lang="en-US" dirty="0" smtClean="0"/>
+              <a:t>	</a:t>
+            </a:r>
+            <a:r>
+              <a:rPr lang="es-ES" dirty="0" smtClean="0"/>
+              <a:t>a = sin²(</a:t>
+            </a:r>
+            <a:r>
+              <a:rPr lang="es-ES" dirty="0" err="1" smtClean="0"/>
+              <a:t>Δφ</a:t>
+            </a:r>
+            <a:r>
+              <a:rPr lang="es-ES" dirty="0" smtClean="0"/>
+              <a:t>/2) + </a:t>
+            </a:r>
+            <a:r>
+              <a:rPr lang="es-ES" dirty="0" err="1" smtClean="0"/>
+              <a:t>cos</a:t>
+            </a:r>
+            <a:r>
+              <a:rPr lang="es-ES" dirty="0" smtClean="0"/>
+              <a:t> φ</a:t>
+            </a:r>
+            <a:r>
+              <a:rPr lang="es-ES" baseline="-25000" dirty="0" smtClean="0"/>
+              <a:t>1</a:t>
+            </a:r>
+            <a:r>
+              <a:rPr lang="es-ES" dirty="0" smtClean="0"/>
+              <a:t> ⋅ </a:t>
+            </a:r>
+            <a:r>
+              <a:rPr lang="es-ES" dirty="0" err="1" smtClean="0"/>
+              <a:t>cos</a:t>
+            </a:r>
+            <a:r>
+              <a:rPr lang="es-ES" dirty="0" smtClean="0"/>
+              <a:t> φ</a:t>
+            </a:r>
+            <a:r>
+              <a:rPr lang="es-ES" baseline="-25000" dirty="0" smtClean="0"/>
+              <a:t>2</a:t>
+            </a:r>
+            <a:r>
+              <a:rPr lang="es-ES" dirty="0" smtClean="0"/>
+              <a:t> ⋅ sin²(</a:t>
+            </a:r>
+            <a:r>
+              <a:rPr lang="es-ES" dirty="0" err="1" smtClean="0"/>
+              <a:t>Δλ</a:t>
+            </a:r>
+            <a:r>
+              <a:rPr lang="es-ES" dirty="0" smtClean="0"/>
+              <a:t>/2)</a:t>
+            </a:r>
+          </a:p>
+          <a:p>
+            <a:pPr marL="0" indent="0" algn="ctr">
+              <a:buNone/>
+            </a:pPr>
+            <a:r>
+              <a:rPr lang="en-US" dirty="0" smtClean="0"/>
+              <a:t>c </a:t>
             </a:r>
             <a:r>
               <a:rPr lang="en-US" dirty="0"/>
-              <a:t>presentation layer will be developed using </a:t>
+              <a:t>= 2 ⋅ atan2( √a, √(1−a) </a:t>
             </a:r>
             <a:r>
               <a:rPr lang="en-US" dirty="0" smtClean="0"/>
-              <a:t>HTML5, JSP</a:t>
-            </a:r>
+              <a:t>)</a:t>
+            </a:r>
+          </a:p>
+          <a:p>
+            <a:pPr marL="0" indent="0" algn="ctr">
+              <a:buNone/>
+            </a:pPr>
             <a:r>
               <a:rPr lang="en-US" dirty="0"/>
-              <a:t>, JSTL, </a:t>
-            </a:r>
-            <a:r>
-              <a:rPr lang="en-US" dirty="0" err="1"/>
-              <a:t>JQuery</a:t>
-            </a:r>
+              <a:t>d = R ⋅ </a:t>
+            </a:r>
+            <a:r>
+              <a:rPr lang="en-US" dirty="0" smtClean="0"/>
+              <a:t>c</a:t>
+            </a:r>
+          </a:p>
+          <a:p>
+            <a:pPr marL="0" indent="0" algn="ctr">
+              <a:buNone/>
+            </a:pPr>
             <a:r>
               <a:rPr lang="en-US" dirty="0"/>
-              <a:t> and </a:t>
-            </a:r>
-            <a:r>
-              <a:rPr lang="en-US" dirty="0" err="1"/>
-              <a:t>BootStrap</a:t>
-            </a:r>
+              <a:t>φ</a:t>
+            </a:r>
+            <a:r>
+              <a:rPr lang="en-US" i="1" dirty="0"/>
+              <a:t> is latitude, </a:t>
+            </a:r>
+            <a:r>
+              <a:rPr lang="en-US" dirty="0"/>
+              <a:t>λ</a:t>
+            </a:r>
+            <a:r>
+              <a:rPr lang="en-US" i="1" dirty="0"/>
+              <a:t> is </a:t>
+            </a:r>
+            <a:r>
+              <a:rPr lang="en-US" i="1" dirty="0" smtClean="0"/>
+              <a:t>longitude</a:t>
+            </a:r>
+            <a:r>
+              <a:rPr lang="en-US" i="1" dirty="0"/>
+              <a:t> </a:t>
+            </a:r>
+            <a:endParaRPr lang="en-US" i="1" dirty="0" smtClean="0"/>
+          </a:p>
+          <a:p>
+            <a:pPr marL="0" indent="0" algn="ctr">
+              <a:buNone/>
+            </a:pPr>
             <a:r>
               <a:rPr lang="en-US" dirty="0" smtClean="0"/>
-              <a:t>.</a:t>
-            </a:r>
-          </a:p>
-          <a:p>
-            <a:pPr lvl="1"/>
+              <a:t>R</a:t>
+            </a:r>
+            <a:r>
+              <a:rPr lang="en-US" i="1" dirty="0"/>
+              <a:t> is earth’s radius (mean radius = 6,371km</a:t>
+            </a:r>
+            <a:r>
+              <a:rPr lang="en-US" i="1" dirty="0" smtClean="0"/>
+              <a:t>)</a:t>
+            </a:r>
+          </a:p>
+          <a:p>
+            <a:pPr marL="0" indent="0" algn="ctr">
+              <a:buNone/>
+            </a:pPr>
+            <a:r>
+              <a:rPr lang="en-US" sz="1600" b="1" i="1" dirty="0" smtClean="0"/>
+              <a:t>*</a:t>
+            </a:r>
+            <a:r>
+              <a:rPr lang="en-US" sz="1600" dirty="0"/>
+              <a:t>the earth is very slightly ellipsoidal; using a spherical model gives errors typically up to 0.3%</a:t>
+            </a:r>
+            <a:endParaRPr lang="es-ES" sz="1600" b="1" dirty="0"/>
+          </a:p>
+          <a:p>
             <a:r>
               <a:rPr lang="en-US" dirty="0" smtClean="0"/>
-              <a:t>The presentation layer is capable of render user interfaces under range of screen resolutions to support multiple smart mobile devices.</a:t>
-            </a:r>
-          </a:p>
-          <a:p>
-            <a:pPr marL="457200" lvl="1" indent="0">
-              <a:buNone/>
-            </a:pPr>
-            <a:endParaRPr lang="en-US" dirty="0"/>
-          </a:p>
-          <a:p>
-            <a:r>
-              <a:rPr lang="en-US" dirty="0" smtClean="0"/>
-              <a:t>Jasper </a:t>
-            </a:r>
-            <a:r>
-              <a:rPr lang="en-US" dirty="0"/>
-              <a:t>reporting </a:t>
-            </a:r>
-            <a:r>
-              <a:rPr lang="en-US" dirty="0" smtClean="0"/>
-              <a:t>with </a:t>
-            </a:r>
-            <a:r>
-              <a:rPr lang="en-US" dirty="0" err="1" smtClean="0"/>
-              <a:t>Ireport</a:t>
-            </a:r>
-            <a:r>
-              <a:rPr lang="en-US" dirty="0" smtClean="0"/>
-              <a:t>- Report </a:t>
-            </a:r>
-            <a:r>
-              <a:rPr lang="en-US" dirty="0"/>
-              <a:t>generations</a:t>
-            </a:r>
-            <a:r>
-              <a:rPr lang="en-US" dirty="0" smtClean="0"/>
-              <a:t>.</a:t>
+              <a:t>Implemented using Java Math library packages.</a:t>
             </a:r>
           </a:p>
           <a:p>
             <a:pPr marL="0" indent="0">
               <a:buNone/>
             </a:pPr>
-            <a:endParaRPr lang="en-US" dirty="0"/>
-          </a:p>
-          <a:p>
-            <a:pPr>
-              <a:buFont typeface="Arial" panose="020B0604020202020204" pitchFamily="34" charset="0"/>
-              <a:buChar char="•"/>
-            </a:pPr>
-            <a:endParaRPr lang="en-US" dirty="0"/>
+            <a:r>
+              <a:rPr lang="en-US" sz="1400" dirty="0"/>
+              <a:t>	</a:t>
+            </a:r>
+            <a:endParaRPr lang="en-US" sz="1400" dirty="0" smtClean="0"/>
+          </a:p>
+          <a:p>
+            <a:endParaRPr lang="en-US" dirty="0" smtClean="0"/>
           </a:p>
         </p:txBody>
       </p:sp>
     </p:spTree>
     <p:extLst>
       <p:ext uri="{BB962C8B-B14F-4D97-AF65-F5344CB8AC3E}">
-        <p14:creationId xmlns:p14="http://schemas.microsoft.com/office/powerpoint/2010/main" val="667556966"/>
+        <p14:creationId xmlns:p14="http://schemas.microsoft.com/office/powerpoint/2010/main" val="1033690158"/>
       </p:ext>
     </p:extLst>
   </p:cSld>
@@ -8689,19 +9093,23 @@
           <a:bodyPr/>
           <a:lstStyle/>
           <a:p>
-            <a:pPr marL="0" indent="0" algn="l">
-              <a:buNone/>
-            </a:pPr>
-            <a:r>
-              <a:rPr lang="en-US" sz="3600" dirty="0">
+            <a:r>
+              <a:rPr lang="en-US" dirty="0">
                 <a:solidFill>
                   <a:schemeClr val="accent1">
                     <a:lumMod val="50000"/>
                   </a:schemeClr>
                 </a:solidFill>
               </a:rPr>
-              <a:t>Conclusion</a:t>
-            </a:r>
+              <a:t>Implementation – Cont.</a:t>
+            </a:r>
+            <a:endParaRPr lang="en-US" sz="3600" dirty="0">
+              <a:solidFill>
+                <a:schemeClr val="accent1">
+                  <a:lumMod val="50000"/>
+                </a:schemeClr>
+              </a:solidFill>
+            </a:endParaRPr>
           </a:p>
         </p:txBody>
       </p:sp>
@@ -8718,104 +9126,144 @@
         <p:spPr>
           <a:xfrm>
             <a:off x="990600" y="1295400"/>
-            <a:ext cx="7391400" cy="4800600"/>
+            <a:ext cx="7086600" cy="4419600"/>
           </a:xfrm>
         </p:spPr>
         <p:txBody>
           <a:bodyPr>
-            <a:normAutofit fontScale="92500" lnSpcReduction="10000"/>
+            <a:normAutofit/>
           </a:bodyPr>
           <a:lstStyle/>
           <a:p>
             <a:r>
-              <a:rPr lang="en-US" dirty="0"/>
-              <a:t>The newly proposed </a:t>
-            </a:r>
-            <a:r>
-              <a:rPr lang="en-US" dirty="0" smtClean="0"/>
-              <a:t>system will </a:t>
-            </a:r>
-            <a:r>
-              <a:rPr lang="en-US" dirty="0"/>
-              <a:t>be well benefited to the people who spend a busy schedule in their life. </a:t>
-            </a:r>
-            <a:endParaRPr lang="en-US" dirty="0" smtClean="0"/>
-          </a:p>
-          <a:p>
-            <a:endParaRPr lang="en-US" dirty="0" smtClean="0"/>
-          </a:p>
-          <a:p>
-            <a:r>
-              <a:rPr lang="en-US" dirty="0" smtClean="0"/>
-              <a:t>The </a:t>
-            </a:r>
-            <a:r>
-              <a:rPr lang="en-US" dirty="0"/>
-              <a:t>time spending on browsing through the posted advertisements and allocate time and venue for meet and </a:t>
-            </a:r>
-            <a:r>
-              <a:rPr lang="en-US" dirty="0" smtClean="0"/>
-              <a:t>investigate will be saved. </a:t>
-            </a:r>
-          </a:p>
-          <a:p>
+              <a:rPr lang="en-US" sz="2000" dirty="0" smtClean="0"/>
+              <a:t>Used open </a:t>
+            </a:r>
+            <a:r>
+              <a:rPr lang="en-US" sz="2000" dirty="0"/>
+              <a:t>source </a:t>
+            </a:r>
+            <a:r>
+              <a:rPr lang="en-US" sz="2000" dirty="0" smtClean="0"/>
+              <a:t>technologies and development tools. </a:t>
+            </a:r>
+          </a:p>
+          <a:p>
+            <a:pPr lvl="1">
+              <a:buFont typeface="Wingdings" panose="05000000000000000000" pitchFamily="2" charset="2"/>
+              <a:buChar char="§"/>
+            </a:pPr>
+            <a:r>
+              <a:rPr lang="en-US" sz="1800" dirty="0" smtClean="0"/>
+              <a:t>Eclipse (Mars)</a:t>
+            </a:r>
+          </a:p>
+          <a:p>
+            <a:pPr lvl="1">
+              <a:buFont typeface="Wingdings" panose="05000000000000000000" pitchFamily="2" charset="2"/>
+              <a:buChar char="§"/>
+            </a:pPr>
+            <a:r>
+              <a:rPr lang="en-US" sz="1800" dirty="0" err="1" smtClean="0"/>
+              <a:t>Mysql</a:t>
+            </a:r>
+            <a:r>
+              <a:rPr lang="en-US" sz="1800" dirty="0" smtClean="0"/>
+              <a:t> Workbench</a:t>
+            </a:r>
+          </a:p>
+          <a:p>
+            <a:pPr lvl="1">
+              <a:buFont typeface="Wingdings" panose="05000000000000000000" pitchFamily="2" charset="2"/>
+              <a:buChar char="§"/>
+            </a:pPr>
+            <a:r>
+              <a:rPr lang="en-US" sz="1800" dirty="0" err="1" smtClean="0"/>
+              <a:t>Ireport</a:t>
+            </a:r>
+            <a:endParaRPr lang="en-US" sz="1800" dirty="0"/>
+          </a:p>
+          <a:p>
+            <a:pPr marL="457200" lvl="1" indent="0">
+              <a:buNone/>
+            </a:pPr>
             <a:endParaRPr lang="en-US" dirty="0"/>
           </a:p>
           <a:p>
             <a:r>
-              <a:rPr lang="en-US" dirty="0" smtClean="0"/>
-              <a:t>Users </a:t>
-            </a:r>
-            <a:r>
-              <a:rPr lang="en-US" dirty="0"/>
-              <a:t>notify automatically when the best matching seller or buyer comes nearby, so the user will be free of tension and stress of searching the proper buyer or seller to contact. </a:t>
-            </a:r>
-            <a:endParaRPr lang="en-US" dirty="0" smtClean="0"/>
-          </a:p>
-          <a:p>
-            <a:endParaRPr lang="en-US" dirty="0" smtClean="0"/>
-          </a:p>
-          <a:p>
-            <a:r>
-              <a:rPr lang="en-US" dirty="0" smtClean="0"/>
-              <a:t>System </a:t>
-            </a:r>
-            <a:r>
-              <a:rPr lang="en-US" dirty="0"/>
-              <a:t>notification will be included the contact details of the buyer or seller and shortest path details to find the other party. </a:t>
-            </a:r>
-            <a:endParaRPr lang="en-US" dirty="0" smtClean="0"/>
-          </a:p>
-          <a:p>
-            <a:endParaRPr lang="en-US" dirty="0" smtClean="0"/>
-          </a:p>
-          <a:p>
-            <a:r>
-              <a:rPr lang="en-US" dirty="0" smtClean="0"/>
-              <a:t>Until </a:t>
-            </a:r>
-            <a:r>
-              <a:rPr lang="en-US" dirty="0"/>
-              <a:t>you find the best matching seller or buyer the system will continue finding</a:t>
-            </a:r>
-            <a:r>
-              <a:rPr lang="en-US" dirty="0" smtClean="0"/>
+              <a:rPr lang="en-US" sz="2000" dirty="0"/>
+              <a:t>For the </a:t>
+            </a:r>
+            <a:r>
+              <a:rPr lang="en-US" sz="2000" dirty="0" smtClean="0"/>
+              <a:t>Data layer -  </a:t>
+            </a:r>
+            <a:r>
+              <a:rPr lang="en-US" sz="2000" dirty="0"/>
+              <a:t>MySQL </a:t>
+            </a:r>
+            <a:r>
+              <a:rPr lang="en-US" sz="2000" dirty="0" smtClean="0"/>
+              <a:t>database</a:t>
+            </a:r>
+          </a:p>
+          <a:p>
+            <a:r>
+              <a:rPr lang="en-US" sz="2000" dirty="0" smtClean="0"/>
+              <a:t>Data layer implementation – Java</a:t>
+            </a:r>
+          </a:p>
+          <a:p>
+            <a:r>
+              <a:rPr lang="en-US" sz="2000" dirty="0" smtClean="0"/>
+              <a:t>For </a:t>
+            </a:r>
+            <a:r>
+              <a:rPr lang="en-US" sz="2000" dirty="0"/>
+              <a:t>further functionalities such as connection pooling, maintain </a:t>
+            </a:r>
+            <a:r>
+              <a:rPr lang="en-US" sz="2000" dirty="0" smtClean="0"/>
+              <a:t>scalability - </a:t>
+            </a:r>
+            <a:r>
+              <a:rPr lang="en-US" sz="2000" dirty="0"/>
+              <a:t>Spring data JPA </a:t>
+            </a:r>
+            <a:r>
+              <a:rPr lang="en-US" sz="2000" dirty="0" smtClean="0"/>
+              <a:t>framework.</a:t>
+            </a:r>
+          </a:p>
+          <a:p>
+            <a:r>
+              <a:rPr lang="en-US" sz="2000" dirty="0" smtClean="0"/>
+              <a:t>Business </a:t>
+            </a:r>
+            <a:r>
+              <a:rPr lang="en-US" sz="2000" dirty="0"/>
+              <a:t>layer </a:t>
+            </a:r>
+            <a:r>
+              <a:rPr lang="en-US" sz="2000" dirty="0" smtClean="0"/>
+              <a:t>- </a:t>
+            </a:r>
+            <a:r>
+              <a:rPr lang="en-US" sz="2000" dirty="0"/>
+              <a:t>Java and Spring framework</a:t>
+            </a:r>
+            <a:r>
+              <a:rPr lang="en-US" sz="2000" dirty="0" smtClean="0"/>
               <a:t>.</a:t>
             </a:r>
-            <a:endParaRPr lang="en-US" dirty="0"/>
-          </a:p>
-          <a:p>
-            <a:pPr marL="0" indent="0">
-              <a:buNone/>
-            </a:pPr>
-            <a:endParaRPr lang="en-US" dirty="0"/>
+            <a:endParaRPr lang="en-US" sz="2000" dirty="0"/>
           </a:p>
         </p:txBody>
       </p:sp>
     </p:spTree>
     <p:extLst>
       <p:ext uri="{BB962C8B-B14F-4D97-AF65-F5344CB8AC3E}">
-        <p14:creationId xmlns:p14="http://schemas.microsoft.com/office/powerpoint/2010/main" val="1041161480"/>
+        <p14:creationId xmlns:p14="http://schemas.microsoft.com/office/powerpoint/2010/main" val="1614393921"/>
       </p:ext>
     </p:extLst>
   </p:cSld>
@@ -8880,7 +9328,7 @@
                   </a:schemeClr>
                 </a:solidFill>
               </a:rPr>
-              <a:t>Conclusion – Cont.</a:t>
+              <a:t>Implementation – Cont.</a:t>
             </a:r>
             <a:endParaRPr lang="en-US" sz="3600" dirty="0">
               <a:solidFill>
@@ -8905,11 +9353,384 @@
         <p:spPr>
           <a:xfrm>
             <a:off x="990600" y="1295400"/>
+            <a:ext cx="7086600" cy="4419600"/>
+          </a:xfrm>
+        </p:spPr>
+        <p:txBody>
+          <a:bodyPr>
+            <a:normAutofit/>
+          </a:bodyPr>
+          <a:lstStyle/>
+          <a:p>
+            <a:r>
+              <a:rPr lang="en-US" sz="2000" dirty="0" smtClean="0"/>
+              <a:t>The </a:t>
+            </a:r>
+            <a:r>
+              <a:rPr lang="en-US" sz="2000" dirty="0"/>
+              <a:t>presentation layer will be developed using </a:t>
+            </a:r>
+            <a:r>
+              <a:rPr lang="en-US" sz="2000" dirty="0" smtClean="0"/>
+              <a:t>HTML5, JSP</a:t>
+            </a:r>
+            <a:r>
+              <a:rPr lang="en-US" sz="2000" dirty="0"/>
+              <a:t>, JSTL, </a:t>
+            </a:r>
+            <a:r>
+              <a:rPr lang="en-US" sz="2000" dirty="0" err="1"/>
+              <a:t>JQuery</a:t>
+            </a:r>
+            <a:r>
+              <a:rPr lang="en-US" sz="2000" dirty="0"/>
+              <a:t> and </a:t>
+            </a:r>
+            <a:r>
+              <a:rPr lang="en-US" sz="2000" dirty="0" err="1"/>
+              <a:t>BootStrap</a:t>
+            </a:r>
+            <a:r>
+              <a:rPr lang="en-US" sz="2000" dirty="0" smtClean="0"/>
+              <a:t>.</a:t>
+            </a:r>
+          </a:p>
+          <a:p>
+            <a:pPr lvl="1"/>
+            <a:r>
+              <a:rPr lang="en-US" sz="1800" dirty="0" smtClean="0"/>
+              <a:t>The presentation layer is capable of render user interfaces under range of screen resolutions to support multiple smart mobile devices.</a:t>
+            </a:r>
+          </a:p>
+          <a:p>
+            <a:pPr marL="457200" lvl="1" indent="0">
+              <a:buNone/>
+            </a:pPr>
+            <a:endParaRPr lang="en-US" sz="1800" dirty="0"/>
+          </a:p>
+          <a:p>
+            <a:r>
+              <a:rPr lang="en-US" sz="2000" dirty="0" smtClean="0"/>
+              <a:t>Jasper </a:t>
+            </a:r>
+            <a:r>
+              <a:rPr lang="en-US" sz="2000" dirty="0"/>
+              <a:t>reporting </a:t>
+            </a:r>
+            <a:r>
+              <a:rPr lang="en-US" sz="2000" dirty="0" smtClean="0"/>
+              <a:t>with </a:t>
+            </a:r>
+            <a:r>
+              <a:rPr lang="en-US" sz="2000" dirty="0" err="1" smtClean="0"/>
+              <a:t>Ireport</a:t>
+            </a:r>
+            <a:r>
+              <a:rPr lang="en-US" sz="2000" dirty="0" smtClean="0"/>
+              <a:t>- Report </a:t>
+            </a:r>
+            <a:r>
+              <a:rPr lang="en-US" sz="2000" dirty="0"/>
+              <a:t>generations</a:t>
+            </a:r>
+            <a:r>
+              <a:rPr lang="en-US" sz="2000" dirty="0" smtClean="0"/>
+              <a:t>.</a:t>
+            </a:r>
+          </a:p>
+          <a:p>
+            <a:pPr marL="0" indent="0">
+              <a:buNone/>
+            </a:pPr>
+            <a:endParaRPr lang="en-US" dirty="0"/>
+          </a:p>
+          <a:p>
+            <a:pPr>
+              <a:buFont typeface="Arial" panose="020B0604020202020204" pitchFamily="34" charset="0"/>
+              <a:buChar char="•"/>
+            </a:pPr>
+            <a:endParaRPr lang="en-US" dirty="0"/>
+          </a:p>
+        </p:txBody>
+      </p:sp>
+    </p:spTree>
+    <p:extLst>
+      <p:ext uri="{BB962C8B-B14F-4D97-AF65-F5344CB8AC3E}">
+        <p14:creationId xmlns:p14="http://schemas.microsoft.com/office/powerpoint/2010/main" val="667556966"/>
+      </p:ext>
+    </p:extLst>
+  </p:cSld>
+  <p:clrMapOvr>
+    <a:masterClrMapping/>
+  </p:clrMapOvr>
+  <p:timing>
+    <p:tnLst>
+      <p:par>
+        <p:cTn id="1" dur="indefinite" restart="never" nodeType="tmRoot"/>
+      </p:par>
+    </p:tnLst>
+  </p:timing>
+</p:sld>
+</file>
+
+<file path=ppt/slides/slide24.xml><?xml version="1.0" encoding="utf-8"?>
+<p:sld xmlns:a="http://schemas.openxmlformats.org/drawingml/2006/main" xmlns:r="http://schemas.openxmlformats.org/officeDocument/2006/relationships" xmlns:p="http://schemas.openxmlformats.org/presentationml/2006/main">
+  <p:cSld>
+    <p:spTree>
+      <p:nvGrpSpPr>
+        <p:cNvPr id="1" name=""/>
+        <p:cNvGrpSpPr/>
+        <p:nvPr/>
+      </p:nvGrpSpPr>
+      <p:grpSpPr>
+        <a:xfrm>
+          <a:off x="0" y="0"/>
+          <a:ext cx="0" cy="0"/>
+          <a:chOff x="0" y="0"/>
+          <a:chExt cx="0" cy="0"/>
+        </a:xfrm>
+      </p:grpSpPr>
+      <p:sp>
+        <p:nvSpPr>
+          <p:cNvPr id="2" name="Title 1"/>
+          <p:cNvSpPr>
+            <a:spLocks noGrp="1"/>
+          </p:cNvSpPr>
+          <p:nvPr>
+            <p:ph type="title"/>
+          </p:nvPr>
+        </p:nvSpPr>
+        <p:spPr>
+          <a:xfrm>
+            <a:off x="990600" y="457200"/>
+            <a:ext cx="6512511" cy="838200"/>
+          </a:xfrm>
+        </p:spPr>
+        <p:txBody>
+          <a:bodyPr/>
+          <a:lstStyle/>
+          <a:p>
+            <a:pPr marL="0" indent="0" algn="l">
+              <a:buNone/>
+            </a:pPr>
+            <a:r>
+              <a:rPr lang="en-US" sz="3600" dirty="0">
+                <a:solidFill>
+                  <a:schemeClr val="accent1">
+                    <a:lumMod val="50000"/>
+                  </a:schemeClr>
+                </a:solidFill>
+              </a:rPr>
+              <a:t>Conclusion</a:t>
+            </a:r>
+          </a:p>
+        </p:txBody>
+      </p:sp>
+      <p:sp>
+        <p:nvSpPr>
+          <p:cNvPr id="3" name="Content Placeholder 2"/>
+          <p:cNvSpPr>
+            <a:spLocks noGrp="1"/>
+          </p:cNvSpPr>
+          <p:nvPr>
+            <p:ph idx="1"/>
+          </p:nvPr>
+        </p:nvSpPr>
+        <p:spPr>
+          <a:xfrm>
+            <a:off x="990600" y="1295400"/>
             <a:ext cx="7391400" cy="4800600"/>
           </a:xfrm>
         </p:spPr>
         <p:txBody>
           <a:bodyPr>
+            <a:normAutofit fontScale="92500" lnSpcReduction="20000"/>
+          </a:bodyPr>
+          <a:lstStyle/>
+          <a:p>
+            <a:r>
+              <a:rPr lang="en-US" sz="1900" dirty="0"/>
+              <a:t>The newly proposed </a:t>
+            </a:r>
+            <a:r>
+              <a:rPr lang="en-US" sz="1900" dirty="0" smtClean="0"/>
+              <a:t>system will </a:t>
+            </a:r>
+            <a:r>
+              <a:rPr lang="en-US" sz="1900" dirty="0"/>
+              <a:t>be well benefited to the people who spend a busy schedule in their life. </a:t>
+            </a:r>
+            <a:endParaRPr lang="en-US" sz="1900" dirty="0" smtClean="0"/>
+          </a:p>
+          <a:p>
+            <a:endParaRPr lang="en-US" sz="1900" dirty="0" smtClean="0"/>
+          </a:p>
+          <a:p>
+            <a:r>
+              <a:rPr lang="en-US" sz="1900" dirty="0" smtClean="0"/>
+              <a:t>The </a:t>
+            </a:r>
+            <a:r>
+              <a:rPr lang="en-US" sz="1900" dirty="0"/>
+              <a:t>time spending on browsing through the posted advertisements and allocate time and venue for meet and </a:t>
+            </a:r>
+            <a:r>
+              <a:rPr lang="en-US" sz="1900" dirty="0" smtClean="0"/>
+              <a:t>investigate will be saved. </a:t>
+            </a:r>
+          </a:p>
+          <a:p>
+            <a:endParaRPr lang="en-US" sz="1900" dirty="0"/>
+          </a:p>
+          <a:p>
+            <a:r>
+              <a:rPr lang="en-US" sz="1900" dirty="0" smtClean="0"/>
+              <a:t>Users </a:t>
+            </a:r>
+            <a:r>
+              <a:rPr lang="en-US" sz="1900" dirty="0"/>
+              <a:t>notify automatically when the best matching seller or buyer comes nearby, so the user will be free of tension and stress of searching the proper buyer or seller to contact. </a:t>
+            </a:r>
+            <a:endParaRPr lang="en-US" sz="1900" dirty="0" smtClean="0"/>
+          </a:p>
+          <a:p>
+            <a:endParaRPr lang="en-US" sz="1900" dirty="0" smtClean="0"/>
+          </a:p>
+          <a:p>
+            <a:r>
+              <a:rPr lang="en-US" sz="1900" dirty="0" smtClean="0"/>
+              <a:t>System </a:t>
+            </a:r>
+            <a:r>
+              <a:rPr lang="en-US" sz="1900" dirty="0"/>
+              <a:t>notification will be included the contact details of the buyer or seller and shortest path details to find the other party. </a:t>
+            </a:r>
+            <a:endParaRPr lang="en-US" sz="1900" dirty="0" smtClean="0"/>
+          </a:p>
+          <a:p>
+            <a:endParaRPr lang="en-US" sz="1900" dirty="0" smtClean="0"/>
+          </a:p>
+          <a:p>
+            <a:r>
+              <a:rPr lang="en-US" sz="1900" dirty="0" smtClean="0"/>
+              <a:t>Until </a:t>
+            </a:r>
+            <a:r>
+              <a:rPr lang="en-US" sz="1900" dirty="0"/>
+              <a:t>you find the best matching seller or buyer the system will continue finding</a:t>
+            </a:r>
+            <a:r>
+              <a:rPr lang="en-US" sz="1900" dirty="0" smtClean="0"/>
+              <a:t>.</a:t>
+            </a:r>
+            <a:endParaRPr lang="en-US" sz="1900" dirty="0"/>
+          </a:p>
+          <a:p>
+            <a:pPr marL="0" indent="0">
+              <a:buNone/>
+            </a:pPr>
+            <a:endParaRPr lang="en-US" dirty="0"/>
+          </a:p>
+        </p:txBody>
+      </p:sp>
+    </p:spTree>
+    <p:extLst>
+      <p:ext uri="{BB962C8B-B14F-4D97-AF65-F5344CB8AC3E}">
+        <p14:creationId xmlns:p14="http://schemas.microsoft.com/office/powerpoint/2010/main" val="1041161480"/>
+      </p:ext>
+    </p:extLst>
+  </p:cSld>
+  <p:clrMapOvr>
+    <a:masterClrMapping/>
+  </p:clrMapOvr>
+  <p:timing>
+    <p:tnLst>
+      <p:par>
+        <p:cTn id="1" dur="indefinite" restart="never" nodeType="tmRoot"/>
+      </p:par>
+    </p:tnLst>
+  </p:timing>
+</p:sld>
+</file>
+
+<file path=ppt/slides/slide25.xml><?xml version="1.0" encoding="utf-8"?>
+<p:sld xmlns:a="http://schemas.openxmlformats.org/drawingml/2006/main" xmlns:r="http://schemas.openxmlformats.org/officeDocument/2006/relationships" xmlns:p="http://schemas.openxmlformats.org/presentationml/2006/main">
+  <p:cSld>
+    <p:spTree>
+      <p:nvGrpSpPr>
+        <p:cNvPr id="1" name=""/>
+        <p:cNvGrpSpPr/>
+        <p:nvPr/>
+      </p:nvGrpSpPr>
+      <p:grpSpPr>
+        <a:xfrm>
+          <a:off x="0" y="0"/>
+          <a:ext cx="0" cy="0"/>
+          <a:chOff x="0" y="0"/>
+          <a:chExt cx="0" cy="0"/>
+        </a:xfrm>
+      </p:grpSpPr>
+      <p:sp>
+        <p:nvSpPr>
+          <p:cNvPr id="2" name="Title 1"/>
+          <p:cNvSpPr>
+            <a:spLocks noGrp="1"/>
+          </p:cNvSpPr>
+          <p:nvPr>
+            <p:ph type="title"/>
+          </p:nvPr>
+        </p:nvSpPr>
+        <p:spPr>
+          <a:xfrm>
+            <a:off x="990600" y="457200"/>
+            <a:ext cx="6512511" cy="838200"/>
+          </a:xfrm>
+        </p:spPr>
+        <p:txBody>
+          <a:bodyPr/>
+          <a:lstStyle/>
+          <a:p>
+            <a:pPr marL="0" indent="0" algn="l">
+              <a:buNone/>
+            </a:pPr>
+            <a:r>
+              <a:rPr lang="en-US" sz="3600" dirty="0" smtClean="0">
+                <a:solidFill>
+                  <a:schemeClr val="accent1">
+                    <a:lumMod val="50000"/>
+                  </a:schemeClr>
+                </a:solidFill>
+              </a:rPr>
+              <a:t>Conclusion – Cont.</a:t>
+            </a:r>
+            <a:endParaRPr lang="en-US" sz="3600" dirty="0">
+              <a:solidFill>
+                <a:schemeClr val="accent1">
+                  <a:lumMod val="50000"/>
+                </a:schemeClr>
+              </a:solidFill>
+            </a:endParaRPr>
+          </a:p>
+        </p:txBody>
+      </p:sp>
+      <p:sp>
+        <p:nvSpPr>
+          <p:cNvPr id="3" name="Content Placeholder 2"/>
+          <p:cNvSpPr>
+            <a:spLocks noGrp="1"/>
+          </p:cNvSpPr>
+          <p:nvPr>
+            <p:ph idx="1"/>
+          </p:nvPr>
+        </p:nvSpPr>
+        <p:spPr>
+          <a:xfrm>
+            <a:off x="990600" y="1295400"/>
+            <a:ext cx="7391400" cy="4800600"/>
+          </a:xfrm>
+        </p:spPr>
+        <p:txBody>
+          <a:bodyPr>
             <a:normAutofit/>
           </a:bodyPr>
           <a:lstStyle/>
@@ -8928,8 +9749,12 @@
           </a:p>
           <a:p>
             <a:r>
+              <a:rPr lang="en-US" dirty="0" smtClean="0"/>
+              <a:t>Users </a:t>
+            </a:r>
+            <a:r>
               <a:rPr lang="en-US" dirty="0"/>
-              <a:t>The users need average computer literacy to use the system. </a:t>
+              <a:t>need average computer literacy to use the system. </a:t>
             </a:r>
             <a:endParaRPr lang="en-US" dirty="0" smtClean="0"/>
           </a:p>
@@ -8983,7 +9808,7 @@
 </p:sld>
 </file>
 
-<file path=ppt/slides/slide24.xml><?xml version="1.0" encoding="utf-8"?>
+<file path=ppt/slides/slide26.xml><?xml version="1.0" encoding="utf-8"?>
 <p:sld xmlns:a="http://schemas.openxmlformats.org/drawingml/2006/main" xmlns:r="http://schemas.openxmlformats.org/officeDocument/2006/relationships" xmlns:p="http://schemas.openxmlformats.org/presentationml/2006/main">
   <p:cSld>
     <p:spTree>
@@ -9420,7 +10245,7 @@
 </p:sld>
 </file>
 
-<file path=ppt/slides/slide25.xml><?xml version="1.0" encoding="utf-8"?>
+<file path=ppt/slides/slide27.xml><?xml version="1.0" encoding="utf-8"?>
 <p:sld xmlns:a="http://schemas.openxmlformats.org/drawingml/2006/main" xmlns:r="http://schemas.openxmlformats.org/officeDocument/2006/relationships" xmlns:p="http://schemas.openxmlformats.org/presentationml/2006/main">
   <p:cSld>
     <p:spTree>
@@ -9591,7 +10416,7 @@
 </p:sld>
 </file>
 
-<file path=ppt/slides/slide26.xml><?xml version="1.0" encoding="utf-8"?>
+<file path=ppt/slides/slide28.xml><?xml version="1.0" encoding="utf-8"?>
 <p:sld xmlns:a="http://schemas.openxmlformats.org/drawingml/2006/main" xmlns:r="http://schemas.openxmlformats.org/officeDocument/2006/relationships" xmlns:p="http://schemas.openxmlformats.org/presentationml/2006/main">
   <p:cSld>
     <p:spTree>
@@ -9682,7 +10507,7 @@
             <a:pPr lvl="1"/>
             <a:r>
               <a:rPr lang="en-US" sz="2000" dirty="0" smtClean="0"/>
-              <a:t>Android service to fetch location information</a:t>
+              <a:t>Android service to fetch location information and provide task bar notifications.</a:t>
             </a:r>
           </a:p>
           <a:p>

--- a/documentation/Location Based Mobile Marketing System.pptx
+++ b/documentation/Location Based Mobile Marketing System.pptx
@@ -4,6 +4,9 @@
   <p:sldMasterIdLst>
     <p:sldMasterId id="2147483672" r:id="rId1"/>
   </p:sldMasterIdLst>
+  <p:notesMasterIdLst>
+    <p:notesMasterId r:id="rId27"/>
+  </p:notesMasterIdLst>
   <p:sldIdLst>
     <p:sldId id="256" r:id="rId2"/>
     <p:sldId id="257" r:id="rId3"/>
@@ -20,19 +23,16 @@
     <p:sldId id="263" r:id="rId14"/>
     <p:sldId id="264" r:id="rId15"/>
     <p:sldId id="266" r:id="rId16"/>
-    <p:sldId id="276" r:id="rId17"/>
-    <p:sldId id="277" r:id="rId18"/>
-    <p:sldId id="278" r:id="rId19"/>
-    <p:sldId id="265" r:id="rId20"/>
-    <p:sldId id="285" r:id="rId21"/>
-    <p:sldId id="287" r:id="rId22"/>
-    <p:sldId id="284" r:id="rId23"/>
-    <p:sldId id="279" r:id="rId24"/>
-    <p:sldId id="267" r:id="rId25"/>
-    <p:sldId id="280" r:id="rId26"/>
-    <p:sldId id="281" r:id="rId27"/>
-    <p:sldId id="282" r:id="rId28"/>
-    <p:sldId id="283" r:id="rId29"/>
+    <p:sldId id="265" r:id="rId17"/>
+    <p:sldId id="285" r:id="rId18"/>
+    <p:sldId id="287" r:id="rId19"/>
+    <p:sldId id="284" r:id="rId20"/>
+    <p:sldId id="267" r:id="rId21"/>
+    <p:sldId id="280" r:id="rId22"/>
+    <p:sldId id="288" r:id="rId23"/>
+    <p:sldId id="291" r:id="rId24"/>
+    <p:sldId id="281" r:id="rId25"/>
+    <p:sldId id="292" r:id="rId26"/>
   </p:sldIdLst>
   <p:sldSz cx="9144000" cy="6858000" type="screen4x3"/>
   <p:notesSz cx="6858000" cy="9144000"/>
@@ -132,6 +132,480 @@
     </a:lvl9pPr>
   </p:defaultTextStyle>
 </p:presentation>
+</file>
+
+<file path=ppt/notesMasters/notesMaster1.xml><?xml version="1.0" encoding="utf-8"?>
+<p:notesMaster xmlns:a="http://schemas.openxmlformats.org/drawingml/2006/main" xmlns:r="http://schemas.openxmlformats.org/officeDocument/2006/relationships" xmlns:p="http://schemas.openxmlformats.org/presentationml/2006/main">
+  <p:cSld>
+    <p:bg>
+      <p:bgRef idx="1001">
+        <a:schemeClr val="bg1"/>
+      </p:bgRef>
+    </p:bg>
+    <p:spTree>
+      <p:nvGrpSpPr>
+        <p:cNvPr id="1" name=""/>
+        <p:cNvGrpSpPr/>
+        <p:nvPr/>
+      </p:nvGrpSpPr>
+      <p:grpSpPr>
+        <a:xfrm>
+          <a:off x="0" y="0"/>
+          <a:ext cx="0" cy="0"/>
+          <a:chOff x="0" y="0"/>
+          <a:chExt cx="0" cy="0"/>
+        </a:xfrm>
+      </p:grpSpPr>
+      <p:sp>
+        <p:nvSpPr>
+          <p:cNvPr id="2" name="Header Placeholder 1"/>
+          <p:cNvSpPr>
+            <a:spLocks noGrp="1"/>
+          </p:cNvSpPr>
+          <p:nvPr>
+            <p:ph type="hdr" sz="quarter"/>
+          </p:nvPr>
+        </p:nvSpPr>
+        <p:spPr>
+          <a:xfrm>
+            <a:off x="0" y="0"/>
+            <a:ext cx="2971800" cy="457200"/>
+          </a:xfrm>
+          <a:prstGeom prst="rect">
+            <a:avLst/>
+          </a:prstGeom>
+        </p:spPr>
+        <p:txBody>
+          <a:bodyPr vert="horz" lIns="91440" tIns="45720" rIns="91440" bIns="45720" rtlCol="0"/>
+          <a:lstStyle>
+            <a:lvl1pPr algn="l">
+              <a:defRPr sz="1200"/>
+            </a:lvl1pPr>
+          </a:lstStyle>
+          <a:p>
+            <a:endParaRPr lang="en-US"/>
+          </a:p>
+        </p:txBody>
+      </p:sp>
+      <p:sp>
+        <p:nvSpPr>
+          <p:cNvPr id="3" name="Date Placeholder 2"/>
+          <p:cNvSpPr>
+            <a:spLocks noGrp="1"/>
+          </p:cNvSpPr>
+          <p:nvPr>
+            <p:ph type="dt" idx="1"/>
+          </p:nvPr>
+        </p:nvSpPr>
+        <p:spPr>
+          <a:xfrm>
+            <a:off x="3884613" y="0"/>
+            <a:ext cx="2971800" cy="457200"/>
+          </a:xfrm>
+          <a:prstGeom prst="rect">
+            <a:avLst/>
+          </a:prstGeom>
+        </p:spPr>
+        <p:txBody>
+          <a:bodyPr vert="horz" lIns="91440" tIns="45720" rIns="91440" bIns="45720" rtlCol="0"/>
+          <a:lstStyle>
+            <a:lvl1pPr algn="r">
+              <a:defRPr sz="1200"/>
+            </a:lvl1pPr>
+          </a:lstStyle>
+          <a:p>
+            <a:fld id="{7BFF1984-5A49-4ABD-8598-6CE050BC6C3F}" type="datetimeFigureOut">
+              <a:rPr lang="en-US" smtClean="0"/>
+              <a:t>4/7/2016</a:t>
+            </a:fld>
+            <a:endParaRPr lang="en-US"/>
+          </a:p>
+        </p:txBody>
+      </p:sp>
+      <p:sp>
+        <p:nvSpPr>
+          <p:cNvPr id="4" name="Slide Image Placeholder 3"/>
+          <p:cNvSpPr>
+            <a:spLocks noGrp="1" noRot="1" noChangeAspect="1"/>
+          </p:cNvSpPr>
+          <p:nvPr>
+            <p:ph type="sldImg" idx="2"/>
+          </p:nvPr>
+        </p:nvSpPr>
+        <p:spPr>
+          <a:xfrm>
+            <a:off x="1143000" y="685800"/>
+            <a:ext cx="4572000" cy="3429000"/>
+          </a:xfrm>
+          <a:prstGeom prst="rect">
+            <a:avLst/>
+          </a:prstGeom>
+          <a:noFill/>
+          <a:ln w="12700">
+            <a:solidFill>
+              <a:prstClr val="black"/>
+            </a:solidFill>
+          </a:ln>
+        </p:spPr>
+        <p:txBody>
+          <a:bodyPr vert="horz" lIns="91440" tIns="45720" rIns="91440" bIns="45720" rtlCol="0" anchor="ctr"/>
+          <a:lstStyle/>
+          <a:p>
+            <a:endParaRPr lang="en-US"/>
+          </a:p>
+        </p:txBody>
+      </p:sp>
+      <p:sp>
+        <p:nvSpPr>
+          <p:cNvPr id="5" name="Notes Placeholder 4"/>
+          <p:cNvSpPr>
+            <a:spLocks noGrp="1"/>
+          </p:cNvSpPr>
+          <p:nvPr>
+            <p:ph type="body" sz="quarter" idx="3"/>
+          </p:nvPr>
+        </p:nvSpPr>
+        <p:spPr>
+          <a:xfrm>
+            <a:off x="685800" y="4343400"/>
+            <a:ext cx="5486400" cy="4114800"/>
+          </a:xfrm>
+          <a:prstGeom prst="rect">
+            <a:avLst/>
+          </a:prstGeom>
+        </p:spPr>
+        <p:txBody>
+          <a:bodyPr vert="horz" lIns="91440" tIns="45720" rIns="91440" bIns="45720" rtlCol="0"/>
+          <a:lstStyle/>
+          <a:p>
+            <a:pPr lvl="0"/>
+            <a:r>
+              <a:rPr lang="en-US" smtClean="0"/>
+              <a:t>Click to edit Master text styles</a:t>
+            </a:r>
+          </a:p>
+          <a:p>
+            <a:pPr lvl="1"/>
+            <a:r>
+              <a:rPr lang="en-US" smtClean="0"/>
+              <a:t>Second level</a:t>
+            </a:r>
+          </a:p>
+          <a:p>
+            <a:pPr lvl="2"/>
+            <a:r>
+              <a:rPr lang="en-US" smtClean="0"/>
+              <a:t>Third level</a:t>
+            </a:r>
+          </a:p>
+          <a:p>
+            <a:pPr lvl="3"/>
+            <a:r>
+              <a:rPr lang="en-US" smtClean="0"/>
+              <a:t>Fourth level</a:t>
+            </a:r>
+          </a:p>
+          <a:p>
+            <a:pPr lvl="4"/>
+            <a:r>
+              <a:rPr lang="en-US" smtClean="0"/>
+              <a:t>Fifth level</a:t>
+            </a:r>
+            <a:endParaRPr lang="en-US"/>
+          </a:p>
+        </p:txBody>
+      </p:sp>
+      <p:sp>
+        <p:nvSpPr>
+          <p:cNvPr id="6" name="Footer Placeholder 5"/>
+          <p:cNvSpPr>
+            <a:spLocks noGrp="1"/>
+          </p:cNvSpPr>
+          <p:nvPr>
+            <p:ph type="ftr" sz="quarter" idx="4"/>
+          </p:nvPr>
+        </p:nvSpPr>
+        <p:spPr>
+          <a:xfrm>
+            <a:off x="0" y="8685213"/>
+            <a:ext cx="2971800" cy="457200"/>
+          </a:xfrm>
+          <a:prstGeom prst="rect">
+            <a:avLst/>
+          </a:prstGeom>
+        </p:spPr>
+        <p:txBody>
+          <a:bodyPr vert="horz" lIns="91440" tIns="45720" rIns="91440" bIns="45720" rtlCol="0" anchor="b"/>
+          <a:lstStyle>
+            <a:lvl1pPr algn="l">
+              <a:defRPr sz="1200"/>
+            </a:lvl1pPr>
+          </a:lstStyle>
+          <a:p>
+            <a:endParaRPr lang="en-US"/>
+          </a:p>
+        </p:txBody>
+      </p:sp>
+      <p:sp>
+        <p:nvSpPr>
+          <p:cNvPr id="7" name="Slide Number Placeholder 6"/>
+          <p:cNvSpPr>
+            <a:spLocks noGrp="1"/>
+          </p:cNvSpPr>
+          <p:nvPr>
+            <p:ph type="sldNum" sz="quarter" idx="5"/>
+          </p:nvPr>
+        </p:nvSpPr>
+        <p:spPr>
+          <a:xfrm>
+            <a:off x="3884613" y="8685213"/>
+            <a:ext cx="2971800" cy="457200"/>
+          </a:xfrm>
+          <a:prstGeom prst="rect">
+            <a:avLst/>
+          </a:prstGeom>
+        </p:spPr>
+        <p:txBody>
+          <a:bodyPr vert="horz" lIns="91440" tIns="45720" rIns="91440" bIns="45720" rtlCol="0" anchor="b"/>
+          <a:lstStyle>
+            <a:lvl1pPr algn="r">
+              <a:defRPr sz="1200"/>
+            </a:lvl1pPr>
+          </a:lstStyle>
+          <a:p>
+            <a:fld id="{2EC05327-62D0-4484-8522-3CAF1C70CEBB}" type="slidenum">
+              <a:rPr lang="en-US" smtClean="0"/>
+              <a:t>‹#›</a:t>
+            </a:fld>
+            <a:endParaRPr lang="en-US"/>
+          </a:p>
+        </p:txBody>
+      </p:sp>
+    </p:spTree>
+    <p:extLst>
+      <p:ext uri="{BB962C8B-B14F-4D97-AF65-F5344CB8AC3E}">
+        <p14:creationId xmlns:p14="http://schemas.microsoft.com/office/powerpoint/2010/main" val="97887978"/>
+      </p:ext>
+    </p:extLst>
+  </p:cSld>
+  <p:clrMap bg1="lt1" tx1="dk1" bg2="lt2" tx2="dk2" accent1="accent1" accent2="accent2" accent3="accent3" accent4="accent4" accent5="accent5" accent6="accent6" hlink="hlink" folHlink="folHlink"/>
+  <p:notesStyle>
+    <a:lvl1pPr marL="0" algn="l" defTabSz="914400" rtl="0" eaLnBrk="1" latinLnBrk="0" hangingPunct="1">
+      <a:defRPr sz="1200" kern="1200">
+        <a:solidFill>
+          <a:schemeClr val="tx1"/>
+        </a:solidFill>
+        <a:latin typeface="+mn-lt"/>
+        <a:ea typeface="+mn-ea"/>
+        <a:cs typeface="+mn-cs"/>
+      </a:defRPr>
+    </a:lvl1pPr>
+    <a:lvl2pPr marL="457200" algn="l" defTabSz="914400" rtl="0" eaLnBrk="1" latinLnBrk="0" hangingPunct="1">
+      <a:defRPr sz="1200" kern="1200">
+        <a:solidFill>
+          <a:schemeClr val="tx1"/>
+        </a:solidFill>
+        <a:latin typeface="+mn-lt"/>
+        <a:ea typeface="+mn-ea"/>
+        <a:cs typeface="+mn-cs"/>
+      </a:defRPr>
+    </a:lvl2pPr>
+    <a:lvl3pPr marL="914400" algn="l" defTabSz="914400" rtl="0" eaLnBrk="1" latinLnBrk="0" hangingPunct="1">
+      <a:defRPr sz="1200" kern="1200">
+        <a:solidFill>
+          <a:schemeClr val="tx1"/>
+        </a:solidFill>
+        <a:latin typeface="+mn-lt"/>
+        <a:ea typeface="+mn-ea"/>
+        <a:cs typeface="+mn-cs"/>
+      </a:defRPr>
+    </a:lvl3pPr>
+    <a:lvl4pPr marL="1371600" algn="l" defTabSz="914400" rtl="0" eaLnBrk="1" latinLnBrk="0" hangingPunct="1">
+      <a:defRPr sz="1200" kern="1200">
+        <a:solidFill>
+          <a:schemeClr val="tx1"/>
+        </a:solidFill>
+        <a:latin typeface="+mn-lt"/>
+        <a:ea typeface="+mn-ea"/>
+        <a:cs typeface="+mn-cs"/>
+      </a:defRPr>
+    </a:lvl4pPr>
+    <a:lvl5pPr marL="1828800" algn="l" defTabSz="914400" rtl="0" eaLnBrk="1" latinLnBrk="0" hangingPunct="1">
+      <a:defRPr sz="1200" kern="1200">
+        <a:solidFill>
+          <a:schemeClr val="tx1"/>
+        </a:solidFill>
+        <a:latin typeface="+mn-lt"/>
+        <a:ea typeface="+mn-ea"/>
+        <a:cs typeface="+mn-cs"/>
+      </a:defRPr>
+    </a:lvl5pPr>
+    <a:lvl6pPr marL="2286000" algn="l" defTabSz="914400" rtl="0" eaLnBrk="1" latinLnBrk="0" hangingPunct="1">
+      <a:defRPr sz="1200" kern="1200">
+        <a:solidFill>
+          <a:schemeClr val="tx1"/>
+        </a:solidFill>
+        <a:latin typeface="+mn-lt"/>
+        <a:ea typeface="+mn-ea"/>
+        <a:cs typeface="+mn-cs"/>
+      </a:defRPr>
+    </a:lvl6pPr>
+    <a:lvl7pPr marL="2743200" algn="l" defTabSz="914400" rtl="0" eaLnBrk="1" latinLnBrk="0" hangingPunct="1">
+      <a:defRPr sz="1200" kern="1200">
+        <a:solidFill>
+          <a:schemeClr val="tx1"/>
+        </a:solidFill>
+        <a:latin typeface="+mn-lt"/>
+        <a:ea typeface="+mn-ea"/>
+        <a:cs typeface="+mn-cs"/>
+      </a:defRPr>
+    </a:lvl7pPr>
+    <a:lvl8pPr marL="3200400" algn="l" defTabSz="914400" rtl="0" eaLnBrk="1" latinLnBrk="0" hangingPunct="1">
+      <a:defRPr sz="1200" kern="1200">
+        <a:solidFill>
+          <a:schemeClr val="tx1"/>
+        </a:solidFill>
+        <a:latin typeface="+mn-lt"/>
+        <a:ea typeface="+mn-ea"/>
+        <a:cs typeface="+mn-cs"/>
+      </a:defRPr>
+    </a:lvl8pPr>
+    <a:lvl9pPr marL="3657600" algn="l" defTabSz="914400" rtl="0" eaLnBrk="1" latinLnBrk="0" hangingPunct="1">
+      <a:defRPr sz="1200" kern="1200">
+        <a:solidFill>
+          <a:schemeClr val="tx1"/>
+        </a:solidFill>
+        <a:latin typeface="+mn-lt"/>
+        <a:ea typeface="+mn-ea"/>
+        <a:cs typeface="+mn-cs"/>
+      </a:defRPr>
+    </a:lvl9pPr>
+  </p:notesStyle>
+</p:notesMaster>
+</file>
+
+<file path=ppt/notesSlides/notesSlide1.xml><?xml version="1.0" encoding="utf-8"?>
+<p:notes xmlns:a="http://schemas.openxmlformats.org/drawingml/2006/main" xmlns:r="http://schemas.openxmlformats.org/officeDocument/2006/relationships" xmlns:p="http://schemas.openxmlformats.org/presentationml/2006/main">
+  <p:cSld>
+    <p:spTree>
+      <p:nvGrpSpPr>
+        <p:cNvPr id="1" name=""/>
+        <p:cNvGrpSpPr/>
+        <p:nvPr/>
+      </p:nvGrpSpPr>
+      <p:grpSpPr>
+        <a:xfrm>
+          <a:off x="0" y="0"/>
+          <a:ext cx="0" cy="0"/>
+          <a:chOff x="0" y="0"/>
+          <a:chExt cx="0" cy="0"/>
+        </a:xfrm>
+      </p:grpSpPr>
+      <p:sp>
+        <p:nvSpPr>
+          <p:cNvPr id="2" name="Slide Image Placeholder 1"/>
+          <p:cNvSpPr>
+            <a:spLocks noGrp="1" noRot="1" noChangeAspect="1"/>
+          </p:cNvSpPr>
+          <p:nvPr>
+            <p:ph type="sldImg"/>
+          </p:nvPr>
+        </p:nvSpPr>
+        <p:spPr/>
+      </p:sp>
+      <p:sp>
+        <p:nvSpPr>
+          <p:cNvPr id="3" name="Notes Placeholder 2"/>
+          <p:cNvSpPr>
+            <a:spLocks noGrp="1"/>
+          </p:cNvSpPr>
+          <p:nvPr>
+            <p:ph type="body" idx="1"/>
+          </p:nvPr>
+        </p:nvSpPr>
+        <p:spPr/>
+        <p:txBody>
+          <a:bodyPr/>
+          <a:lstStyle/>
+          <a:p>
+            <a:pPr lvl="1">
+              <a:buFont typeface="Wingdings" panose="05000000000000000000" pitchFamily="2" charset="2"/>
+              <a:buChar char="§"/>
+            </a:pPr>
+            <a:r>
+              <a:rPr lang="en-US" sz="1800" dirty="0" smtClean="0"/>
+              <a:t>Data access Object (DAO) pattern – Spring data - data layer</a:t>
+            </a:r>
+          </a:p>
+          <a:p>
+            <a:pPr lvl="1">
+              <a:buFont typeface="Wingdings" panose="05000000000000000000" pitchFamily="2" charset="2"/>
+              <a:buChar char="§"/>
+            </a:pPr>
+            <a:r>
+              <a:rPr lang="en-US" sz="1800" dirty="0" smtClean="0"/>
+              <a:t>Factory Pattern – spring framework.</a:t>
+            </a:r>
+          </a:p>
+          <a:p>
+            <a:pPr lvl="1">
+              <a:buFont typeface="Wingdings" panose="05000000000000000000" pitchFamily="2" charset="2"/>
+              <a:buChar char="§"/>
+            </a:pPr>
+            <a:r>
+              <a:rPr lang="en-US" sz="1800" dirty="0" smtClean="0"/>
+              <a:t>Singleton Pattern – database layer</a:t>
+            </a:r>
+          </a:p>
+          <a:p>
+            <a:pPr lvl="1">
+              <a:buFont typeface="Wingdings" panose="05000000000000000000" pitchFamily="2" charset="2"/>
+              <a:buChar char="§"/>
+            </a:pPr>
+            <a:r>
+              <a:rPr lang="en-US" sz="1800" dirty="0" smtClean="0"/>
+              <a:t>MVC pattern – Presentation layer.</a:t>
+            </a:r>
+          </a:p>
+          <a:p>
+            <a:endParaRPr lang="en-US" dirty="0"/>
+          </a:p>
+        </p:txBody>
+      </p:sp>
+      <p:sp>
+        <p:nvSpPr>
+          <p:cNvPr id="4" name="Slide Number Placeholder 3"/>
+          <p:cNvSpPr>
+            <a:spLocks noGrp="1"/>
+          </p:cNvSpPr>
+          <p:nvPr>
+            <p:ph type="sldNum" sz="quarter" idx="10"/>
+          </p:nvPr>
+        </p:nvSpPr>
+        <p:spPr/>
+        <p:txBody>
+          <a:bodyPr/>
+          <a:lstStyle/>
+          <a:p>
+            <a:fld id="{2EC05327-62D0-4484-8522-3CAF1C70CEBB}" type="slidenum">
+              <a:rPr lang="en-US" smtClean="0"/>
+              <a:t>15</a:t>
+            </a:fld>
+            <a:endParaRPr lang="en-US"/>
+          </a:p>
+        </p:txBody>
+      </p:sp>
+    </p:spTree>
+    <p:extLst>
+      <p:ext uri="{BB962C8B-B14F-4D97-AF65-F5344CB8AC3E}">
+        <p14:creationId xmlns:p14="http://schemas.microsoft.com/office/powerpoint/2010/main" val="1330742505"/>
+      </p:ext>
+    </p:extLst>
+  </p:cSld>
+  <p:clrMapOvr>
+    <a:masterClrMapping/>
+  </p:clrMapOvr>
+</p:notes>
 </file>
 
 <file path=ppt/slideLayouts/slideLayout1.xml><?xml version="1.0" encoding="utf-8"?>
@@ -879,7 +1353,7 @@
           <a:p>
             <a:fld id="{8EB01A10-C374-4A13-9C62-A9BB9D98E6C4}" type="datetimeFigureOut">
               <a:rPr lang="en-US" smtClean="0"/>
-              <a:t>4/2/2016</a:t>
+              <a:t>4/7/2016</a:t>
             </a:fld>
             <a:endParaRPr lang="en-US"/>
           </a:p>
@@ -1130,7 +1604,7 @@
           <a:p>
             <a:fld id="{8EB01A10-C374-4A13-9C62-A9BB9D98E6C4}" type="datetimeFigureOut">
               <a:rPr lang="en-US" smtClean="0"/>
-              <a:t>4/2/2016</a:t>
+              <a:t>4/7/2016</a:t>
             </a:fld>
             <a:endParaRPr lang="en-US"/>
           </a:p>
@@ -1444,7 +1918,7 @@
           <a:p>
             <a:fld id="{8EB01A10-C374-4A13-9C62-A9BB9D98E6C4}" type="datetimeFigureOut">
               <a:rPr lang="en-US" smtClean="0"/>
-              <a:t>4/2/2016</a:t>
+              <a:t>4/7/2016</a:t>
             </a:fld>
             <a:endParaRPr lang="en-US"/>
           </a:p>
@@ -1777,7 +2251,7 @@
           <a:p>
             <a:fld id="{8EB01A10-C374-4A13-9C62-A9BB9D98E6C4}" type="datetimeFigureOut">
               <a:rPr lang="en-US" smtClean="0"/>
-              <a:t>4/2/2016</a:t>
+              <a:t>4/7/2016</a:t>
             </a:fld>
             <a:endParaRPr lang="en-US"/>
           </a:p>
@@ -2091,7 +2565,7 @@
           <a:p>
             <a:fld id="{8EB01A10-C374-4A13-9C62-A9BB9D98E6C4}" type="datetimeFigureOut">
               <a:rPr lang="en-US" smtClean="0"/>
-              <a:t>4/2/2016</a:t>
+              <a:t>4/7/2016</a:t>
             </a:fld>
             <a:endParaRPr lang="en-US"/>
           </a:p>
@@ -2484,7 +2958,7 @@
           <a:p>
             <a:fld id="{8EB01A10-C374-4A13-9C62-A9BB9D98E6C4}" type="datetimeFigureOut">
               <a:rPr lang="en-US" smtClean="0"/>
-              <a:t>4/2/2016</a:t>
+              <a:t>4/7/2016</a:t>
             </a:fld>
             <a:endParaRPr lang="en-US"/>
           </a:p>
@@ -2654,7 +3128,7 @@
           <a:p>
             <a:fld id="{8EB01A10-C374-4A13-9C62-A9BB9D98E6C4}" type="datetimeFigureOut">
               <a:rPr lang="en-US" smtClean="0"/>
-              <a:t>4/2/2016</a:t>
+              <a:t>4/7/2016</a:t>
             </a:fld>
             <a:endParaRPr lang="en-US"/>
           </a:p>
@@ -2834,7 +3308,7 @@
           <a:p>
             <a:fld id="{8EB01A10-C374-4A13-9C62-A9BB9D98E6C4}" type="datetimeFigureOut">
               <a:rPr lang="en-US" smtClean="0"/>
-              <a:t>4/2/2016</a:t>
+              <a:t>4/7/2016</a:t>
             </a:fld>
             <a:endParaRPr lang="en-US"/>
           </a:p>
@@ -3004,7 +3478,7 @@
           <a:p>
             <a:fld id="{8EB01A10-C374-4A13-9C62-A9BB9D98E6C4}" type="datetimeFigureOut">
               <a:rPr lang="en-US" smtClean="0"/>
-              <a:t>4/2/2016</a:t>
+              <a:t>4/7/2016</a:t>
             </a:fld>
             <a:endParaRPr lang="en-US"/>
           </a:p>
@@ -3251,7 +3725,7 @@
           <a:p>
             <a:fld id="{8EB01A10-C374-4A13-9C62-A9BB9D98E6C4}" type="datetimeFigureOut">
               <a:rPr lang="en-US" smtClean="0"/>
-              <a:t>4/2/2016</a:t>
+              <a:t>4/7/2016</a:t>
             </a:fld>
             <a:endParaRPr lang="en-US"/>
           </a:p>
@@ -3483,7 +3957,7 @@
           <a:p>
             <a:fld id="{8EB01A10-C374-4A13-9C62-A9BB9D98E6C4}" type="datetimeFigureOut">
               <a:rPr lang="en-US" smtClean="0"/>
-              <a:t>4/2/2016</a:t>
+              <a:t>4/7/2016</a:t>
             </a:fld>
             <a:endParaRPr lang="en-US"/>
           </a:p>
@@ -3857,7 +4331,7 @@
           <a:p>
             <a:fld id="{8EB01A10-C374-4A13-9C62-A9BB9D98E6C4}" type="datetimeFigureOut">
               <a:rPr lang="en-US" smtClean="0"/>
-              <a:t>4/2/2016</a:t>
+              <a:t>4/7/2016</a:t>
             </a:fld>
             <a:endParaRPr lang="en-US"/>
           </a:p>
@@ -3980,7 +4454,7 @@
           <a:p>
             <a:fld id="{8EB01A10-C374-4A13-9C62-A9BB9D98E6C4}" type="datetimeFigureOut">
               <a:rPr lang="en-US" smtClean="0"/>
-              <a:t>4/2/2016</a:t>
+              <a:t>4/7/2016</a:t>
             </a:fld>
             <a:endParaRPr lang="en-US"/>
           </a:p>
@@ -4075,7 +4549,7 @@
           <a:p>
             <a:fld id="{8EB01A10-C374-4A13-9C62-A9BB9D98E6C4}" type="datetimeFigureOut">
               <a:rPr lang="en-US" smtClean="0"/>
-              <a:t>4/2/2016</a:t>
+              <a:t>4/7/2016</a:t>
             </a:fld>
             <a:endParaRPr lang="en-US"/>
           </a:p>
@@ -4330,7 +4804,7 @@
           <a:p>
             <a:fld id="{8EB01A10-C374-4A13-9C62-A9BB9D98E6C4}" type="datetimeFigureOut">
               <a:rPr lang="en-US" smtClean="0"/>
-              <a:t>4/2/2016</a:t>
+              <a:t>4/7/2016</a:t>
             </a:fld>
             <a:endParaRPr lang="en-US"/>
           </a:p>
@@ -4635,7 +5109,7 @@
           <a:p>
             <a:fld id="{8EB01A10-C374-4A13-9C62-A9BB9D98E6C4}" type="datetimeFigureOut">
               <a:rPr lang="en-US" smtClean="0"/>
-              <a:t>4/2/2016</a:t>
+              <a:t>4/7/2016</a:t>
             </a:fld>
             <a:endParaRPr lang="en-US"/>
           </a:p>
@@ -5337,7 +5811,7 @@
           <a:p>
             <a:fld id="{8EB01A10-C374-4A13-9C62-A9BB9D98E6C4}" type="datetimeFigureOut">
               <a:rPr lang="en-US" smtClean="0"/>
-              <a:t>4/2/2016</a:t>
+              <a:t>4/7/2016</a:t>
             </a:fld>
             <a:endParaRPr lang="en-US"/>
           </a:p>
@@ -6384,7 +6858,7 @@
         </p:spPr>
         <p:txBody>
           <a:bodyPr>
-            <a:normAutofit fontScale="92500"/>
+            <a:normAutofit lnSpcReduction="10000"/>
           </a:bodyPr>
           <a:lstStyle/>
           <a:p>
@@ -6414,23 +6888,15 @@
             </a:pPr>
             <a:r>
               <a:rPr lang="en-US" sz="2800" dirty="0"/>
-              <a:t>Uses geo location </a:t>
+              <a:t>Uses </a:t>
             </a:r>
             <a:r>
               <a:rPr lang="en-US" sz="2800" dirty="0" smtClean="0"/>
-              <a:t>services is works </a:t>
+              <a:t>Geo location API, so </a:t>
             </a:r>
             <a:r>
               <a:rPr lang="en-US" sz="2800" dirty="0"/>
-              <a:t>on </a:t>
-            </a:r>
-            <a:r>
-              <a:rPr lang="en-US" sz="2800" dirty="0" smtClean="0"/>
-              <a:t>browser based, </a:t>
-            </a:r>
-            <a:r>
-              <a:rPr lang="en-US" sz="2800" dirty="0"/>
-              <a:t>so system can get the location even on IP based information(less accurate on IP based information and high accuracy when GPS is </a:t>
+              <a:t>system can get the location even on IP based information(less accurate on IP based information and high accuracy when GPS is </a:t>
             </a:r>
             <a:r>
               <a:rPr lang="en-US" sz="2800" dirty="0" smtClean="0"/>
@@ -6601,7 +7067,7 @@
         </p:spPr>
         <p:txBody>
           <a:bodyPr>
-            <a:normAutofit/>
+            <a:normAutofit lnSpcReduction="10000"/>
           </a:bodyPr>
           <a:lstStyle/>
           <a:p>
@@ -6642,6 +7108,26 @@
             <a:r>
               <a:rPr lang="en-US" sz="2800" dirty="0" smtClean="0"/>
               <a:t>Notify when interested sellers are near by.</a:t>
+            </a:r>
+          </a:p>
+          <a:p>
+            <a:pPr>
+              <a:buFont typeface="Wingdings" panose="05000000000000000000" pitchFamily="2" charset="2"/>
+              <a:buChar char="Ø"/>
+            </a:pPr>
+            <a:r>
+              <a:rPr lang="en-US" sz="2800" dirty="0" smtClean="0"/>
+              <a:t>Facilitate provide comments and rating.</a:t>
+            </a:r>
+          </a:p>
+          <a:p>
+            <a:pPr>
+              <a:buFont typeface="Wingdings" panose="05000000000000000000" pitchFamily="2" charset="2"/>
+              <a:buChar char="Ø"/>
+            </a:pPr>
+            <a:r>
+              <a:rPr lang="en-US" sz="2800" dirty="0" smtClean="0"/>
+              <a:t>Messaging platform for communications.</a:t>
             </a:r>
           </a:p>
           <a:p>
@@ -7232,7 +7718,7 @@
         <p:spPr>
           <a:xfrm>
             <a:off x="990600" y="1295400"/>
-            <a:ext cx="7086600" cy="4419600"/>
+            <a:ext cx="7467600" cy="4876800"/>
           </a:xfrm>
         </p:spPr>
         <p:txBody>
@@ -7242,89 +7728,165 @@
           <a:lstStyle/>
           <a:p>
             <a:r>
-              <a:rPr lang="en-US" b="1" dirty="0" smtClean="0"/>
-              <a:t>UI Considerations</a:t>
-            </a:r>
+              <a:rPr lang="en-US" sz="2000" b="1" dirty="0" smtClean="0"/>
+              <a:t>UI Considerations - </a:t>
+            </a:r>
+            <a:r>
+              <a:rPr lang="en-US" sz="2000" b="1" dirty="0"/>
+              <a:t>Model View Controller (MVC) </a:t>
+            </a:r>
+            <a:r>
+              <a:rPr lang="en-US" sz="2000" b="1" dirty="0" smtClean="0"/>
+              <a:t>Pattern</a:t>
+            </a:r>
+          </a:p>
+          <a:p>
+            <a:r>
+              <a:rPr lang="en-US" sz="2000" b="1" dirty="0"/>
+              <a:t>Data Model </a:t>
+            </a:r>
+            <a:r>
+              <a:rPr lang="en-US" sz="2000" b="1" dirty="0" smtClean="0"/>
+              <a:t>Design -</a:t>
+            </a:r>
+            <a:r>
+              <a:rPr lang="en-US" sz="2000" b="1" dirty="0"/>
+              <a:t> MySQL database</a:t>
+            </a:r>
+            <a:endParaRPr lang="en-US" sz="2000" b="1" dirty="0" smtClean="0"/>
+          </a:p>
+          <a:p>
+            <a:r>
+              <a:rPr lang="en-US" sz="2000" b="1" dirty="0"/>
+              <a:t>Uses of Design </a:t>
+            </a:r>
+            <a:r>
+              <a:rPr lang="en-US" sz="2000" b="1" dirty="0" smtClean="0"/>
+              <a:t>Pattern – DAO/MVC/</a:t>
+            </a:r>
+            <a:r>
+              <a:rPr lang="en-US" sz="2000" b="1" dirty="0"/>
+              <a:t> Factory</a:t>
+            </a:r>
+            <a:endParaRPr lang="en-US" sz="2000" b="1" dirty="0" smtClean="0"/>
+          </a:p>
+          <a:p>
+            <a:r>
+              <a:rPr lang="en-US" sz="2000" b="1" dirty="0"/>
+              <a:t>Connection </a:t>
+            </a:r>
+            <a:r>
+              <a:rPr lang="en-US" sz="2000" b="1" dirty="0" smtClean="0"/>
+              <a:t>Pooling - </a:t>
+            </a:r>
+            <a:r>
+              <a:rPr lang="en-US" sz="2000" b="1" dirty="0"/>
+              <a:t>spring data framework</a:t>
+            </a:r>
+            <a:endParaRPr lang="en-US" sz="2000" b="1" dirty="0" smtClean="0"/>
+          </a:p>
+          <a:p>
+            <a:r>
+              <a:rPr lang="en-US" sz="2000" b="1" dirty="0"/>
+              <a:t>Transaction and </a:t>
+            </a:r>
+            <a:r>
+              <a:rPr lang="en-US" sz="2000" b="1" dirty="0" smtClean="0"/>
+              <a:t>Rollback - </a:t>
+            </a:r>
+            <a:r>
+              <a:rPr lang="en-US" sz="2000" b="1" dirty="0"/>
+              <a:t>DAO layer</a:t>
+            </a:r>
+            <a:endParaRPr lang="en-US" sz="2000" b="1" dirty="0" smtClean="0"/>
+          </a:p>
+          <a:p>
+            <a:r>
+              <a:rPr lang="en-US" sz="2000" b="1" dirty="0"/>
+              <a:t>Concurrent </a:t>
+            </a:r>
+            <a:r>
+              <a:rPr lang="en-US" sz="2000" b="1" dirty="0" smtClean="0"/>
+              <a:t>Access – Version Controlling</a:t>
+            </a:r>
+          </a:p>
+          <a:p>
+            <a:r>
+              <a:rPr lang="en-US" sz="2000" b="1" dirty="0"/>
+              <a:t>Clustering </a:t>
+            </a:r>
+            <a:r>
+              <a:rPr lang="en-US" sz="2000" b="1" dirty="0" smtClean="0"/>
+              <a:t>Support – JVM (singleton instance)</a:t>
+            </a:r>
+          </a:p>
+          <a:p>
+            <a:r>
+              <a:rPr lang="en-US" sz="2000" b="1" dirty="0"/>
+              <a:t>Logging </a:t>
+            </a:r>
+            <a:r>
+              <a:rPr lang="en-US" sz="2000" b="1" dirty="0" smtClean="0"/>
+              <a:t>Facilities - </a:t>
+            </a:r>
+            <a:r>
+              <a:rPr lang="en-US" sz="2000" b="1" dirty="0"/>
+              <a:t>Log4j logging framework</a:t>
+            </a:r>
+            <a:endParaRPr lang="en-US" sz="2000" b="1" dirty="0" smtClean="0"/>
+          </a:p>
+          <a:p>
+            <a:r>
+              <a:rPr lang="en-US" sz="2000" b="1" dirty="0"/>
+              <a:t>Audit </a:t>
+            </a:r>
+            <a:r>
+              <a:rPr lang="en-US" sz="2000" b="1" dirty="0" smtClean="0"/>
+              <a:t>Facilities – audit table columns</a:t>
+            </a:r>
+          </a:p>
+          <a:p>
+            <a:r>
+              <a:rPr lang="en-US" sz="2000" b="1" dirty="0" smtClean="0"/>
+              <a:t>Security – spring security</a:t>
+            </a:r>
+            <a:endParaRPr lang="en-US" sz="2000" b="1" i="1" dirty="0"/>
+          </a:p>
+          <a:p>
+            <a:endParaRPr lang="en-US" b="1" i="1" dirty="0"/>
+          </a:p>
+          <a:p>
+            <a:endParaRPr lang="en-US" b="1" i="1" dirty="0"/>
+          </a:p>
+          <a:p>
+            <a:endParaRPr lang="en-US" dirty="0" smtClean="0"/>
+          </a:p>
+          <a:p>
+            <a:endParaRPr lang="en-US" b="1" i="1" dirty="0"/>
+          </a:p>
+          <a:p>
+            <a:endParaRPr lang="en-US" b="1" i="1" dirty="0"/>
+          </a:p>
+          <a:p>
+            <a:endParaRPr lang="en-US" b="1" dirty="0" smtClean="0"/>
+          </a:p>
+          <a:p>
+            <a:endParaRPr lang="en-US" b="1" i="1" dirty="0"/>
+          </a:p>
+          <a:p>
+            <a:endParaRPr lang="en-US" b="1" i="1" dirty="0"/>
+          </a:p>
+          <a:p>
+            <a:endParaRPr lang="en-US" b="1" i="1" dirty="0"/>
+          </a:p>
+          <a:p>
+            <a:endParaRPr lang="en-US" b="1" dirty="0" smtClean="0"/>
           </a:p>
           <a:p>
             <a:pPr marL="0" indent="0">
               <a:buNone/>
             </a:pPr>
             <a:endParaRPr lang="en-US" b="1" i="1" dirty="0"/>
-          </a:p>
-          <a:p>
-            <a:pPr lvl="1" fontAlgn="base">
-              <a:buFont typeface="Wingdings" panose="05000000000000000000" pitchFamily="2" charset="2"/>
-              <a:buChar char="§"/>
-            </a:pPr>
-            <a:r>
-              <a:rPr lang="en-US" sz="1800" dirty="0"/>
-              <a:t>Model View Controller (MVC) Pattern – Spring framework front end </a:t>
-            </a:r>
-            <a:r>
-              <a:rPr lang="en-US" sz="1800" dirty="0" smtClean="0"/>
-              <a:t>controller.</a:t>
-            </a:r>
-            <a:endParaRPr lang="en-US" sz="1800" dirty="0"/>
-          </a:p>
-          <a:p>
-            <a:pPr lvl="1" fontAlgn="base">
-              <a:buFont typeface="Wingdings" panose="05000000000000000000" pitchFamily="2" charset="2"/>
-              <a:buChar char="§"/>
-            </a:pPr>
-            <a:r>
-              <a:rPr lang="en-US" sz="1800" dirty="0"/>
-              <a:t>Reusable Sorting for tables – Tables and list sorting will be controlled via </a:t>
-            </a:r>
-            <a:r>
-              <a:rPr lang="en-US" sz="1800" dirty="0" smtClean="0"/>
-              <a:t>JavaScript.</a:t>
-            </a:r>
-            <a:endParaRPr lang="en-US" sz="1800" dirty="0"/>
-          </a:p>
-          <a:p>
-            <a:pPr lvl="1" fontAlgn="base">
-              <a:buFont typeface="Wingdings" panose="05000000000000000000" pitchFamily="2" charset="2"/>
-              <a:buChar char="§"/>
-            </a:pPr>
-            <a:r>
-              <a:rPr lang="en-US" sz="1800" dirty="0"/>
-              <a:t>Internet Browser Support – The application will support Internet Explorer 9 and above/ Firefox 20 and above/ Google Chrome 28 and above. All UI features may not be supported in IE 6.0.</a:t>
-            </a:r>
-          </a:p>
-          <a:p>
-            <a:pPr lvl="1" fontAlgn="base">
-              <a:buFont typeface="Wingdings" panose="05000000000000000000" pitchFamily="2" charset="2"/>
-              <a:buChar char="§"/>
-            </a:pPr>
-            <a:r>
-              <a:rPr lang="en-US" sz="1800" dirty="0" err="1"/>
-              <a:t>JQuery</a:t>
-            </a:r>
-            <a:r>
-              <a:rPr lang="en-US" sz="1800" dirty="0"/>
-              <a:t> based AJAX framework </a:t>
-            </a:r>
-            <a:endParaRPr lang="en-US" sz="1800" dirty="0" smtClean="0"/>
-          </a:p>
-          <a:p>
-            <a:pPr lvl="1" fontAlgn="base">
-              <a:buFont typeface="Wingdings" panose="05000000000000000000" pitchFamily="2" charset="2"/>
-              <a:buChar char="§"/>
-            </a:pPr>
-            <a:r>
-              <a:rPr lang="en-US" sz="1800" dirty="0" smtClean="0"/>
-              <a:t>Bootstrap </a:t>
-            </a:r>
-            <a:r>
-              <a:rPr lang="en-US" sz="1800" dirty="0"/>
-              <a:t>framework for support different size of screen sizes</a:t>
-            </a:r>
-            <a:r>
-              <a:rPr lang="en-US" sz="1800" dirty="0" smtClean="0"/>
-              <a:t>.</a:t>
-            </a:r>
-            <a:endParaRPr lang="en-US" sz="1800" dirty="0"/>
           </a:p>
         </p:txBody>
       </p:sp>
@@ -7382,32 +7944,26 @@
           </a:xfrm>
         </p:spPr>
         <p:txBody>
-          <a:bodyPr>
-            <a:normAutofit/>
-          </a:bodyPr>
+          <a:bodyPr/>
           <a:lstStyle/>
           <a:p>
             <a:r>
-              <a:rPr lang="en-US" sz="2400" dirty="0">
+              <a:rPr lang="en-US" dirty="0" smtClean="0">
                 <a:solidFill>
                   <a:schemeClr val="accent1">
                     <a:lumMod val="50000"/>
                   </a:schemeClr>
                 </a:solidFill>
               </a:rPr>
-              <a:t>Analysis and Design </a:t>
-            </a:r>
-            <a:r>
-              <a:rPr lang="en-US" sz="2400" dirty="0" smtClean="0">
-                <a:solidFill>
-                  <a:schemeClr val="accent1">
-                    <a:lumMod val="50000"/>
-                  </a:schemeClr>
-                </a:solidFill>
-              </a:rPr>
-              <a:t>Consideration – Cont.</a:t>
-            </a:r>
-            <a:endParaRPr lang="en-US" sz="2400" dirty="0"/>
+              <a:t>Implementation</a:t>
+            </a:r>
+            <a:endParaRPr lang="en-US" sz="3600" dirty="0">
+              <a:solidFill>
+                <a:schemeClr val="accent1">
+                  <a:lumMod val="50000"/>
+                </a:schemeClr>
+              </a:solidFill>
+            </a:endParaRPr>
           </a:p>
         </p:txBody>
       </p:sp>
@@ -7424,114 +7980,212 @@
         <p:spPr>
           <a:xfrm>
             <a:off x="990600" y="1295400"/>
-            <a:ext cx="7086600" cy="4419600"/>
+            <a:ext cx="7467600" cy="5029200"/>
           </a:xfrm>
         </p:spPr>
         <p:txBody>
           <a:bodyPr>
-            <a:normAutofit/>
+            <a:normAutofit fontScale="85000" lnSpcReduction="20000"/>
           </a:bodyPr>
           <a:lstStyle/>
           <a:p>
+            <a:pPr marL="0" indent="0">
+              <a:buNone/>
+            </a:pPr>
+            <a:r>
+              <a:rPr lang="en-US" sz="2400" b="1" dirty="0" smtClean="0"/>
+              <a:t>Scheduler Service</a:t>
+            </a:r>
+          </a:p>
+          <a:p>
             <a:r>
               <a:rPr lang="en-US" b="1" dirty="0" smtClean="0"/>
-              <a:t>Data </a:t>
-            </a:r>
+              <a:t>Step 1: execute search requests and fetch selected products</a:t>
+            </a:r>
+          </a:p>
+          <a:p>
+            <a:r>
+              <a:rPr lang="en-US" b="1" dirty="0" smtClean="0"/>
+              <a:t>Step 2: Start LOOP</a:t>
+            </a:r>
+          </a:p>
+          <a:p>
+            <a:pPr marL="0" indent="0">
+              <a:buNone/>
+            </a:pPr>
             <a:r>
               <a:rPr lang="en-US" b="1" dirty="0"/>
-              <a:t>Model Design</a:t>
-            </a:r>
-            <a:endParaRPr lang="en-US" b="1" i="1" dirty="0"/>
-          </a:p>
-          <a:p>
-            <a:pPr lvl="1" fontAlgn="base">
-              <a:buFont typeface="Wingdings" panose="05000000000000000000" pitchFamily="2" charset="2"/>
-              <a:buChar char="§"/>
-            </a:pPr>
-            <a:r>
-              <a:rPr lang="en-US" sz="1800" dirty="0"/>
-              <a:t>The physical data model is done considering MySQL database.</a:t>
-            </a:r>
-          </a:p>
-          <a:p>
-            <a:pPr lvl="1" fontAlgn="base">
-              <a:buFont typeface="Wingdings" panose="05000000000000000000" pitchFamily="2" charset="2"/>
-              <a:buChar char="§"/>
-            </a:pPr>
-            <a:r>
-              <a:rPr lang="en-US" sz="1800" dirty="0"/>
-              <a:t>The model has assumed soft deletion of entities compared to hard delete.</a:t>
-            </a:r>
-          </a:p>
-          <a:p>
-            <a:endParaRPr lang="en-US" dirty="0"/>
-          </a:p>
-          <a:p>
+              <a:t>	</a:t>
+            </a:r>
             <a:r>
               <a:rPr lang="en-US" b="1" dirty="0" smtClean="0"/>
-              <a:t>Uses </a:t>
-            </a:r>
+              <a:t>		fetch Follow Seller Selections</a:t>
+            </a:r>
+          </a:p>
+          <a:p>
+            <a:pPr marL="0" indent="0">
+              <a:buNone/>
+            </a:pPr>
             <a:r>
               <a:rPr lang="en-US" b="1" dirty="0"/>
-              <a:t>of Design Pattern</a:t>
-            </a:r>
-            <a:endParaRPr lang="en-US" b="1" i="1" dirty="0"/>
-          </a:p>
-          <a:p>
-            <a:pPr lvl="1">
-              <a:buFont typeface="Wingdings" panose="05000000000000000000" pitchFamily="2" charset="2"/>
-              <a:buChar char="§"/>
-            </a:pPr>
-            <a:r>
-              <a:rPr lang="en-US" sz="1800" dirty="0" smtClean="0"/>
-              <a:t>Data </a:t>
-            </a:r>
-            <a:r>
-              <a:rPr lang="en-US" sz="1800" dirty="0"/>
-              <a:t>access Object (DAO) </a:t>
-            </a:r>
-            <a:r>
-              <a:rPr lang="en-US" sz="1800" dirty="0" smtClean="0"/>
-              <a:t>pattern – Spring data - data layer</a:t>
-            </a:r>
-          </a:p>
-          <a:p>
-            <a:pPr lvl="1">
-              <a:buFont typeface="Wingdings" panose="05000000000000000000" pitchFamily="2" charset="2"/>
-              <a:buChar char="§"/>
-            </a:pPr>
-            <a:r>
-              <a:rPr lang="en-US" sz="1800" dirty="0" smtClean="0"/>
-              <a:t>Factory Pattern – spring framework.</a:t>
-            </a:r>
-          </a:p>
-          <a:p>
-            <a:pPr lvl="1">
-              <a:buFont typeface="Wingdings" panose="05000000000000000000" pitchFamily="2" charset="2"/>
-              <a:buChar char="§"/>
-            </a:pPr>
-            <a:r>
-              <a:rPr lang="en-US" sz="1800" dirty="0" smtClean="0"/>
-              <a:t>Singleton Pattern – database layer</a:t>
-            </a:r>
-          </a:p>
-          <a:p>
-            <a:pPr lvl="1">
-              <a:buFont typeface="Wingdings" panose="05000000000000000000" pitchFamily="2" charset="2"/>
-              <a:buChar char="§"/>
-            </a:pPr>
-            <a:r>
-              <a:rPr lang="en-US" sz="1800" dirty="0" smtClean="0"/>
-              <a:t>MVC pattern – Presentation layer.</a:t>
-            </a:r>
-            <a:endParaRPr lang="en-US" sz="1800" dirty="0"/>
+              <a:t>	</a:t>
+            </a:r>
+            <a:r>
+              <a:rPr lang="en-US" b="1" dirty="0" smtClean="0"/>
+              <a:t>		Start LOOP</a:t>
+            </a:r>
+          </a:p>
+          <a:p>
+            <a:pPr marL="0" indent="0">
+              <a:buNone/>
+            </a:pPr>
+            <a:r>
+              <a:rPr lang="en-US" b="1" dirty="0"/>
+              <a:t>	</a:t>
+            </a:r>
+            <a:r>
+              <a:rPr lang="en-US" b="1" dirty="0" smtClean="0"/>
+              <a:t>			IF</a:t>
+            </a:r>
+          </a:p>
+          <a:p>
+            <a:pPr marL="0" indent="0">
+              <a:buNone/>
+            </a:pPr>
+            <a:r>
+              <a:rPr lang="en-US" b="1" dirty="0"/>
+              <a:t>	</a:t>
+            </a:r>
+            <a:r>
+              <a:rPr lang="en-US" b="1" dirty="0" smtClean="0"/>
+              <a:t>				(follow seller ==  searched product owner)</a:t>
+            </a:r>
+          </a:p>
+          <a:p>
+            <a:pPr marL="0" indent="0">
+              <a:buNone/>
+            </a:pPr>
+            <a:r>
+              <a:rPr lang="en-US" b="1" dirty="0"/>
+              <a:t>	</a:t>
+            </a:r>
+            <a:r>
+              <a:rPr lang="en-US" b="1" dirty="0" smtClean="0"/>
+              <a:t>					calculate distance</a:t>
+            </a:r>
+          </a:p>
+          <a:p>
+            <a:pPr marL="0" indent="0">
+              <a:buNone/>
+            </a:pPr>
+            <a:r>
+              <a:rPr lang="en-US" b="1" dirty="0"/>
+              <a:t>	</a:t>
+            </a:r>
+            <a:r>
+              <a:rPr lang="en-US" b="1" dirty="0" smtClean="0"/>
+              <a:t>					IF</a:t>
+            </a:r>
+          </a:p>
+          <a:p>
+            <a:pPr marL="0" indent="0">
+              <a:buNone/>
+            </a:pPr>
+            <a:r>
+              <a:rPr lang="en-US" b="1" dirty="0"/>
+              <a:t>	</a:t>
+            </a:r>
+            <a:r>
+              <a:rPr lang="en-US" b="1" dirty="0" smtClean="0"/>
+              <a:t>						(distance &lt; 1)</a:t>
+            </a:r>
+          </a:p>
+          <a:p>
+            <a:pPr marL="0" indent="0">
+              <a:buNone/>
+            </a:pPr>
+            <a:r>
+              <a:rPr lang="en-US" b="1" dirty="0"/>
+              <a:t>	</a:t>
+            </a:r>
+            <a:r>
+              <a:rPr lang="en-US" b="1" dirty="0" smtClean="0"/>
+              <a:t>						fire high priority notifications;</a:t>
+            </a:r>
+          </a:p>
+          <a:p>
+            <a:pPr marL="0" indent="0">
+              <a:buNone/>
+            </a:pPr>
+            <a:r>
+              <a:rPr lang="en-US" b="1" dirty="0"/>
+              <a:t>	</a:t>
+            </a:r>
+            <a:r>
+              <a:rPr lang="en-US" b="1" dirty="0" smtClean="0"/>
+              <a:t>					END IF</a:t>
+            </a:r>
+          </a:p>
+          <a:p>
+            <a:pPr marL="0" indent="0">
+              <a:buNone/>
+            </a:pPr>
+            <a:r>
+              <a:rPr lang="en-US" b="1" dirty="0"/>
+              <a:t>	</a:t>
+            </a:r>
+            <a:r>
+              <a:rPr lang="en-US" b="1" dirty="0" smtClean="0"/>
+              <a:t>			END IF</a:t>
+            </a:r>
+          </a:p>
+          <a:p>
+            <a:pPr marL="0" indent="0">
+              <a:buNone/>
+            </a:pPr>
+            <a:r>
+              <a:rPr lang="en-US" b="1" dirty="0"/>
+              <a:t>	</a:t>
+            </a:r>
+            <a:r>
+              <a:rPr lang="en-US" b="1" dirty="0" smtClean="0"/>
+              <a:t>		End LOOP	</a:t>
+            </a:r>
+          </a:p>
+          <a:p>
+            <a:pPr marL="0" indent="0">
+              <a:buNone/>
+            </a:pPr>
+            <a:r>
+              <a:rPr lang="en-US" b="1" dirty="0"/>
+              <a:t>	</a:t>
+            </a:r>
+            <a:r>
+              <a:rPr lang="en-US" b="1" dirty="0" smtClean="0"/>
+              <a:t>	</a:t>
+            </a:r>
+            <a:r>
+              <a:rPr lang="en-US" b="1" dirty="0"/>
+              <a:t> </a:t>
+            </a:r>
+            <a:r>
+              <a:rPr lang="en-US" b="1" dirty="0" smtClean="0"/>
+              <a:t>   End LOOP</a:t>
+            </a:r>
+            <a:r>
+              <a:rPr lang="en-US" sz="2000" b="1" dirty="0" smtClean="0"/>
+              <a:t>	</a:t>
+            </a:r>
+          </a:p>
+          <a:p>
+            <a:endParaRPr lang="en-US" dirty="0" smtClean="0"/>
           </a:p>
         </p:txBody>
       </p:sp>
     </p:spTree>
     <p:extLst>
       <p:ext uri="{BB962C8B-B14F-4D97-AF65-F5344CB8AC3E}">
-        <p14:creationId xmlns:p14="http://schemas.microsoft.com/office/powerpoint/2010/main" val="85904073"/>
+        <p14:creationId xmlns:p14="http://schemas.microsoft.com/office/powerpoint/2010/main" val="166755139"/>
       </p:ext>
     </p:extLst>
   </p:cSld>
@@ -7582,22 +8236,26 @@
           </a:xfrm>
         </p:spPr>
         <p:txBody>
-          <a:bodyPr>
-            <a:normAutofit/>
-          </a:bodyPr>
+          <a:bodyPr/>
           <a:lstStyle/>
           <a:p>
             <a:r>
-              <a:rPr lang="en-US" sz="2400" dirty="0">
+              <a:rPr lang="en-US" dirty="0">
                 <a:solidFill>
                   <a:schemeClr val="accent1">
                     <a:lumMod val="50000"/>
                   </a:schemeClr>
                 </a:solidFill>
               </a:rPr>
-              <a:t>Analysis and Design Consideration – Cont.</a:t>
-            </a:r>
-            <a:endParaRPr lang="en-US" sz="2400" dirty="0"/>
+              <a:t>Implementation – Cont.</a:t>
+            </a:r>
+            <a:endParaRPr lang="en-US" sz="3600" dirty="0">
+              <a:solidFill>
+                <a:schemeClr val="accent1">
+                  <a:lumMod val="50000"/>
+                </a:schemeClr>
+              </a:solidFill>
+            </a:endParaRPr>
           </a:p>
         </p:txBody>
       </p:sp>
@@ -7613,119 +8271,283 @@
         </p:nvSpPr>
         <p:spPr>
           <a:xfrm>
-            <a:off x="990600" y="1295400"/>
-            <a:ext cx="7696200" cy="5105400"/>
+            <a:off x="990600" y="1066800"/>
+            <a:ext cx="7696200" cy="5334000"/>
           </a:xfrm>
         </p:spPr>
         <p:txBody>
           <a:bodyPr>
-            <a:normAutofit/>
+            <a:normAutofit lnSpcReduction="10000"/>
           </a:bodyPr>
           <a:lstStyle/>
           <a:p>
+            <a:pPr marL="0" indent="0">
+              <a:buNone/>
+            </a:pPr>
+            <a:r>
+              <a:rPr lang="en-US" sz="2400" b="1" dirty="0" smtClean="0"/>
+              <a:t>Calculating overall rating</a:t>
+            </a:r>
+          </a:p>
+          <a:p>
+            <a:r>
+              <a:rPr lang="en-US" dirty="0" smtClean="0"/>
+              <a:t>Formula</a:t>
+            </a:r>
+          </a:p>
+          <a:p>
+            <a:pPr marL="0" indent="0" algn="ctr">
+              <a:buNone/>
+            </a:pPr>
+            <a:r>
+              <a:rPr lang="en-US" dirty="0"/>
+              <a:t>	</a:t>
+            </a:r>
+            <a:r>
+              <a:rPr lang="en-US" dirty="0" smtClean="0"/>
+              <a:t>		</a:t>
+            </a:r>
             <a:r>
               <a:rPr lang="en-US" b="1" dirty="0" smtClean="0"/>
-              <a:t>Connection </a:t>
+              <a:t>Overall </a:t>
             </a:r>
             <a:r>
               <a:rPr lang="en-US" b="1" dirty="0"/>
-              <a:t>Pooling</a:t>
-            </a:r>
-            <a:endParaRPr lang="en-US" b="1" i="1" dirty="0"/>
-          </a:p>
-          <a:p>
-            <a:pPr lvl="1"/>
-            <a:r>
-              <a:rPr lang="en-US" sz="1800" dirty="0" smtClean="0"/>
-              <a:t>Obtained and manage </a:t>
-            </a:r>
-            <a:r>
-              <a:rPr lang="en-US" sz="1800" dirty="0"/>
-              <a:t>by spring data framework. </a:t>
-            </a:r>
-            <a:endParaRPr lang="en-US" sz="1800" dirty="0" smtClean="0"/>
-          </a:p>
-          <a:p>
-            <a:pPr lvl="1"/>
-            <a:r>
-              <a:rPr lang="en-US" sz="1800" dirty="0" smtClean="0"/>
-              <a:t>Connection </a:t>
-            </a:r>
-            <a:r>
-              <a:rPr lang="en-US" sz="1800" dirty="0"/>
-              <a:t>pool is used for obtaining database connections &amp; those connections are released back to the pool after usage</a:t>
-            </a:r>
-            <a:r>
-              <a:rPr lang="en-US" sz="1800" dirty="0" smtClean="0"/>
-              <a:t>.</a:t>
-            </a:r>
-          </a:p>
-          <a:p>
-            <a:endParaRPr lang="en-US" dirty="0"/>
-          </a:p>
-          <a:p>
+              <a:t>R</a:t>
+            </a:r>
             <a:r>
               <a:rPr lang="en-US" b="1" dirty="0" smtClean="0"/>
-              <a:t>Transaction </a:t>
-            </a:r>
+              <a:t>ating = Total Rating/No of Rating</a:t>
+            </a:r>
+          </a:p>
+          <a:p>
+            <a:pPr marL="0" indent="0" algn="ctr">
+              <a:buNone/>
+            </a:pPr>
             <a:r>
               <a:rPr lang="en-US" b="1" dirty="0"/>
-              <a:t>and Rollback</a:t>
-            </a:r>
-            <a:endParaRPr lang="en-US" b="1" i="1" dirty="0"/>
-          </a:p>
-          <a:p>
-            <a:pPr lvl="1"/>
-            <a:r>
-              <a:rPr lang="en-US" sz="1800" dirty="0" smtClean="0"/>
-              <a:t>In </a:t>
-            </a:r>
-            <a:r>
-              <a:rPr lang="en-US" sz="1800" dirty="0"/>
-              <a:t>case database exception occurs in DAO layer that will propagate up to Business layer and the transaction will be rolled back</a:t>
-            </a:r>
-            <a:r>
-              <a:rPr lang="en-US" sz="1800" dirty="0" smtClean="0"/>
-              <a:t>.</a:t>
-            </a:r>
-          </a:p>
-          <a:p>
-            <a:pPr lvl="1"/>
-            <a:endParaRPr lang="en-US" dirty="0"/>
-          </a:p>
-          <a:p>
-            <a:r>
-              <a:rPr lang="en-US" b="1" dirty="0" smtClean="0"/>
-              <a:t>Concurrent </a:t>
-            </a:r>
-            <a:r>
-              <a:rPr lang="en-US" b="1" dirty="0"/>
-              <a:t>Access</a:t>
-            </a:r>
-            <a:endParaRPr lang="en-US" b="1" i="1" dirty="0"/>
-          </a:p>
-          <a:p>
-            <a:pPr lvl="1"/>
-            <a:r>
-              <a:rPr lang="en-US" sz="1800" dirty="0" smtClean="0"/>
-              <a:t>Version </a:t>
-            </a:r>
-            <a:r>
-              <a:rPr lang="en-US" sz="1800" dirty="0"/>
-              <a:t>column will be used on all tables to handle concurrent updates and to avoid data being overwritten from other sessions</a:t>
-            </a:r>
-            <a:r>
-              <a:rPr lang="en-US" sz="1800" dirty="0" smtClean="0"/>
-              <a:t>.</a:t>
-            </a:r>
-            <a:endParaRPr lang="en-US" sz="1800" dirty="0"/>
+              <a:t>	</a:t>
+            </a:r>
+            <a:r>
+              <a:rPr lang="en-US" sz="1400" b="1" dirty="0" smtClean="0"/>
+              <a:t>* for a item wise</a:t>
+            </a:r>
+            <a:endParaRPr lang="en-US" b="1" dirty="0" smtClean="0"/>
+          </a:p>
+          <a:p>
+            <a:r>
+              <a:rPr lang="en-US" dirty="0" smtClean="0"/>
+              <a:t>steps for calculating overall rating</a:t>
+            </a:r>
+          </a:p>
+          <a:p>
+            <a:endParaRPr lang="en-US" dirty="0" smtClean="0"/>
+          </a:p>
+          <a:p>
+            <a:pPr marL="0" indent="0">
+              <a:lnSpc>
+                <a:spcPct val="110000"/>
+              </a:lnSpc>
+              <a:spcBef>
+                <a:spcPts val="0"/>
+              </a:spcBef>
+              <a:buNone/>
+            </a:pPr>
+            <a:r>
+              <a:rPr lang="en-US" sz="1900" dirty="0" smtClean="0"/>
+              <a:t>	</a:t>
+            </a:r>
+            <a:r>
+              <a:rPr lang="en-US" sz="1500" dirty="0" smtClean="0"/>
+              <a:t>Step 1: Fetch list of rating product wise</a:t>
+            </a:r>
+          </a:p>
+          <a:p>
+            <a:pPr marL="0" indent="0">
+              <a:lnSpc>
+                <a:spcPct val="110000"/>
+              </a:lnSpc>
+              <a:spcBef>
+                <a:spcPts val="0"/>
+              </a:spcBef>
+              <a:buNone/>
+            </a:pPr>
+            <a:r>
+              <a:rPr lang="en-US" sz="1500" dirty="0" smtClean="0"/>
+              <a:t>	Step 2: Initialize variable for sum and count</a:t>
+            </a:r>
+          </a:p>
+          <a:p>
+            <a:pPr marL="0" indent="0">
+              <a:lnSpc>
+                <a:spcPct val="110000"/>
+              </a:lnSpc>
+              <a:spcBef>
+                <a:spcPts val="0"/>
+              </a:spcBef>
+              <a:buNone/>
+            </a:pPr>
+            <a:r>
+              <a:rPr lang="en-US" sz="1500" dirty="0"/>
+              <a:t>	</a:t>
+            </a:r>
+            <a:r>
+              <a:rPr lang="en-US" sz="1500" dirty="0" smtClean="0"/>
+              <a:t>Step 3: Begin Loop</a:t>
+            </a:r>
+          </a:p>
+          <a:p>
+            <a:pPr marL="0" indent="0">
+              <a:lnSpc>
+                <a:spcPct val="110000"/>
+              </a:lnSpc>
+              <a:spcBef>
+                <a:spcPts val="0"/>
+              </a:spcBef>
+              <a:buNone/>
+            </a:pPr>
+            <a:r>
+              <a:rPr lang="en-US" sz="1500" dirty="0"/>
+              <a:t>	</a:t>
+            </a:r>
+            <a:r>
+              <a:rPr lang="en-US" sz="1500" dirty="0" smtClean="0"/>
+              <a:t>		sum = sum + rating;</a:t>
+            </a:r>
+          </a:p>
+          <a:p>
+            <a:pPr marL="0" indent="0">
+              <a:lnSpc>
+                <a:spcPct val="110000"/>
+              </a:lnSpc>
+              <a:spcBef>
+                <a:spcPts val="0"/>
+              </a:spcBef>
+              <a:buNone/>
+            </a:pPr>
+            <a:r>
+              <a:rPr lang="en-US" sz="1500" dirty="0"/>
+              <a:t>	</a:t>
+            </a:r>
+            <a:r>
+              <a:rPr lang="en-US" sz="1500" dirty="0" smtClean="0"/>
+              <a:t>		count = count + 1;</a:t>
+            </a:r>
+          </a:p>
+          <a:p>
+            <a:pPr marL="0" indent="0">
+              <a:lnSpc>
+                <a:spcPct val="110000"/>
+              </a:lnSpc>
+              <a:spcBef>
+                <a:spcPts val="0"/>
+              </a:spcBef>
+              <a:buNone/>
+            </a:pPr>
+            <a:r>
+              <a:rPr lang="en-US" sz="1500" dirty="0"/>
+              <a:t>	</a:t>
+            </a:r>
+            <a:r>
+              <a:rPr lang="en-US" sz="1500" dirty="0" smtClean="0"/>
+              <a:t>	   End Loop</a:t>
+            </a:r>
+          </a:p>
+          <a:p>
+            <a:pPr marL="0" indent="0">
+              <a:lnSpc>
+                <a:spcPct val="110000"/>
+              </a:lnSpc>
+              <a:spcBef>
+                <a:spcPts val="0"/>
+              </a:spcBef>
+              <a:buNone/>
+            </a:pPr>
+            <a:r>
+              <a:rPr lang="en-US" sz="1500" dirty="0"/>
+              <a:t>	</a:t>
+            </a:r>
+            <a:r>
+              <a:rPr lang="en-US" sz="1500" dirty="0" smtClean="0"/>
+              <a:t>Step 3: IF</a:t>
+            </a:r>
+          </a:p>
+          <a:p>
+            <a:pPr marL="0" indent="0">
+              <a:lnSpc>
+                <a:spcPct val="110000"/>
+              </a:lnSpc>
+              <a:spcBef>
+                <a:spcPts val="0"/>
+              </a:spcBef>
+              <a:buNone/>
+            </a:pPr>
+            <a:r>
+              <a:rPr lang="en-US" sz="1500" dirty="0"/>
+              <a:t>	</a:t>
+            </a:r>
+            <a:r>
+              <a:rPr lang="en-US" sz="1500" dirty="0" smtClean="0"/>
+              <a:t>		sum&gt;0 and count&gt;0</a:t>
+            </a:r>
+          </a:p>
+          <a:p>
+            <a:pPr marL="0" indent="0">
+              <a:lnSpc>
+                <a:spcPct val="110000"/>
+              </a:lnSpc>
+              <a:spcBef>
+                <a:spcPts val="0"/>
+              </a:spcBef>
+              <a:buNone/>
+            </a:pPr>
+            <a:r>
+              <a:rPr lang="en-US" sz="1500" dirty="0"/>
+              <a:t>	</a:t>
+            </a:r>
+            <a:r>
+              <a:rPr lang="en-US" sz="1500" dirty="0" smtClean="0"/>
+              <a:t>		Return sum/count</a:t>
+            </a:r>
+          </a:p>
+          <a:p>
+            <a:pPr marL="0" indent="0">
+              <a:lnSpc>
+                <a:spcPct val="110000"/>
+              </a:lnSpc>
+              <a:spcBef>
+                <a:spcPts val="0"/>
+              </a:spcBef>
+              <a:buNone/>
+            </a:pPr>
+            <a:r>
+              <a:rPr lang="en-US" sz="1500" dirty="0"/>
+              <a:t>	</a:t>
+            </a:r>
+            <a:r>
+              <a:rPr lang="en-US" sz="1500" dirty="0" smtClean="0"/>
+              <a:t>	  End IF</a:t>
+            </a:r>
+          </a:p>
+          <a:p>
+            <a:pPr marL="0" indent="0">
+              <a:buNone/>
+            </a:pPr>
+            <a:r>
+              <a:rPr lang="en-US" sz="1400" dirty="0"/>
+              <a:t>	</a:t>
+            </a:r>
+            <a:endParaRPr lang="en-US" sz="1400" dirty="0" smtClean="0"/>
+          </a:p>
+          <a:p>
+            <a:endParaRPr lang="en-US" dirty="0" smtClean="0"/>
           </a:p>
         </p:txBody>
       </p:sp>
     </p:spTree>
     <p:extLst>
       <p:ext uri="{BB962C8B-B14F-4D97-AF65-F5344CB8AC3E}">
-        <p14:creationId xmlns:p14="http://schemas.microsoft.com/office/powerpoint/2010/main" val="1916940172"/>
+        <p14:creationId xmlns:p14="http://schemas.microsoft.com/office/powerpoint/2010/main" val="2371297784"/>
       </p:ext>
     </p:extLst>
   </p:cSld>
@@ -7776,153 +8598,246 @@
           </a:xfrm>
         </p:spPr>
         <p:txBody>
+          <a:bodyPr/>
+          <a:lstStyle/>
+          <a:p>
+            <a:r>
+              <a:rPr lang="en-US" dirty="0">
+                <a:solidFill>
+                  <a:schemeClr val="accent1">
+                    <a:lumMod val="50000"/>
+                  </a:schemeClr>
+                </a:solidFill>
+              </a:rPr>
+              <a:t>Implementation – Cont.</a:t>
+            </a:r>
+            <a:endParaRPr lang="en-US" sz="3600" dirty="0">
+              <a:solidFill>
+                <a:schemeClr val="accent1">
+                  <a:lumMod val="50000"/>
+                </a:schemeClr>
+              </a:solidFill>
+            </a:endParaRPr>
+          </a:p>
+        </p:txBody>
+      </p:sp>
+      <p:sp>
+        <p:nvSpPr>
+          <p:cNvPr id="3" name="Content Placeholder 2"/>
+          <p:cNvSpPr>
+            <a:spLocks noGrp="1"/>
+          </p:cNvSpPr>
+          <p:nvPr>
+            <p:ph idx="1"/>
+          </p:nvPr>
+        </p:nvSpPr>
+        <p:spPr>
+          <a:xfrm>
+            <a:off x="990600" y="1066800"/>
+            <a:ext cx="7696200" cy="5334000"/>
+          </a:xfrm>
+        </p:spPr>
+        <p:txBody>
           <a:bodyPr>
             <a:normAutofit/>
           </a:bodyPr>
           <a:lstStyle/>
           <a:p>
-            <a:r>
-              <a:rPr lang="en-US" sz="2400" dirty="0">
-                <a:solidFill>
-                  <a:schemeClr val="accent1">
-                    <a:lumMod val="50000"/>
-                  </a:schemeClr>
-                </a:solidFill>
-              </a:rPr>
-              <a:t>Analysis and Design Consideration – Cont.</a:t>
-            </a:r>
-            <a:endParaRPr lang="en-US" sz="2400" dirty="0"/>
-          </a:p>
-        </p:txBody>
-      </p:sp>
-      <p:sp>
-        <p:nvSpPr>
-          <p:cNvPr id="3" name="Content Placeholder 2"/>
-          <p:cNvSpPr>
-            <a:spLocks noGrp="1"/>
-          </p:cNvSpPr>
-          <p:nvPr>
-            <p:ph idx="1"/>
-          </p:nvPr>
-        </p:nvSpPr>
-        <p:spPr>
-          <a:xfrm>
-            <a:off x="990600" y="1066800"/>
-            <a:ext cx="7315200" cy="5181600"/>
-          </a:xfrm>
-        </p:spPr>
-        <p:txBody>
-          <a:bodyPr>
-            <a:normAutofit/>
-          </a:bodyPr>
-          <a:lstStyle/>
+            <a:pPr marL="0" indent="0">
+              <a:buNone/>
+            </a:pPr>
+            <a:r>
+              <a:rPr lang="en-US" sz="2400" b="1" dirty="0" smtClean="0"/>
+              <a:t>Generate Distance Notification</a:t>
+            </a:r>
+          </a:p>
           <a:p>
             <a:r>
               <a:rPr lang="en-US" dirty="0"/>
+              <a:t>h</a:t>
+            </a:r>
+            <a:r>
+              <a:rPr lang="en-US" dirty="0" smtClean="0"/>
+              <a:t>aversine Formula</a:t>
+            </a:r>
+          </a:p>
+          <a:p>
+            <a:pPr marL="0" indent="0" algn="ctr">
+              <a:buNone/>
+            </a:pPr>
+            <a:r>
+              <a:rPr lang="en-US" dirty="0" smtClean="0"/>
+              <a:t>	</a:t>
+            </a:r>
+            <a:r>
+              <a:rPr lang="es-ES" dirty="0" smtClean="0"/>
+              <a:t>a = sin²(</a:t>
+            </a:r>
+            <a:r>
+              <a:rPr lang="es-ES" dirty="0" err="1" smtClean="0"/>
+              <a:t>Δφ</a:t>
+            </a:r>
+            <a:r>
+              <a:rPr lang="es-ES" dirty="0" smtClean="0"/>
+              <a:t>/2) + </a:t>
+            </a:r>
+            <a:r>
+              <a:rPr lang="es-ES" dirty="0" err="1" smtClean="0"/>
+              <a:t>cos</a:t>
+            </a:r>
+            <a:r>
+              <a:rPr lang="es-ES" dirty="0" smtClean="0"/>
+              <a:t> φ</a:t>
+            </a:r>
+            <a:r>
+              <a:rPr lang="es-ES" baseline="-25000" dirty="0" smtClean="0"/>
+              <a:t>1</a:t>
+            </a:r>
+            <a:r>
+              <a:rPr lang="es-ES" dirty="0" smtClean="0"/>
+              <a:t> ⋅ </a:t>
+            </a:r>
+            <a:r>
+              <a:rPr lang="es-ES" dirty="0" err="1" smtClean="0"/>
+              <a:t>cos</a:t>
+            </a:r>
+            <a:r>
+              <a:rPr lang="es-ES" dirty="0" smtClean="0"/>
+              <a:t> φ</a:t>
+            </a:r>
+            <a:r>
+              <a:rPr lang="es-ES" baseline="-25000" dirty="0" smtClean="0"/>
+              <a:t>2</a:t>
+            </a:r>
+            <a:r>
+              <a:rPr lang="es-ES" dirty="0" smtClean="0"/>
+              <a:t> ⋅ sin²(</a:t>
+            </a:r>
+            <a:r>
+              <a:rPr lang="es-ES" dirty="0" err="1" smtClean="0"/>
+              <a:t>Δλ</a:t>
+            </a:r>
+            <a:r>
+              <a:rPr lang="es-ES" dirty="0" smtClean="0"/>
+              <a:t>/2)</a:t>
+            </a:r>
+          </a:p>
+          <a:p>
+            <a:pPr marL="0" indent="0" algn="ctr">
+              <a:buNone/>
+            </a:pPr>
+            <a:r>
+              <a:rPr lang="en-US" dirty="0" smtClean="0"/>
+              <a:t>c </a:t>
+            </a:r>
+            <a:r>
+              <a:rPr lang="en-US" dirty="0"/>
+              <a:t>= 2 ⋅ atan2( √a, √(1−a) </a:t>
+            </a:r>
+            <a:r>
+              <a:rPr lang="en-US" dirty="0" smtClean="0"/>
+              <a:t>)</a:t>
+            </a:r>
+          </a:p>
+          <a:p>
+            <a:pPr marL="0" indent="0" algn="ctr">
+              <a:buNone/>
+            </a:pPr>
+            <a:r>
+              <a:rPr lang="en-US" dirty="0"/>
+              <a:t>d = R ⋅ </a:t>
+            </a:r>
+            <a:r>
+              <a:rPr lang="en-US" dirty="0" smtClean="0"/>
+              <a:t>c</a:t>
+            </a:r>
+          </a:p>
+          <a:p>
+            <a:pPr marL="0" indent="0" algn="ctr">
+              <a:buNone/>
+            </a:pPr>
+            <a:r>
+              <a:rPr lang="en-US" dirty="0"/>
+              <a:t>φ</a:t>
+            </a:r>
+            <a:r>
+              <a:rPr lang="en-US" i="1" dirty="0"/>
+              <a:t> is latitude, </a:t>
+            </a:r>
+            <a:r>
+              <a:rPr lang="en-US" dirty="0"/>
+              <a:t>λ</a:t>
+            </a:r>
+            <a:r>
+              <a:rPr lang="en-US" i="1" dirty="0"/>
+              <a:t> is </a:t>
+            </a:r>
+            <a:r>
+              <a:rPr lang="en-US" i="1" dirty="0" smtClean="0"/>
+              <a:t>longitude</a:t>
+            </a:r>
+            <a:r>
+              <a:rPr lang="en-US" i="1" dirty="0"/>
               <a:t> </a:t>
             </a:r>
-            <a:r>
-              <a:rPr lang="en-US" b="1" dirty="0" smtClean="0"/>
-              <a:t>Clustering </a:t>
-            </a:r>
-            <a:r>
-              <a:rPr lang="en-US" b="1" dirty="0"/>
-              <a:t>S</a:t>
-            </a:r>
-            <a:r>
-              <a:rPr lang="en-US" b="1" dirty="0" smtClean="0"/>
-              <a:t>upport</a:t>
-            </a:r>
-            <a:endParaRPr lang="en-US" b="1" i="1" dirty="0"/>
-          </a:p>
-          <a:p>
-            <a:pPr lvl="1"/>
+            <a:endParaRPr lang="en-US" i="1" dirty="0" smtClean="0"/>
+          </a:p>
+          <a:p>
+            <a:pPr marL="0" indent="0" algn="ctr">
+              <a:buNone/>
+            </a:pPr>
             <a:r>
               <a:rPr lang="en-US" dirty="0" smtClean="0"/>
-              <a:t>Business </a:t>
-            </a:r>
-            <a:r>
-              <a:rPr lang="en-US" dirty="0"/>
-              <a:t>classes will generate single stateless instance in each JVM of </a:t>
-            </a:r>
+              <a:t>R</a:t>
+            </a:r>
+            <a:r>
+              <a:rPr lang="en-US" i="1" dirty="0"/>
+              <a:t> is earth’s radius (mean radius = 6,371km</a:t>
+            </a:r>
+            <a:r>
+              <a:rPr lang="en-US" i="1" dirty="0" smtClean="0"/>
+              <a:t>)</a:t>
+            </a:r>
+          </a:p>
+          <a:p>
+            <a:pPr marL="0" indent="0" algn="ctr">
+              <a:buNone/>
+            </a:pPr>
+            <a:r>
+              <a:rPr lang="en-US" sz="1600" b="1" i="1" dirty="0" smtClean="0"/>
+              <a:t>*</a:t>
+            </a:r>
+            <a:r>
+              <a:rPr lang="en-US" sz="1600" dirty="0"/>
+              <a:t>the earth is very slightly ellipsoidal; using a spherical model gives errors typically up to 0.3%</a:t>
+            </a:r>
+            <a:endParaRPr lang="es-ES" sz="1600" b="1" dirty="0"/>
+          </a:p>
+          <a:p>
             <a:r>
               <a:rPr lang="en-US" dirty="0" smtClean="0"/>
-              <a:t>clustering.</a:t>
-            </a:r>
-          </a:p>
-          <a:p>
-            <a:r>
-              <a:rPr lang="en-US" b="1" dirty="0" smtClean="0"/>
-              <a:t>Logging </a:t>
-            </a:r>
-            <a:r>
-              <a:rPr lang="en-US" b="1" dirty="0"/>
-              <a:t>Facilities</a:t>
-            </a:r>
-            <a:endParaRPr lang="en-US" b="1" i="1" dirty="0"/>
-          </a:p>
-          <a:p>
-            <a:pPr lvl="1"/>
-            <a:r>
-              <a:rPr lang="en-US" dirty="0"/>
-              <a:t>Log4j logging framework will be integrated to capture log into file system for any kind of operation in the system</a:t>
-            </a:r>
-            <a:r>
-              <a:rPr lang="en-US" dirty="0" smtClean="0"/>
-              <a:t>.</a:t>
-            </a:r>
-            <a:endParaRPr lang="en-US" dirty="0"/>
-          </a:p>
-          <a:p>
-            <a:r>
-              <a:rPr lang="en-US" b="1" dirty="0" smtClean="0"/>
-              <a:t>Audit </a:t>
-            </a:r>
-            <a:r>
-              <a:rPr lang="en-US" b="1" dirty="0"/>
-              <a:t>Facilities</a:t>
-            </a:r>
-            <a:endParaRPr lang="en-US" b="1" i="1" dirty="0"/>
-          </a:p>
-          <a:p>
-            <a:pPr lvl="1"/>
-            <a:r>
-              <a:rPr lang="en-US" dirty="0"/>
-              <a:t>Every transaction table will have two audit columns namely “Created By”, “Created Date”, “Updated Date” – to track who has created/updated a particular entry in table and when that is happened. </a:t>
-            </a:r>
-          </a:p>
-          <a:p>
-            <a:r>
-              <a:rPr lang="en-US" b="1" dirty="0" smtClean="0"/>
-              <a:t>Security</a:t>
-            </a:r>
-            <a:endParaRPr lang="en-US" b="1" i="1" dirty="0"/>
-          </a:p>
-          <a:p>
-            <a:pPr lvl="1"/>
-            <a:r>
-              <a:rPr lang="en-US" dirty="0"/>
-              <a:t>The application is accessible only through a valid login with necessary privileges. </a:t>
-            </a:r>
+              <a:t>Implemented using Java Math library packages.</a:t>
+            </a:r>
+          </a:p>
+          <a:p>
+            <a:pPr marL="0" indent="0">
+              <a:buNone/>
+            </a:pPr>
+            <a:r>
+              <a:rPr lang="en-US" sz="1400" dirty="0"/>
+              <a:t>	</a:t>
+            </a:r>
+            <a:endParaRPr lang="en-US" sz="1400" dirty="0" smtClean="0"/>
+          </a:p>
+          <a:p>
             <a:endParaRPr lang="en-US" dirty="0" smtClean="0"/>
-          </a:p>
-          <a:p>
-            <a:pPr lvl="1"/>
-            <a:r>
-              <a:rPr lang="en-US" dirty="0" smtClean="0"/>
-              <a:t>Use of https </a:t>
-            </a:r>
-            <a:r>
-              <a:rPr lang="en-US" dirty="0"/>
-              <a:t>connectivity.</a:t>
-            </a:r>
           </a:p>
         </p:txBody>
       </p:sp>
     </p:spTree>
     <p:extLst>
       <p:ext uri="{BB962C8B-B14F-4D97-AF65-F5344CB8AC3E}">
-        <p14:creationId xmlns:p14="http://schemas.microsoft.com/office/powerpoint/2010/main" val="2353562978"/>
+        <p14:creationId xmlns:p14="http://schemas.microsoft.com/office/powerpoint/2010/main" val="1033690158"/>
       </p:ext>
     </p:extLst>
   </p:cSld>
@@ -7977,14 +8892,14 @@
           <a:lstStyle/>
           <a:p>
             <a:r>
-              <a:rPr lang="en-US" dirty="0" smtClean="0">
+              <a:rPr lang="en-US" dirty="0">
                 <a:solidFill>
                   <a:schemeClr val="accent1">
                     <a:lumMod val="50000"/>
                   </a:schemeClr>
                 </a:solidFill>
               </a:rPr>
-              <a:t>Implementation</a:t>
+              <a:t>Implementation – Cont.</a:t>
             </a:r>
             <a:endParaRPr lang="en-US" sz="3600" dirty="0">
               <a:solidFill>
@@ -8009,225 +8924,206 @@
         <p:spPr>
           <a:xfrm>
             <a:off x="990600" y="1295400"/>
-            <a:ext cx="7467600" cy="5029200"/>
+            <a:ext cx="7467600" cy="4876800"/>
           </a:xfrm>
         </p:spPr>
         <p:txBody>
           <a:bodyPr>
-            <a:normAutofit fontScale="85000" lnSpcReduction="20000"/>
+            <a:normAutofit fontScale="92500" lnSpcReduction="10000"/>
           </a:bodyPr>
           <a:lstStyle/>
           <a:p>
-            <a:pPr marL="0" indent="0">
-              <a:buNone/>
-            </a:pPr>
-            <a:r>
-              <a:rPr lang="en-US" sz="2400" b="1" dirty="0" smtClean="0"/>
-              <a:t>Scheduler Service</a:t>
-            </a:r>
-          </a:p>
-          <a:p>
-            <a:r>
-              <a:rPr lang="en-US" b="1" dirty="0" smtClean="0"/>
-              <a:t>Step 1: execute search requests and fetch selected products</a:t>
-            </a:r>
-          </a:p>
-          <a:p>
-            <a:r>
-              <a:rPr lang="en-US" b="1" dirty="0" smtClean="0"/>
-              <a:t>Step 2: Start LOOP</a:t>
-            </a:r>
-          </a:p>
-          <a:p>
-            <a:pPr marL="0" indent="0">
-              <a:buNone/>
-            </a:pPr>
-            <a:r>
-              <a:rPr lang="en-US" b="1" dirty="0"/>
-              <a:t>	</a:t>
-            </a:r>
-            <a:r>
-              <a:rPr lang="en-US" b="1" dirty="0" smtClean="0"/>
-              <a:t>		fetch Follow Seller Selections</a:t>
-            </a:r>
-          </a:p>
-          <a:p>
-            <a:pPr marL="0" indent="0">
-              <a:buNone/>
-            </a:pPr>
-            <a:r>
-              <a:rPr lang="en-US" b="1" dirty="0"/>
-              <a:t>	</a:t>
-            </a:r>
-            <a:r>
-              <a:rPr lang="en-US" b="1" dirty="0" smtClean="0"/>
-              <a:t>		Start LOOP</a:t>
-            </a:r>
-          </a:p>
-          <a:p>
-            <a:pPr marL="0" indent="0">
-              <a:buNone/>
-            </a:pPr>
-            <a:r>
-              <a:rPr lang="en-US" b="1" dirty="0"/>
-              <a:t>	</a:t>
-            </a:r>
-            <a:r>
-              <a:rPr lang="en-US" b="1" dirty="0" smtClean="0"/>
-              <a:t>			IF</a:t>
-            </a:r>
-          </a:p>
-          <a:p>
-            <a:pPr marL="0" indent="0">
-              <a:buNone/>
-            </a:pPr>
-            <a:r>
-              <a:rPr lang="en-US" b="1" dirty="0"/>
-              <a:t>	</a:t>
-            </a:r>
-            <a:r>
-              <a:rPr lang="en-US" b="1" dirty="0" smtClean="0"/>
-              <a:t>				(follow seller ==  searched product owner)</a:t>
-            </a:r>
-          </a:p>
-          <a:p>
-            <a:pPr marL="0" indent="0">
-              <a:buNone/>
-            </a:pPr>
-            <a:r>
-              <a:rPr lang="en-US" b="1" dirty="0"/>
-              <a:t>	</a:t>
-            </a:r>
-            <a:r>
-              <a:rPr lang="en-US" b="1" dirty="0" smtClean="0"/>
-              <a:t>					calculate distance</a:t>
-            </a:r>
-          </a:p>
-          <a:p>
-            <a:pPr marL="0" indent="0">
-              <a:buNone/>
-            </a:pPr>
-            <a:r>
-              <a:rPr lang="en-US" b="1" dirty="0"/>
-              <a:t>	</a:t>
-            </a:r>
-            <a:r>
-              <a:rPr lang="en-US" b="1" dirty="0" smtClean="0"/>
-              <a:t>					IF</a:t>
-            </a:r>
-          </a:p>
-          <a:p>
-            <a:pPr marL="0" indent="0">
-              <a:buNone/>
-            </a:pPr>
-            <a:r>
-              <a:rPr lang="en-US" b="1" dirty="0"/>
-              <a:t>	</a:t>
-            </a:r>
-            <a:r>
-              <a:rPr lang="en-US" b="1" dirty="0" smtClean="0"/>
-              <a:t>						(distance &lt; 1)</a:t>
-            </a:r>
-          </a:p>
-          <a:p>
-            <a:pPr marL="0" indent="0">
-              <a:buNone/>
-            </a:pPr>
-            <a:r>
-              <a:rPr lang="en-US" b="1" dirty="0"/>
-              <a:t>	</a:t>
-            </a:r>
-            <a:r>
-              <a:rPr lang="en-US" b="1" dirty="0" smtClean="0"/>
-              <a:t>						fire high priority notifications;</a:t>
-            </a:r>
-          </a:p>
-          <a:p>
-            <a:pPr marL="0" indent="0">
-              <a:buNone/>
-            </a:pPr>
-            <a:r>
-              <a:rPr lang="en-US" b="1" dirty="0"/>
-              <a:t>	</a:t>
-            </a:r>
-            <a:r>
-              <a:rPr lang="en-US" b="1" dirty="0" smtClean="0"/>
-              <a:t>					END IF</a:t>
-            </a:r>
-          </a:p>
-          <a:p>
-            <a:pPr marL="0" indent="0">
-              <a:buNone/>
-            </a:pPr>
-            <a:r>
-              <a:rPr lang="en-US" b="1" dirty="0"/>
-              <a:t>	</a:t>
-            </a:r>
-            <a:r>
-              <a:rPr lang="en-US" b="1" dirty="0" smtClean="0"/>
-              <a:t>			END IF</a:t>
-            </a:r>
-          </a:p>
-          <a:p>
-            <a:pPr marL="0" indent="0">
-              <a:buNone/>
-            </a:pPr>
-            <a:r>
-              <a:rPr lang="en-US" b="1" dirty="0"/>
-              <a:t>	</a:t>
-            </a:r>
-            <a:r>
-              <a:rPr lang="en-US" b="1" dirty="0" smtClean="0"/>
-              <a:t>			fire next level high priority notifications;</a:t>
-            </a:r>
-          </a:p>
-          <a:p>
-            <a:pPr marL="0" indent="0">
-              <a:buNone/>
-            </a:pPr>
-            <a:r>
-              <a:rPr lang="en-US" b="1" dirty="0"/>
-              <a:t>	</a:t>
-            </a:r>
-            <a:r>
-              <a:rPr lang="en-US" b="1" dirty="0" smtClean="0"/>
-              <a:t>		End LOOP	</a:t>
-            </a:r>
-          </a:p>
-          <a:p>
-            <a:pPr marL="0" indent="0">
-              <a:buNone/>
-            </a:pPr>
-            <a:r>
-              <a:rPr lang="en-US" b="1" dirty="0"/>
-              <a:t>	</a:t>
-            </a:r>
-            <a:r>
-              <a:rPr lang="en-US" b="1" dirty="0" smtClean="0"/>
-              <a:t>	</a:t>
-            </a:r>
-            <a:r>
-              <a:rPr lang="en-US" b="1" dirty="0"/>
+            <a:r>
+              <a:rPr lang="en-US" sz="2000" dirty="0" smtClean="0"/>
+              <a:t>Used open </a:t>
+            </a:r>
+            <a:r>
+              <a:rPr lang="en-US" sz="2000" dirty="0"/>
+              <a:t>source </a:t>
+            </a:r>
+            <a:r>
+              <a:rPr lang="en-US" sz="2000" dirty="0" smtClean="0"/>
+              <a:t>technologies and development tools. </a:t>
+            </a:r>
+          </a:p>
+          <a:p>
+            <a:pPr lvl="1">
+              <a:buFont typeface="Wingdings" panose="05000000000000000000" pitchFamily="2" charset="2"/>
+              <a:buChar char="§"/>
+            </a:pPr>
+            <a:r>
+              <a:rPr lang="en-US" sz="1800" dirty="0" smtClean="0"/>
+              <a:t>Eclipse (Mars)</a:t>
+            </a:r>
+          </a:p>
+          <a:p>
+            <a:pPr lvl="1">
+              <a:buFont typeface="Wingdings" panose="05000000000000000000" pitchFamily="2" charset="2"/>
+              <a:buChar char="§"/>
+            </a:pPr>
+            <a:r>
+              <a:rPr lang="en-US" sz="1800" dirty="0" err="1" smtClean="0"/>
+              <a:t>Mysql</a:t>
+            </a:r>
+            <a:r>
+              <a:rPr lang="en-US" sz="1800" dirty="0" smtClean="0"/>
+              <a:t> Workbench</a:t>
+            </a:r>
+          </a:p>
+          <a:p>
+            <a:pPr lvl="1">
+              <a:buFont typeface="Wingdings" panose="05000000000000000000" pitchFamily="2" charset="2"/>
+              <a:buChar char="§"/>
+            </a:pPr>
+            <a:r>
+              <a:rPr lang="en-US" sz="1800" dirty="0" err="1" smtClean="0"/>
+              <a:t>Ireport</a:t>
+            </a:r>
+            <a:endParaRPr lang="en-US" sz="1800" dirty="0"/>
+          </a:p>
+          <a:p>
+            <a:pPr marL="457200" lvl="1" indent="0">
+              <a:buNone/>
+            </a:pPr>
+            <a:endParaRPr lang="en-US" dirty="0"/>
+          </a:p>
+          <a:p>
+            <a:r>
+              <a:rPr lang="en-US" sz="2000" dirty="0"/>
+              <a:t>For the </a:t>
+            </a:r>
+            <a:r>
+              <a:rPr lang="en-US" sz="2000" dirty="0" smtClean="0"/>
+              <a:t>Data layer -  </a:t>
+            </a:r>
+            <a:r>
+              <a:rPr lang="en-US" sz="2000" dirty="0"/>
+              <a:t>MySQL </a:t>
+            </a:r>
+            <a:r>
+              <a:rPr lang="en-US" sz="2000" dirty="0" smtClean="0"/>
+              <a:t>database</a:t>
+            </a:r>
+          </a:p>
+          <a:p>
+            <a:r>
+              <a:rPr lang="en-US" sz="2000" dirty="0" smtClean="0"/>
+              <a:t>Data layer implementation – Java</a:t>
+            </a:r>
+          </a:p>
+          <a:p>
+            <a:r>
+              <a:rPr lang="en-US" sz="2000" dirty="0" smtClean="0"/>
+              <a:t>For </a:t>
+            </a:r>
+            <a:r>
+              <a:rPr lang="en-US" sz="2000" dirty="0"/>
+              <a:t>further functionalities such as connection pooling, maintain </a:t>
+            </a:r>
+            <a:r>
+              <a:rPr lang="en-US" sz="2000" dirty="0" smtClean="0"/>
+              <a:t>scalability - </a:t>
+            </a:r>
+            <a:r>
+              <a:rPr lang="en-US" sz="2000" dirty="0"/>
+              <a:t>Spring data JPA </a:t>
+            </a:r>
+            <a:r>
+              <a:rPr lang="en-US" sz="2000" dirty="0" smtClean="0"/>
+              <a:t>framework.</a:t>
+            </a:r>
+          </a:p>
+          <a:p>
+            <a:r>
+              <a:rPr lang="en-US" sz="2000" dirty="0" smtClean="0"/>
+              <a:t>Business </a:t>
+            </a:r>
+            <a:r>
+              <a:rPr lang="en-US" sz="2000" dirty="0"/>
+              <a:t>layer </a:t>
+            </a:r>
+            <a:r>
+              <a:rPr lang="en-US" sz="2000" dirty="0" smtClean="0"/>
+              <a:t>- </a:t>
+            </a:r>
+            <a:r>
+              <a:rPr lang="en-US" sz="2000" dirty="0"/>
+              <a:t>Java and Spring framework</a:t>
+            </a:r>
+            <a:r>
+              <a:rPr lang="en-US" sz="2000" dirty="0" smtClean="0"/>
+              <a:t>.</a:t>
+            </a:r>
+          </a:p>
+          <a:p>
+            <a:r>
+              <a:rPr lang="en-US" sz="2000" dirty="0"/>
+              <a:t>The presentation layer will be developed using HTML5, JSP, JSTL, </a:t>
+            </a:r>
+            <a:r>
+              <a:rPr lang="en-US" sz="2000" dirty="0" err="1" smtClean="0"/>
+              <a:t>Jquery</a:t>
+            </a:r>
+            <a:r>
+              <a:rPr lang="en-US" sz="2000" dirty="0" smtClean="0"/>
+              <a:t>, </a:t>
+            </a:r>
+            <a:r>
+              <a:rPr lang="en-US" sz="2000" dirty="0" err="1" smtClean="0"/>
+              <a:t>Json</a:t>
+            </a:r>
+            <a:r>
+              <a:rPr lang="en-US" sz="2000" dirty="0" smtClean="0"/>
               <a:t> </a:t>
             </a:r>
             <a:r>
-              <a:rPr lang="en-US" b="1" dirty="0" smtClean="0"/>
-              <a:t>   End LOOP</a:t>
-            </a:r>
-            <a:r>
-              <a:rPr lang="en-US" sz="2000" b="1" dirty="0" smtClean="0"/>
-              <a:t>	</a:t>
-            </a:r>
-          </a:p>
-          <a:p>
-            <a:endParaRPr lang="en-US" dirty="0" smtClean="0"/>
+              <a:rPr lang="en-US" sz="2000" dirty="0"/>
+              <a:t>and </a:t>
+            </a:r>
+            <a:r>
+              <a:rPr lang="en-US" sz="2000" dirty="0" err="1"/>
+              <a:t>BootStrap</a:t>
+            </a:r>
+            <a:r>
+              <a:rPr lang="en-US" sz="2000" dirty="0" smtClean="0"/>
+              <a:t>.</a:t>
+            </a:r>
+          </a:p>
+          <a:p>
+            <a:r>
+              <a:rPr lang="en-US" sz="2000" dirty="0"/>
+              <a:t>Report generations </a:t>
+            </a:r>
+            <a:r>
+              <a:rPr lang="en-US" sz="2000" dirty="0" smtClean="0"/>
+              <a:t> - Jasper </a:t>
+            </a:r>
+            <a:r>
+              <a:rPr lang="en-US" sz="2000" dirty="0"/>
+              <a:t>reporting with </a:t>
+            </a:r>
+            <a:r>
+              <a:rPr lang="en-US" sz="2000" dirty="0" err="1" smtClean="0"/>
+              <a:t>Ireport</a:t>
+            </a:r>
+            <a:r>
+              <a:rPr lang="en-US" sz="2000" dirty="0" smtClean="0"/>
+              <a:t>.</a:t>
+            </a:r>
+            <a:endParaRPr lang="en-US" sz="2000" dirty="0"/>
+          </a:p>
+          <a:p>
+            <a:endParaRPr lang="en-US" sz="2000" dirty="0"/>
+          </a:p>
+          <a:p>
+            <a:endParaRPr lang="en-US" sz="2000" dirty="0"/>
           </a:p>
         </p:txBody>
       </p:sp>
     </p:spTree>
     <p:extLst>
       <p:ext uri="{BB962C8B-B14F-4D97-AF65-F5344CB8AC3E}">
-        <p14:creationId xmlns:p14="http://schemas.microsoft.com/office/powerpoint/2010/main" val="166755139"/>
+        <p14:creationId xmlns:p14="http://schemas.microsoft.com/office/powerpoint/2010/main" val="1614393921"/>
       </p:ext>
     </p:extLst>
   </p:cSld>
@@ -8349,7 +9245,7 @@
           <a:p>
             <a:r>
               <a:rPr lang="en-US" sz="2500" dirty="0" smtClean="0"/>
-              <a:t>Existing Issues in Systems</a:t>
+              <a:t>Existing Issues</a:t>
             </a:r>
           </a:p>
           <a:p>
@@ -8378,7 +9274,7 @@
           <a:p>
             <a:r>
               <a:rPr lang="en-US" sz="2500" dirty="0" smtClean="0"/>
-              <a:t>Conclusion</a:t>
+              <a:t>Conclusion &amp; Further Works</a:t>
             </a:r>
             <a:endParaRPr lang="en-US" sz="2500" dirty="0"/>
           </a:p>
@@ -8441,15 +9337,58 @@
           <a:bodyPr/>
           <a:lstStyle/>
           <a:p>
-            <a:r>
-              <a:rPr lang="en-US" dirty="0">
+            <a:pPr marL="0" indent="0" algn="l">
+              <a:buNone/>
+            </a:pPr>
+            <a:r>
+              <a:rPr lang="en-US" sz="3600" dirty="0" smtClean="0">
                 <a:solidFill>
                   <a:schemeClr val="accent1">
                     <a:lumMod val="50000"/>
                   </a:schemeClr>
                 </a:solidFill>
               </a:rPr>
-              <a:t>Implementation – Cont.</a:t>
+              <a:t>Conclusion </a:t>
+            </a:r>
+            <a:r>
+              <a:rPr lang="en-US" dirty="0">
+                <a:solidFill>
+                  <a:schemeClr val="accent1">
+                    <a:lumMod val="50000"/>
+                  </a:schemeClr>
+                </a:solidFill>
+              </a:rPr>
+              <a:t>&amp;</a:t>
+            </a:r>
+            <a:r>
+              <a:rPr lang="en-US" sz="3600" dirty="0" smtClean="0">
+                <a:solidFill>
+                  <a:schemeClr val="accent1">
+                    <a:lumMod val="50000"/>
+                  </a:schemeClr>
+                </a:solidFill>
+              </a:rPr>
+              <a:t> Further </a:t>
+            </a:r>
+            <a:r>
+              <a:rPr lang="en-US" dirty="0">
+                <a:solidFill>
+                  <a:schemeClr val="accent1">
+                    <a:lumMod val="50000"/>
+                  </a:schemeClr>
+                </a:solidFill>
+              </a:rPr>
+              <a:t>W</a:t>
+            </a:r>
+            <a:r>
+              <a:rPr lang="en-US" sz="3600" dirty="0" smtClean="0">
+                <a:solidFill>
+                  <a:schemeClr val="accent1">
+                    <a:lumMod val="50000"/>
+                  </a:schemeClr>
+                </a:solidFill>
+              </a:rPr>
+              <a:t>orks</a:t>
             </a:r>
             <a:endParaRPr lang="en-US" sz="3600" dirty="0">
               <a:solidFill>
@@ -8473,13 +9412,13 @@
         </p:nvSpPr>
         <p:spPr>
           <a:xfrm>
-            <a:off x="990600" y="1066800"/>
-            <a:ext cx="7696200" cy="5334000"/>
+            <a:off x="990600" y="1295400"/>
+            <a:ext cx="7696200" cy="5181600"/>
           </a:xfrm>
         </p:spPr>
         <p:txBody>
           <a:bodyPr>
-            <a:normAutofit lnSpcReduction="10000"/>
+            <a:normAutofit fontScale="92500" lnSpcReduction="10000"/>
           </a:bodyPr>
           <a:lstStyle/>
           <a:p>
@@ -8487,269 +9426,95 @@
               <a:buNone/>
             </a:pPr>
             <a:r>
-              <a:rPr lang="en-US" sz="2400" b="1" dirty="0" smtClean="0"/>
-              <a:t>Calculating overall rating</a:t>
-            </a:r>
-          </a:p>
-          <a:p>
-            <a:r>
-              <a:rPr lang="en-US" dirty="0" smtClean="0"/>
-              <a:t>Algorithm </a:t>
-            </a:r>
-          </a:p>
-          <a:p>
-            <a:pPr marL="0" indent="0" algn="ctr">
-              <a:buNone/>
-            </a:pPr>
-            <a:r>
-              <a:rPr lang="en-US" dirty="0"/>
-              <a:t>	</a:t>
-            </a:r>
-            <a:r>
-              <a:rPr lang="en-US" dirty="0" smtClean="0"/>
-              <a:t>		</a:t>
-            </a:r>
-            <a:r>
-              <a:rPr lang="en-US" b="1" dirty="0" smtClean="0"/>
-              <a:t>Overall </a:t>
-            </a:r>
-            <a:r>
-              <a:rPr lang="en-US" b="1" dirty="0"/>
-              <a:t>R</a:t>
-            </a:r>
-            <a:r>
-              <a:rPr lang="en-US" b="1" dirty="0" smtClean="0"/>
-              <a:t>ating = Total Rating/No of Rating</a:t>
-            </a:r>
-          </a:p>
-          <a:p>
-            <a:pPr marL="0" indent="0" algn="ctr">
-              <a:buNone/>
-            </a:pPr>
-            <a:r>
-              <a:rPr lang="en-US" b="1" dirty="0"/>
-              <a:t>	</a:t>
-            </a:r>
-            <a:r>
-              <a:rPr lang="en-US" sz="1400" b="1" dirty="0" smtClean="0"/>
-              <a:t>* for a item wise</a:t>
-            </a:r>
-            <a:endParaRPr lang="en-US" b="1" dirty="0" smtClean="0"/>
-          </a:p>
-          <a:p>
-            <a:r>
-              <a:rPr lang="en-US" dirty="0" smtClean="0"/>
-              <a:t>steps for calculating overall rating</a:t>
-            </a:r>
-          </a:p>
-          <a:p>
-            <a:endParaRPr lang="en-US" dirty="0" smtClean="0"/>
+              <a:rPr lang="en-US" sz="3300" b="1" dirty="0" smtClean="0"/>
+              <a:t>Conclusion</a:t>
+            </a:r>
+          </a:p>
+          <a:p>
+            <a:r>
+              <a:rPr lang="en-US" sz="2300" dirty="0" smtClean="0"/>
+              <a:t>The </a:t>
+            </a:r>
+            <a:r>
+              <a:rPr lang="en-US" sz="2300" dirty="0"/>
+              <a:t>newly proposed </a:t>
+            </a:r>
+            <a:r>
+              <a:rPr lang="en-US" sz="2300" dirty="0" smtClean="0"/>
+              <a:t>system will </a:t>
+            </a:r>
+            <a:r>
+              <a:rPr lang="en-US" sz="2300" dirty="0"/>
+              <a:t>be well benefited to the people who spend a busy schedule in their life. </a:t>
+            </a:r>
+            <a:endParaRPr lang="en-US" sz="2300" dirty="0" smtClean="0"/>
+          </a:p>
+          <a:p>
+            <a:endParaRPr lang="en-US" sz="2300" dirty="0" smtClean="0"/>
+          </a:p>
+          <a:p>
+            <a:r>
+              <a:rPr lang="en-US" sz="2300" dirty="0" smtClean="0"/>
+              <a:t>Automated searching service will save the </a:t>
+            </a:r>
+            <a:r>
+              <a:rPr lang="en-US" sz="2300" dirty="0"/>
+              <a:t>time spending on browsing through the posted </a:t>
+            </a:r>
+            <a:r>
+              <a:rPr lang="en-US" sz="2300" dirty="0" smtClean="0"/>
+              <a:t>advertisements.</a:t>
+            </a:r>
+          </a:p>
+          <a:p>
+            <a:endParaRPr lang="en-US" sz="2300" dirty="0"/>
+          </a:p>
+          <a:p>
+            <a:r>
+              <a:rPr lang="en-US" sz="2300" dirty="0" smtClean="0"/>
+              <a:t>Location based services will save the time spending on scheduling time </a:t>
+            </a:r>
+            <a:r>
+              <a:rPr lang="en-US" sz="2300" dirty="0"/>
+              <a:t>and venue for meet </a:t>
+            </a:r>
+            <a:r>
+              <a:rPr lang="en-US" sz="2300" dirty="0" smtClean="0"/>
+              <a:t>the seller. </a:t>
+            </a:r>
+          </a:p>
+          <a:p>
+            <a:endParaRPr lang="en-US" sz="2300" dirty="0"/>
+          </a:p>
+          <a:p>
+            <a:r>
+              <a:rPr lang="en-US" sz="2300" dirty="0" smtClean="0"/>
+              <a:t>Users </a:t>
+            </a:r>
+            <a:r>
+              <a:rPr lang="en-US" sz="2300" dirty="0"/>
+              <a:t>notify automatically when the best matching seller or buyer comes nearby, so the user will be free of tension and stress of searching the proper buyer or seller to contact. </a:t>
+            </a:r>
+            <a:endParaRPr lang="en-US" sz="2300" dirty="0" smtClean="0"/>
+          </a:p>
+          <a:p>
+            <a:endParaRPr lang="en-US" sz="2300" dirty="0" smtClean="0"/>
+          </a:p>
+          <a:p>
+            <a:endParaRPr lang="en-US" sz="2300" dirty="0" smtClean="0"/>
           </a:p>
           <a:p>
             <a:pPr marL="0" indent="0">
-              <a:lnSpc>
-                <a:spcPct val="110000"/>
-              </a:lnSpc>
-              <a:spcBef>
-                <a:spcPts val="0"/>
-              </a:spcBef>
-              <a:buNone/>
-            </a:pPr>
-            <a:r>
-              <a:rPr lang="en-US" sz="1900" dirty="0" smtClean="0"/>
-              <a:t>	</a:t>
-            </a:r>
-            <a:r>
-              <a:rPr lang="en-US" sz="1500" dirty="0" smtClean="0"/>
-              <a:t>Step 1: Fetch list of rating product wise</a:t>
-            </a:r>
-          </a:p>
-          <a:p>
-            <a:pPr marL="0" indent="0">
-              <a:lnSpc>
-                <a:spcPct val="110000"/>
-              </a:lnSpc>
-              <a:spcBef>
-                <a:spcPts val="0"/>
-              </a:spcBef>
-              <a:buNone/>
-            </a:pPr>
-            <a:r>
-              <a:rPr lang="en-US" sz="1500" dirty="0" smtClean="0"/>
-              <a:t>	Step 2: Initialize variable for sum and count</a:t>
-            </a:r>
-          </a:p>
-          <a:p>
-            <a:pPr marL="0" indent="0">
-              <a:lnSpc>
-                <a:spcPct val="110000"/>
-              </a:lnSpc>
-              <a:spcBef>
-                <a:spcPts val="0"/>
-              </a:spcBef>
-              <a:buNone/>
-            </a:pPr>
-            <a:r>
-              <a:rPr lang="en-US" sz="1500" dirty="0"/>
-              <a:t>	</a:t>
-            </a:r>
-            <a:r>
-              <a:rPr lang="en-US" sz="1500" dirty="0" smtClean="0"/>
-              <a:t>Step 3: Begin Loop</a:t>
-            </a:r>
-          </a:p>
-          <a:p>
-            <a:pPr marL="0" indent="0">
-              <a:lnSpc>
-                <a:spcPct val="110000"/>
-              </a:lnSpc>
-              <a:spcBef>
-                <a:spcPts val="0"/>
-              </a:spcBef>
-              <a:buNone/>
-            </a:pPr>
-            <a:r>
-              <a:rPr lang="en-US" sz="1500" dirty="0"/>
-              <a:t>	</a:t>
-            </a:r>
-            <a:r>
-              <a:rPr lang="en-US" sz="1500" dirty="0" smtClean="0"/>
-              <a:t>		sum = sum + rating;</a:t>
-            </a:r>
-          </a:p>
-          <a:p>
-            <a:pPr marL="0" indent="0">
-              <a:lnSpc>
-                <a:spcPct val="110000"/>
-              </a:lnSpc>
-              <a:spcBef>
-                <a:spcPts val="0"/>
-              </a:spcBef>
-              <a:buNone/>
-            </a:pPr>
-            <a:r>
-              <a:rPr lang="en-US" sz="1500" dirty="0"/>
-              <a:t>	</a:t>
-            </a:r>
-            <a:r>
-              <a:rPr lang="en-US" sz="1500" dirty="0" smtClean="0"/>
-              <a:t>		count = count + 1;</a:t>
-            </a:r>
-          </a:p>
-          <a:p>
-            <a:pPr marL="0" indent="0">
-              <a:lnSpc>
-                <a:spcPct val="110000"/>
-              </a:lnSpc>
-              <a:spcBef>
-                <a:spcPts val="0"/>
-              </a:spcBef>
-              <a:buNone/>
-            </a:pPr>
-            <a:r>
-              <a:rPr lang="en-US" sz="1500" dirty="0"/>
-              <a:t>	</a:t>
-            </a:r>
-            <a:r>
-              <a:rPr lang="en-US" sz="1500" dirty="0" smtClean="0"/>
-              <a:t>	   End Loop</a:t>
-            </a:r>
-          </a:p>
-          <a:p>
-            <a:pPr marL="0" indent="0">
-              <a:lnSpc>
-                <a:spcPct val="110000"/>
-              </a:lnSpc>
-              <a:spcBef>
-                <a:spcPts val="0"/>
-              </a:spcBef>
-              <a:buNone/>
-            </a:pPr>
-            <a:r>
-              <a:rPr lang="en-US" sz="1500" dirty="0"/>
-              <a:t>	</a:t>
-            </a:r>
-            <a:r>
-              <a:rPr lang="en-US" sz="1500" dirty="0" smtClean="0"/>
-              <a:t>Step 3: IF</a:t>
-            </a:r>
-          </a:p>
-          <a:p>
-            <a:pPr marL="0" indent="0">
-              <a:lnSpc>
-                <a:spcPct val="110000"/>
-              </a:lnSpc>
-              <a:spcBef>
-                <a:spcPts val="0"/>
-              </a:spcBef>
-              <a:buNone/>
-            </a:pPr>
-            <a:r>
-              <a:rPr lang="en-US" sz="1500" dirty="0"/>
-              <a:t>	</a:t>
-            </a:r>
-            <a:r>
-              <a:rPr lang="en-US" sz="1500" dirty="0" smtClean="0"/>
-              <a:t>		sum&gt;0 and count&gt;0</a:t>
-            </a:r>
-          </a:p>
-          <a:p>
-            <a:pPr marL="0" indent="0">
-              <a:lnSpc>
-                <a:spcPct val="110000"/>
-              </a:lnSpc>
-              <a:spcBef>
-                <a:spcPts val="0"/>
-              </a:spcBef>
-              <a:buNone/>
-            </a:pPr>
-            <a:r>
-              <a:rPr lang="en-US" sz="1500" dirty="0"/>
-              <a:t>	</a:t>
-            </a:r>
-            <a:r>
-              <a:rPr lang="en-US" sz="1500" dirty="0" smtClean="0"/>
-              <a:t>		Return sum/count</a:t>
-            </a:r>
-          </a:p>
-          <a:p>
-            <a:pPr marL="0" indent="0">
-              <a:lnSpc>
-                <a:spcPct val="110000"/>
-              </a:lnSpc>
-              <a:spcBef>
-                <a:spcPts val="0"/>
-              </a:spcBef>
-              <a:buNone/>
-            </a:pPr>
-            <a:r>
-              <a:rPr lang="en-US" sz="1500" dirty="0"/>
-              <a:t>	</a:t>
-            </a:r>
-            <a:r>
-              <a:rPr lang="en-US" sz="1500" dirty="0" smtClean="0"/>
-              <a:t>	  End IF</a:t>
-            </a:r>
-          </a:p>
-          <a:p>
-            <a:pPr marL="0" indent="0">
-              <a:buNone/>
-            </a:pPr>
-            <a:r>
-              <a:rPr lang="en-US" sz="1400" dirty="0"/>
-              <a:t>	</a:t>
-            </a:r>
-            <a:endParaRPr lang="en-US" sz="1400" dirty="0" smtClean="0"/>
-          </a:p>
-          <a:p>
-            <a:endParaRPr lang="en-US" dirty="0" smtClean="0"/>
+              <a:buNone/>
+            </a:pPr>
+            <a:endParaRPr lang="en-US" dirty="0"/>
           </a:p>
         </p:txBody>
       </p:sp>
     </p:spTree>
     <p:extLst>
       <p:ext uri="{BB962C8B-B14F-4D97-AF65-F5344CB8AC3E}">
-        <p14:creationId xmlns:p14="http://schemas.microsoft.com/office/powerpoint/2010/main" val="2371297784"/>
+        <p14:creationId xmlns:p14="http://schemas.microsoft.com/office/powerpoint/2010/main" val="1041161480"/>
       </p:ext>
     </p:extLst>
   </p:cSld>
@@ -8796,11 +9561,13 @@
         <p:spPr>
           <a:xfrm>
             <a:off x="990600" y="457200"/>
-            <a:ext cx="6512511" cy="838200"/>
+            <a:ext cx="7543800" cy="838200"/>
           </a:xfrm>
         </p:spPr>
         <p:txBody>
-          <a:bodyPr/>
+          <a:bodyPr>
+            <a:normAutofit/>
+          </a:bodyPr>
           <a:lstStyle/>
           <a:p>
             <a:r>
@@ -8811,7 +9578,17 @@
                   </a:schemeClr>
                 </a:solidFill>
               </a:rPr>
-              <a:t>Implementation – Cont.</a:t>
+              <a:t>Conclusion &amp; Further Works </a:t>
+            </a:r>
+            <a:r>
+              <a:rPr lang="en-US" sz="3600" dirty="0" smtClean="0">
+                <a:solidFill>
+                  <a:schemeClr val="accent1">
+                    <a:lumMod val="50000"/>
+                  </a:schemeClr>
+                </a:solidFill>
+              </a:rPr>
+              <a:t>– Cont.</a:t>
             </a:r>
             <a:endParaRPr lang="en-US" sz="3600" dirty="0">
               <a:solidFill>
@@ -8835,211 +9612,109 @@
         </p:nvSpPr>
         <p:spPr>
           <a:xfrm>
-            <a:off x="990600" y="1066800"/>
-            <a:ext cx="7696200" cy="5334000"/>
+            <a:off x="990600" y="1295400"/>
+            <a:ext cx="7391400" cy="4800600"/>
           </a:xfrm>
         </p:spPr>
         <p:txBody>
           <a:bodyPr>
-            <a:normAutofit/>
+            <a:normAutofit fontScale="92500" lnSpcReduction="20000"/>
           </a:bodyPr>
           <a:lstStyle/>
           <a:p>
+            <a:r>
+              <a:rPr lang="en-US" sz="2000" dirty="0"/>
+              <a:t>System notify buyer or seller and shortest path details to find the other party. </a:t>
+            </a:r>
+          </a:p>
+          <a:p>
+            <a:endParaRPr lang="en-US" sz="2000" dirty="0"/>
+          </a:p>
+          <a:p>
+            <a:r>
+              <a:rPr lang="en-US" sz="2000" dirty="0" smtClean="0"/>
+              <a:t>Until </a:t>
+            </a:r>
+            <a:r>
+              <a:rPr lang="en-US" sz="2000" dirty="0"/>
+              <a:t>you find the best matching seller or buyer the system will continue finding.</a:t>
+            </a:r>
+          </a:p>
+          <a:p>
+            <a:endParaRPr lang="en-US" sz="2000" dirty="0" smtClean="0"/>
+          </a:p>
+          <a:p>
+            <a:r>
+              <a:rPr lang="en-US" sz="2000" dirty="0" smtClean="0"/>
+              <a:t>Minimize the frauds by </a:t>
+            </a:r>
+            <a:r>
+              <a:rPr lang="en-US" sz="2000" dirty="0" smtClean="0"/>
+              <a:t>ranking; </a:t>
+            </a:r>
+            <a:r>
+              <a:rPr lang="en-US" sz="2000" dirty="0" smtClean="0"/>
+              <a:t>Also helps </a:t>
+            </a:r>
+            <a:r>
+              <a:rPr lang="en-US" sz="2000" dirty="0"/>
+              <a:t>for future references which help other buyers to find better </a:t>
+            </a:r>
+            <a:r>
+              <a:rPr lang="en-US" sz="2000" dirty="0" smtClean="0"/>
+              <a:t>products or services</a:t>
+            </a:r>
+            <a:r>
+              <a:rPr lang="en-US" sz="2000" dirty="0" smtClean="0"/>
+              <a:t>.</a:t>
+            </a:r>
+            <a:endParaRPr lang="en-US" sz="2000" dirty="0" smtClean="0"/>
+          </a:p>
+          <a:p>
+            <a:endParaRPr lang="en-US" sz="2000" dirty="0"/>
+          </a:p>
+          <a:p>
+            <a:r>
+              <a:rPr lang="en-US" sz="2000" dirty="0" smtClean="0"/>
+              <a:t>Reviews and commenting facility will provide more information about the seller or the products.</a:t>
+            </a:r>
+          </a:p>
+          <a:p>
+            <a:endParaRPr lang="en-US" sz="2000" dirty="0"/>
+          </a:p>
+          <a:p>
+            <a:r>
+              <a:rPr lang="en-US" sz="2000" dirty="0" smtClean="0"/>
+              <a:t>Messaging facility will ease up the communication between buyer and seller.</a:t>
+            </a:r>
+          </a:p>
+          <a:p>
+            <a:endParaRPr lang="en-US" sz="2000" dirty="0"/>
+          </a:p>
+          <a:p>
+            <a:endParaRPr lang="en-US" sz="2000" dirty="0" smtClean="0"/>
+          </a:p>
+          <a:p>
+            <a:endParaRPr lang="en-US" sz="2000" dirty="0"/>
+          </a:p>
+          <a:p>
+            <a:endParaRPr lang="en-US" sz="2000" dirty="0" smtClean="0"/>
+          </a:p>
+          <a:p>
+            <a:endParaRPr lang="en-US" dirty="0"/>
+          </a:p>
+          <a:p>
             <a:pPr marL="0" indent="0">
               <a:buNone/>
             </a:pPr>
-            <a:r>
-              <a:rPr lang="en-US" sz="2400" b="1" dirty="0" smtClean="0"/>
-              <a:t>Generate Distance Notification</a:t>
-            </a:r>
-          </a:p>
-          <a:p>
-            <a:r>
-              <a:rPr lang="en-US" dirty="0"/>
-              <a:t>h</a:t>
-            </a:r>
-            <a:r>
-              <a:rPr lang="en-US" dirty="0" smtClean="0"/>
-              <a:t>aversine Formula</a:t>
-            </a:r>
-          </a:p>
-          <a:p>
-            <a:pPr marL="0" indent="0" algn="ctr">
-              <a:buNone/>
-            </a:pPr>
-            <a:r>
-              <a:rPr lang="en-US" dirty="0" smtClean="0"/>
-              <a:t>	</a:t>
-            </a:r>
-            <a:r>
-              <a:rPr lang="es-ES" dirty="0" smtClean="0"/>
-              <a:t>a = sin²(</a:t>
-            </a:r>
-            <a:r>
-              <a:rPr lang="es-ES" dirty="0" err="1" smtClean="0"/>
-              <a:t>Δφ</a:t>
-            </a:r>
-            <a:r>
-              <a:rPr lang="es-ES" dirty="0" smtClean="0"/>
-              <a:t>/2) + </a:t>
-            </a:r>
-            <a:r>
-              <a:rPr lang="es-ES" dirty="0" err="1" smtClean="0"/>
-              <a:t>cos</a:t>
-            </a:r>
-            <a:r>
-              <a:rPr lang="es-ES" dirty="0" smtClean="0"/>
-              <a:t> φ</a:t>
-            </a:r>
-            <a:r>
-              <a:rPr lang="es-ES" baseline="-25000" dirty="0" smtClean="0"/>
-              <a:t>1</a:t>
-            </a:r>
-            <a:r>
-              <a:rPr lang="es-ES" dirty="0" smtClean="0"/>
-              <a:t> ⋅ </a:t>
-            </a:r>
-            <a:r>
-              <a:rPr lang="es-ES" dirty="0" err="1" smtClean="0"/>
-              <a:t>cos</a:t>
-            </a:r>
-            <a:r>
-              <a:rPr lang="es-ES" dirty="0" smtClean="0"/>
-              <a:t> φ</a:t>
-            </a:r>
-            <a:r>
-              <a:rPr lang="es-ES" baseline="-25000" dirty="0" smtClean="0"/>
-              <a:t>2</a:t>
-            </a:r>
-            <a:r>
-              <a:rPr lang="es-ES" dirty="0" smtClean="0"/>
-              <a:t> ⋅ sin²(</a:t>
-            </a:r>
-            <a:r>
-              <a:rPr lang="es-ES" dirty="0" err="1" smtClean="0"/>
-              <a:t>Δλ</a:t>
-            </a:r>
-            <a:r>
-              <a:rPr lang="es-ES" dirty="0" smtClean="0"/>
-              <a:t>/2)</a:t>
-            </a:r>
-          </a:p>
-          <a:p>
-            <a:pPr marL="0" indent="0" algn="ctr">
-              <a:buNone/>
-            </a:pPr>
-            <a:r>
-              <a:rPr lang="en-US" dirty="0" smtClean="0"/>
-              <a:t>c </a:t>
-            </a:r>
-            <a:r>
-              <a:rPr lang="en-US" dirty="0"/>
-              <a:t>= 2 ⋅ atan2( √a, √(1−a) </a:t>
-            </a:r>
-            <a:r>
-              <a:rPr lang="en-US" dirty="0" smtClean="0"/>
-              <a:t>)</a:t>
-            </a:r>
-          </a:p>
-          <a:p>
-            <a:pPr marL="0" indent="0" algn="ctr">
-              <a:buNone/>
-            </a:pPr>
-            <a:r>
-              <a:rPr lang="en-US" dirty="0"/>
-              <a:t>d = R ⋅ </a:t>
-            </a:r>
-            <a:r>
-              <a:rPr lang="en-US" dirty="0" smtClean="0"/>
-              <a:t>c</a:t>
-            </a:r>
-          </a:p>
-          <a:p>
-            <a:pPr marL="0" indent="0" algn="ctr">
-              <a:buNone/>
-            </a:pPr>
-            <a:r>
-              <a:rPr lang="en-US" dirty="0"/>
-              <a:t>φ</a:t>
-            </a:r>
-            <a:r>
-              <a:rPr lang="en-US" i="1" dirty="0"/>
-              <a:t> is latitude, </a:t>
-            </a:r>
-            <a:r>
-              <a:rPr lang="en-US" dirty="0"/>
-              <a:t>λ</a:t>
-            </a:r>
-            <a:r>
-              <a:rPr lang="en-US" i="1" dirty="0"/>
-              <a:t> is </a:t>
-            </a:r>
-            <a:r>
-              <a:rPr lang="en-US" i="1" dirty="0" smtClean="0"/>
-              <a:t>longitude</a:t>
-            </a:r>
-            <a:r>
-              <a:rPr lang="en-US" i="1" dirty="0"/>
-              <a:t> </a:t>
-            </a:r>
-            <a:endParaRPr lang="en-US" i="1" dirty="0" smtClean="0"/>
-          </a:p>
-          <a:p>
-            <a:pPr marL="0" indent="0" algn="ctr">
-              <a:buNone/>
-            </a:pPr>
-            <a:r>
-              <a:rPr lang="en-US" dirty="0" smtClean="0"/>
-              <a:t>R</a:t>
-            </a:r>
-            <a:r>
-              <a:rPr lang="en-US" i="1" dirty="0"/>
-              <a:t> is earth’s radius (mean radius = 6,371km</a:t>
-            </a:r>
-            <a:r>
-              <a:rPr lang="en-US" i="1" dirty="0" smtClean="0"/>
-              <a:t>)</a:t>
-            </a:r>
-          </a:p>
-          <a:p>
-            <a:pPr marL="0" indent="0" algn="ctr">
-              <a:buNone/>
-            </a:pPr>
-            <a:r>
-              <a:rPr lang="en-US" sz="1600" b="1" i="1" dirty="0" smtClean="0"/>
-              <a:t>*</a:t>
-            </a:r>
-            <a:r>
-              <a:rPr lang="en-US" sz="1600" dirty="0"/>
-              <a:t>the earth is very slightly ellipsoidal; using a spherical model gives errors typically up to 0.3%</a:t>
-            </a:r>
-            <a:endParaRPr lang="es-ES" sz="1600" b="1" dirty="0"/>
-          </a:p>
-          <a:p>
-            <a:r>
-              <a:rPr lang="en-US" dirty="0" smtClean="0"/>
-              <a:t>Implemented using Java Math library packages.</a:t>
-            </a:r>
-          </a:p>
-          <a:p>
-            <a:pPr marL="0" indent="0">
-              <a:buNone/>
-            </a:pPr>
-            <a:r>
-              <a:rPr lang="en-US" sz="1400" dirty="0"/>
-              <a:t>	</a:t>
-            </a:r>
-            <a:endParaRPr lang="en-US" sz="1400" dirty="0" smtClean="0"/>
-          </a:p>
-          <a:p>
-            <a:endParaRPr lang="en-US" dirty="0" smtClean="0"/>
+            <a:endParaRPr lang="en-US" dirty="0"/>
           </a:p>
         </p:txBody>
       </p:sp>
     </p:spTree>
     <p:extLst>
       <p:ext uri="{BB962C8B-B14F-4D97-AF65-F5344CB8AC3E}">
-        <p14:creationId xmlns:p14="http://schemas.microsoft.com/office/powerpoint/2010/main" val="1033690158"/>
+        <p14:creationId xmlns:p14="http://schemas.microsoft.com/office/powerpoint/2010/main" val="3204027750"/>
       </p:ext>
     </p:extLst>
   </p:cSld>
@@ -9086,11 +9761,13 @@
         <p:spPr>
           <a:xfrm>
             <a:off x="990600" y="457200"/>
-            <a:ext cx="6512511" cy="838200"/>
+            <a:ext cx="7543800" cy="838200"/>
           </a:xfrm>
         </p:spPr>
         <p:txBody>
-          <a:bodyPr/>
+          <a:bodyPr>
+            <a:normAutofit/>
+          </a:bodyPr>
           <a:lstStyle/>
           <a:p>
             <a:r>
@@ -9101,7 +9778,17 @@
                   </a:schemeClr>
                 </a:solidFill>
               </a:rPr>
-              <a:t>Implementation – Cont.</a:t>
+              <a:t>Conclusion &amp; Further Works </a:t>
+            </a:r>
+            <a:r>
+              <a:rPr lang="en-US" sz="3600" dirty="0" smtClean="0">
+                <a:solidFill>
+                  <a:schemeClr val="accent1">
+                    <a:lumMod val="50000"/>
+                  </a:schemeClr>
+                </a:solidFill>
+              </a:rPr>
+              <a:t>– Cont.</a:t>
             </a:r>
             <a:endParaRPr lang="en-US" sz="3600" dirty="0">
               <a:solidFill>
@@ -9126,144 +9813,91 @@
         <p:spPr>
           <a:xfrm>
             <a:off x="990600" y="1295400"/>
-            <a:ext cx="7086600" cy="4419600"/>
+            <a:ext cx="7391400" cy="4800600"/>
           </a:xfrm>
         </p:spPr>
         <p:txBody>
           <a:bodyPr>
-            <a:normAutofit/>
+            <a:normAutofit fontScale="70000" lnSpcReduction="20000"/>
           </a:bodyPr>
           <a:lstStyle/>
           <a:p>
-            <a:r>
-              <a:rPr lang="en-US" sz="2000" dirty="0" smtClean="0"/>
-              <a:t>Used open </a:t>
-            </a:r>
-            <a:r>
-              <a:rPr lang="en-US" sz="2000" dirty="0"/>
-              <a:t>source </a:t>
-            </a:r>
-            <a:r>
-              <a:rPr lang="en-US" sz="2000" dirty="0" smtClean="0"/>
-              <a:t>technologies and development tools. </a:t>
-            </a:r>
-          </a:p>
-          <a:p>
-            <a:pPr lvl="1">
-              <a:buFont typeface="Wingdings" panose="05000000000000000000" pitchFamily="2" charset="2"/>
-              <a:buChar char="§"/>
-            </a:pPr>
-            <a:r>
-              <a:rPr lang="en-US" sz="1800" dirty="0" smtClean="0"/>
-              <a:t>Eclipse (Mars)</a:t>
-            </a:r>
-          </a:p>
-          <a:p>
-            <a:pPr lvl="1">
-              <a:buFont typeface="Wingdings" panose="05000000000000000000" pitchFamily="2" charset="2"/>
-              <a:buChar char="§"/>
-            </a:pPr>
-            <a:r>
-              <a:rPr lang="en-US" sz="1800" dirty="0" err="1" smtClean="0"/>
-              <a:t>Mysql</a:t>
-            </a:r>
-            <a:r>
-              <a:rPr lang="en-US" sz="1800" dirty="0" smtClean="0"/>
-              <a:t> Workbench</a:t>
-            </a:r>
-          </a:p>
-          <a:p>
-            <a:pPr lvl="1">
-              <a:buFont typeface="Wingdings" panose="05000000000000000000" pitchFamily="2" charset="2"/>
-              <a:buChar char="§"/>
-            </a:pPr>
-            <a:r>
-              <a:rPr lang="en-US" sz="1800" dirty="0" err="1" smtClean="0"/>
-              <a:t>Ireport</a:t>
-            </a:r>
-            <a:endParaRPr lang="en-US" sz="1800" dirty="0"/>
-          </a:p>
-          <a:p>
-            <a:pPr marL="457200" lvl="1" indent="0">
-              <a:buNone/>
-            </a:pPr>
+            <a:pPr marL="0" indent="0">
+              <a:buNone/>
+            </a:pPr>
+            <a:r>
+              <a:rPr lang="en-US" sz="2800" b="1" dirty="0" smtClean="0"/>
+              <a:t>Concerns</a:t>
+            </a:r>
+          </a:p>
+          <a:p>
+            <a:r>
+              <a:rPr lang="en-US" sz="2800" dirty="0" smtClean="0"/>
+              <a:t>User need a average computer literacy to use the system.</a:t>
+            </a:r>
+          </a:p>
+          <a:p>
+            <a:r>
+              <a:rPr lang="en-US" sz="2800" dirty="0" smtClean="0"/>
+              <a:t>User </a:t>
+            </a:r>
+            <a:r>
+              <a:rPr lang="en-US" sz="2800" dirty="0"/>
+              <a:t>will need a smart phone with internet connection and location </a:t>
+            </a:r>
+            <a:r>
+              <a:rPr lang="en-US" sz="2800" dirty="0" smtClean="0"/>
+              <a:t>facilities to experience a reliable service. </a:t>
+            </a:r>
+          </a:p>
+          <a:p>
+            <a:r>
+              <a:rPr lang="en-US" sz="2800" dirty="0" smtClean="0"/>
+              <a:t>Mobile application should constantly up and running to get the proper location based services.</a:t>
+            </a:r>
+          </a:p>
+          <a:p>
+            <a:r>
+              <a:rPr lang="en-US" sz="2800" dirty="0" smtClean="0"/>
+              <a:t>Location based services and internet usage will drain the mobile phone battery.</a:t>
+            </a:r>
+          </a:p>
+          <a:p>
+            <a:r>
+              <a:rPr lang="en-US" sz="2800" dirty="0" smtClean="0"/>
+              <a:t>Application services will be needing a </a:t>
+            </a:r>
+            <a:r>
+              <a:rPr lang="en-US" sz="2800" dirty="0"/>
+              <a:t>high performance web servers and database servers to serve no of users at </a:t>
+            </a:r>
+            <a:r>
+              <a:rPr lang="en-US" sz="2800" dirty="0" smtClean="0"/>
+              <a:t>once.</a:t>
+            </a:r>
+          </a:p>
+          <a:p>
+            <a:r>
+              <a:rPr lang="en-US" sz="2800" dirty="0" smtClean="0"/>
+              <a:t>Some users may provide false details or bad rating purposefully which we cannot validate.</a:t>
+            </a:r>
+            <a:endParaRPr lang="en-US" sz="2800" dirty="0"/>
+          </a:p>
+          <a:p>
+            <a:endParaRPr lang="en-US" sz="2800" dirty="0"/>
+          </a:p>
+          <a:p>
+            <a:endParaRPr lang="en-US" sz="2800" b="1" dirty="0" smtClean="0"/>
+          </a:p>
+          <a:p>
             <a:endParaRPr lang="en-US" dirty="0"/>
-          </a:p>
-          <a:p>
-            <a:r>
-              <a:rPr lang="en-US" sz="2000" dirty="0"/>
-              <a:t>For the </a:t>
-            </a:r>
-            <a:r>
-              <a:rPr lang="en-US" sz="2000" dirty="0" smtClean="0"/>
-              <a:t>Data layer -  </a:t>
-            </a:r>
-            <a:r>
-              <a:rPr lang="en-US" sz="2000" dirty="0"/>
-              <a:t>MySQL </a:t>
-            </a:r>
-            <a:r>
-              <a:rPr lang="en-US" sz="2000" dirty="0" smtClean="0"/>
-              <a:t>database</a:t>
-            </a:r>
-          </a:p>
-          <a:p>
-            <a:r>
-              <a:rPr lang="en-US" sz="2000" dirty="0" smtClean="0"/>
-              <a:t>Data layer implementation – Java</a:t>
-            </a:r>
-          </a:p>
-          <a:p>
-            <a:r>
-              <a:rPr lang="en-US" sz="2000" dirty="0" smtClean="0"/>
-              <a:t>For </a:t>
-            </a:r>
-            <a:r>
-              <a:rPr lang="en-US" sz="2000" dirty="0"/>
-              <a:t>further functionalities such as connection pooling, maintain </a:t>
-            </a:r>
-            <a:r>
-              <a:rPr lang="en-US" sz="2000" dirty="0" smtClean="0"/>
-              <a:t>scalability - </a:t>
-            </a:r>
-            <a:r>
-              <a:rPr lang="en-US" sz="2000" dirty="0"/>
-              <a:t>Spring data JPA </a:t>
-            </a:r>
-            <a:r>
-              <a:rPr lang="en-US" sz="2000" dirty="0" smtClean="0"/>
-              <a:t>framework.</a:t>
-            </a:r>
-          </a:p>
-          <a:p>
-            <a:r>
-              <a:rPr lang="en-US" sz="2000" dirty="0" smtClean="0"/>
-              <a:t>Business </a:t>
-            </a:r>
-            <a:r>
-              <a:rPr lang="en-US" sz="2000" dirty="0"/>
-              <a:t>layer </a:t>
-            </a:r>
-            <a:r>
-              <a:rPr lang="en-US" sz="2000" dirty="0" smtClean="0"/>
-              <a:t>- </a:t>
-            </a:r>
-            <a:r>
-              <a:rPr lang="en-US" sz="2000" dirty="0"/>
-              <a:t>Java and Spring framework</a:t>
-            </a:r>
-            <a:r>
-              <a:rPr lang="en-US" sz="2000" dirty="0" smtClean="0"/>
-              <a:t>.</a:t>
-            </a:r>
-            <a:endParaRPr lang="en-US" sz="2000" dirty="0"/>
           </a:p>
         </p:txBody>
       </p:sp>
     </p:spTree>
     <p:extLst>
       <p:ext uri="{BB962C8B-B14F-4D97-AF65-F5344CB8AC3E}">
-        <p14:creationId xmlns:p14="http://schemas.microsoft.com/office/powerpoint/2010/main" val="1614393921"/>
+        <p14:creationId xmlns:p14="http://schemas.microsoft.com/office/powerpoint/2010/main" val="321388031"/>
       </p:ext>
     </p:extLst>
   </p:cSld>
@@ -9310,25 +9944,34 @@
         <p:spPr>
           <a:xfrm>
             <a:off x="990600" y="457200"/>
-            <a:ext cx="6512511" cy="838200"/>
+            <a:ext cx="7543800" cy="838200"/>
           </a:xfrm>
         </p:spPr>
         <p:txBody>
-          <a:bodyPr/>
+          <a:bodyPr>
+            <a:normAutofit/>
+          </a:bodyPr>
           <a:lstStyle/>
           <a:p>
-            <a:pPr marL="0" indent="0" algn="l">
-              <a:buNone/>
-            </a:pPr>
-            <a:r>
-              <a:rPr lang="en-US" sz="3600" dirty="0" smtClean="0">
+            <a:r>
+              <a:rPr lang="en-US" dirty="0">
                 <a:solidFill>
                   <a:schemeClr val="accent1">
                     <a:lumMod val="50000"/>
                   </a:schemeClr>
                 </a:solidFill>
               </a:rPr>
-              <a:t>Implementation – Cont.</a:t>
+              <a:t>Conclusion &amp; Further Works </a:t>
+            </a:r>
+            <a:r>
+              <a:rPr lang="en-US" sz="3600" dirty="0" smtClean="0">
+                <a:solidFill>
+                  <a:schemeClr val="accent1">
+                    <a:lumMod val="50000"/>
+                  </a:schemeClr>
+                </a:solidFill>
+              </a:rPr>
+              <a:t>– Cont.</a:t>
             </a:r>
             <a:endParaRPr lang="en-US" sz="3600" dirty="0">
               <a:solidFill>
@@ -9353,7 +9996,7 @@
         <p:spPr>
           <a:xfrm>
             <a:off x="990600" y="1295400"/>
-            <a:ext cx="7086600" cy="4419600"/>
+            <a:ext cx="7391400" cy="4800600"/>
           </a:xfrm>
         </p:spPr>
         <p:txBody>
@@ -9362,101 +10005,127 @@
           </a:bodyPr>
           <a:lstStyle/>
           <a:p>
+            <a:pPr marL="0" indent="0">
+              <a:buNone/>
+            </a:pPr>
+            <a:r>
+              <a:rPr lang="en-US" sz="2000" b="1" dirty="0"/>
+              <a:t>Further </a:t>
+            </a:r>
+            <a:r>
+              <a:rPr lang="en-US" sz="2000" b="1" dirty="0" smtClean="0"/>
+              <a:t>Works</a:t>
+            </a:r>
+            <a:endParaRPr lang="en-US" sz="2000" dirty="0" smtClean="0"/>
+          </a:p>
+          <a:p>
             <a:r>
               <a:rPr lang="en-US" sz="2000" dirty="0" smtClean="0"/>
-              <a:t>The </a:t>
+              <a:t>Android </a:t>
             </a:r>
             <a:r>
               <a:rPr lang="en-US" sz="2000" dirty="0"/>
-              <a:t>presentation layer will be developed using </a:t>
-            </a:r>
-            <a:r>
-              <a:rPr lang="en-US" sz="2000" dirty="0" smtClean="0"/>
-              <a:t>HTML5, JSP</a:t>
-            </a:r>
-            <a:r>
-              <a:rPr lang="en-US" sz="2000" dirty="0"/>
-              <a:t>, JSTL, </a:t>
-            </a:r>
-            <a:r>
-              <a:rPr lang="en-US" sz="2000" dirty="0" err="1"/>
-              <a:t>JQuery</a:t>
-            </a:r>
-            <a:r>
-              <a:rPr lang="en-US" sz="2000" dirty="0"/>
-              <a:t> and </a:t>
-            </a:r>
-            <a:r>
-              <a:rPr lang="en-US" sz="2000" dirty="0" err="1"/>
-              <a:t>BootStrap</a:t>
+              <a:t>service to fetch location information and provide task bar notifications</a:t>
             </a:r>
             <a:r>
               <a:rPr lang="en-US" sz="2000" dirty="0" smtClean="0"/>
               <a:t>.</a:t>
             </a:r>
-          </a:p>
-          <a:p>
-            <a:pPr lvl="1"/>
-            <a:r>
-              <a:rPr lang="en-US" sz="1800" dirty="0" smtClean="0"/>
-              <a:t>The presentation layer is capable of render user interfaces under range of screen resolutions to support multiple smart mobile devices.</a:t>
+            <a:endParaRPr lang="en-US" sz="2200" dirty="0" smtClean="0"/>
+          </a:p>
+          <a:p>
+            <a:r>
+              <a:rPr lang="en-US" sz="2200" dirty="0" smtClean="0"/>
+              <a:t>Integrating </a:t>
+            </a:r>
+            <a:r>
+              <a:rPr lang="en-US" sz="2200" dirty="0"/>
+              <a:t>Data </a:t>
+            </a:r>
+            <a:r>
+              <a:rPr lang="en-US" sz="2200" dirty="0" smtClean="0"/>
+              <a:t>mining</a:t>
             </a:r>
           </a:p>
           <a:p>
             <a:pPr marL="457200" lvl="1" indent="0">
               <a:buNone/>
             </a:pPr>
-            <a:endParaRPr lang="en-US" sz="1800" dirty="0"/>
-          </a:p>
-          <a:p>
             <a:r>
               <a:rPr lang="en-US" sz="2000" dirty="0" smtClean="0"/>
-              <a:t>Jasper </a:t>
-            </a:r>
-            <a:r>
-              <a:rPr lang="en-US" sz="2000" dirty="0"/>
-              <a:t>reporting </a:t>
+              <a:t>Integrate </a:t>
+            </a:r>
+            <a:r>
+              <a:rPr lang="en-US" sz="2000" dirty="0" err="1" smtClean="0"/>
+              <a:t>weka</a:t>
             </a:r>
             <a:r>
               <a:rPr lang="en-US" sz="2000" dirty="0" smtClean="0"/>
-              <a:t>with </a:t>
+              <a:t> java API.</a:t>
+            </a:r>
+          </a:p>
+          <a:p>
+            <a:pPr marL="457200" lvl="1" indent="0">
+              <a:buNone/>
+            </a:pPr>
+            <a:r>
+              <a:rPr lang="en-US" sz="2000" dirty="0" smtClean="0"/>
+              <a:t>Using </a:t>
             </a:r>
             <a:r>
               <a:rPr lang="en-US" sz="2000" dirty="0" err="1" smtClean="0"/>
-              <a:t>Ireport</a:t>
+              <a:t>Apriori</a:t>
             </a:r>
             <a:r>
               <a:rPr lang="en-US" sz="2000" dirty="0" smtClean="0"/>
-              <a:t>- Report </a:t>
-            </a:r>
-            <a:r>
-              <a:rPr lang="en-US" sz="2000" dirty="0"/>
-              <a:t>generations</a:t>
-            </a:r>
-            <a:r>
-              <a:rPr lang="en-US" sz="2000" dirty="0" smtClean="0"/>
-              <a:t>.</a:t>
+              <a:t> algorithm, associate model.</a:t>
             </a:r>
           </a:p>
           <a:p>
             <a:pPr marL="0" indent="0">
               <a:buNone/>
             </a:pPr>
+            <a:endParaRPr lang="en-US" sz="2800" b="1" dirty="0" smtClean="0"/>
+          </a:p>
+          <a:p>
             <a:endParaRPr lang="en-US" dirty="0"/>
           </a:p>
-          <a:p>
-            <a:pPr>
-              <a:buFont typeface="Arial" panose="020B0604020202020204" pitchFamily="34" charset="0"/>
-              <a:buChar char="•"/>
-            </a:pPr>
-            <a:endParaRPr lang="en-US" dirty="0"/>
-          </a:p>
-        </p:txBody>
-      </p:sp>
+        </p:txBody>
+      </p:sp>
+      <p:pic>
+        <p:nvPicPr>
+          <p:cNvPr id="4" name="Picture 3"/>
+          <p:cNvPicPr>
+            <a:picLocks noChangeAspect="1"/>
+          </p:cNvPicPr>
+          <p:nvPr/>
+        </p:nvPicPr>
+        <p:blipFill>
+          <a:blip r:embed="rId2">
+            <a:extLst>
+              <a:ext uri="{28A0092B-C50C-407E-A947-70E740481C1C}">
+                <a14:useLocalDpi xmlns:a14="http://schemas.microsoft.com/office/drawing/2010/main" val="0"/>
+              </a:ext>
+            </a:extLst>
+          </a:blip>
+          <a:stretch>
+            <a:fillRect/>
+          </a:stretch>
+        </p:blipFill>
+        <p:spPr>
+          <a:xfrm>
+            <a:off x="1447800" y="3846684"/>
+            <a:ext cx="6477000" cy="3001791"/>
+          </a:xfrm>
+          <a:prstGeom prst="rect">
+            <a:avLst/>
+          </a:prstGeom>
+        </p:spPr>
+      </p:pic>
     </p:spTree>
     <p:extLst>
       <p:ext uri="{BB962C8B-B14F-4D97-AF65-F5344CB8AC3E}">
-        <p14:creationId xmlns:p14="http://schemas.microsoft.com/office/powerpoint/2010/main" val="667556966"/>
+        <p14:creationId xmlns:p14="http://schemas.microsoft.com/office/powerpoint/2010/main" val="1543588845"/>
       </p:ext>
     </p:extLst>
   </p:cSld>
@@ -9514,341 +10183,6 @@
               <a:buNone/>
             </a:pPr>
             <a:r>
-              <a:rPr lang="en-US" sz="3600" dirty="0">
-                <a:solidFill>
-                  <a:schemeClr val="accent1">
-                    <a:lumMod val="50000"/>
-                  </a:schemeClr>
-                </a:solidFill>
-              </a:rPr>
-              <a:t>Conclusion</a:t>
-            </a:r>
-          </a:p>
-        </p:txBody>
-      </p:sp>
-      <p:sp>
-        <p:nvSpPr>
-          <p:cNvPr id="3" name="Content Placeholder 2"/>
-          <p:cNvSpPr>
-            <a:spLocks noGrp="1"/>
-          </p:cNvSpPr>
-          <p:nvPr>
-            <p:ph idx="1"/>
-          </p:nvPr>
-        </p:nvSpPr>
-        <p:spPr>
-          <a:xfrm>
-            <a:off x="990600" y="1295400"/>
-            <a:ext cx="7391400" cy="4800600"/>
-          </a:xfrm>
-        </p:spPr>
-        <p:txBody>
-          <a:bodyPr>
-            <a:normAutofit fontScale="92500" lnSpcReduction="20000"/>
-          </a:bodyPr>
-          <a:lstStyle/>
-          <a:p>
-            <a:r>
-              <a:rPr lang="en-US" sz="1900" dirty="0"/>
-              <a:t>The newly proposed </a:t>
-            </a:r>
-            <a:r>
-              <a:rPr lang="en-US" sz="1900" dirty="0" smtClean="0"/>
-              <a:t>system will </a:t>
-            </a:r>
-            <a:r>
-              <a:rPr lang="en-US" sz="1900" dirty="0"/>
-              <a:t>be well benefited to the people who spend a busy schedule in their life. </a:t>
-            </a:r>
-            <a:endParaRPr lang="en-US" sz="1900" dirty="0" smtClean="0"/>
-          </a:p>
-          <a:p>
-            <a:endParaRPr lang="en-US" sz="1900" dirty="0" smtClean="0"/>
-          </a:p>
-          <a:p>
-            <a:r>
-              <a:rPr lang="en-US" sz="1900" dirty="0" smtClean="0"/>
-              <a:t>The </a:t>
-            </a:r>
-            <a:r>
-              <a:rPr lang="en-US" sz="1900" dirty="0"/>
-              <a:t>time spending on browsing through the posted advertisements and allocate time and venue for meet and </a:t>
-            </a:r>
-            <a:r>
-              <a:rPr lang="en-US" sz="1900" dirty="0" smtClean="0"/>
-              <a:t>investigate will be saved. </a:t>
-            </a:r>
-          </a:p>
-          <a:p>
-            <a:endParaRPr lang="en-US" sz="1900" dirty="0"/>
-          </a:p>
-          <a:p>
-            <a:r>
-              <a:rPr lang="en-US" sz="1900" dirty="0" smtClean="0"/>
-              <a:t>Users </a:t>
-            </a:r>
-            <a:r>
-              <a:rPr lang="en-US" sz="1900" dirty="0"/>
-              <a:t>notify automatically when the best matching seller or buyer comes nearby, so the user will be free of tension and stress of searching the proper buyer or seller to contact. </a:t>
-            </a:r>
-            <a:endParaRPr lang="en-US" sz="1900" dirty="0" smtClean="0"/>
-          </a:p>
-          <a:p>
-            <a:endParaRPr lang="en-US" sz="1900" dirty="0" smtClean="0"/>
-          </a:p>
-          <a:p>
-            <a:r>
-              <a:rPr lang="en-US" sz="1900" dirty="0" smtClean="0"/>
-              <a:t>System </a:t>
-            </a:r>
-            <a:r>
-              <a:rPr lang="en-US" sz="1900" dirty="0"/>
-              <a:t>notification will be included the contact details of the buyer or seller and shortest path details to find the other party. </a:t>
-            </a:r>
-            <a:endParaRPr lang="en-US" sz="1900" dirty="0" smtClean="0"/>
-          </a:p>
-          <a:p>
-            <a:endParaRPr lang="en-US" sz="1900" dirty="0" smtClean="0"/>
-          </a:p>
-          <a:p>
-            <a:r>
-              <a:rPr lang="en-US" sz="1900" dirty="0" smtClean="0"/>
-              <a:t>Until </a:t>
-            </a:r>
-            <a:r>
-              <a:rPr lang="en-US" sz="1900" dirty="0"/>
-              <a:t>you find the best matching seller or buyer the system will continue finding</a:t>
-            </a:r>
-            <a:r>
-              <a:rPr lang="en-US" sz="1900" dirty="0" smtClean="0"/>
-              <a:t>.</a:t>
-            </a:r>
-            <a:endParaRPr lang="en-US" sz="1900" dirty="0"/>
-          </a:p>
-          <a:p>
-            <a:pPr marL="0" indent="0">
-              <a:buNone/>
-            </a:pPr>
-            <a:endParaRPr lang="en-US" dirty="0"/>
-          </a:p>
-        </p:txBody>
-      </p:sp>
-    </p:spTree>
-    <p:extLst>
-      <p:ext uri="{BB962C8B-B14F-4D97-AF65-F5344CB8AC3E}">
-        <p14:creationId xmlns:p14="http://schemas.microsoft.com/office/powerpoint/2010/main" val="1041161480"/>
-      </p:ext>
-    </p:extLst>
-  </p:cSld>
-  <p:clrMapOvr>
-    <a:masterClrMapping/>
-  </p:clrMapOvr>
-  <p:timing>
-    <p:tnLst>
-      <p:par>
-        <p:cTn id="1" dur="indefinite" restart="never" nodeType="tmRoot"/>
-      </p:par>
-    </p:tnLst>
-  </p:timing>
-</p:sld>
-</file>
-
-<file path=ppt/slides/slide25.xml><?xml version="1.0" encoding="utf-8"?>
-<p:sld xmlns:a="http://schemas.openxmlformats.org/drawingml/2006/main" xmlns:r="http://schemas.openxmlformats.org/officeDocument/2006/relationships" xmlns:p="http://schemas.openxmlformats.org/presentationml/2006/main">
-  <p:cSld>
-    <p:spTree>
-      <p:nvGrpSpPr>
-        <p:cNvPr id="1" name=""/>
-        <p:cNvGrpSpPr/>
-        <p:nvPr/>
-      </p:nvGrpSpPr>
-      <p:grpSpPr>
-        <a:xfrm>
-          <a:off x="0" y="0"/>
-          <a:ext cx="0" cy="0"/>
-          <a:chOff x="0" y="0"/>
-          <a:chExt cx="0" cy="0"/>
-        </a:xfrm>
-      </p:grpSpPr>
-      <p:sp>
-        <p:nvSpPr>
-          <p:cNvPr id="2" name="Title 1"/>
-          <p:cNvSpPr>
-            <a:spLocks noGrp="1"/>
-          </p:cNvSpPr>
-          <p:nvPr>
-            <p:ph type="title"/>
-          </p:nvPr>
-        </p:nvSpPr>
-        <p:spPr>
-          <a:xfrm>
-            <a:off x="990600" y="457200"/>
-            <a:ext cx="6512511" cy="838200"/>
-          </a:xfrm>
-        </p:spPr>
-        <p:txBody>
-          <a:bodyPr/>
-          <a:lstStyle/>
-          <a:p>
-            <a:pPr marL="0" indent="0" algn="l">
-              <a:buNone/>
-            </a:pPr>
-            <a:r>
-              <a:rPr lang="en-US" sz="3600" dirty="0" smtClean="0">
-                <a:solidFill>
-                  <a:schemeClr val="accent1">
-                    <a:lumMod val="50000"/>
-                  </a:schemeClr>
-                </a:solidFill>
-              </a:rPr>
-              <a:t>Conclusion – Cont.</a:t>
-            </a:r>
-            <a:endParaRPr lang="en-US" sz="3600" dirty="0">
-              <a:solidFill>
-                <a:schemeClr val="accent1">
-                  <a:lumMod val="50000"/>
-                </a:schemeClr>
-              </a:solidFill>
-            </a:endParaRPr>
-          </a:p>
-        </p:txBody>
-      </p:sp>
-      <p:sp>
-        <p:nvSpPr>
-          <p:cNvPr id="3" name="Content Placeholder 2"/>
-          <p:cNvSpPr>
-            <a:spLocks noGrp="1"/>
-          </p:cNvSpPr>
-          <p:nvPr>
-            <p:ph idx="1"/>
-          </p:nvPr>
-        </p:nvSpPr>
-        <p:spPr>
-          <a:xfrm>
-            <a:off x="990600" y="1295400"/>
-            <a:ext cx="7391400" cy="4800600"/>
-          </a:xfrm>
-        </p:spPr>
-        <p:txBody>
-          <a:bodyPr>
-            <a:normAutofit/>
-          </a:bodyPr>
-          <a:lstStyle/>
-          <a:p>
-            <a:r>
-              <a:rPr lang="en-US" dirty="0"/>
-              <a:t>Buyers can rank the sellers for future references which help other buyers to find better sellers</a:t>
-            </a:r>
-            <a:r>
-              <a:rPr lang="en-US" dirty="0" smtClean="0"/>
-              <a:t>.</a:t>
-            </a:r>
-          </a:p>
-          <a:p>
-            <a:endParaRPr lang="en-US" dirty="0"/>
-          </a:p>
-          <a:p>
-            <a:r>
-              <a:rPr lang="en-US" dirty="0" smtClean="0"/>
-              <a:t>Users </a:t>
-            </a:r>
-            <a:r>
-              <a:rPr lang="en-US" dirty="0"/>
-              <a:t>need average computer literacy to use the system. </a:t>
-            </a:r>
-            <a:endParaRPr lang="en-US" dirty="0" smtClean="0"/>
-          </a:p>
-          <a:p>
-            <a:endParaRPr lang="en-US" dirty="0"/>
-          </a:p>
-          <a:p>
-            <a:r>
-              <a:rPr lang="en-US" dirty="0"/>
-              <a:t>To experience the best of the system user will need a smart phone with internet connection and location facilities. Also internet connection and satellite signal for location facility need should be available and reliable to operate the system properly</a:t>
-            </a:r>
-            <a:r>
-              <a:rPr lang="en-US" dirty="0" smtClean="0"/>
-              <a:t>.</a:t>
-            </a:r>
-          </a:p>
-          <a:p>
-            <a:endParaRPr lang="en-US" dirty="0"/>
-          </a:p>
-          <a:p>
-            <a:r>
-              <a:rPr lang="en-US" dirty="0"/>
-              <a:t>The whole system will need a high performance web servers and database servers to serve no of users at once. Also web servers will need a higher bandwidth network since huge amount of data needed to transfer between web server and clients.</a:t>
-            </a:r>
-          </a:p>
-          <a:p>
-            <a:pPr marL="0" indent="0">
-              <a:buNone/>
-            </a:pPr>
-            <a:endParaRPr lang="en-US" dirty="0"/>
-          </a:p>
-        </p:txBody>
-      </p:sp>
-    </p:spTree>
-    <p:extLst>
-      <p:ext uri="{BB962C8B-B14F-4D97-AF65-F5344CB8AC3E}">
-        <p14:creationId xmlns:p14="http://schemas.microsoft.com/office/powerpoint/2010/main" val="3204027750"/>
-      </p:ext>
-    </p:extLst>
-  </p:cSld>
-  <p:clrMapOvr>
-    <a:masterClrMapping/>
-  </p:clrMapOvr>
-  <p:timing>
-    <p:tnLst>
-      <p:par>
-        <p:cTn id="1" dur="indefinite" restart="never" nodeType="tmRoot"/>
-      </p:par>
-    </p:tnLst>
-  </p:timing>
-</p:sld>
-</file>
-
-<file path=ppt/slides/slide26.xml><?xml version="1.0" encoding="utf-8"?>
-<p:sld xmlns:a="http://schemas.openxmlformats.org/drawingml/2006/main" xmlns:r="http://schemas.openxmlformats.org/officeDocument/2006/relationships" xmlns:p="http://schemas.openxmlformats.org/presentationml/2006/main">
-  <p:cSld>
-    <p:spTree>
-      <p:nvGrpSpPr>
-        <p:cNvPr id="1" name=""/>
-        <p:cNvGrpSpPr/>
-        <p:nvPr/>
-      </p:nvGrpSpPr>
-      <p:grpSpPr>
-        <a:xfrm>
-          <a:off x="0" y="0"/>
-          <a:ext cx="0" cy="0"/>
-          <a:chOff x="0" y="0"/>
-          <a:chExt cx="0" cy="0"/>
-        </a:xfrm>
-      </p:grpSpPr>
-      <p:sp>
-        <p:nvSpPr>
-          <p:cNvPr id="2" name="Title 1"/>
-          <p:cNvSpPr>
-            <a:spLocks noGrp="1"/>
-          </p:cNvSpPr>
-          <p:nvPr>
-            <p:ph type="title"/>
-          </p:nvPr>
-        </p:nvSpPr>
-        <p:spPr>
-          <a:xfrm>
-            <a:off x="990600" y="457200"/>
-            <a:ext cx="6512511" cy="838200"/>
-          </a:xfrm>
-        </p:spPr>
-        <p:txBody>
-          <a:bodyPr/>
-          <a:lstStyle/>
-          <a:p>
-            <a:pPr marL="0" indent="0" algn="l">
-              <a:buNone/>
-            </a:pPr>
-            <a:r>
               <a:rPr lang="en-US" sz="3600" dirty="0" smtClean="0">
                 <a:solidFill>
                   <a:schemeClr val="accent1">
@@ -9905,9 +10239,10 @@
           <a:p>
             <a:pPr algn="ctr"/>
             <a:r>
-              <a:rPr lang="en-US" dirty="0" smtClean="0"/>
-              <a:t>isuru@gmail.com</a:t>
-            </a:r>
+              <a:rPr lang="en-US" smtClean="0"/>
+              <a:t>Isuru.dewasurendra@gmail.com</a:t>
+            </a:r>
+            <a:endParaRPr lang="en-US" dirty="0" smtClean="0"/>
           </a:p>
         </p:txBody>
       </p:sp>
@@ -10213,6 +10548,49 @@
           </a:fontRef>
         </p:style>
       </p:cxnSp>
+      <p:sp>
+        <p:nvSpPr>
+          <p:cNvPr id="11" name="Oval 10"/>
+          <p:cNvSpPr/>
+          <p:nvPr/>
+        </p:nvSpPr>
+        <p:spPr>
+          <a:xfrm>
+            <a:off x="4419600" y="1162050"/>
+            <a:ext cx="2895600" cy="1447800"/>
+          </a:xfrm>
+          <a:prstGeom prst="ellipse">
+            <a:avLst/>
+          </a:prstGeom>
+        </p:spPr>
+        <p:style>
+          <a:lnRef idx="2">
+            <a:schemeClr val="accent1">
+              <a:shade val="50000"/>
+            </a:schemeClr>
+          </a:lnRef>
+          <a:fillRef idx="1">
+            <a:schemeClr val="accent1"/>
+          </a:fillRef>
+          <a:effectRef idx="0">
+            <a:schemeClr val="accent1"/>
+          </a:effectRef>
+          <a:fontRef idx="minor">
+            <a:schemeClr val="lt1"/>
+          </a:fontRef>
+        </p:style>
+        <p:txBody>
+          <a:bodyPr rtlCol="0" anchor="ctr"/>
+          <a:lstStyle/>
+          <a:p>
+            <a:pPr algn="ctr"/>
+            <a:r>
+              <a:rPr lang="en-US" dirty="0" smtClean="0"/>
+              <a:t>sunil@gmail.com</a:t>
+            </a:r>
+          </a:p>
+        </p:txBody>
+      </p:sp>
     </p:spTree>
     <p:extLst>
       <p:ext uri="{BB962C8B-B14F-4D97-AF65-F5344CB8AC3E}">
@@ -10245,7 +10623,7 @@
 </p:sld>
 </file>
 
-<file path=ppt/slides/slide27.xml><?xml version="1.0" encoding="utf-8"?>
+<file path=ppt/slides/slide25.xml><?xml version="1.0" encoding="utf-8"?>
 <p:sld xmlns:a="http://schemas.openxmlformats.org/drawingml/2006/main" xmlns:r="http://schemas.openxmlformats.org/officeDocument/2006/relationships" xmlns:p="http://schemas.openxmlformats.org/presentationml/2006/main">
   <p:cSld>
     <p:spTree>
@@ -10264,7 +10642,7 @@
       </p:grpSpPr>
       <p:sp>
         <p:nvSpPr>
-          <p:cNvPr id="4" name="Title 1"/>
+          <p:cNvPr id="2" name="Title 1"/>
           <p:cNvSpPr>
             <a:spLocks noGrp="1"/>
           </p:cNvSpPr>
@@ -10274,28 +10652,30 @@
         </p:nvSpPr>
         <p:spPr>
           <a:xfrm>
-            <a:off x="508001" y="609600"/>
-            <a:ext cx="6447501" cy="762000"/>
+            <a:off x="990600" y="457200"/>
+            <a:ext cx="7315200" cy="1752600"/>
           </a:xfrm>
         </p:spPr>
         <p:txBody>
-          <a:bodyPr/>
+          <a:bodyPr>
+            <a:noAutofit/>
+          </a:bodyPr>
           <a:lstStyle/>
           <a:p>
-            <a:pPr marL="0" indent="0" algn="l">
-              <a:buNone/>
-            </a:pPr>
-            <a:r>
-              <a:rPr lang="en-US" sz="3600" dirty="0" smtClean="0">
+            <a:pPr marL="0" indent="0" algn="ctr">
+              <a:buNone/>
+            </a:pPr>
+            <a:r>
+              <a:rPr lang="en-US" sz="4400" dirty="0" smtClean="0">
                 <a:solidFill>
                   <a:schemeClr val="accent1">
                     <a:lumMod val="50000"/>
                   </a:schemeClr>
                 </a:solidFill>
               </a:rPr>
-              <a:t>Demonstration</a:t>
-            </a:r>
-            <a:endParaRPr lang="en-US" sz="3600" dirty="0">
+              <a:t>Location Based Advertising and Marketing System – Sappu Savari</a:t>
+            </a:r>
+            <a:endParaRPr lang="en-US" sz="4400" dirty="0">
               <a:solidFill>
                 <a:schemeClr val="accent1">
                   <a:lumMod val="50000"/>
@@ -10305,272 +10685,463 @@
           </a:p>
         </p:txBody>
       </p:sp>
-      <p:sp>
-        <p:nvSpPr>
-          <p:cNvPr id="5" name="Content Placeholder 4"/>
-          <p:cNvSpPr>
-            <a:spLocks noGrp="1"/>
-          </p:cNvSpPr>
-          <p:nvPr>
-            <p:ph idx="1"/>
-          </p:nvPr>
+      <p:graphicFrame>
+        <p:nvGraphicFramePr>
+          <p:cNvPr id="12" name="Table 11"/>
+          <p:cNvGraphicFramePr>
+            <a:graphicFrameLocks noGrp="1"/>
+          </p:cNvGraphicFramePr>
+          <p:nvPr/>
+        </p:nvGraphicFramePr>
+        <p:xfrm>
+          <a:off x="508000" y="3918426"/>
+          <a:ext cx="6446838" cy="365760"/>
+        </p:xfrm>
+        <a:graphic>
+          <a:graphicData uri="http://schemas.openxmlformats.org/drawingml/2006/table">
+            <a:tbl>
+              <a:tblPr/>
+              <a:tblGrid>
+                <a:gridCol w="6446838"/>
+              </a:tblGrid>
+              <a:tr h="0">
+                <a:tc>
+                  <a:txBody>
+                    <a:bodyPr/>
+                    <a:lstStyle/>
+                    <a:p>
+                      <a:endParaRPr lang="en-US" dirty="0"/>
+                    </a:p>
+                  </a:txBody>
+                  <a:tcPr anchor="ctr">
+                    <a:lnL>
+                      <a:noFill/>
+                    </a:lnL>
+                    <a:lnR>
+                      <a:noFill/>
+                    </a:lnR>
+                    <a:lnT>
+                      <a:noFill/>
+                    </a:lnT>
+                    <a:lnB>
+                      <a:noFill/>
+                    </a:lnB>
+                  </a:tcPr>
+                </a:tc>
+              </a:tr>
+            </a:tbl>
+          </a:graphicData>
+        </a:graphic>
+      </p:graphicFrame>
+      <p:sp>
+        <p:nvSpPr>
+          <p:cNvPr id="3" name="TextBox 2"/>
+          <p:cNvSpPr txBox="1"/>
+          <p:nvPr/>
         </p:nvSpPr>
         <p:spPr>
           <a:xfrm>
-            <a:off x="508001" y="1371600"/>
-            <a:ext cx="6447501" cy="4669763"/>
+            <a:off x="1066800" y="3173551"/>
+            <a:ext cx="7239000" cy="707886"/>
           </a:xfrm>
+          <a:prstGeom prst="rect">
+            <a:avLst/>
+          </a:prstGeom>
+          <a:noFill/>
         </p:spPr>
         <p:txBody>
-          <a:bodyPr>
-            <a:normAutofit fontScale="92500" lnSpcReduction="20000"/>
+          <a:bodyPr wrap="square" rtlCol="0">
+            <a:spAutoFit/>
           </a:bodyPr>
           <a:lstStyle/>
           <a:p>
-            <a:r>
-              <a:rPr lang="en-US" sz="2400" dirty="0" smtClean="0"/>
-              <a:t>User creation/Profile</a:t>
-            </a:r>
-          </a:p>
-          <a:p>
-            <a:r>
-              <a:rPr lang="en-US" sz="2400" dirty="0" smtClean="0"/>
-              <a:t>Sell Products/Services</a:t>
-            </a:r>
-            <a:endParaRPr lang="en-US" sz="2400" dirty="0"/>
-          </a:p>
-          <a:p>
-            <a:r>
-              <a:rPr lang="en-US" sz="2400" dirty="0" smtClean="0"/>
-              <a:t>Product Searching</a:t>
-            </a:r>
-          </a:p>
-          <a:p>
-            <a:r>
-              <a:rPr lang="en-US" sz="2400" dirty="0" smtClean="0"/>
-              <a:t>Contact Seller</a:t>
-            </a:r>
-          </a:p>
-          <a:p>
-            <a:r>
-              <a:rPr lang="en-US" sz="2400" dirty="0" smtClean="0"/>
-              <a:t>Search Requests</a:t>
-            </a:r>
-          </a:p>
-          <a:p>
-            <a:r>
-              <a:rPr lang="en-US" sz="2400" dirty="0" smtClean="0"/>
-              <a:t>Auto Search Notifications</a:t>
-            </a:r>
-          </a:p>
-          <a:p>
-            <a:r>
-              <a:rPr lang="en-US" sz="2400" dirty="0" smtClean="0"/>
-              <a:t>Seller Contact Buyer</a:t>
-            </a:r>
-          </a:p>
-          <a:p>
-            <a:r>
-              <a:rPr lang="en-US" sz="2400" dirty="0" smtClean="0"/>
-              <a:t>Follow Product and Seller</a:t>
-            </a:r>
-          </a:p>
-          <a:p>
-            <a:r>
-              <a:rPr lang="en-US" sz="2400" dirty="0" smtClean="0"/>
-              <a:t>Follow Seller in Google Map</a:t>
-            </a:r>
-          </a:p>
-          <a:p>
-            <a:r>
-              <a:rPr lang="en-US" sz="2400" dirty="0" smtClean="0"/>
-              <a:t>Rate the Product</a:t>
-            </a:r>
-          </a:p>
-          <a:p>
-            <a:r>
-              <a:rPr lang="en-US" sz="2400" dirty="0" smtClean="0"/>
-              <a:t>Comment/Review Product</a:t>
-            </a:r>
-            <a:endParaRPr lang="en-US" sz="2400" dirty="0"/>
+            <a:pPr algn="ctr"/>
+            <a:r>
+              <a:rPr lang="en-US" sz="4000" dirty="0" smtClean="0"/>
+              <a:t>Thank you</a:t>
+            </a:r>
+            <a:endParaRPr lang="en-US" sz="4000" dirty="0"/>
+          </a:p>
+        </p:txBody>
+      </p:sp>
+      <p:sp>
+        <p:nvSpPr>
+          <p:cNvPr id="13" name="Subtitle 2"/>
+          <p:cNvSpPr txBox="1">
+            <a:spLocks/>
+          </p:cNvSpPr>
+          <p:nvPr/>
+        </p:nvSpPr>
+        <p:spPr>
+          <a:xfrm>
+            <a:off x="3276600" y="5410200"/>
+            <a:ext cx="5637010" cy="1263119"/>
+          </a:xfrm>
+          <a:prstGeom prst="rect">
+            <a:avLst/>
+          </a:prstGeom>
+        </p:spPr>
+        <p:txBody>
+          <a:bodyPr vert="horz" lIns="91440" tIns="45720" rIns="91440" bIns="45720" rtlCol="0">
+            <a:normAutofit fontScale="85000" lnSpcReduction="20000"/>
+          </a:bodyPr>
+          <a:lstStyle>
+            <a:lvl1pPr marL="342900" indent="-342900" algn="l" defTabSz="457200" rtl="0" eaLnBrk="1" latinLnBrk="0" hangingPunct="1">
+              <a:spcBef>
+                <a:spcPts val="1000"/>
+              </a:spcBef>
+              <a:spcAft>
+                <a:spcPts val="0"/>
+              </a:spcAft>
+              <a:buClr>
+                <a:schemeClr val="accent1"/>
+              </a:buClr>
+              <a:buSzPct val="80000"/>
+              <a:buFont typeface="Wingdings 3" charset="2"/>
+              <a:buChar char=""/>
+              <a:defRPr sz="1800" kern="1200">
+                <a:solidFill>
+                  <a:schemeClr val="tx1">
+                    <a:lumMod val="75000"/>
+                    <a:lumOff val="25000"/>
+                  </a:schemeClr>
+                </a:solidFill>
+                <a:latin typeface="+mn-lt"/>
+                <a:ea typeface="+mn-ea"/>
+                <a:cs typeface="+mn-cs"/>
+              </a:defRPr>
+            </a:lvl1pPr>
+            <a:lvl2pPr marL="742950" indent="-285750" algn="l" defTabSz="457200" rtl="0" eaLnBrk="1" latinLnBrk="0" hangingPunct="1">
+              <a:spcBef>
+                <a:spcPts val="1000"/>
+              </a:spcBef>
+              <a:spcAft>
+                <a:spcPts val="0"/>
+              </a:spcAft>
+              <a:buClr>
+                <a:schemeClr val="accent1"/>
+              </a:buClr>
+              <a:buSzPct val="80000"/>
+              <a:buFont typeface="Wingdings 3" charset="2"/>
+              <a:buChar char=""/>
+              <a:defRPr sz="1600" kern="1200">
+                <a:solidFill>
+                  <a:schemeClr val="tx1">
+                    <a:lumMod val="75000"/>
+                    <a:lumOff val="25000"/>
+                  </a:schemeClr>
+                </a:solidFill>
+                <a:latin typeface="+mn-lt"/>
+                <a:ea typeface="+mn-ea"/>
+                <a:cs typeface="+mn-cs"/>
+              </a:defRPr>
+            </a:lvl2pPr>
+            <a:lvl3pPr marL="1143000" indent="-228600" algn="l" defTabSz="457200" rtl="0" eaLnBrk="1" latinLnBrk="0" hangingPunct="1">
+              <a:spcBef>
+                <a:spcPts val="1000"/>
+              </a:spcBef>
+              <a:spcAft>
+                <a:spcPts val="0"/>
+              </a:spcAft>
+              <a:buClr>
+                <a:schemeClr val="accent1"/>
+              </a:buClr>
+              <a:buSzPct val="80000"/>
+              <a:buFont typeface="Wingdings 3" charset="2"/>
+              <a:buChar char=""/>
+              <a:defRPr sz="1400" kern="1200">
+                <a:solidFill>
+                  <a:schemeClr val="tx1">
+                    <a:lumMod val="75000"/>
+                    <a:lumOff val="25000"/>
+                  </a:schemeClr>
+                </a:solidFill>
+                <a:latin typeface="+mn-lt"/>
+                <a:ea typeface="+mn-ea"/>
+                <a:cs typeface="+mn-cs"/>
+              </a:defRPr>
+            </a:lvl3pPr>
+            <a:lvl4pPr marL="1600200" indent="-228600" algn="l" defTabSz="457200" rtl="0" eaLnBrk="1" latinLnBrk="0" hangingPunct="1">
+              <a:spcBef>
+                <a:spcPts val="1000"/>
+              </a:spcBef>
+              <a:spcAft>
+                <a:spcPts val="0"/>
+              </a:spcAft>
+              <a:buClr>
+                <a:schemeClr val="accent1"/>
+              </a:buClr>
+              <a:buSzPct val="80000"/>
+              <a:buFont typeface="Wingdings 3" charset="2"/>
+              <a:buChar char=""/>
+              <a:defRPr sz="1200" kern="1200">
+                <a:solidFill>
+                  <a:schemeClr val="tx1">
+                    <a:lumMod val="75000"/>
+                    <a:lumOff val="25000"/>
+                  </a:schemeClr>
+                </a:solidFill>
+                <a:latin typeface="+mn-lt"/>
+                <a:ea typeface="+mn-ea"/>
+                <a:cs typeface="+mn-cs"/>
+              </a:defRPr>
+            </a:lvl4pPr>
+            <a:lvl5pPr marL="2057400" indent="-228600" algn="l" defTabSz="457200" rtl="0" eaLnBrk="1" latinLnBrk="0" hangingPunct="1">
+              <a:spcBef>
+                <a:spcPts val="1000"/>
+              </a:spcBef>
+              <a:spcAft>
+                <a:spcPts val="0"/>
+              </a:spcAft>
+              <a:buClr>
+                <a:schemeClr val="accent1"/>
+              </a:buClr>
+              <a:buSzPct val="80000"/>
+              <a:buFont typeface="Wingdings 3" charset="2"/>
+              <a:buChar char=""/>
+              <a:defRPr sz="1200" kern="1200">
+                <a:solidFill>
+                  <a:schemeClr val="tx1">
+                    <a:lumMod val="75000"/>
+                    <a:lumOff val="25000"/>
+                  </a:schemeClr>
+                </a:solidFill>
+                <a:latin typeface="+mn-lt"/>
+                <a:ea typeface="+mn-ea"/>
+                <a:cs typeface="+mn-cs"/>
+              </a:defRPr>
+            </a:lvl5pPr>
+            <a:lvl6pPr marL="2514600" indent="-228600" algn="l" defTabSz="457200" rtl="0" eaLnBrk="1" latinLnBrk="0" hangingPunct="1">
+              <a:spcBef>
+                <a:spcPts val="1000"/>
+              </a:spcBef>
+              <a:spcAft>
+                <a:spcPts val="0"/>
+              </a:spcAft>
+              <a:buClr>
+                <a:schemeClr val="accent1"/>
+              </a:buClr>
+              <a:buSzPct val="80000"/>
+              <a:buFont typeface="Wingdings 3" charset="2"/>
+              <a:buChar char=""/>
+              <a:defRPr sz="1200" kern="1200">
+                <a:solidFill>
+                  <a:schemeClr val="tx1">
+                    <a:lumMod val="75000"/>
+                    <a:lumOff val="25000"/>
+                  </a:schemeClr>
+                </a:solidFill>
+                <a:latin typeface="+mn-lt"/>
+                <a:ea typeface="+mn-ea"/>
+                <a:cs typeface="+mn-cs"/>
+              </a:defRPr>
+            </a:lvl6pPr>
+            <a:lvl7pPr marL="2971800" indent="-228600" algn="l" defTabSz="457200" rtl="0" eaLnBrk="1" latinLnBrk="0" hangingPunct="1">
+              <a:spcBef>
+                <a:spcPts val="1000"/>
+              </a:spcBef>
+              <a:spcAft>
+                <a:spcPts val="0"/>
+              </a:spcAft>
+              <a:buClr>
+                <a:schemeClr val="accent1"/>
+              </a:buClr>
+              <a:buSzPct val="80000"/>
+              <a:buFont typeface="Wingdings 3" charset="2"/>
+              <a:buChar char=""/>
+              <a:defRPr sz="1200" kern="1200">
+                <a:solidFill>
+                  <a:schemeClr val="tx1">
+                    <a:lumMod val="75000"/>
+                    <a:lumOff val="25000"/>
+                  </a:schemeClr>
+                </a:solidFill>
+                <a:latin typeface="+mn-lt"/>
+                <a:ea typeface="+mn-ea"/>
+                <a:cs typeface="+mn-cs"/>
+              </a:defRPr>
+            </a:lvl7pPr>
+            <a:lvl8pPr marL="3429000" indent="-228600" algn="l" defTabSz="457200" rtl="0" eaLnBrk="1" latinLnBrk="0" hangingPunct="1">
+              <a:spcBef>
+                <a:spcPts val="1000"/>
+              </a:spcBef>
+              <a:spcAft>
+                <a:spcPts val="0"/>
+              </a:spcAft>
+              <a:buClr>
+                <a:schemeClr val="accent1"/>
+              </a:buClr>
+              <a:buSzPct val="80000"/>
+              <a:buFont typeface="Wingdings 3" charset="2"/>
+              <a:buChar char=""/>
+              <a:defRPr sz="1200" kern="1200">
+                <a:solidFill>
+                  <a:schemeClr val="tx1">
+                    <a:lumMod val="75000"/>
+                    <a:lumOff val="25000"/>
+                  </a:schemeClr>
+                </a:solidFill>
+                <a:latin typeface="+mn-lt"/>
+                <a:ea typeface="+mn-ea"/>
+                <a:cs typeface="+mn-cs"/>
+              </a:defRPr>
+            </a:lvl8pPr>
+            <a:lvl9pPr marL="3886200" indent="-228600" algn="l" defTabSz="457200" rtl="0" eaLnBrk="1" latinLnBrk="0" hangingPunct="1">
+              <a:spcBef>
+                <a:spcPts val="1000"/>
+              </a:spcBef>
+              <a:spcAft>
+                <a:spcPts val="0"/>
+              </a:spcAft>
+              <a:buClr>
+                <a:schemeClr val="accent1"/>
+              </a:buClr>
+              <a:buSzPct val="80000"/>
+              <a:buFont typeface="Wingdings 3" charset="2"/>
+              <a:buChar char=""/>
+              <a:defRPr sz="1200" kern="1200">
+                <a:solidFill>
+                  <a:schemeClr val="tx1">
+                    <a:lumMod val="75000"/>
+                    <a:lumOff val="25000"/>
+                  </a:schemeClr>
+                </a:solidFill>
+                <a:latin typeface="+mn-lt"/>
+                <a:ea typeface="+mn-ea"/>
+                <a:cs typeface="+mn-cs"/>
+              </a:defRPr>
+            </a:lvl9pPr>
+          </a:lstStyle>
+          <a:p>
+            <a:pPr algn="r"/>
+            <a:r>
+              <a:rPr lang="en-US" dirty="0" smtClean="0">
+                <a:solidFill>
+                  <a:schemeClr val="tx1"/>
+                </a:solidFill>
+              </a:rPr>
+              <a:t>I S </a:t>
+            </a:r>
+            <a:r>
+              <a:rPr lang="en-US" dirty="0" err="1" smtClean="0">
+                <a:solidFill>
+                  <a:schemeClr val="tx1"/>
+                </a:solidFill>
+              </a:rPr>
+              <a:t>Dewasurendra</a:t>
+            </a:r>
+            <a:r>
+              <a:rPr lang="en-US" dirty="0" smtClean="0">
+                <a:solidFill>
+                  <a:schemeClr val="tx1"/>
+                </a:solidFill>
+              </a:rPr>
+              <a:t> – 139160M</a:t>
+            </a:r>
+          </a:p>
+          <a:p>
+            <a:pPr algn="r"/>
+            <a:r>
+              <a:rPr lang="en-US" dirty="0" smtClean="0">
+                <a:solidFill>
+                  <a:schemeClr val="tx1"/>
+                </a:solidFill>
+              </a:rPr>
+              <a:t>Supervised by: Mr. </a:t>
+            </a:r>
+            <a:r>
+              <a:rPr lang="en-US" dirty="0" err="1" smtClean="0">
+                <a:solidFill>
+                  <a:schemeClr val="tx1"/>
+                </a:solidFill>
+              </a:rPr>
+              <a:t>Saminda</a:t>
+            </a:r>
+            <a:r>
+              <a:rPr lang="en-US" dirty="0" smtClean="0">
+                <a:solidFill>
+                  <a:schemeClr val="tx1"/>
+                </a:solidFill>
+              </a:rPr>
+              <a:t> </a:t>
+            </a:r>
+            <a:r>
+              <a:rPr lang="en-US" dirty="0" err="1" smtClean="0">
+                <a:solidFill>
+                  <a:schemeClr val="tx1"/>
+                </a:solidFill>
+              </a:rPr>
+              <a:t>Premaratne</a:t>
+            </a:r>
+            <a:endParaRPr lang="en-US" dirty="0" smtClean="0">
+              <a:solidFill>
+                <a:schemeClr val="tx1"/>
+              </a:solidFill>
+            </a:endParaRPr>
+          </a:p>
+          <a:p>
+            <a:pPr algn="r"/>
+            <a:r>
+              <a:rPr lang="en-US" dirty="0" smtClean="0">
+                <a:solidFill>
+                  <a:schemeClr val="tx1"/>
+                </a:solidFill>
+              </a:rPr>
+              <a:t>Faculty of Information Technology</a:t>
+            </a:r>
+          </a:p>
+          <a:p>
+            <a:pPr algn="r"/>
+            <a:r>
+              <a:rPr lang="en-US" dirty="0" smtClean="0">
+                <a:solidFill>
+                  <a:schemeClr val="tx1"/>
+                </a:solidFill>
+              </a:rPr>
+              <a:t>University of </a:t>
+            </a:r>
+            <a:r>
+              <a:rPr lang="en-US" dirty="0" err="1" smtClean="0">
+                <a:solidFill>
+                  <a:schemeClr val="tx1"/>
+                </a:solidFill>
+              </a:rPr>
+              <a:t>Moratuwa</a:t>
+            </a:r>
+            <a:endParaRPr lang="en-US" dirty="0" smtClean="0">
+              <a:solidFill>
+                <a:schemeClr val="tx1"/>
+              </a:solidFill>
+            </a:endParaRPr>
+          </a:p>
+          <a:p>
+            <a:pPr algn="ctr"/>
+            <a:endParaRPr lang="en-US" dirty="0"/>
           </a:p>
         </p:txBody>
       </p:sp>
     </p:spTree>
     <p:extLst>
       <p:ext uri="{BB962C8B-B14F-4D97-AF65-F5344CB8AC3E}">
-        <p14:creationId xmlns:p14="http://schemas.microsoft.com/office/powerpoint/2010/main" val="1361169342"/>
+        <p14:creationId xmlns:p14="http://schemas.microsoft.com/office/powerpoint/2010/main" val="875834914"/>
       </p:ext>
     </p:extLst>
   </p:cSld>
   <p:clrMapOvr>
     <a:masterClrMapping/>
   </p:clrMapOvr>
-  <p:timing>
-    <p:tnLst>
-      <p:par>
-        <p:cTn id="1" dur="indefinite" restart="never" nodeType="tmRoot"/>
-      </p:par>
-    </p:tnLst>
-  </p:timing>
-</p:sld>
-</file>
-
-<file path=ppt/slides/slide28.xml><?xml version="1.0" encoding="utf-8"?>
-<p:sld xmlns:a="http://schemas.openxmlformats.org/drawingml/2006/main" xmlns:r="http://schemas.openxmlformats.org/officeDocument/2006/relationships" xmlns:p="http://schemas.openxmlformats.org/presentationml/2006/main">
-  <p:cSld>
-    <p:spTree>
-      <p:nvGrpSpPr>
-        <p:cNvPr id="1" name=""/>
-        <p:cNvGrpSpPr/>
-        <p:nvPr/>
-      </p:nvGrpSpPr>
-      <p:grpSpPr>
-        <a:xfrm>
-          <a:off x="0" y="0"/>
-          <a:ext cx="0" cy="0"/>
-          <a:chOff x="0" y="0"/>
-          <a:chExt cx="0" cy="0"/>
-        </a:xfrm>
-      </p:grpSpPr>
-      <p:sp>
-        <p:nvSpPr>
-          <p:cNvPr id="4" name="Title 1"/>
-          <p:cNvSpPr>
-            <a:spLocks noGrp="1"/>
-          </p:cNvSpPr>
-          <p:nvPr>
-            <p:ph type="title"/>
-          </p:nvPr>
-        </p:nvSpPr>
-        <p:spPr>
-          <a:xfrm>
-            <a:off x="508001" y="609600"/>
-            <a:ext cx="6447501" cy="762000"/>
-          </a:xfrm>
-        </p:spPr>
-        <p:txBody>
-          <a:bodyPr/>
-          <a:lstStyle/>
-          <a:p>
-            <a:pPr marL="0" indent="0" algn="l">
-              <a:buNone/>
-            </a:pPr>
-            <a:r>
-              <a:rPr lang="en-US" sz="3600" dirty="0" smtClean="0">
-                <a:solidFill>
-                  <a:schemeClr val="accent1">
-                    <a:lumMod val="50000"/>
-                  </a:schemeClr>
-                </a:solidFill>
-              </a:rPr>
-              <a:t>Future Work</a:t>
-            </a:r>
-            <a:endParaRPr lang="en-US" sz="3600" dirty="0">
-              <a:solidFill>
-                <a:schemeClr val="accent1">
-                  <a:lumMod val="50000"/>
-                </a:schemeClr>
-              </a:solidFill>
-            </a:endParaRPr>
-          </a:p>
-        </p:txBody>
-      </p:sp>
-      <p:sp>
-        <p:nvSpPr>
-          <p:cNvPr id="5" name="Content Placeholder 4"/>
-          <p:cNvSpPr>
-            <a:spLocks noGrp="1"/>
-          </p:cNvSpPr>
-          <p:nvPr>
-            <p:ph idx="1"/>
-          </p:nvPr>
-        </p:nvSpPr>
-        <p:spPr>
-          <a:xfrm>
-            <a:off x="508001" y="1371600"/>
-            <a:ext cx="6447501" cy="4669763"/>
-          </a:xfrm>
-        </p:spPr>
-        <p:txBody>
-          <a:bodyPr>
-            <a:normAutofit/>
-          </a:bodyPr>
-          <a:lstStyle/>
-          <a:p>
-            <a:r>
-              <a:rPr lang="en-US" sz="2400" dirty="0" smtClean="0"/>
-              <a:t>Functional</a:t>
-            </a:r>
-          </a:p>
-          <a:p>
-            <a:pPr lvl="1"/>
-            <a:r>
-              <a:rPr lang="en-US" sz="2000" dirty="0" smtClean="0"/>
-              <a:t>Android service to fetch location information and provide task bar notifications.</a:t>
-            </a:r>
-          </a:p>
-          <a:p>
-            <a:pPr lvl="1"/>
-            <a:r>
-              <a:rPr lang="en-US" sz="2000" dirty="0" smtClean="0"/>
-              <a:t>Bug fixing</a:t>
-            </a:r>
-          </a:p>
-          <a:p>
-            <a:pPr lvl="1"/>
-            <a:r>
-              <a:rPr lang="en-US" sz="2000" dirty="0" smtClean="0"/>
-              <a:t>Integrating Data mining</a:t>
-            </a:r>
-          </a:p>
-          <a:p>
-            <a:r>
-              <a:rPr lang="en-US" sz="2400" dirty="0" smtClean="0"/>
-              <a:t>Non</a:t>
-            </a:r>
-            <a:r>
-              <a:rPr lang="en-US" sz="2200" dirty="0" smtClean="0"/>
-              <a:t> </a:t>
-            </a:r>
-            <a:r>
-              <a:rPr lang="en-US" sz="2400" dirty="0" smtClean="0"/>
-              <a:t>Functional</a:t>
-            </a:r>
-          </a:p>
-          <a:p>
-            <a:pPr lvl="1"/>
-            <a:r>
-              <a:rPr lang="en-US" sz="2200" dirty="0" smtClean="0"/>
-              <a:t>Make more user friendly</a:t>
-            </a:r>
-          </a:p>
-          <a:p>
-            <a:pPr lvl="1"/>
-            <a:r>
-              <a:rPr lang="en-US" sz="2200" dirty="0" smtClean="0"/>
-              <a:t>Increase performance</a:t>
-            </a:r>
-          </a:p>
-          <a:p>
-            <a:pPr lvl="1"/>
-            <a:r>
-              <a:rPr lang="en-US" sz="2200" dirty="0" smtClean="0"/>
-              <a:t>Increase security</a:t>
-            </a:r>
-          </a:p>
-        </p:txBody>
-      </p:sp>
-    </p:spTree>
-    <p:extLst>
-      <p:ext uri="{BB962C8B-B14F-4D97-AF65-F5344CB8AC3E}">
-        <p14:creationId xmlns:p14="http://schemas.microsoft.com/office/powerpoint/2010/main" val="4175688220"/>
-      </p:ext>
-    </p:extLst>
-  </p:cSld>
-  <p:clrMapOvr>
-    <a:masterClrMapping/>
-  </p:clrMapOvr>
+  <mc:AlternateContent xmlns:mc="http://schemas.openxmlformats.org/markup-compatibility/2006" xmlns:p14="http://schemas.microsoft.com/office/powerpoint/2010/main">
+    <mc:Choice Requires="p14">
+      <p:transition spd="med" p14:dur="700">
+        <p:fade/>
+      </p:transition>
+    </mc:Choice>
+    <mc:Fallback xmlns="">
+      <p:transition spd="med">
+        <p:fade/>
+      </p:transition>
+    </mc:Fallback>
+  </mc:AlternateContent>
   <p:timing>
     <p:tnLst>
       <p:par>
@@ -10862,7 +11433,7 @@
         </p:spPr>
         <p:txBody>
           <a:bodyPr>
-            <a:normAutofit lnSpcReduction="10000"/>
+            <a:normAutofit fontScale="92500"/>
           </a:bodyPr>
           <a:lstStyle/>
           <a:p>
@@ -10872,7 +11443,7 @@
             </a:pPr>
             <a:r>
               <a:rPr lang="en-US" sz="2800" dirty="0" smtClean="0"/>
-              <a:t>Users can post different types of information regarding their need (Buy/Sell items).</a:t>
+              <a:t>Users can post advertisements.</a:t>
             </a:r>
           </a:p>
           <a:p>
@@ -10882,7 +11453,35 @@
             </a:pPr>
             <a:r>
               <a:rPr lang="en-US" sz="2800" dirty="0" smtClean="0"/>
-              <a:t>Users will be automatically notify when there are any suitable items available nearby.</a:t>
+              <a:t>Users can search </a:t>
+            </a:r>
+            <a:r>
+              <a:rPr lang="en-US" sz="2800" dirty="0"/>
+              <a:t>advertisements</a:t>
+            </a:r>
+            <a:r>
+              <a:rPr lang="en-US" sz="2800" dirty="0" smtClean="0"/>
+              <a:t>.</a:t>
+            </a:r>
+          </a:p>
+          <a:p>
+            <a:pPr>
+              <a:buFont typeface="Wingdings" panose="05000000000000000000" pitchFamily="2" charset="2"/>
+              <a:buChar char="Ø"/>
+            </a:pPr>
+            <a:r>
+              <a:rPr lang="en-US" sz="2800" dirty="0" smtClean="0"/>
+              <a:t>Users will be automatically notify when there are any suitable items available.</a:t>
+            </a:r>
+          </a:p>
+          <a:p>
+            <a:pPr>
+              <a:buFont typeface="Wingdings" panose="05000000000000000000" pitchFamily="2" charset="2"/>
+              <a:buChar char="Ø"/>
+            </a:pPr>
+            <a:r>
+              <a:rPr lang="en-US" sz="2800" dirty="0" smtClean="0"/>
+              <a:t>Also provide notifications on near by sellers.</a:t>
             </a:r>
           </a:p>
           <a:p>
@@ -11377,7 +11976,15 @@
             </a:pPr>
             <a:r>
               <a:rPr lang="en-US" sz="2800" dirty="0"/>
-              <a:t>People spends much time to search relevant items to buy.</a:t>
+              <a:t>People spends </a:t>
+            </a:r>
+            <a:r>
+              <a:rPr lang="en-US" sz="2800" dirty="0" smtClean="0"/>
+              <a:t>time </a:t>
+            </a:r>
+            <a:r>
+              <a:rPr lang="en-US" sz="2800" dirty="0"/>
+              <a:t>to search relevant items to buy.</a:t>
             </a:r>
           </a:p>
           <a:p>
@@ -11750,7 +12357,7 @@
             </a:pPr>
             <a:r>
               <a:rPr lang="en-US" sz="2000" dirty="0" smtClean="0"/>
-              <a:t>Automated search services will save lots of time.</a:t>
+              <a:t>Automated search services.</a:t>
             </a:r>
           </a:p>
           <a:p>
@@ -11760,7 +12367,7 @@
             </a:pPr>
             <a:r>
               <a:rPr lang="en-US" sz="2000" dirty="0" smtClean="0"/>
-              <a:t>Automated notification system.</a:t>
+              <a:t>Automated location services.</a:t>
             </a:r>
           </a:p>
           <a:p>
@@ -11770,7 +12377,7 @@
             </a:pPr>
             <a:r>
               <a:rPr lang="en-US" sz="2000" dirty="0" smtClean="0"/>
-              <a:t>Rating and provide reviews.</a:t>
+              <a:t>Facilitate rating and reviews.</a:t>
             </a:r>
           </a:p>
           <a:p>
@@ -12115,8 +12722,293 @@
   <a:extraClrSchemeLst/>
   <a:extLst>
     <a:ext uri="{05A4C25C-085E-4340-85A3-A5531E510DB2}">
-      <thm15:themeFamily xmlns="" xmlns:thm15="http://schemas.microsoft.com/office/thememl/2012/main" name="Presentation5" id="{241787CD-377C-49ED-AE67-760C6FDD745F}" vid="{ABD59567-C307-4CF5-9956-417825F8C941}"/>
+      <thm15:themeFamily xmlns:thm15="http://schemas.microsoft.com/office/thememl/2012/main" xmlns="" name="Presentation5" id="{241787CD-377C-49ED-AE67-760C6FDD745F}" vid="{ABD59567-C307-4CF5-9956-417825F8C941}"/>
     </a:ext>
   </a:extLst>
 </a:theme>
+</file>
+
+<file path=ppt/theme/theme2.xml><?xml version="1.0" encoding="utf-8"?>
+<a:theme xmlns:a="http://schemas.openxmlformats.org/drawingml/2006/main" name="Office Theme">
+  <a:themeElements>
+    <a:clrScheme name="Office">
+      <a:dk1>
+        <a:sysClr val="windowText" lastClr="000000"/>
+      </a:dk1>
+      <a:lt1>
+        <a:sysClr val="window" lastClr="FFFFFF"/>
+      </a:lt1>
+      <a:dk2>
+        <a:srgbClr val="1F497D"/>
+      </a:dk2>
+      <a:lt2>
+        <a:srgbClr val="EEECE1"/>
+      </a:lt2>
+      <a:accent1>
+        <a:srgbClr val="4F81BD"/>
+      </a:accent1>
+      <a:accent2>
+        <a:srgbClr val="C0504D"/>
+      </a:accent2>
+      <a:accent3>
+        <a:srgbClr val="9BBB59"/>
+      </a:accent3>
+      <a:accent4>
+        <a:srgbClr val="8064A2"/>
+      </a:accent4>
+      <a:accent5>
+        <a:srgbClr val="4BACC6"/>
+      </a:accent5>
+      <a:accent6>
+        <a:srgbClr val="F79646"/>
+      </a:accent6>
+      <a:hlink>
+        <a:srgbClr val="0000FF"/>
+      </a:hlink>
+      <a:folHlink>
+        <a:srgbClr val="800080"/>
+      </a:folHlink>
+    </a:clrScheme>
+    <a:fontScheme name="Office">
+      <a:majorFont>
+        <a:latin typeface="Calibri"/>
+        <a:ea typeface=""/>
+        <a:cs typeface=""/>
+        <a:font script="Jpan" typeface="ＭＳ Ｐゴシック"/>
+        <a:font script="Hang" typeface="맑은 고딕"/>
+        <a:font script="Hans" typeface="宋体"/>
+        <a:font script="Hant" typeface="新細明體"/>
+        <a:font script="Arab" typeface="Times New Roman"/>
+        <a:font script="Hebr" typeface="Times New Roman"/>
+        <a:font script="Thai" typeface="Angsana New"/>
+        <a:font script="Ethi" typeface="Nyala"/>
+        <a:font script="Beng" typeface="Vrinda"/>
+        <a:font script="Gujr" typeface="Shruti"/>
+        <a:font script="Khmr" typeface="MoolBoran"/>
+        <a:font script="Knda" typeface="Tunga"/>
+        <a:font script="Guru" typeface="Raavi"/>
+        <a:font script="Cans" typeface="Euphemia"/>
+        <a:font script="Cher" typeface="Plantagenet Cherokee"/>
+        <a:font script="Yiii" typeface="Microsoft Yi Baiti"/>
+        <a:font script="Tibt" typeface="Microsoft Himalaya"/>
+        <a:font script="Thaa" typeface="MV Boli"/>
+        <a:font script="Deva" typeface="Mangal"/>
+        <a:font script="Telu" typeface="Gautami"/>
+        <a:font script="Taml" typeface="Latha"/>
+        <a:font script="Syrc" typeface="Estrangelo Edessa"/>
+        <a:font script="Orya" typeface="Kalinga"/>
+        <a:font script="Mlym" typeface="Kartika"/>
+        <a:font script="Laoo" typeface="DokChampa"/>
+        <a:font script="Sinh" typeface="Iskoola Pota"/>
+        <a:font script="Mong" typeface="Mongolian Baiti"/>
+        <a:font script="Viet" typeface="Times New Roman"/>
+        <a:font script="Uigh" typeface="Microsoft Uighur"/>
+        <a:font script="Geor" typeface="Sylfaen"/>
+      </a:majorFont>
+      <a:minorFont>
+        <a:latin typeface="Calibri"/>
+        <a:ea typeface=""/>
+        <a:cs typeface=""/>
+        <a:font script="Jpan" typeface="ＭＳ Ｐゴシック"/>
+        <a:font script="Hang" typeface="맑은 고딕"/>
+        <a:font script="Hans" typeface="宋体"/>
+        <a:font script="Hant" typeface="新細明體"/>
+        <a:font script="Arab" typeface="Arial"/>
+        <a:font script="Hebr" typeface="Arial"/>
+        <a:font script="Thai" typeface="Cordia New"/>
+        <a:font script="Ethi" typeface="Nyala"/>
+        <a:font script="Beng" typeface="Vrinda"/>
+        <a:font script="Gujr" typeface="Shruti"/>
+        <a:font script="Khmr" typeface="DaunPenh"/>
+        <a:font script="Knda" typeface="Tunga"/>
+        <a:font script="Guru" typeface="Raavi"/>
+        <a:font script="Cans" typeface="Euphemia"/>
+        <a:font script="Cher" typeface="Plantagenet Cherokee"/>
+        <a:font script="Yiii" typeface="Microsoft Yi Baiti"/>
+        <a:font script="Tibt" typeface="Microsoft Himalaya"/>
+        <a:font script="Thaa" typeface="MV Boli"/>
+        <a:font script="Deva" typeface="Mangal"/>
+        <a:font script="Telu" typeface="Gautami"/>
+        <a:font script="Taml" typeface="Latha"/>
+        <a:font script="Syrc" typeface="Estrangelo Edessa"/>
+        <a:font script="Orya" typeface="Kalinga"/>
+        <a:font script="Mlym" typeface="Kartika"/>
+        <a:font script="Laoo" typeface="DokChampa"/>
+        <a:font script="Sinh" typeface="Iskoola Pota"/>
+        <a:font script="Mong" typeface="Mongolian Baiti"/>
+        <a:font script="Viet" typeface="Arial"/>
+        <a:font script="Uigh" typeface="Microsoft Uighur"/>
+        <a:font script="Geor" typeface="Sylfaen"/>
+      </a:minorFont>
+    </a:fontScheme>
+    <a:fmtScheme name="Office">
+      <a:fillStyleLst>
+        <a:solidFill>
+          <a:schemeClr val="phClr"/>
+        </a:solidFill>
+        <a:gradFill rotWithShape="1">
+          <a:gsLst>
+            <a:gs pos="0">
+              <a:schemeClr val="phClr">
+                <a:tint val="50000"/>
+                <a:satMod val="300000"/>
+              </a:schemeClr>
+            </a:gs>
+            <a:gs pos="35000">
+              <a:schemeClr val="phClr">
+                <a:tint val="37000"/>
+                <a:satMod val="300000"/>
+              </a:schemeClr>
+            </a:gs>
+            <a:gs pos="100000">
+              <a:schemeClr val="phClr">
+                <a:tint val="15000"/>
+                <a:satMod val="350000"/>
+              </a:schemeClr>
+            </a:gs>
+          </a:gsLst>
+          <a:lin ang="16200000" scaled="1"/>
+        </a:gradFill>
+        <a:gradFill rotWithShape="1">
+          <a:gsLst>
+            <a:gs pos="0">
+              <a:schemeClr val="phClr">
+                <a:shade val="51000"/>
+                <a:satMod val="130000"/>
+              </a:schemeClr>
+            </a:gs>
+            <a:gs pos="80000">
+              <a:schemeClr val="phClr">
+                <a:shade val="93000"/>
+                <a:satMod val="130000"/>
+              </a:schemeClr>
+            </a:gs>
+            <a:gs pos="100000">
+              <a:schemeClr val="phClr">
+                <a:shade val="94000"/>
+                <a:satMod val="135000"/>
+              </a:schemeClr>
+            </a:gs>
+          </a:gsLst>
+          <a:lin ang="16200000" scaled="0"/>
+        </a:gradFill>
+      </a:fillStyleLst>
+      <a:lnStyleLst>
+        <a:ln w="9525" cap="flat" cmpd="sng" algn="ctr">
+          <a:solidFill>
+            <a:schemeClr val="phClr">
+              <a:shade val="95000"/>
+              <a:satMod val="105000"/>
+            </a:schemeClr>
+          </a:solidFill>
+          <a:prstDash val="solid"/>
+        </a:ln>
+        <a:ln w="25400" cap="flat" cmpd="sng" algn="ctr">
+          <a:solidFill>
+            <a:schemeClr val="phClr"/>
+          </a:solidFill>
+          <a:prstDash val="solid"/>
+        </a:ln>
+        <a:ln w="38100" cap="flat" cmpd="sng" algn="ctr">
+          <a:solidFill>
+            <a:schemeClr val="phClr"/>
+          </a:solidFill>
+          <a:prstDash val="solid"/>
+        </a:ln>
+      </a:lnStyleLst>
+      <a:effectStyleLst>
+        <a:effectStyle>
+          <a:effectLst>
+            <a:outerShdw blurRad="40000" dist="20000" dir="5400000" rotWithShape="0">
+              <a:srgbClr val="000000">
+                <a:alpha val="38000"/>
+              </a:srgbClr>
+            </a:outerShdw>
+          </a:effectLst>
+        </a:effectStyle>
+        <a:effectStyle>
+          <a:effectLst>
+            <a:outerShdw blurRad="40000" dist="23000" dir="5400000" rotWithShape="0">
+              <a:srgbClr val="000000">
+                <a:alpha val="35000"/>
+              </a:srgbClr>
+            </a:outerShdw>
+          </a:effectLst>
+        </a:effectStyle>
+        <a:effectStyle>
+          <a:effectLst>
+            <a:outerShdw blurRad="40000" dist="23000" dir="5400000" rotWithShape="0">
+              <a:srgbClr val="000000">
+                <a:alpha val="35000"/>
+              </a:srgbClr>
+            </a:outerShdw>
+          </a:effectLst>
+          <a:scene3d>
+            <a:camera prst="orthographicFront">
+              <a:rot lat="0" lon="0" rev="0"/>
+            </a:camera>
+            <a:lightRig rig="threePt" dir="t">
+              <a:rot lat="0" lon="0" rev="1200000"/>
+            </a:lightRig>
+          </a:scene3d>
+          <a:sp3d>
+            <a:bevelT w="63500" h="25400"/>
+          </a:sp3d>
+        </a:effectStyle>
+      </a:effectStyleLst>
+      <a:bgFillStyleLst>
+        <a:solidFill>
+          <a:schemeClr val="phClr"/>
+        </a:solidFill>
+        <a:gradFill rotWithShape="1">
+          <a:gsLst>
+            <a:gs pos="0">
+              <a:schemeClr val="phClr">
+                <a:tint val="40000"/>
+                <a:satMod val="350000"/>
+              </a:schemeClr>
+            </a:gs>
+            <a:gs pos="40000">
+              <a:schemeClr val="phClr">
+                <a:tint val="45000"/>
+                <a:shade val="99000"/>
+                <a:satMod val="350000"/>
+              </a:schemeClr>
+            </a:gs>
+            <a:gs pos="100000">
+              <a:schemeClr val="phClr">
+                <a:shade val="20000"/>
+                <a:satMod val="255000"/>
+              </a:schemeClr>
+            </a:gs>
+          </a:gsLst>
+          <a:path path="circle">
+            <a:fillToRect l="50000" t="-80000" r="50000" b="180000"/>
+          </a:path>
+        </a:gradFill>
+        <a:gradFill rotWithShape="1">
+          <a:gsLst>
+            <a:gs pos="0">
+              <a:schemeClr val="phClr">
+                <a:tint val="80000"/>
+                <a:satMod val="300000"/>
+              </a:schemeClr>
+            </a:gs>
+            <a:gs pos="100000">
+              <a:schemeClr val="phClr">
+                <a:shade val="30000"/>
+                <a:satMod val="200000"/>
+              </a:schemeClr>
+            </a:gs>
+          </a:gsLst>
+          <a:path path="circle">
+            <a:fillToRect l="50000" t="50000" r="50000" b="50000"/>
+          </a:path>
+        </a:gradFill>
+      </a:bgFillStyleLst>
+    </a:fmtScheme>
+  </a:themeElements>
+  <a:objectDefaults/>
+  <a:extraClrSchemeLst/>
+</a:theme>
 </file>